--- a/卒業論文本体/発表用スライド.pptx
+++ b/卒業論文本体/発表用スライド.pptx
@@ -6,12 +6,17 @@
     <p:sldMasterId id="2147483813" r:id="rId2"/>
   </p:sldMasterIdLst>
   <p:notesMasterIdLst>
-    <p:notesMasterId r:id="rId6"/>
+    <p:notesMasterId r:id="rId11"/>
   </p:notesMasterIdLst>
   <p:sldIdLst>
     <p:sldId id="256" r:id="rId3"/>
     <p:sldId id="257" r:id="rId4"/>
     <p:sldId id="258" r:id="rId5"/>
+    <p:sldId id="259" r:id="rId6"/>
+    <p:sldId id="260" r:id="rId7"/>
+    <p:sldId id="261" r:id="rId8"/>
+    <p:sldId id="262" r:id="rId9"/>
+    <p:sldId id="263" r:id="rId10"/>
   </p:sldIdLst>
   <p:sldSz cx="9144000" cy="6858000" type="screen4x3"/>
   <p:notesSz cx="6858000" cy="9144000"/>
@@ -779,11 +784,11 @@
         </c:dLbls>
         <c:gapWidth val="79"/>
         <c:overlap val="100"/>
-        <c:axId val="560796384"/>
-        <c:axId val="560796944"/>
+        <c:axId val="276220016"/>
+        <c:axId val="276220576"/>
       </c:barChart>
       <c:catAx>
-        <c:axId val="560796384"/>
+        <c:axId val="276220016"/>
         <c:scaling>
           <c:orientation val="minMax"/>
         </c:scaling>
@@ -840,7 +845,7 @@
             <a:endParaRPr lang="ja-JP"/>
           </a:p>
         </c:txPr>
-        <c:crossAx val="560796944"/>
+        <c:crossAx val="276220576"/>
         <c:crosses val="autoZero"/>
         <c:auto val="1"/>
         <c:lblAlgn val="ctr"/>
@@ -848,7 +853,7 @@
         <c:noMultiLvlLbl val="0"/>
       </c:catAx>
       <c:valAx>
-        <c:axId val="560796944"/>
+        <c:axId val="276220576"/>
         <c:scaling>
           <c:orientation val="minMax"/>
           <c:max val="200"/>
@@ -974,7 +979,7 @@
             <a:endParaRPr lang="ja-JP"/>
           </a:p>
         </c:txPr>
-        <c:crossAx val="560796384"/>
+        <c:crossAx val="276220016"/>
         <c:crosses val="autoZero"/>
         <c:crossBetween val="between"/>
       </c:valAx>
@@ -1723,7 +1728,7 @@
           <a:p>
             <a:fld id="{1D2B6E0B-CE0C-4226-9022-18809A19516C}" type="datetimeFigureOut">
               <a:rPr kumimoji="1" lang="ja-JP" altLang="en-US" smtClean="0"/>
-              <a:t>2016/2/6</a:t>
+              <a:t>2016/2/7</a:t>
             </a:fld>
             <a:endParaRPr kumimoji="1" lang="ja-JP" altLang="en-US"/>
           </a:p>
@@ -2154,7 +2159,7 @@
           <a:p>
             <a:fld id="{A6C6E614-4836-42B6-A98A-93C794B969EB}" type="datetimeFigureOut">
               <a:rPr kumimoji="1" lang="ja-JP" altLang="en-US" smtClean="0"/>
-              <a:t>2016/2/6</a:t>
+              <a:t>2016/2/7</a:t>
             </a:fld>
             <a:endParaRPr kumimoji="1" lang="ja-JP" altLang="en-US"/>
           </a:p>
@@ -2356,7 +2361,7 @@
           <a:p>
             <a:fld id="{A6C6E614-4836-42B6-A98A-93C794B969EB}" type="datetimeFigureOut">
               <a:rPr kumimoji="1" lang="ja-JP" altLang="en-US" smtClean="0"/>
-              <a:t>2016/2/6</a:t>
+              <a:t>2016/2/7</a:t>
             </a:fld>
             <a:endParaRPr kumimoji="1" lang="ja-JP" altLang="en-US"/>
           </a:p>
@@ -2575,7 +2580,7 @@
           <a:p>
             <a:fld id="{A6C6E614-4836-42B6-A98A-93C794B969EB}" type="datetimeFigureOut">
               <a:rPr kumimoji="1" lang="ja-JP" altLang="en-US" smtClean="0"/>
-              <a:t>2016/2/6</a:t>
+              <a:t>2016/2/7</a:t>
             </a:fld>
             <a:endParaRPr kumimoji="1" lang="ja-JP" altLang="en-US"/>
           </a:p>
@@ -3025,7 +3030,12 @@
             <p:ph idx="1"/>
           </p:nvPr>
         </p:nvSpPr>
-        <p:spPr/>
+        <p:spPr>
+          <a:xfrm>
+            <a:off x="744722" y="1255216"/>
+            <a:ext cx="7547410" cy="365399"/>
+          </a:xfrm>
+        </p:spPr>
         <p:txBody>
           <a:bodyPr/>
           <a:lstStyle/>
@@ -3116,7 +3126,7 @@
           <a:p>
             <a:fld id="{F5A27BD4-75F9-4C2C-8D66-695067FA1892}" type="datetimeFigureOut">
               <a:rPr kumimoji="1" lang="ja-JP" altLang="en-US" smtClean="0"/>
-              <a:t>2016/2/6</a:t>
+              <a:t>2016/2/7</a:t>
             </a:fld>
             <a:endParaRPr kumimoji="1" lang="ja-JP" altLang="en-US"/>
           </a:p>
@@ -3466,7 +3476,7 @@
           <a:p>
             <a:fld id="{F5A27BD4-75F9-4C2C-8D66-695067FA1892}" type="datetimeFigureOut">
               <a:rPr kumimoji="1" lang="ja-JP" altLang="en-US" smtClean="0"/>
-              <a:t>2016/2/6</a:t>
+              <a:t>2016/2/7</a:t>
             </a:fld>
             <a:endParaRPr kumimoji="1" lang="ja-JP" altLang="en-US"/>
           </a:p>
@@ -3601,7 +3611,7 @@
         </p:nvSpPr>
         <p:spPr>
           <a:xfrm>
-            <a:off x="822960" y="286604"/>
+            <a:off x="801290" y="310050"/>
             <a:ext cx="7543800" cy="1450757"/>
           </a:xfrm>
         </p:spPr>
@@ -3812,7 +3822,7 @@
           <a:p>
             <a:fld id="{F5A27BD4-75F9-4C2C-8D66-695067FA1892}" type="datetimeFigureOut">
               <a:rPr kumimoji="1" lang="ja-JP" altLang="en-US" smtClean="0"/>
-              <a:t>2016/2/6</a:t>
+              <a:t>2016/2/7</a:t>
             </a:fld>
             <a:endParaRPr kumimoji="1" lang="ja-JP" altLang="en-US"/>
           </a:p>
@@ -4262,7 +4272,7 @@
           <a:p>
             <a:fld id="{F5A27BD4-75F9-4C2C-8D66-695067FA1892}" type="datetimeFigureOut">
               <a:rPr kumimoji="1" lang="ja-JP" altLang="en-US" smtClean="0"/>
-              <a:t>2016/2/6</a:t>
+              <a:t>2016/2/7</a:t>
             </a:fld>
             <a:endParaRPr kumimoji="1" lang="ja-JP" altLang="en-US"/>
           </a:p>
@@ -4387,7 +4397,7 @@
           <a:p>
             <a:fld id="{F5A27BD4-75F9-4C2C-8D66-695067FA1892}" type="datetimeFigureOut">
               <a:rPr kumimoji="1" lang="ja-JP" altLang="en-US" smtClean="0"/>
-              <a:t>2016/2/6</a:t>
+              <a:t>2016/2/7</a:t>
             </a:fld>
             <a:endParaRPr kumimoji="1" lang="ja-JP" altLang="en-US"/>
           </a:p>
@@ -4565,7 +4575,7 @@
           <a:p>
             <a:fld id="{F5A27BD4-75F9-4C2C-8D66-695067FA1892}" type="datetimeFigureOut">
               <a:rPr kumimoji="1" lang="ja-JP" altLang="en-US" smtClean="0"/>
-              <a:t>2016/2/6</a:t>
+              <a:t>2016/2/7</a:t>
             </a:fld>
             <a:endParaRPr kumimoji="1" lang="ja-JP" altLang="en-US"/>
           </a:p>
@@ -4958,7 +4968,7 @@
           <a:p>
             <a:fld id="{F5A27BD4-75F9-4C2C-8D66-695067FA1892}" type="datetimeFigureOut">
               <a:rPr kumimoji="1" lang="ja-JP" altLang="en-US" smtClean="0"/>
-              <a:t>2016/2/6</a:t>
+              <a:t>2016/2/7</a:t>
             </a:fld>
             <a:endParaRPr kumimoji="1" lang="ja-JP" altLang="en-US"/>
           </a:p>
@@ -5188,7 +5198,7 @@
           <a:p>
             <a:fld id="{A6C6E614-4836-42B6-A98A-93C794B969EB}" type="datetimeFigureOut">
               <a:rPr kumimoji="1" lang="ja-JP" altLang="en-US" smtClean="0"/>
-              <a:t>2016/2/6</a:t>
+              <a:t>2016/2/7</a:t>
             </a:fld>
             <a:endParaRPr kumimoji="1" lang="ja-JP" altLang="en-US"/>
           </a:p>
@@ -5549,7 +5559,7 @@
           <a:p>
             <a:fld id="{F5A27BD4-75F9-4C2C-8D66-695067FA1892}" type="datetimeFigureOut">
               <a:rPr kumimoji="1" lang="ja-JP" altLang="en-US" smtClean="0"/>
-              <a:t>2016/2/6</a:t>
+              <a:t>2016/2/7</a:t>
             </a:fld>
             <a:endParaRPr kumimoji="1" lang="ja-JP" altLang="en-US"/>
           </a:p>
@@ -5751,7 +5761,7 @@
           <a:p>
             <a:fld id="{F5A27BD4-75F9-4C2C-8D66-695067FA1892}" type="datetimeFigureOut">
               <a:rPr kumimoji="1" lang="ja-JP" altLang="en-US" smtClean="0"/>
-              <a:t>2016/2/6</a:t>
+              <a:t>2016/2/7</a:t>
             </a:fld>
             <a:endParaRPr kumimoji="1" lang="ja-JP" altLang="en-US"/>
           </a:p>
@@ -6039,7 +6049,7 @@
           <a:p>
             <a:fld id="{F5A27BD4-75F9-4C2C-8D66-695067FA1892}" type="datetimeFigureOut">
               <a:rPr kumimoji="1" lang="ja-JP" altLang="en-US" smtClean="0"/>
-              <a:t>2016/2/6</a:t>
+              <a:t>2016/2/7</a:t>
             </a:fld>
             <a:endParaRPr kumimoji="1" lang="ja-JP" altLang="en-US"/>
           </a:p>
@@ -6157,7 +6167,7 @@
           <a:p>
             <a:fld id="{F5A27BD4-75F9-4C2C-8D66-695067FA1892}" type="datetimeFigureOut">
               <a:rPr kumimoji="1" lang="ja-JP" altLang="en-US" smtClean="0"/>
-              <a:t>2016/2/6</a:t>
+              <a:t>2016/2/7</a:t>
             </a:fld>
             <a:endParaRPr kumimoji="1" lang="ja-JP" altLang="en-US"/>
           </a:p>
@@ -6410,7 +6420,7 @@
           <a:p>
             <a:fld id="{A6C6E614-4836-42B6-A98A-93C794B969EB}" type="datetimeFigureOut">
               <a:rPr kumimoji="1" lang="ja-JP" altLang="en-US" smtClean="0"/>
-              <a:t>2016/2/6</a:t>
+              <a:t>2016/2/7</a:t>
             </a:fld>
             <a:endParaRPr kumimoji="1" lang="ja-JP" altLang="en-US"/>
           </a:p>
@@ -6706,7 +6716,7 @@
           <a:p>
             <a:fld id="{A6C6E614-4836-42B6-A98A-93C794B969EB}" type="datetimeFigureOut">
               <a:rPr kumimoji="1" lang="ja-JP" altLang="en-US" smtClean="0"/>
-              <a:t>2016/2/6</a:t>
+              <a:t>2016/2/7</a:t>
             </a:fld>
             <a:endParaRPr kumimoji="1" lang="ja-JP" altLang="en-US"/>
           </a:p>
@@ -7137,7 +7147,7 @@
           <a:p>
             <a:fld id="{A6C6E614-4836-42B6-A98A-93C794B969EB}" type="datetimeFigureOut">
               <a:rPr kumimoji="1" lang="ja-JP" altLang="en-US" smtClean="0"/>
-              <a:t>2016/2/6</a:t>
+              <a:t>2016/2/7</a:t>
             </a:fld>
             <a:endParaRPr kumimoji="1" lang="ja-JP" altLang="en-US"/>
           </a:p>
@@ -7255,7 +7265,7 @@
           <a:p>
             <a:fld id="{A6C6E614-4836-42B6-A98A-93C794B969EB}" type="datetimeFigureOut">
               <a:rPr kumimoji="1" lang="ja-JP" altLang="en-US" smtClean="0"/>
-              <a:t>2016/2/6</a:t>
+              <a:t>2016/2/7</a:t>
             </a:fld>
             <a:endParaRPr kumimoji="1" lang="ja-JP" altLang="en-US"/>
           </a:p>
@@ -7350,7 +7360,7 @@
           <a:p>
             <a:fld id="{A6C6E614-4836-42B6-A98A-93C794B969EB}" type="datetimeFigureOut">
               <a:rPr kumimoji="1" lang="ja-JP" altLang="en-US" smtClean="0"/>
-              <a:t>2016/2/6</a:t>
+              <a:t>2016/2/7</a:t>
             </a:fld>
             <a:endParaRPr kumimoji="1" lang="ja-JP" altLang="en-US"/>
           </a:p>
@@ -7659,7 +7669,7 @@
           <a:p>
             <a:fld id="{A6C6E614-4836-42B6-A98A-93C794B969EB}" type="datetimeFigureOut">
               <a:rPr kumimoji="1" lang="ja-JP" altLang="en-US" smtClean="0"/>
-              <a:t>2016/2/6</a:t>
+              <a:t>2016/2/7</a:t>
             </a:fld>
             <a:endParaRPr kumimoji="1" lang="ja-JP" altLang="en-US"/>
           </a:p>
@@ -7919,7 +7929,7 @@
           <a:p>
             <a:fld id="{A6C6E614-4836-42B6-A98A-93C794B969EB}" type="datetimeFigureOut">
               <a:rPr kumimoji="1" lang="ja-JP" altLang="en-US" smtClean="0"/>
-              <a:t>2016/2/6</a:t>
+              <a:t>2016/2/7</a:t>
             </a:fld>
             <a:endParaRPr kumimoji="1" lang="ja-JP" altLang="en-US"/>
           </a:p>
@@ -8171,7 +8181,7 @@
           <a:p>
             <a:fld id="{A6C6E614-4836-42B6-A98A-93C794B969EB}" type="datetimeFigureOut">
               <a:rPr kumimoji="1" lang="ja-JP" altLang="en-US" smtClean="0"/>
-              <a:t>2016/2/6</a:t>
+              <a:t>2016/2/7</a:t>
             </a:fld>
             <a:endParaRPr kumimoji="1" lang="ja-JP" altLang="en-US"/>
           </a:p>
@@ -8709,7 +8719,7 @@
         </p:nvSpPr>
         <p:spPr>
           <a:xfrm>
-            <a:off x="895149" y="1372446"/>
+            <a:off x="981118" y="1320157"/>
             <a:ext cx="7547410" cy="365399"/>
           </a:xfrm>
           <a:prstGeom prst="rect">
@@ -8763,7 +8773,7 @@
           <a:p>
             <a:fld id="{A6C6E614-4836-42B6-A98A-93C794B969EB}" type="datetimeFigureOut">
               <a:rPr kumimoji="1" lang="ja-JP" altLang="en-US" smtClean="0"/>
-              <a:t>2016/2/6</a:t>
+              <a:t>2016/2/7</a:t>
             </a:fld>
             <a:endParaRPr kumimoji="1" lang="ja-JP" altLang="en-US"/>
           </a:p>
@@ -8845,13 +8855,13 @@
       </p:sp>
       <p:cxnSp>
         <p:nvCxnSpPr>
-          <p:cNvPr id="10" name="Straight Connector 9"/>
+          <p:cNvPr id="11" name="Straight Connector 9"/>
           <p:cNvCxnSpPr/>
-          <p:nvPr/>
+          <p:nvPr userDrawn="1"/>
         </p:nvCxnSpPr>
         <p:spPr>
           <a:xfrm>
-            <a:off x="895149" y="1737845"/>
+            <a:off x="598164" y="-75324"/>
             <a:ext cx="7475220" cy="0"/>
           </a:xfrm>
           <a:prstGeom prst="line">
@@ -9485,7 +9495,15 @@
           <a:p>
             <a:r>
               <a:rPr kumimoji="1" lang="ja-JP" altLang="en-US" dirty="0" smtClean="0"/>
-              <a:t>研究背景</a:t>
+              <a:t>研究</a:t>
+            </a:r>
+            <a:r>
+              <a:rPr kumimoji="1" lang="ja-JP" altLang="en-US" dirty="0" smtClean="0"/>
+              <a:t>背景</a:t>
+            </a:r>
+            <a:r>
+              <a:rPr kumimoji="1" lang="en-US" altLang="ja-JP" dirty="0" smtClean="0"/>
+              <a:t>(1/4)</a:t>
             </a:r>
             <a:endParaRPr kumimoji="1" lang="ja-JP" altLang="en-US" dirty="0"/>
           </a:p>
@@ -9665,7 +9683,15 @@
           <a:p>
             <a:r>
               <a:rPr kumimoji="1" lang="ja-JP" altLang="en-US" dirty="0" smtClean="0"/>
-              <a:t>研究背景</a:t>
+              <a:t>研究</a:t>
+            </a:r>
+            <a:r>
+              <a:rPr kumimoji="1" lang="ja-JP" altLang="en-US" dirty="0" smtClean="0"/>
+              <a:t>背景</a:t>
+            </a:r>
+            <a:r>
+              <a:rPr kumimoji="1" lang="en-US" altLang="ja-JP" dirty="0" smtClean="0"/>
+              <a:t>(2/4)</a:t>
             </a:r>
             <a:endParaRPr kumimoji="1" lang="ja-JP" altLang="en-US" dirty="0"/>
           </a:p>
@@ -9689,12 +9715,12 @@
         </p:spPr>
         <p:txBody>
           <a:bodyPr>
-            <a:normAutofit/>
+            <a:normAutofit fontScale="62500" lnSpcReduction="20000"/>
           </a:bodyPr>
           <a:lstStyle/>
           <a:p>
             <a:r>
-              <a:rPr kumimoji="1" lang="en-US" altLang="ja-JP" dirty="0" smtClean="0">
+              <a:rPr kumimoji="1" lang="en-US" altLang="ja-JP" sz="4000" dirty="0" smtClean="0">
                 <a:solidFill>
                   <a:schemeClr val="accent1">
                     <a:lumMod val="60000"/>
@@ -9852,6 +9878,1950 @@
       </p:par>
     </p:tnLst>
   </p:timing>
+</p:sld>
+</file>
+
+<file path=ppt/slides/slide4.xml><?xml version="1.0" encoding="utf-8"?>
+<p:sld xmlns:a="http://schemas.openxmlformats.org/drawingml/2006/main" xmlns:r="http://schemas.openxmlformats.org/officeDocument/2006/relationships" xmlns:p="http://schemas.openxmlformats.org/presentationml/2006/main">
+  <p:cSld>
+    <p:spTree>
+      <p:nvGrpSpPr>
+        <p:cNvPr id="1" name=""/>
+        <p:cNvGrpSpPr/>
+        <p:nvPr/>
+      </p:nvGrpSpPr>
+      <p:grpSpPr>
+        <a:xfrm>
+          <a:off x="0" y="0"/>
+          <a:ext cx="0" cy="0"/>
+          <a:chOff x="0" y="0"/>
+          <a:chExt cx="0" cy="0"/>
+        </a:xfrm>
+      </p:grpSpPr>
+      <p:sp>
+        <p:nvSpPr>
+          <p:cNvPr id="2" name="タイトル 1"/>
+          <p:cNvSpPr>
+            <a:spLocks noGrp="1"/>
+          </p:cNvSpPr>
+          <p:nvPr>
+            <p:ph type="title"/>
+          </p:nvPr>
+        </p:nvSpPr>
+        <p:spPr/>
+        <p:txBody>
+          <a:bodyPr/>
+          <a:lstStyle/>
+          <a:p>
+            <a:r>
+              <a:rPr kumimoji="1" lang="ja-JP" altLang="en-US" dirty="0" smtClean="0"/>
+              <a:t>研究背景</a:t>
+            </a:r>
+            <a:r>
+              <a:rPr kumimoji="1" lang="en-US" altLang="ja-JP" dirty="0" smtClean="0"/>
+              <a:t>(3/4)</a:t>
+            </a:r>
+            <a:endParaRPr kumimoji="1" lang="ja-JP" altLang="en-US" dirty="0"/>
+          </a:p>
+        </p:txBody>
+      </p:sp>
+      <p:sp>
+        <p:nvSpPr>
+          <p:cNvPr id="3" name="コンテンツ プレースホルダー 2"/>
+          <p:cNvSpPr>
+            <a:spLocks noGrp="1"/>
+          </p:cNvSpPr>
+          <p:nvPr>
+            <p:ph idx="1"/>
+          </p:nvPr>
+        </p:nvSpPr>
+        <p:spPr/>
+        <p:txBody>
+          <a:bodyPr>
+            <a:noAutofit/>
+          </a:bodyPr>
+          <a:lstStyle/>
+          <a:p>
+            <a:r>
+              <a:rPr kumimoji="1" lang="en-US" altLang="ja-JP" sz="2500" dirty="0" smtClean="0">
+                <a:solidFill>
+                  <a:schemeClr val="accent1">
+                    <a:lumMod val="60000"/>
+                    <a:lumOff val="40000"/>
+                  </a:schemeClr>
+                </a:solidFill>
+              </a:rPr>
+              <a:t>Heat</a:t>
+            </a:r>
+            <a:endParaRPr kumimoji="1" lang="ja-JP" altLang="en-US" sz="2500" dirty="0">
+              <a:solidFill>
+                <a:schemeClr val="accent1">
+                  <a:lumMod val="60000"/>
+                  <a:lumOff val="40000"/>
+                </a:schemeClr>
+              </a:solidFill>
+            </a:endParaRPr>
+          </a:p>
+        </p:txBody>
+      </p:sp>
+      <p:sp>
+        <p:nvSpPr>
+          <p:cNvPr id="6" name="テキスト ボックス 5"/>
+          <p:cNvSpPr txBox="1"/>
+          <p:nvPr/>
+        </p:nvSpPr>
+        <p:spPr>
+          <a:xfrm>
+            <a:off x="895149" y="1737845"/>
+            <a:ext cx="7547410" cy="646331"/>
+          </a:xfrm>
+          <a:prstGeom prst="rect">
+            <a:avLst/>
+          </a:prstGeom>
+          <a:noFill/>
+        </p:spPr>
+        <p:txBody>
+          <a:bodyPr wrap="square" rtlCol="0">
+            <a:spAutoFit/>
+          </a:bodyPr>
+          <a:lstStyle/>
+          <a:p>
+            <a:pPr marL="285750" indent="-285750">
+              <a:buFont typeface="Wingdings" panose="05000000000000000000" pitchFamily="2" charset="2"/>
+              <a:buChar char="u"/>
+            </a:pPr>
+            <a:r>
+              <a:rPr kumimoji="1" lang="ja-JP" altLang="en-US" dirty="0" smtClean="0"/>
+              <a:t>仮想環境構築をオーケストレーション（自動化）</a:t>
+            </a:r>
+            <a:endParaRPr kumimoji="1" lang="en-US" altLang="ja-JP" dirty="0" smtClean="0"/>
+          </a:p>
+          <a:p>
+            <a:pPr marL="285750" indent="-285750">
+              <a:buFont typeface="Wingdings" panose="05000000000000000000" pitchFamily="2" charset="2"/>
+              <a:buChar char="u"/>
+            </a:pPr>
+            <a:r>
+              <a:rPr kumimoji="1" lang="ja-JP" altLang="en-US" dirty="0" smtClean="0"/>
+              <a:t>テンプレートファイルに構築内容を記述</a:t>
+            </a:r>
+            <a:endParaRPr kumimoji="1" lang="ja-JP" altLang="en-US" dirty="0"/>
+          </a:p>
+        </p:txBody>
+      </p:sp>
+      <p:sp>
+        <p:nvSpPr>
+          <p:cNvPr id="7" name="テキスト ボックス 6"/>
+          <p:cNvSpPr txBox="1"/>
+          <p:nvPr/>
+        </p:nvSpPr>
+        <p:spPr>
+          <a:xfrm>
+            <a:off x="895149" y="2370144"/>
+            <a:ext cx="7347857" cy="400110"/>
+          </a:xfrm>
+          <a:prstGeom prst="rect">
+            <a:avLst/>
+          </a:prstGeom>
+          <a:noFill/>
+        </p:spPr>
+        <p:txBody>
+          <a:bodyPr wrap="square" rtlCol="0">
+            <a:spAutoFit/>
+          </a:bodyPr>
+          <a:lstStyle/>
+          <a:p>
+            <a:r>
+              <a:rPr kumimoji="1" lang="ja-JP" altLang="en-US" sz="2000" dirty="0" smtClean="0"/>
+              <a:t>問題点</a:t>
+            </a:r>
+            <a:endParaRPr kumimoji="1" lang="ja-JP" altLang="en-US" sz="2000" dirty="0"/>
+          </a:p>
+        </p:txBody>
+      </p:sp>
+      <p:sp>
+        <p:nvSpPr>
+          <p:cNvPr id="8" name="テキスト ボックス 7"/>
+          <p:cNvSpPr txBox="1"/>
+          <p:nvPr/>
+        </p:nvSpPr>
+        <p:spPr>
+          <a:xfrm>
+            <a:off x="895149" y="2749575"/>
+            <a:ext cx="7413171" cy="923330"/>
+          </a:xfrm>
+          <a:prstGeom prst="rect">
+            <a:avLst/>
+          </a:prstGeom>
+          <a:noFill/>
+        </p:spPr>
+        <p:txBody>
+          <a:bodyPr wrap="square" rtlCol="0">
+            <a:spAutoFit/>
+          </a:bodyPr>
+          <a:lstStyle/>
+          <a:p>
+            <a:pPr marL="285750" indent="-285750">
+              <a:buFont typeface="Wingdings" panose="05000000000000000000" pitchFamily="2" charset="2"/>
+              <a:buChar char="u"/>
+            </a:pPr>
+            <a:r>
+              <a:rPr kumimoji="1" lang="ja-JP" altLang="en-US" dirty="0" smtClean="0"/>
+              <a:t>テキスト記述量が膨大</a:t>
+            </a:r>
+            <a:endParaRPr kumimoji="1" lang="en-US" altLang="ja-JP" dirty="0" smtClean="0"/>
+          </a:p>
+          <a:p>
+            <a:pPr marL="285750" indent="-285750">
+              <a:buFont typeface="Wingdings" panose="05000000000000000000" pitchFamily="2" charset="2"/>
+              <a:buChar char="u"/>
+            </a:pPr>
+            <a:r>
+              <a:rPr lang="ja-JP" altLang="en-US" dirty="0"/>
+              <a:t>構成</a:t>
+            </a:r>
+            <a:r>
+              <a:rPr lang="ja-JP" altLang="en-US" dirty="0" smtClean="0"/>
+              <a:t>情報を把握しづらい</a:t>
+            </a:r>
+            <a:endParaRPr lang="en-US" altLang="ja-JP" dirty="0" smtClean="0"/>
+          </a:p>
+          <a:p>
+            <a:pPr marL="285750" indent="-285750">
+              <a:buFont typeface="Wingdings" panose="05000000000000000000" pitchFamily="2" charset="2"/>
+              <a:buChar char="u"/>
+            </a:pPr>
+            <a:r>
+              <a:rPr kumimoji="1" lang="ja-JP" altLang="en-US" dirty="0"/>
+              <a:t>書式</a:t>
+            </a:r>
+            <a:r>
+              <a:rPr kumimoji="1" lang="ja-JP" altLang="en-US" dirty="0" smtClean="0"/>
+              <a:t>が</a:t>
+            </a:r>
+            <a:r>
+              <a:rPr kumimoji="1" lang="ja-JP" altLang="en-US" dirty="0"/>
+              <a:t>複雑</a:t>
+            </a:r>
+          </a:p>
+        </p:txBody>
+      </p:sp>
+      <p:pic>
+        <p:nvPicPr>
+          <p:cNvPr id="9" name="図 8"/>
+          <p:cNvPicPr>
+            <a:picLocks noChangeAspect="1"/>
+          </p:cNvPicPr>
+          <p:nvPr/>
+        </p:nvPicPr>
+        <p:blipFill>
+          <a:blip r:embed="rId2">
+            <a:extLst>
+              <a:ext uri="{28A0092B-C50C-407E-A947-70E740481C1C}">
+                <a14:useLocalDpi xmlns:a14="http://schemas.microsoft.com/office/drawing/2010/main" val="0"/>
+              </a:ext>
+            </a:extLst>
+          </a:blip>
+          <a:stretch>
+            <a:fillRect/>
+          </a:stretch>
+        </p:blipFill>
+        <p:spPr>
+          <a:xfrm>
+            <a:off x="2996547" y="3524139"/>
+            <a:ext cx="3210373" cy="3210373"/>
+          </a:xfrm>
+          <a:prstGeom prst="rect">
+            <a:avLst/>
+          </a:prstGeom>
+        </p:spPr>
+      </p:pic>
+    </p:spTree>
+    <p:extLst>
+      <p:ext uri="{BB962C8B-B14F-4D97-AF65-F5344CB8AC3E}">
+        <p14:creationId xmlns:p14="http://schemas.microsoft.com/office/powerpoint/2010/main" val="489293765"/>
+      </p:ext>
+    </p:extLst>
+  </p:cSld>
+  <p:clrMapOvr>
+    <a:masterClrMapping/>
+  </p:clrMapOvr>
+</p:sld>
+</file>
+
+<file path=ppt/slides/slide5.xml><?xml version="1.0" encoding="utf-8"?>
+<p:sld xmlns:a="http://schemas.openxmlformats.org/drawingml/2006/main" xmlns:r="http://schemas.openxmlformats.org/officeDocument/2006/relationships" xmlns:p="http://schemas.openxmlformats.org/presentationml/2006/main">
+  <p:cSld>
+    <p:spTree>
+      <p:nvGrpSpPr>
+        <p:cNvPr id="1" name=""/>
+        <p:cNvGrpSpPr/>
+        <p:nvPr/>
+      </p:nvGrpSpPr>
+      <p:grpSpPr>
+        <a:xfrm>
+          <a:off x="0" y="0"/>
+          <a:ext cx="0" cy="0"/>
+          <a:chOff x="0" y="0"/>
+          <a:chExt cx="0" cy="0"/>
+        </a:xfrm>
+      </p:grpSpPr>
+      <p:sp>
+        <p:nvSpPr>
+          <p:cNvPr id="2" name="タイトル 1"/>
+          <p:cNvSpPr>
+            <a:spLocks noGrp="1"/>
+          </p:cNvSpPr>
+          <p:nvPr>
+            <p:ph type="title"/>
+          </p:nvPr>
+        </p:nvSpPr>
+        <p:spPr/>
+        <p:txBody>
+          <a:bodyPr/>
+          <a:lstStyle/>
+          <a:p>
+            <a:r>
+              <a:rPr kumimoji="1" lang="ja-JP" altLang="en-US" dirty="0" smtClean="0"/>
+              <a:t>研究背景</a:t>
+            </a:r>
+            <a:r>
+              <a:rPr kumimoji="1" lang="en-US" altLang="ja-JP" dirty="0" smtClean="0"/>
+              <a:t>(4/4)</a:t>
+            </a:r>
+            <a:endParaRPr kumimoji="1" lang="ja-JP" altLang="en-US" dirty="0"/>
+          </a:p>
+        </p:txBody>
+      </p:sp>
+      <p:sp>
+        <p:nvSpPr>
+          <p:cNvPr id="3" name="コンテンツ プレースホルダー 2"/>
+          <p:cNvSpPr>
+            <a:spLocks noGrp="1"/>
+          </p:cNvSpPr>
+          <p:nvPr>
+            <p:ph idx="1"/>
+          </p:nvPr>
+        </p:nvSpPr>
+        <p:spPr>
+          <a:xfrm>
+            <a:off x="976792" y="1315296"/>
+            <a:ext cx="7547410" cy="365399"/>
+          </a:xfrm>
+        </p:spPr>
+        <p:txBody>
+          <a:bodyPr>
+            <a:noAutofit/>
+          </a:bodyPr>
+          <a:lstStyle/>
+          <a:p>
+            <a:pPr marL="0" indent="0" algn="ctr">
+              <a:buNone/>
+            </a:pPr>
+            <a:r>
+              <a:rPr kumimoji="1" lang="ja-JP" altLang="en-US" sz="2800" b="1" dirty="0" smtClean="0"/>
+              <a:t>そのため</a:t>
+            </a:r>
+            <a:endParaRPr kumimoji="1" lang="ja-JP" altLang="en-US" sz="2800" b="1" dirty="0"/>
+          </a:p>
+        </p:txBody>
+      </p:sp>
+      <p:sp>
+        <p:nvSpPr>
+          <p:cNvPr id="4" name="テキスト ボックス 3"/>
+          <p:cNvSpPr txBox="1"/>
+          <p:nvPr/>
+        </p:nvSpPr>
+        <p:spPr>
+          <a:xfrm>
+            <a:off x="947745" y="1853293"/>
+            <a:ext cx="7576457" cy="954107"/>
+          </a:xfrm>
+          <a:prstGeom prst="rect">
+            <a:avLst/>
+          </a:prstGeom>
+          <a:noFill/>
+        </p:spPr>
+        <p:txBody>
+          <a:bodyPr wrap="square" rtlCol="0">
+            <a:spAutoFit/>
+          </a:bodyPr>
+          <a:lstStyle/>
+          <a:p>
+            <a:pPr algn="ctr"/>
+            <a:r>
+              <a:rPr lang="ja-JP" altLang="en-US" sz="2800" dirty="0">
+                <a:solidFill>
+                  <a:srgbClr val="FF0000"/>
+                </a:solidFill>
+              </a:rPr>
+              <a:t>テンプレートファイル</a:t>
+            </a:r>
+            <a:r>
+              <a:rPr lang="ja-JP" altLang="en-US" sz="2800" dirty="0" smtClean="0">
+                <a:solidFill>
+                  <a:srgbClr val="FF0000"/>
+                </a:solidFill>
+              </a:rPr>
+              <a:t>記述に時間がかかり，</a:t>
+            </a:r>
+            <a:endParaRPr lang="en-US" altLang="ja-JP" sz="2800" dirty="0" smtClean="0">
+              <a:solidFill>
+                <a:srgbClr val="FF0000"/>
+              </a:solidFill>
+            </a:endParaRPr>
+          </a:p>
+          <a:p>
+            <a:pPr algn="ctr"/>
+            <a:r>
+              <a:rPr lang="ja-JP" altLang="en-US" sz="2800" dirty="0" smtClean="0">
+                <a:solidFill>
+                  <a:srgbClr val="FF0000"/>
+                </a:solidFill>
+              </a:rPr>
+              <a:t>記述ミスが起きやすい</a:t>
+            </a:r>
+            <a:endParaRPr kumimoji="1" lang="ja-JP" altLang="en-US" sz="2800" dirty="0">
+              <a:solidFill>
+                <a:srgbClr val="FF0000"/>
+              </a:solidFill>
+            </a:endParaRPr>
+          </a:p>
+        </p:txBody>
+      </p:sp>
+      <p:sp>
+        <p:nvSpPr>
+          <p:cNvPr id="5" name="コンテンツ プレースホルダー 2"/>
+          <p:cNvSpPr txBox="1">
+            <a:spLocks/>
+          </p:cNvSpPr>
+          <p:nvPr/>
+        </p:nvSpPr>
+        <p:spPr>
+          <a:xfrm>
+            <a:off x="962268" y="3766026"/>
+            <a:ext cx="7547410" cy="365399"/>
+          </a:xfrm>
+          <a:prstGeom prst="rect">
+            <a:avLst/>
+          </a:prstGeom>
+        </p:spPr>
+        <p:txBody>
+          <a:bodyPr vert="horz" lIns="0" tIns="45720" rIns="0" bIns="45720" rtlCol="0">
+            <a:noAutofit/>
+          </a:bodyPr>
+          <a:lstStyle>
+            <a:lvl1pPr marL="91440" indent="-91440" algn="l" defTabSz="914400" rtl="0" eaLnBrk="1" latinLnBrk="0" hangingPunct="1">
+              <a:lnSpc>
+                <a:spcPct val="90000"/>
+              </a:lnSpc>
+              <a:spcBef>
+                <a:spcPts val="1200"/>
+              </a:spcBef>
+              <a:spcAft>
+                <a:spcPts val="200"/>
+              </a:spcAft>
+              <a:buClr>
+                <a:schemeClr val="accent1"/>
+              </a:buClr>
+              <a:buSzPct val="100000"/>
+              <a:buFont typeface="Calibri" panose="020F0502020204030204" pitchFamily="34" charset="0"/>
+              <a:buChar char=" "/>
+              <a:defRPr kumimoji="1" sz="2000" kern="1200">
+                <a:solidFill>
+                  <a:schemeClr val="tx1">
+                    <a:lumMod val="75000"/>
+                    <a:lumOff val="25000"/>
+                  </a:schemeClr>
+                </a:solidFill>
+                <a:latin typeface="+mn-lt"/>
+                <a:ea typeface="+mn-ea"/>
+                <a:cs typeface="+mn-cs"/>
+              </a:defRPr>
+            </a:lvl1pPr>
+            <a:lvl2pPr marL="384048" indent="-182880" algn="l" defTabSz="914400" rtl="0" eaLnBrk="1" latinLnBrk="0" hangingPunct="1">
+              <a:lnSpc>
+                <a:spcPct val="90000"/>
+              </a:lnSpc>
+              <a:spcBef>
+                <a:spcPts val="200"/>
+              </a:spcBef>
+              <a:spcAft>
+                <a:spcPts val="400"/>
+              </a:spcAft>
+              <a:buClr>
+                <a:schemeClr val="accent1"/>
+              </a:buClr>
+              <a:buFont typeface="Calibri" pitchFamily="34" charset="0"/>
+              <a:buChar char="◦"/>
+              <a:defRPr kumimoji="1" sz="1800" kern="1200">
+                <a:solidFill>
+                  <a:schemeClr val="tx1">
+                    <a:lumMod val="75000"/>
+                    <a:lumOff val="25000"/>
+                  </a:schemeClr>
+                </a:solidFill>
+                <a:latin typeface="+mn-lt"/>
+                <a:ea typeface="+mn-ea"/>
+                <a:cs typeface="+mn-cs"/>
+              </a:defRPr>
+            </a:lvl2pPr>
+            <a:lvl3pPr marL="566928" indent="-182880" algn="l" defTabSz="914400" rtl="0" eaLnBrk="1" latinLnBrk="0" hangingPunct="1">
+              <a:lnSpc>
+                <a:spcPct val="90000"/>
+              </a:lnSpc>
+              <a:spcBef>
+                <a:spcPts val="200"/>
+              </a:spcBef>
+              <a:spcAft>
+                <a:spcPts val="400"/>
+              </a:spcAft>
+              <a:buClr>
+                <a:schemeClr val="accent1"/>
+              </a:buClr>
+              <a:buFont typeface="Calibri" pitchFamily="34" charset="0"/>
+              <a:buChar char="◦"/>
+              <a:defRPr kumimoji="1" sz="1400" kern="1200">
+                <a:solidFill>
+                  <a:schemeClr val="tx1">
+                    <a:lumMod val="75000"/>
+                    <a:lumOff val="25000"/>
+                  </a:schemeClr>
+                </a:solidFill>
+                <a:latin typeface="+mn-lt"/>
+                <a:ea typeface="+mn-ea"/>
+                <a:cs typeface="+mn-cs"/>
+              </a:defRPr>
+            </a:lvl3pPr>
+            <a:lvl4pPr marL="749808" indent="-182880" algn="l" defTabSz="914400" rtl="0" eaLnBrk="1" latinLnBrk="0" hangingPunct="1">
+              <a:lnSpc>
+                <a:spcPct val="90000"/>
+              </a:lnSpc>
+              <a:spcBef>
+                <a:spcPts val="200"/>
+              </a:spcBef>
+              <a:spcAft>
+                <a:spcPts val="400"/>
+              </a:spcAft>
+              <a:buClr>
+                <a:schemeClr val="accent1"/>
+              </a:buClr>
+              <a:buFont typeface="Calibri" pitchFamily="34" charset="0"/>
+              <a:buChar char="◦"/>
+              <a:defRPr kumimoji="1" sz="1400" kern="1200">
+                <a:solidFill>
+                  <a:schemeClr val="tx1">
+                    <a:lumMod val="75000"/>
+                    <a:lumOff val="25000"/>
+                  </a:schemeClr>
+                </a:solidFill>
+                <a:latin typeface="+mn-lt"/>
+                <a:ea typeface="+mn-ea"/>
+                <a:cs typeface="+mn-cs"/>
+              </a:defRPr>
+            </a:lvl4pPr>
+            <a:lvl5pPr marL="932688" indent="-182880" algn="l" defTabSz="914400" rtl="0" eaLnBrk="1" latinLnBrk="0" hangingPunct="1">
+              <a:lnSpc>
+                <a:spcPct val="90000"/>
+              </a:lnSpc>
+              <a:spcBef>
+                <a:spcPts val="200"/>
+              </a:spcBef>
+              <a:spcAft>
+                <a:spcPts val="400"/>
+              </a:spcAft>
+              <a:buClr>
+                <a:schemeClr val="accent1"/>
+              </a:buClr>
+              <a:buFont typeface="Calibri" pitchFamily="34" charset="0"/>
+              <a:buChar char="◦"/>
+              <a:defRPr kumimoji="1" sz="1400" kern="1200">
+                <a:solidFill>
+                  <a:schemeClr val="tx1">
+                    <a:lumMod val="75000"/>
+                    <a:lumOff val="25000"/>
+                  </a:schemeClr>
+                </a:solidFill>
+                <a:latin typeface="+mn-lt"/>
+                <a:ea typeface="+mn-ea"/>
+                <a:cs typeface="+mn-cs"/>
+              </a:defRPr>
+            </a:lvl5pPr>
+            <a:lvl6pPr marL="1100000" indent="-228600" algn="l" defTabSz="914400" rtl="0" eaLnBrk="1" latinLnBrk="0" hangingPunct="1">
+              <a:lnSpc>
+                <a:spcPct val="90000"/>
+              </a:lnSpc>
+              <a:spcBef>
+                <a:spcPts val="200"/>
+              </a:spcBef>
+              <a:spcAft>
+                <a:spcPts val="400"/>
+              </a:spcAft>
+              <a:buClr>
+                <a:schemeClr val="accent1"/>
+              </a:buClr>
+              <a:buFont typeface="Calibri" pitchFamily="34" charset="0"/>
+              <a:buChar char="◦"/>
+              <a:defRPr kumimoji="1" sz="1400" kern="1200">
+                <a:solidFill>
+                  <a:schemeClr val="tx1">
+                    <a:lumMod val="75000"/>
+                    <a:lumOff val="25000"/>
+                  </a:schemeClr>
+                </a:solidFill>
+                <a:latin typeface="+mn-lt"/>
+                <a:ea typeface="+mn-ea"/>
+                <a:cs typeface="+mn-cs"/>
+              </a:defRPr>
+            </a:lvl6pPr>
+            <a:lvl7pPr marL="1300000" indent="-228600" algn="l" defTabSz="914400" rtl="0" eaLnBrk="1" latinLnBrk="0" hangingPunct="1">
+              <a:lnSpc>
+                <a:spcPct val="90000"/>
+              </a:lnSpc>
+              <a:spcBef>
+                <a:spcPts val="200"/>
+              </a:spcBef>
+              <a:spcAft>
+                <a:spcPts val="400"/>
+              </a:spcAft>
+              <a:buClr>
+                <a:schemeClr val="accent1"/>
+              </a:buClr>
+              <a:buFont typeface="Calibri" pitchFamily="34" charset="0"/>
+              <a:buChar char="◦"/>
+              <a:defRPr kumimoji="1" sz="1400" kern="1200">
+                <a:solidFill>
+                  <a:schemeClr val="tx1">
+                    <a:lumMod val="75000"/>
+                    <a:lumOff val="25000"/>
+                  </a:schemeClr>
+                </a:solidFill>
+                <a:latin typeface="+mn-lt"/>
+                <a:ea typeface="+mn-ea"/>
+                <a:cs typeface="+mn-cs"/>
+              </a:defRPr>
+            </a:lvl7pPr>
+            <a:lvl8pPr marL="1500000" indent="-228600" algn="l" defTabSz="914400" rtl="0" eaLnBrk="1" latinLnBrk="0" hangingPunct="1">
+              <a:lnSpc>
+                <a:spcPct val="90000"/>
+              </a:lnSpc>
+              <a:spcBef>
+                <a:spcPts val="200"/>
+              </a:spcBef>
+              <a:spcAft>
+                <a:spcPts val="400"/>
+              </a:spcAft>
+              <a:buClr>
+                <a:schemeClr val="accent1"/>
+              </a:buClr>
+              <a:buFont typeface="Calibri" pitchFamily="34" charset="0"/>
+              <a:buChar char="◦"/>
+              <a:defRPr kumimoji="1" sz="1400" kern="1200">
+                <a:solidFill>
+                  <a:schemeClr val="tx1">
+                    <a:lumMod val="75000"/>
+                    <a:lumOff val="25000"/>
+                  </a:schemeClr>
+                </a:solidFill>
+                <a:latin typeface="+mn-lt"/>
+                <a:ea typeface="+mn-ea"/>
+                <a:cs typeface="+mn-cs"/>
+              </a:defRPr>
+            </a:lvl8pPr>
+            <a:lvl9pPr marL="1700000" indent="-228600" algn="l" defTabSz="914400" rtl="0" eaLnBrk="1" latinLnBrk="0" hangingPunct="1">
+              <a:lnSpc>
+                <a:spcPct val="90000"/>
+              </a:lnSpc>
+              <a:spcBef>
+                <a:spcPts val="200"/>
+              </a:spcBef>
+              <a:spcAft>
+                <a:spcPts val="400"/>
+              </a:spcAft>
+              <a:buClr>
+                <a:schemeClr val="accent1"/>
+              </a:buClr>
+              <a:buFont typeface="Calibri" pitchFamily="34" charset="0"/>
+              <a:buChar char="◦"/>
+              <a:defRPr kumimoji="1" sz="1400" kern="1200">
+                <a:solidFill>
+                  <a:schemeClr val="tx1">
+                    <a:lumMod val="75000"/>
+                    <a:lumOff val="25000"/>
+                  </a:schemeClr>
+                </a:solidFill>
+                <a:latin typeface="+mn-lt"/>
+                <a:ea typeface="+mn-ea"/>
+                <a:cs typeface="+mn-cs"/>
+              </a:defRPr>
+            </a:lvl9pPr>
+          </a:lstStyle>
+          <a:p>
+            <a:pPr marL="0" indent="0" algn="ctr">
+              <a:buFont typeface="Calibri" panose="020F0502020204030204" pitchFamily="34" charset="0"/>
+              <a:buNone/>
+            </a:pPr>
+            <a:r>
+              <a:rPr lang="ja-JP" altLang="en-US" sz="2800" b="1" dirty="0" smtClean="0"/>
+              <a:t>そこで</a:t>
+            </a:r>
+            <a:endParaRPr lang="ja-JP" altLang="en-US" sz="2800" b="1" dirty="0"/>
+          </a:p>
+        </p:txBody>
+      </p:sp>
+      <p:sp>
+        <p:nvSpPr>
+          <p:cNvPr id="6" name="テキスト ボックス 5"/>
+          <p:cNvSpPr txBox="1"/>
+          <p:nvPr/>
+        </p:nvSpPr>
+        <p:spPr>
+          <a:xfrm>
+            <a:off x="976792" y="4316186"/>
+            <a:ext cx="7576457" cy="1384995"/>
+          </a:xfrm>
+          <a:prstGeom prst="rect">
+            <a:avLst/>
+          </a:prstGeom>
+          <a:noFill/>
+        </p:spPr>
+        <p:txBody>
+          <a:bodyPr wrap="square" rtlCol="0">
+            <a:spAutoFit/>
+          </a:bodyPr>
+          <a:lstStyle/>
+          <a:p>
+            <a:pPr algn="ctr"/>
+            <a:r>
+              <a:rPr kumimoji="1" lang="en-US" altLang="ja-JP" sz="2800" dirty="0" smtClean="0">
+                <a:solidFill>
+                  <a:srgbClr val="00B0F0"/>
+                </a:solidFill>
+              </a:rPr>
+              <a:t>GUI</a:t>
+            </a:r>
+            <a:r>
+              <a:rPr kumimoji="1" lang="ja-JP" altLang="en-US" sz="2800" dirty="0" smtClean="0">
+                <a:solidFill>
+                  <a:srgbClr val="00B0F0"/>
+                </a:solidFill>
+              </a:rPr>
+              <a:t>ベースで構成内容を容易に把握でき，</a:t>
+            </a:r>
+            <a:endParaRPr kumimoji="1" lang="en-US" altLang="ja-JP" sz="2800" dirty="0" smtClean="0">
+              <a:solidFill>
+                <a:srgbClr val="00B0F0"/>
+              </a:solidFill>
+            </a:endParaRPr>
+          </a:p>
+          <a:p>
+            <a:pPr algn="ctr"/>
+            <a:r>
+              <a:rPr lang="ja-JP" altLang="en-US" sz="2800" dirty="0" smtClean="0">
+                <a:solidFill>
+                  <a:srgbClr val="00B0F0"/>
+                </a:solidFill>
+              </a:rPr>
+              <a:t>テキスト入力を極力撤廃した</a:t>
+            </a:r>
+            <a:endParaRPr lang="en-US" altLang="ja-JP" sz="2800" dirty="0" smtClean="0">
+              <a:solidFill>
+                <a:srgbClr val="00B0F0"/>
+              </a:solidFill>
+            </a:endParaRPr>
+          </a:p>
+          <a:p>
+            <a:pPr algn="ctr"/>
+            <a:r>
+              <a:rPr kumimoji="1" lang="ja-JP" altLang="en-US" sz="2800" dirty="0">
+                <a:solidFill>
+                  <a:srgbClr val="00B0F0"/>
+                </a:solidFill>
+              </a:rPr>
+              <a:t>オーケストレーション定義</a:t>
+            </a:r>
+            <a:r>
+              <a:rPr kumimoji="1" lang="ja-JP" altLang="en-US" sz="2800" dirty="0" smtClean="0">
+                <a:solidFill>
+                  <a:srgbClr val="00B0F0"/>
+                </a:solidFill>
+              </a:rPr>
+              <a:t>エディタを提案</a:t>
+            </a:r>
+            <a:endParaRPr kumimoji="1" lang="ja-JP" altLang="en-US" sz="2800" dirty="0">
+              <a:solidFill>
+                <a:srgbClr val="00B0F0"/>
+              </a:solidFill>
+            </a:endParaRPr>
+          </a:p>
+        </p:txBody>
+      </p:sp>
+    </p:spTree>
+    <p:extLst>
+      <p:ext uri="{BB962C8B-B14F-4D97-AF65-F5344CB8AC3E}">
+        <p14:creationId xmlns:p14="http://schemas.microsoft.com/office/powerpoint/2010/main" val="3100514836"/>
+      </p:ext>
+    </p:extLst>
+  </p:cSld>
+  <p:clrMapOvr>
+    <a:masterClrMapping/>
+  </p:clrMapOvr>
+</p:sld>
+</file>
+
+<file path=ppt/slides/slide6.xml><?xml version="1.0" encoding="utf-8"?>
+<p:sld xmlns:a="http://schemas.openxmlformats.org/drawingml/2006/main" xmlns:r="http://schemas.openxmlformats.org/officeDocument/2006/relationships" xmlns:p="http://schemas.openxmlformats.org/presentationml/2006/main">
+  <p:cSld>
+    <p:spTree>
+      <p:nvGrpSpPr>
+        <p:cNvPr id="1" name=""/>
+        <p:cNvGrpSpPr/>
+        <p:nvPr/>
+      </p:nvGrpSpPr>
+      <p:grpSpPr>
+        <a:xfrm>
+          <a:off x="0" y="0"/>
+          <a:ext cx="0" cy="0"/>
+          <a:chOff x="0" y="0"/>
+          <a:chExt cx="0" cy="0"/>
+        </a:xfrm>
+      </p:grpSpPr>
+      <p:sp>
+        <p:nvSpPr>
+          <p:cNvPr id="2" name="タイトル 1"/>
+          <p:cNvSpPr>
+            <a:spLocks noGrp="1"/>
+          </p:cNvSpPr>
+          <p:nvPr>
+            <p:ph type="title"/>
+          </p:nvPr>
+        </p:nvSpPr>
+        <p:spPr>
+          <a:xfrm>
+            <a:off x="13290" y="140513"/>
+            <a:ext cx="6501810" cy="754154"/>
+          </a:xfrm>
+        </p:spPr>
+        <p:txBody>
+          <a:bodyPr>
+            <a:normAutofit fontScale="90000"/>
+          </a:bodyPr>
+          <a:lstStyle/>
+          <a:p>
+            <a:r>
+              <a:rPr lang="ja-JP" altLang="en-US" dirty="0"/>
+              <a:t>オーケストレーション</a:t>
+            </a:r>
+            <a:r>
+              <a:rPr lang="ja-JP" altLang="en-US" dirty="0" smtClean="0"/>
+              <a:t>定義エディタの提案</a:t>
+            </a:r>
+            <a:endParaRPr kumimoji="1" lang="ja-JP" altLang="en-US" dirty="0"/>
+          </a:p>
+        </p:txBody>
+      </p:sp>
+      <p:sp>
+        <p:nvSpPr>
+          <p:cNvPr id="3" name="コンテンツ プレースホルダー 2"/>
+          <p:cNvSpPr>
+            <a:spLocks noGrp="1"/>
+          </p:cNvSpPr>
+          <p:nvPr>
+            <p:ph idx="1"/>
+          </p:nvPr>
+        </p:nvSpPr>
+        <p:spPr/>
+        <p:txBody>
+          <a:bodyPr>
+            <a:noAutofit/>
+          </a:bodyPr>
+          <a:lstStyle/>
+          <a:p>
+            <a:r>
+              <a:rPr kumimoji="1" lang="ja-JP" altLang="en-US" sz="2500" dirty="0" smtClean="0">
+                <a:solidFill>
+                  <a:schemeClr val="accent1">
+                    <a:lumMod val="60000"/>
+                    <a:lumOff val="40000"/>
+                  </a:schemeClr>
+                </a:solidFill>
+              </a:rPr>
+              <a:t>オーケストレーション定義エディタ</a:t>
+            </a:r>
+            <a:endParaRPr kumimoji="1" lang="ja-JP" altLang="en-US" sz="2500" dirty="0">
+              <a:solidFill>
+                <a:schemeClr val="accent1">
+                  <a:lumMod val="60000"/>
+                  <a:lumOff val="40000"/>
+                </a:schemeClr>
+              </a:solidFill>
+            </a:endParaRPr>
+          </a:p>
+        </p:txBody>
+      </p:sp>
+      <p:sp>
+        <p:nvSpPr>
+          <p:cNvPr id="4" name="テキスト ボックス 3"/>
+          <p:cNvSpPr txBox="1"/>
+          <p:nvPr/>
+        </p:nvSpPr>
+        <p:spPr>
+          <a:xfrm>
+            <a:off x="898071" y="1836964"/>
+            <a:ext cx="7723415" cy="923330"/>
+          </a:xfrm>
+          <a:prstGeom prst="rect">
+            <a:avLst/>
+          </a:prstGeom>
+          <a:noFill/>
+        </p:spPr>
+        <p:txBody>
+          <a:bodyPr wrap="square" rtlCol="0">
+            <a:spAutoFit/>
+          </a:bodyPr>
+          <a:lstStyle/>
+          <a:p>
+            <a:pPr marL="285750" indent="-285750">
+              <a:buFont typeface="Wingdings" panose="05000000000000000000" pitchFamily="2" charset="2"/>
+              <a:buChar char="u"/>
+            </a:pPr>
+            <a:r>
+              <a:rPr kumimoji="1" lang="ja-JP" altLang="en-US" dirty="0" smtClean="0"/>
+              <a:t>構成確認画面でシステム構築を可視化</a:t>
+            </a:r>
+            <a:endParaRPr kumimoji="1" lang="en-US" altLang="ja-JP" dirty="0" smtClean="0"/>
+          </a:p>
+          <a:p>
+            <a:pPr marL="285750" indent="-285750">
+              <a:buFont typeface="Wingdings" panose="05000000000000000000" pitchFamily="2" charset="2"/>
+              <a:buChar char="u"/>
+            </a:pPr>
+            <a:r>
+              <a:rPr kumimoji="1" lang="ja-JP" altLang="en-US" dirty="0" smtClean="0"/>
+              <a:t>詳細設定画面で入力項目をプルダウンメニューから選択する</a:t>
+            </a:r>
+            <a:endParaRPr kumimoji="1" lang="en-US" altLang="ja-JP" dirty="0" smtClean="0"/>
+          </a:p>
+          <a:p>
+            <a:pPr marL="285750" indent="-285750">
+              <a:buFont typeface="Wingdings" panose="05000000000000000000" pitchFamily="2" charset="2"/>
+              <a:buChar char="u"/>
+            </a:pPr>
+            <a:r>
+              <a:rPr kumimoji="1" lang="ja-JP" altLang="en-US" dirty="0" smtClean="0"/>
+              <a:t>テンプレートファイル作成所要時間を短縮</a:t>
+            </a:r>
+            <a:endParaRPr kumimoji="1" lang="ja-JP" altLang="en-US" dirty="0"/>
+          </a:p>
+        </p:txBody>
+      </p:sp>
+      <p:pic>
+        <p:nvPicPr>
+          <p:cNvPr id="5" name="図 4"/>
+          <p:cNvPicPr>
+            <a:picLocks noChangeAspect="1"/>
+          </p:cNvPicPr>
+          <p:nvPr/>
+        </p:nvPicPr>
+        <p:blipFill>
+          <a:blip r:embed="rId2">
+            <a:extLst>
+              <a:ext uri="{28A0092B-C50C-407E-A947-70E740481C1C}">
+                <a14:useLocalDpi xmlns:a14="http://schemas.microsoft.com/office/drawing/2010/main" val="0"/>
+              </a:ext>
+            </a:extLst>
+          </a:blip>
+          <a:stretch>
+            <a:fillRect/>
+          </a:stretch>
+        </p:blipFill>
+        <p:spPr>
+          <a:xfrm>
+            <a:off x="1651326" y="3045279"/>
+            <a:ext cx="2195162" cy="3706585"/>
+          </a:xfrm>
+          <a:prstGeom prst="rect">
+            <a:avLst/>
+          </a:prstGeom>
+        </p:spPr>
+      </p:pic>
+      <p:pic>
+        <p:nvPicPr>
+          <p:cNvPr id="6" name="図 5"/>
+          <p:cNvPicPr>
+            <a:picLocks noChangeAspect="1"/>
+          </p:cNvPicPr>
+          <p:nvPr/>
+        </p:nvPicPr>
+        <p:blipFill>
+          <a:blip r:embed="rId3">
+            <a:extLst>
+              <a:ext uri="{28A0092B-C50C-407E-A947-70E740481C1C}">
+                <a14:useLocalDpi xmlns:a14="http://schemas.microsoft.com/office/drawing/2010/main" val="0"/>
+              </a:ext>
+            </a:extLst>
+          </a:blip>
+          <a:stretch>
+            <a:fillRect/>
+          </a:stretch>
+        </p:blipFill>
+        <p:spPr>
+          <a:xfrm>
+            <a:off x="4743450" y="3199167"/>
+            <a:ext cx="3878036" cy="2681490"/>
+          </a:xfrm>
+          <a:prstGeom prst="rect">
+            <a:avLst/>
+          </a:prstGeom>
+        </p:spPr>
+      </p:pic>
+      <p:sp>
+        <p:nvSpPr>
+          <p:cNvPr id="7" name="テキスト ボックス 6"/>
+          <p:cNvSpPr txBox="1"/>
+          <p:nvPr/>
+        </p:nvSpPr>
+        <p:spPr>
+          <a:xfrm>
+            <a:off x="2002311" y="2891390"/>
+            <a:ext cx="1261884" cy="307777"/>
+          </a:xfrm>
+          <a:prstGeom prst="rect">
+            <a:avLst/>
+          </a:prstGeom>
+          <a:noFill/>
+        </p:spPr>
+        <p:txBody>
+          <a:bodyPr wrap="none" rtlCol="0">
+            <a:spAutoFit/>
+          </a:bodyPr>
+          <a:lstStyle/>
+          <a:p>
+            <a:r>
+              <a:rPr kumimoji="1" lang="ja-JP" altLang="en-US" sz="1400" dirty="0" smtClean="0"/>
+              <a:t>構成確認画面</a:t>
+            </a:r>
+            <a:endParaRPr kumimoji="1" lang="ja-JP" altLang="en-US" sz="1400" dirty="0"/>
+          </a:p>
+        </p:txBody>
+      </p:sp>
+      <p:sp>
+        <p:nvSpPr>
+          <p:cNvPr id="8" name="テキスト ボックス 7"/>
+          <p:cNvSpPr txBox="1"/>
+          <p:nvPr/>
+        </p:nvSpPr>
+        <p:spPr>
+          <a:xfrm>
+            <a:off x="5959426" y="2891390"/>
+            <a:ext cx="1261884" cy="307777"/>
+          </a:xfrm>
+          <a:prstGeom prst="rect">
+            <a:avLst/>
+          </a:prstGeom>
+          <a:noFill/>
+        </p:spPr>
+        <p:txBody>
+          <a:bodyPr wrap="none" rtlCol="0">
+            <a:spAutoFit/>
+          </a:bodyPr>
+          <a:lstStyle/>
+          <a:p>
+            <a:r>
+              <a:rPr lang="ja-JP" altLang="en-US" sz="1400" dirty="0"/>
+              <a:t>詳細設定</a:t>
+            </a:r>
+            <a:r>
+              <a:rPr kumimoji="1" lang="ja-JP" altLang="en-US" sz="1400" dirty="0" smtClean="0"/>
+              <a:t>画面</a:t>
+            </a:r>
+            <a:endParaRPr kumimoji="1" lang="ja-JP" altLang="en-US" sz="1400" dirty="0"/>
+          </a:p>
+        </p:txBody>
+      </p:sp>
+      <p:sp>
+        <p:nvSpPr>
+          <p:cNvPr id="10" name="角丸四角形 9"/>
+          <p:cNvSpPr/>
+          <p:nvPr/>
+        </p:nvSpPr>
+        <p:spPr>
+          <a:xfrm>
+            <a:off x="4810310" y="2891390"/>
+            <a:ext cx="3353976" cy="3060374"/>
+          </a:xfrm>
+          <a:prstGeom prst="roundRect">
+            <a:avLst/>
+          </a:prstGeom>
+          <a:noFill/>
+          <a:ln>
+            <a:solidFill>
+              <a:srgbClr val="FF0000"/>
+            </a:solidFill>
+          </a:ln>
+        </p:spPr>
+        <p:style>
+          <a:lnRef idx="2">
+            <a:schemeClr val="accent1">
+              <a:shade val="50000"/>
+            </a:schemeClr>
+          </a:lnRef>
+          <a:fillRef idx="1">
+            <a:schemeClr val="accent1"/>
+          </a:fillRef>
+          <a:effectRef idx="0">
+            <a:schemeClr val="accent1"/>
+          </a:effectRef>
+          <a:fontRef idx="minor">
+            <a:schemeClr val="lt1"/>
+          </a:fontRef>
+        </p:style>
+        <p:txBody>
+          <a:bodyPr rtlCol="0" anchor="ctr"/>
+          <a:lstStyle/>
+          <a:p>
+            <a:pPr algn="ctr"/>
+            <a:endParaRPr kumimoji="1" lang="ja-JP" altLang="en-US"/>
+          </a:p>
+        </p:txBody>
+      </p:sp>
+      <p:sp>
+        <p:nvSpPr>
+          <p:cNvPr id="11" name="角丸四角形 10"/>
+          <p:cNvSpPr/>
+          <p:nvPr/>
+        </p:nvSpPr>
+        <p:spPr>
+          <a:xfrm>
+            <a:off x="1038489" y="2891389"/>
+            <a:ext cx="3247761" cy="3721681"/>
+          </a:xfrm>
+          <a:prstGeom prst="roundRect">
+            <a:avLst/>
+          </a:prstGeom>
+          <a:noFill/>
+          <a:ln>
+            <a:solidFill>
+              <a:srgbClr val="FF0000"/>
+            </a:solidFill>
+          </a:ln>
+        </p:spPr>
+        <p:style>
+          <a:lnRef idx="2">
+            <a:schemeClr val="accent1">
+              <a:shade val="50000"/>
+            </a:schemeClr>
+          </a:lnRef>
+          <a:fillRef idx="1">
+            <a:schemeClr val="accent1"/>
+          </a:fillRef>
+          <a:effectRef idx="0">
+            <a:schemeClr val="accent1"/>
+          </a:effectRef>
+          <a:fontRef idx="minor">
+            <a:schemeClr val="lt1"/>
+          </a:fontRef>
+        </p:style>
+        <p:txBody>
+          <a:bodyPr rtlCol="0" anchor="ctr"/>
+          <a:lstStyle/>
+          <a:p>
+            <a:pPr algn="ctr"/>
+            <a:endParaRPr kumimoji="1" lang="ja-JP" altLang="en-US"/>
+          </a:p>
+        </p:txBody>
+      </p:sp>
+    </p:spTree>
+    <p:extLst>
+      <p:ext uri="{BB962C8B-B14F-4D97-AF65-F5344CB8AC3E}">
+        <p14:creationId xmlns:p14="http://schemas.microsoft.com/office/powerpoint/2010/main" val="1306936016"/>
+      </p:ext>
+    </p:extLst>
+  </p:cSld>
+  <p:clrMapOvr>
+    <a:masterClrMapping/>
+  </p:clrMapOvr>
+</p:sld>
+</file>
+
+<file path=ppt/slides/slide7.xml><?xml version="1.0" encoding="utf-8"?>
+<p:sld xmlns:a="http://schemas.openxmlformats.org/drawingml/2006/main" xmlns:r="http://schemas.openxmlformats.org/officeDocument/2006/relationships" xmlns:p="http://schemas.openxmlformats.org/presentationml/2006/main">
+  <p:cSld>
+    <p:spTree>
+      <p:nvGrpSpPr>
+        <p:cNvPr id="1" name=""/>
+        <p:cNvGrpSpPr/>
+        <p:nvPr/>
+      </p:nvGrpSpPr>
+      <p:grpSpPr>
+        <a:xfrm>
+          <a:off x="0" y="0"/>
+          <a:ext cx="0" cy="0"/>
+          <a:chOff x="0" y="0"/>
+          <a:chExt cx="0" cy="0"/>
+        </a:xfrm>
+      </p:grpSpPr>
+      <p:sp>
+        <p:nvSpPr>
+          <p:cNvPr id="20" name="正方形/長方形 19"/>
+          <p:cNvSpPr/>
+          <p:nvPr/>
+        </p:nvSpPr>
+        <p:spPr>
+          <a:xfrm>
+            <a:off x="744722" y="2395470"/>
+            <a:ext cx="1921207" cy="3554569"/>
+          </a:xfrm>
+          <a:prstGeom prst="rect">
+            <a:avLst/>
+          </a:prstGeom>
+          <a:solidFill>
+            <a:schemeClr val="accent2">
+              <a:lumMod val="20000"/>
+              <a:lumOff val="80000"/>
+            </a:schemeClr>
+          </a:solidFill>
+        </p:spPr>
+        <p:style>
+          <a:lnRef idx="2">
+            <a:schemeClr val="accent1">
+              <a:shade val="50000"/>
+            </a:schemeClr>
+          </a:lnRef>
+          <a:fillRef idx="1">
+            <a:schemeClr val="accent1"/>
+          </a:fillRef>
+          <a:effectRef idx="0">
+            <a:schemeClr val="accent1"/>
+          </a:effectRef>
+          <a:fontRef idx="minor">
+            <a:schemeClr val="lt1"/>
+          </a:fontRef>
+        </p:style>
+        <p:txBody>
+          <a:bodyPr rtlCol="0" anchor="ctr"/>
+          <a:lstStyle/>
+          <a:p>
+            <a:pPr algn="ctr"/>
+            <a:endParaRPr kumimoji="1" lang="ja-JP" altLang="en-US"/>
+          </a:p>
+        </p:txBody>
+      </p:sp>
+      <p:sp>
+        <p:nvSpPr>
+          <p:cNvPr id="2" name="タイトル 1"/>
+          <p:cNvSpPr>
+            <a:spLocks noGrp="1"/>
+          </p:cNvSpPr>
+          <p:nvPr>
+            <p:ph type="title"/>
+          </p:nvPr>
+        </p:nvSpPr>
+        <p:spPr>
+          <a:xfrm>
+            <a:off x="13290" y="140513"/>
+            <a:ext cx="6451904" cy="754154"/>
+          </a:xfrm>
+        </p:spPr>
+        <p:txBody>
+          <a:bodyPr>
+            <a:normAutofit/>
+          </a:bodyPr>
+          <a:lstStyle/>
+          <a:p>
+            <a:r>
+              <a:rPr lang="ja-JP" altLang="en-US" dirty="0"/>
+              <a:t>評価</a:t>
+            </a:r>
+            <a:endParaRPr kumimoji="1" lang="ja-JP" altLang="en-US" dirty="0"/>
+          </a:p>
+        </p:txBody>
+      </p:sp>
+      <p:sp>
+        <p:nvSpPr>
+          <p:cNvPr id="3" name="コンテンツ プレースホルダー 2"/>
+          <p:cNvSpPr>
+            <a:spLocks noGrp="1"/>
+          </p:cNvSpPr>
+          <p:nvPr>
+            <p:ph idx="1"/>
+          </p:nvPr>
+        </p:nvSpPr>
+        <p:spPr>
+          <a:xfrm>
+            <a:off x="744722" y="1255216"/>
+            <a:ext cx="7547410" cy="959950"/>
+          </a:xfrm>
+        </p:spPr>
+        <p:txBody>
+          <a:bodyPr>
+            <a:noAutofit/>
+          </a:bodyPr>
+          <a:lstStyle/>
+          <a:p>
+            <a:pPr algn="ctr"/>
+            <a:r>
+              <a:rPr kumimoji="1" lang="ja-JP" altLang="en-US" sz="2800" b="1" dirty="0" smtClean="0">
+                <a:solidFill>
+                  <a:srgbClr val="00B0F0"/>
+                </a:solidFill>
+              </a:rPr>
+              <a:t>被験者の前提知識学習時間，テンプレートファイル作成所要時間と</a:t>
+            </a:r>
+            <a:r>
+              <a:rPr lang="ja-JP" altLang="en-US" sz="2800" b="1" dirty="0" smtClean="0">
+                <a:solidFill>
+                  <a:srgbClr val="00B0F0"/>
+                </a:solidFill>
+              </a:rPr>
+              <a:t>エラー</a:t>
+            </a:r>
+            <a:r>
+              <a:rPr lang="ja-JP" altLang="en-US" sz="2800" b="1" dirty="0">
+                <a:solidFill>
+                  <a:srgbClr val="00B0F0"/>
+                </a:solidFill>
+              </a:rPr>
+              <a:t>発生</a:t>
+            </a:r>
+            <a:r>
+              <a:rPr lang="ja-JP" altLang="en-US" sz="2800" b="1" dirty="0" smtClean="0">
+                <a:solidFill>
+                  <a:srgbClr val="00B0F0"/>
+                </a:solidFill>
+              </a:rPr>
+              <a:t>回数を記録</a:t>
+            </a:r>
+            <a:endParaRPr kumimoji="1" lang="ja-JP" altLang="en-US" sz="2800" b="1" dirty="0">
+              <a:solidFill>
+                <a:srgbClr val="00B0F0"/>
+              </a:solidFill>
+            </a:endParaRPr>
+          </a:p>
+        </p:txBody>
+      </p:sp>
+      <p:sp>
+        <p:nvSpPr>
+          <p:cNvPr id="4" name="正方形/長方形 3"/>
+          <p:cNvSpPr/>
+          <p:nvPr/>
+        </p:nvSpPr>
+        <p:spPr>
+          <a:xfrm>
+            <a:off x="746975" y="2395470"/>
+            <a:ext cx="7547019" cy="3554569"/>
+          </a:xfrm>
+          <a:prstGeom prst="rect">
+            <a:avLst/>
+          </a:prstGeom>
+          <a:noFill/>
+        </p:spPr>
+        <p:style>
+          <a:lnRef idx="2">
+            <a:schemeClr val="accent1">
+              <a:shade val="50000"/>
+            </a:schemeClr>
+          </a:lnRef>
+          <a:fillRef idx="1">
+            <a:schemeClr val="accent1"/>
+          </a:fillRef>
+          <a:effectRef idx="0">
+            <a:schemeClr val="accent1"/>
+          </a:effectRef>
+          <a:fontRef idx="minor">
+            <a:schemeClr val="lt1"/>
+          </a:fontRef>
+        </p:style>
+        <p:txBody>
+          <a:bodyPr rtlCol="0" anchor="ctr"/>
+          <a:lstStyle/>
+          <a:p>
+            <a:pPr algn="ctr"/>
+            <a:endParaRPr kumimoji="1" lang="ja-JP" altLang="en-US"/>
+          </a:p>
+        </p:txBody>
+      </p:sp>
+      <p:cxnSp>
+        <p:nvCxnSpPr>
+          <p:cNvPr id="6" name="直線コネクタ 5"/>
+          <p:cNvCxnSpPr/>
+          <p:nvPr/>
+        </p:nvCxnSpPr>
+        <p:spPr>
+          <a:xfrm>
+            <a:off x="744722" y="3155324"/>
+            <a:ext cx="7547410" cy="0"/>
+          </a:xfrm>
+          <a:prstGeom prst="line">
+            <a:avLst/>
+          </a:prstGeom>
+          <a:ln>
+            <a:solidFill>
+              <a:schemeClr val="tx1"/>
+            </a:solidFill>
+          </a:ln>
+        </p:spPr>
+        <p:style>
+          <a:lnRef idx="1">
+            <a:schemeClr val="accent1"/>
+          </a:lnRef>
+          <a:fillRef idx="0">
+            <a:schemeClr val="accent1"/>
+          </a:fillRef>
+          <a:effectRef idx="0">
+            <a:schemeClr val="accent1"/>
+          </a:effectRef>
+          <a:fontRef idx="minor">
+            <a:schemeClr val="tx1"/>
+          </a:fontRef>
+        </p:style>
+      </p:cxnSp>
+      <p:sp>
+        <p:nvSpPr>
+          <p:cNvPr id="7" name="テキスト ボックス 6"/>
+          <p:cNvSpPr txBox="1"/>
+          <p:nvPr/>
+        </p:nvSpPr>
+        <p:spPr>
+          <a:xfrm>
+            <a:off x="714650" y="2577751"/>
+            <a:ext cx="1481070" cy="461665"/>
+          </a:xfrm>
+          <a:prstGeom prst="rect">
+            <a:avLst/>
+          </a:prstGeom>
+          <a:noFill/>
+        </p:spPr>
+        <p:txBody>
+          <a:bodyPr wrap="square" rtlCol="0">
+            <a:spAutoFit/>
+          </a:bodyPr>
+          <a:lstStyle/>
+          <a:p>
+            <a:r>
+              <a:rPr kumimoji="1" lang="ja-JP" altLang="en-US" sz="2400" b="1" dirty="0" smtClean="0"/>
+              <a:t>実験内容</a:t>
+            </a:r>
+            <a:endParaRPr kumimoji="1" lang="ja-JP" altLang="en-US" sz="2400" b="1" dirty="0"/>
+          </a:p>
+        </p:txBody>
+      </p:sp>
+      <p:cxnSp>
+        <p:nvCxnSpPr>
+          <p:cNvPr id="9" name="直線コネクタ 8"/>
+          <p:cNvCxnSpPr/>
+          <p:nvPr/>
+        </p:nvCxnSpPr>
+        <p:spPr>
+          <a:xfrm>
+            <a:off x="2674361" y="2395470"/>
+            <a:ext cx="0" cy="3554569"/>
+          </a:xfrm>
+          <a:prstGeom prst="line">
+            <a:avLst/>
+          </a:prstGeom>
+          <a:ln>
+            <a:solidFill>
+              <a:schemeClr val="tx1"/>
+            </a:solidFill>
+          </a:ln>
+        </p:spPr>
+        <p:style>
+          <a:lnRef idx="1">
+            <a:schemeClr val="accent1"/>
+          </a:lnRef>
+          <a:fillRef idx="0">
+            <a:schemeClr val="accent1"/>
+          </a:fillRef>
+          <a:effectRef idx="0">
+            <a:schemeClr val="accent1"/>
+          </a:effectRef>
+          <a:fontRef idx="minor">
+            <a:schemeClr val="tx1"/>
+          </a:fontRef>
+        </p:style>
+      </p:cxnSp>
+      <p:sp>
+        <p:nvSpPr>
+          <p:cNvPr id="10" name="テキスト ボックス 9"/>
+          <p:cNvSpPr txBox="1"/>
+          <p:nvPr/>
+        </p:nvSpPr>
+        <p:spPr>
+          <a:xfrm>
+            <a:off x="2665929" y="2458669"/>
+            <a:ext cx="5583580" cy="646331"/>
+          </a:xfrm>
+          <a:prstGeom prst="rect">
+            <a:avLst/>
+          </a:prstGeom>
+          <a:noFill/>
+        </p:spPr>
+        <p:txBody>
+          <a:bodyPr wrap="none" rtlCol="0">
+            <a:spAutoFit/>
+          </a:bodyPr>
+          <a:lstStyle/>
+          <a:p>
+            <a:r>
+              <a:rPr kumimoji="1" lang="ja-JP" altLang="en-US" b="1" dirty="0" smtClean="0"/>
+              <a:t>従来方式とオーケストレーション定義エディタそれぞれで</a:t>
+            </a:r>
+            <a:endParaRPr kumimoji="1" lang="en-US" altLang="ja-JP" b="1" dirty="0" smtClean="0"/>
+          </a:p>
+          <a:p>
+            <a:r>
+              <a:rPr kumimoji="1" lang="ja-JP" altLang="en-US" b="1" dirty="0" smtClean="0"/>
+              <a:t>同じシステム構成を構築</a:t>
+            </a:r>
+            <a:endParaRPr kumimoji="1" lang="ja-JP" altLang="en-US" b="1" dirty="0"/>
+          </a:p>
+        </p:txBody>
+      </p:sp>
+      <p:cxnSp>
+        <p:nvCxnSpPr>
+          <p:cNvPr id="12" name="直線コネクタ 11"/>
+          <p:cNvCxnSpPr/>
+          <p:nvPr/>
+        </p:nvCxnSpPr>
+        <p:spPr>
+          <a:xfrm>
+            <a:off x="744722" y="3721994"/>
+            <a:ext cx="7547410" cy="0"/>
+          </a:xfrm>
+          <a:prstGeom prst="line">
+            <a:avLst/>
+          </a:prstGeom>
+          <a:ln>
+            <a:solidFill>
+              <a:schemeClr val="tx1"/>
+            </a:solidFill>
+          </a:ln>
+        </p:spPr>
+        <p:style>
+          <a:lnRef idx="1">
+            <a:schemeClr val="accent1"/>
+          </a:lnRef>
+          <a:fillRef idx="0">
+            <a:schemeClr val="accent1"/>
+          </a:fillRef>
+          <a:effectRef idx="0">
+            <a:schemeClr val="accent1"/>
+          </a:effectRef>
+          <a:fontRef idx="minor">
+            <a:schemeClr val="tx1"/>
+          </a:fontRef>
+        </p:style>
+      </p:cxnSp>
+      <p:sp>
+        <p:nvSpPr>
+          <p:cNvPr id="13" name="テキスト ボックス 12"/>
+          <p:cNvSpPr txBox="1"/>
+          <p:nvPr/>
+        </p:nvSpPr>
+        <p:spPr>
+          <a:xfrm>
+            <a:off x="744722" y="3205649"/>
+            <a:ext cx="2453426" cy="461665"/>
+          </a:xfrm>
+          <a:prstGeom prst="rect">
+            <a:avLst/>
+          </a:prstGeom>
+          <a:noFill/>
+        </p:spPr>
+        <p:txBody>
+          <a:bodyPr wrap="square" rtlCol="0">
+            <a:spAutoFit/>
+          </a:bodyPr>
+          <a:lstStyle/>
+          <a:p>
+            <a:r>
+              <a:rPr kumimoji="1" lang="ja-JP" altLang="en-US" sz="2400" dirty="0" smtClean="0"/>
+              <a:t>計測項目</a:t>
+            </a:r>
+            <a:endParaRPr kumimoji="1" lang="ja-JP" altLang="en-US" sz="2400" dirty="0"/>
+          </a:p>
+        </p:txBody>
+      </p:sp>
+      <p:sp>
+        <p:nvSpPr>
+          <p:cNvPr id="15" name="テキスト ボックス 14"/>
+          <p:cNvSpPr txBox="1"/>
+          <p:nvPr/>
+        </p:nvSpPr>
+        <p:spPr>
+          <a:xfrm>
+            <a:off x="2674361" y="3222884"/>
+            <a:ext cx="5454791" cy="369332"/>
+          </a:xfrm>
+          <a:prstGeom prst="rect">
+            <a:avLst/>
+          </a:prstGeom>
+          <a:noFill/>
+        </p:spPr>
+        <p:txBody>
+          <a:bodyPr wrap="square" rtlCol="0">
+            <a:spAutoFit/>
+          </a:bodyPr>
+          <a:lstStyle/>
+          <a:p>
+            <a:r>
+              <a:rPr kumimoji="1" lang="ja-JP" altLang="en-US" b="1" dirty="0" smtClean="0"/>
+              <a:t>学習時間，作成所要時間，エラー発生回数</a:t>
+            </a:r>
+            <a:endParaRPr kumimoji="1" lang="ja-JP" altLang="en-US" b="1" dirty="0"/>
+          </a:p>
+        </p:txBody>
+      </p:sp>
+      <p:cxnSp>
+        <p:nvCxnSpPr>
+          <p:cNvPr id="17" name="直線コネクタ 16"/>
+          <p:cNvCxnSpPr/>
+          <p:nvPr/>
+        </p:nvCxnSpPr>
+        <p:spPr>
+          <a:xfrm>
+            <a:off x="744722" y="4250028"/>
+            <a:ext cx="7547410" cy="0"/>
+          </a:xfrm>
+          <a:prstGeom prst="line">
+            <a:avLst/>
+          </a:prstGeom>
+          <a:ln>
+            <a:solidFill>
+              <a:schemeClr val="tx1"/>
+            </a:solidFill>
+          </a:ln>
+        </p:spPr>
+        <p:style>
+          <a:lnRef idx="1">
+            <a:schemeClr val="accent1"/>
+          </a:lnRef>
+          <a:fillRef idx="0">
+            <a:schemeClr val="accent1"/>
+          </a:fillRef>
+          <a:effectRef idx="0">
+            <a:schemeClr val="accent1"/>
+          </a:effectRef>
+          <a:fontRef idx="minor">
+            <a:schemeClr val="tx1"/>
+          </a:fontRef>
+        </p:style>
+      </p:cxnSp>
+      <p:sp>
+        <p:nvSpPr>
+          <p:cNvPr id="18" name="テキスト ボックス 17"/>
+          <p:cNvSpPr txBox="1"/>
+          <p:nvPr/>
+        </p:nvSpPr>
+        <p:spPr>
+          <a:xfrm>
+            <a:off x="746975" y="3756476"/>
+            <a:ext cx="1738648" cy="461665"/>
+          </a:xfrm>
+          <a:prstGeom prst="rect">
+            <a:avLst/>
+          </a:prstGeom>
+          <a:noFill/>
+        </p:spPr>
+        <p:txBody>
+          <a:bodyPr wrap="square" rtlCol="0">
+            <a:spAutoFit/>
+          </a:bodyPr>
+          <a:lstStyle/>
+          <a:p>
+            <a:r>
+              <a:rPr kumimoji="1" lang="ja-JP" altLang="en-US" sz="2400" dirty="0" smtClean="0"/>
+              <a:t>被験者</a:t>
+            </a:r>
+            <a:endParaRPr kumimoji="1" lang="ja-JP" altLang="en-US" sz="2400" dirty="0"/>
+          </a:p>
+        </p:txBody>
+      </p:sp>
+      <p:sp>
+        <p:nvSpPr>
+          <p:cNvPr id="19" name="テキスト ボックス 18"/>
+          <p:cNvSpPr txBox="1"/>
+          <p:nvPr/>
+        </p:nvSpPr>
+        <p:spPr>
+          <a:xfrm>
+            <a:off x="744722" y="4316397"/>
+            <a:ext cx="1996226" cy="461665"/>
+          </a:xfrm>
+          <a:prstGeom prst="rect">
+            <a:avLst/>
+          </a:prstGeom>
+          <a:noFill/>
+        </p:spPr>
+        <p:txBody>
+          <a:bodyPr wrap="square" rtlCol="0">
+            <a:spAutoFit/>
+          </a:bodyPr>
+          <a:lstStyle/>
+          <a:p>
+            <a:r>
+              <a:rPr kumimoji="1" lang="ja-JP" altLang="en-US" sz="2400" dirty="0" smtClean="0"/>
+              <a:t>システム構成</a:t>
+            </a:r>
+            <a:endParaRPr kumimoji="1" lang="ja-JP" altLang="en-US" sz="2400" dirty="0"/>
+          </a:p>
+        </p:txBody>
+      </p:sp>
+      <p:sp>
+        <p:nvSpPr>
+          <p:cNvPr id="21" name="テキスト ボックス 20"/>
+          <p:cNvSpPr txBox="1"/>
+          <p:nvPr/>
+        </p:nvSpPr>
+        <p:spPr>
+          <a:xfrm>
+            <a:off x="2740947" y="4316396"/>
+            <a:ext cx="5508561" cy="1477328"/>
+          </a:xfrm>
+          <a:prstGeom prst="rect">
+            <a:avLst/>
+          </a:prstGeom>
+          <a:noFill/>
+        </p:spPr>
+        <p:txBody>
+          <a:bodyPr wrap="square" rtlCol="0">
+            <a:spAutoFit/>
+          </a:bodyPr>
+          <a:lstStyle/>
+          <a:p>
+            <a:r>
+              <a:rPr kumimoji="1" lang="en-US" altLang="ja-JP" b="1" dirty="0" smtClean="0"/>
+              <a:t>1</a:t>
+            </a:r>
+            <a:r>
+              <a:rPr kumimoji="1" lang="ja-JP" altLang="en-US" b="1" dirty="0" smtClean="0"/>
+              <a:t>セグメント構成</a:t>
+            </a:r>
+            <a:r>
+              <a:rPr kumimoji="1" lang="en-US" altLang="ja-JP" b="1" dirty="0" smtClean="0"/>
+              <a:t>(</a:t>
+            </a:r>
+            <a:r>
+              <a:rPr kumimoji="1" lang="ja-JP" altLang="en-US" b="1" dirty="0" smtClean="0"/>
+              <a:t>インスタンス数 </a:t>
+            </a:r>
+            <a:r>
+              <a:rPr kumimoji="1" lang="en-US" altLang="ja-JP" b="1" dirty="0" smtClean="0"/>
+              <a:t>1</a:t>
+            </a:r>
+            <a:r>
+              <a:rPr kumimoji="1" lang="ja-JP" altLang="en-US" b="1" dirty="0" smtClean="0"/>
+              <a:t>台</a:t>
+            </a:r>
+            <a:r>
+              <a:rPr kumimoji="1" lang="en-US" altLang="ja-JP" b="1" dirty="0" smtClean="0"/>
+              <a:t>)</a:t>
+            </a:r>
+          </a:p>
+          <a:p>
+            <a:r>
+              <a:rPr lang="en-US" altLang="ja-JP" b="1" dirty="0" smtClean="0"/>
+              <a:t>1</a:t>
+            </a:r>
+            <a:r>
+              <a:rPr lang="ja-JP" altLang="en-US" b="1" dirty="0" smtClean="0"/>
+              <a:t>セグメント構成</a:t>
+            </a:r>
+            <a:r>
+              <a:rPr lang="en-US" altLang="ja-JP" b="1" dirty="0" smtClean="0"/>
+              <a:t>(</a:t>
+            </a:r>
+            <a:r>
+              <a:rPr lang="ja-JP" altLang="en-US" b="1" dirty="0" smtClean="0"/>
+              <a:t>インスタンス数</a:t>
+            </a:r>
+            <a:r>
+              <a:rPr lang="en-US" altLang="ja-JP" b="1" dirty="0" smtClean="0"/>
+              <a:t>3</a:t>
+            </a:r>
+            <a:r>
+              <a:rPr lang="ja-JP" altLang="en-US" b="1" dirty="0" smtClean="0"/>
+              <a:t>台</a:t>
+            </a:r>
+            <a:r>
+              <a:rPr lang="en-US" altLang="ja-JP" b="1" dirty="0" smtClean="0"/>
+              <a:t>)</a:t>
+            </a:r>
+          </a:p>
+          <a:p>
+            <a:r>
+              <a:rPr kumimoji="1" lang="en-US" altLang="ja-JP" b="1" dirty="0" smtClean="0"/>
+              <a:t>1</a:t>
+            </a:r>
+            <a:r>
+              <a:rPr kumimoji="1" lang="ja-JP" altLang="en-US" b="1" dirty="0" smtClean="0"/>
+              <a:t>セグメント構成</a:t>
+            </a:r>
+            <a:r>
+              <a:rPr kumimoji="1" lang="en-US" altLang="ja-JP" b="1" dirty="0" smtClean="0"/>
+              <a:t>(</a:t>
+            </a:r>
+            <a:r>
+              <a:rPr kumimoji="1" lang="ja-JP" altLang="en-US" b="1" dirty="0" smtClean="0"/>
+              <a:t>インスタンス数</a:t>
+            </a:r>
+            <a:r>
+              <a:rPr kumimoji="1" lang="en-US" altLang="ja-JP" b="1" dirty="0" smtClean="0"/>
+              <a:t>5</a:t>
+            </a:r>
+            <a:r>
+              <a:rPr kumimoji="1" lang="ja-JP" altLang="en-US" b="1" dirty="0" smtClean="0"/>
+              <a:t>台</a:t>
+            </a:r>
+            <a:r>
+              <a:rPr kumimoji="1" lang="en-US" altLang="ja-JP" b="1" dirty="0" smtClean="0"/>
+              <a:t>)</a:t>
+            </a:r>
+          </a:p>
+          <a:p>
+            <a:r>
+              <a:rPr lang="en-US" altLang="ja-JP" b="1" dirty="0" smtClean="0"/>
+              <a:t>2</a:t>
+            </a:r>
+            <a:r>
+              <a:rPr lang="ja-JP" altLang="en-US" b="1" dirty="0" smtClean="0"/>
+              <a:t>セグメント構成</a:t>
+            </a:r>
+            <a:r>
+              <a:rPr lang="en-US" altLang="ja-JP" b="1" dirty="0" smtClean="0"/>
+              <a:t>(</a:t>
+            </a:r>
+            <a:r>
+              <a:rPr lang="ja-JP" altLang="en-US" b="1" dirty="0" smtClean="0"/>
+              <a:t>インスタンス数</a:t>
+            </a:r>
+            <a:r>
+              <a:rPr lang="en-US" altLang="ja-JP" b="1" dirty="0" smtClean="0"/>
+              <a:t>5</a:t>
+            </a:r>
+            <a:r>
+              <a:rPr lang="ja-JP" altLang="en-US" b="1" dirty="0" smtClean="0"/>
+              <a:t>台</a:t>
+            </a:r>
+            <a:r>
+              <a:rPr lang="en-US" altLang="ja-JP" b="1" dirty="0" smtClean="0"/>
+              <a:t>)</a:t>
+            </a:r>
+          </a:p>
+          <a:p>
+            <a:r>
+              <a:rPr kumimoji="1" lang="en-US" altLang="ja-JP" b="1" dirty="0" smtClean="0"/>
+              <a:t>3</a:t>
+            </a:r>
+            <a:r>
+              <a:rPr kumimoji="1" lang="ja-JP" altLang="en-US" b="1" dirty="0" smtClean="0"/>
+              <a:t>セグメント構成</a:t>
+            </a:r>
+            <a:r>
+              <a:rPr kumimoji="1" lang="en-US" altLang="ja-JP" b="1" dirty="0" smtClean="0"/>
+              <a:t>(</a:t>
+            </a:r>
+            <a:r>
+              <a:rPr kumimoji="1" lang="ja-JP" altLang="en-US" b="1" dirty="0" smtClean="0"/>
+              <a:t>インスタンス数</a:t>
+            </a:r>
+            <a:r>
+              <a:rPr kumimoji="1" lang="en-US" altLang="ja-JP" b="1" dirty="0" smtClean="0"/>
+              <a:t>5</a:t>
+            </a:r>
+            <a:r>
+              <a:rPr kumimoji="1" lang="ja-JP" altLang="en-US" b="1" dirty="0" smtClean="0"/>
+              <a:t>台</a:t>
+            </a:r>
+            <a:r>
+              <a:rPr kumimoji="1" lang="en-US" altLang="ja-JP" b="1" dirty="0" smtClean="0"/>
+              <a:t>)</a:t>
+            </a:r>
+            <a:endParaRPr kumimoji="1" lang="ja-JP" altLang="en-US" b="1" dirty="0"/>
+          </a:p>
+        </p:txBody>
+      </p:sp>
+    </p:spTree>
+    <p:extLst>
+      <p:ext uri="{BB962C8B-B14F-4D97-AF65-F5344CB8AC3E}">
+        <p14:creationId xmlns:p14="http://schemas.microsoft.com/office/powerpoint/2010/main" val="3352068285"/>
+      </p:ext>
+    </p:extLst>
+  </p:cSld>
+  <p:clrMapOvr>
+    <a:masterClrMapping/>
+  </p:clrMapOvr>
+</p:sld>
+</file>
+
+<file path=ppt/slides/slide8.xml><?xml version="1.0" encoding="utf-8"?>
+<p:sld xmlns:a="http://schemas.openxmlformats.org/drawingml/2006/main" xmlns:r="http://schemas.openxmlformats.org/officeDocument/2006/relationships" xmlns:p="http://schemas.openxmlformats.org/presentationml/2006/main">
+  <p:cSld>
+    <p:spTree>
+      <p:nvGrpSpPr>
+        <p:cNvPr id="1" name=""/>
+        <p:cNvGrpSpPr/>
+        <p:nvPr/>
+      </p:nvGrpSpPr>
+      <p:grpSpPr>
+        <a:xfrm>
+          <a:off x="0" y="0"/>
+          <a:ext cx="0" cy="0"/>
+          <a:chOff x="0" y="0"/>
+          <a:chExt cx="0" cy="0"/>
+        </a:xfrm>
+      </p:grpSpPr>
+      <p:sp>
+        <p:nvSpPr>
+          <p:cNvPr id="2" name="タイトル 1"/>
+          <p:cNvSpPr>
+            <a:spLocks noGrp="1"/>
+          </p:cNvSpPr>
+          <p:nvPr>
+            <p:ph type="title"/>
+          </p:nvPr>
+        </p:nvSpPr>
+        <p:spPr/>
+        <p:txBody>
+          <a:bodyPr/>
+          <a:lstStyle/>
+          <a:p>
+            <a:endParaRPr kumimoji="1" lang="ja-JP" altLang="en-US"/>
+          </a:p>
+        </p:txBody>
+      </p:sp>
+      <p:sp>
+        <p:nvSpPr>
+          <p:cNvPr id="3" name="コンテンツ プレースホルダー 2"/>
+          <p:cNvSpPr>
+            <a:spLocks noGrp="1"/>
+          </p:cNvSpPr>
+          <p:nvPr>
+            <p:ph idx="1"/>
+          </p:nvPr>
+        </p:nvSpPr>
+        <p:spPr/>
+        <p:txBody>
+          <a:bodyPr>
+            <a:normAutofit lnSpcReduction="10000"/>
+          </a:bodyPr>
+          <a:lstStyle/>
+          <a:p>
+            <a:endParaRPr kumimoji="1" lang="ja-JP" altLang="en-US"/>
+          </a:p>
+        </p:txBody>
+      </p:sp>
+    </p:spTree>
+    <p:extLst>
+      <p:ext uri="{BB962C8B-B14F-4D97-AF65-F5344CB8AC3E}">
+        <p14:creationId xmlns:p14="http://schemas.microsoft.com/office/powerpoint/2010/main" val="573159715"/>
+      </p:ext>
+    </p:extLst>
+  </p:cSld>
+  <p:clrMapOvr>
+    <a:masterClrMapping/>
+  </p:clrMapOvr>
 </p:sld>
 </file>
 

--- a/卒業論文本体/発表用スライド.pptx
+++ b/卒業論文本体/発表用スライド.pptx
@@ -6,7 +6,7 @@
     <p:sldMasterId id="2147483813" r:id="rId2"/>
   </p:sldMasterIdLst>
   <p:notesMasterIdLst>
-    <p:notesMasterId r:id="rId11"/>
+    <p:notesMasterId r:id="rId16"/>
   </p:notesMasterIdLst>
   <p:sldIdLst>
     <p:sldId id="256" r:id="rId3"/>
@@ -15,8 +15,13 @@
     <p:sldId id="259" r:id="rId6"/>
     <p:sldId id="260" r:id="rId7"/>
     <p:sldId id="261" r:id="rId8"/>
-    <p:sldId id="262" r:id="rId9"/>
+    <p:sldId id="264" r:id="rId9"/>
     <p:sldId id="263" r:id="rId10"/>
+    <p:sldId id="262" r:id="rId11"/>
+    <p:sldId id="265" r:id="rId12"/>
+    <p:sldId id="266" r:id="rId13"/>
+    <p:sldId id="267" r:id="rId14"/>
+    <p:sldId id="268" r:id="rId15"/>
   </p:sldIdLst>
   <p:sldSz cx="9144000" cy="6858000" type="screen4x3"/>
   <p:notesSz cx="6858000" cy="9144000"/>
@@ -156,7 +161,7 @@
           <a:lstStyle/>
           <a:p>
             <a:pPr>
-              <a:defRPr sz="1600" b="1" i="0" u="none" strike="noStrike" kern="1200" cap="all" spc="120" normalizeH="0" baseline="0">
+              <a:defRPr sz="2000" b="1" i="0" u="none" strike="noStrike" kern="1200" cap="all" spc="120" normalizeH="0" baseline="0">
                 <a:solidFill>
                   <a:schemeClr val="tx1">
                     <a:lumMod val="65000"/>
@@ -169,10 +174,10 @@
               </a:defRPr>
             </a:pPr>
             <a:r>
-              <a:rPr lang="ja-JP" altLang="en-US" sz="1200"/>
+              <a:rPr lang="ja-JP" altLang="en-US" sz="2000"/>
               <a:t>クラウドサービスの世界市場規模の推移及び予測</a:t>
             </a:r>
-            <a:endParaRPr lang="ja-JP" sz="1200"/>
+            <a:endParaRPr lang="ja-JP" sz="2000"/>
           </a:p>
         </c:rich>
       </c:tx>
@@ -190,7 +195,7 @@
         <a:lstStyle/>
         <a:p>
           <a:pPr>
-            <a:defRPr sz="1600" b="1" i="0" u="none" strike="noStrike" kern="1200" cap="all" spc="120" normalizeH="0" baseline="0">
+            <a:defRPr sz="2000" b="1" i="0" u="none" strike="noStrike" kern="1200" cap="all" spc="120" normalizeH="0" baseline="0">
               <a:solidFill>
                 <a:schemeClr val="tx1">
                   <a:lumMod val="65000"/>
@@ -252,7 +257,7 @@
               <a:lstStyle/>
               <a:p>
                 <a:pPr>
-                  <a:defRPr sz="900" b="0" i="0" u="none" strike="noStrike" kern="1200" baseline="0">
+                  <a:defRPr sz="1600" b="0" i="0" u="none" strike="noStrike" kern="1200" baseline="0">
                     <a:solidFill>
                       <a:schemeClr val="lt1"/>
                     </a:solidFill>
@@ -392,7 +397,7 @@
               <a:lstStyle/>
               <a:p>
                 <a:pPr>
-                  <a:defRPr sz="900" b="0" i="0" u="none" strike="noStrike" kern="1200" baseline="0">
+                  <a:defRPr sz="1200" b="0" i="0" u="none" strike="noStrike" kern="1200" baseline="0">
                     <a:solidFill>
                       <a:schemeClr val="lt1"/>
                     </a:solidFill>
@@ -532,7 +537,7 @@
               <a:lstStyle/>
               <a:p>
                 <a:pPr>
-                  <a:defRPr sz="900" b="0" i="0" u="none" strike="noStrike" kern="1200" baseline="0">
+                  <a:defRPr sz="1200" b="0" i="0" u="none" strike="noStrike" kern="1200" baseline="0">
                     <a:solidFill>
                       <a:schemeClr val="lt1"/>
                     </a:solidFill>
@@ -672,7 +677,7 @@
               <a:lstStyle/>
               <a:p>
                 <a:pPr>
-                  <a:defRPr sz="900" b="0" i="0" u="none" strike="noStrike" kern="1200" baseline="0">
+                  <a:defRPr sz="1200" b="0" i="0" u="none" strike="noStrike" kern="1200" baseline="0">
                     <a:solidFill>
                       <a:schemeClr val="lt1"/>
                     </a:solidFill>
@@ -784,11 +789,11 @@
         </c:dLbls>
         <c:gapWidth val="79"/>
         <c:overlap val="100"/>
-        <c:axId val="276220016"/>
-        <c:axId val="276220576"/>
+        <c:axId val="1834514976"/>
+        <c:axId val="1834522048"/>
       </c:barChart>
       <c:catAx>
-        <c:axId val="276220016"/>
+        <c:axId val="1834514976"/>
         <c:scaling>
           <c:orientation val="minMax"/>
         </c:scaling>
@@ -830,7 +835,7 @@
           <a:lstStyle/>
           <a:p>
             <a:pPr>
-              <a:defRPr sz="800" b="0" i="0" u="none" strike="noStrike" kern="1200" cap="all" spc="120" normalizeH="0" baseline="0">
+              <a:defRPr sz="1800" b="0" i="0" u="none" strike="noStrike" kern="1200" cap="all" spc="120" normalizeH="0" baseline="0">
                 <a:solidFill>
                   <a:schemeClr val="tx1">
                     <a:lumMod val="65000"/>
@@ -845,7 +850,7 @@
             <a:endParaRPr lang="ja-JP"/>
           </a:p>
         </c:txPr>
-        <c:crossAx val="276220576"/>
+        <c:crossAx val="1834522048"/>
         <c:crosses val="autoZero"/>
         <c:auto val="1"/>
         <c:lblAlgn val="ctr"/>
@@ -853,7 +858,7 @@
         <c:noMultiLvlLbl val="0"/>
       </c:catAx>
       <c:valAx>
-        <c:axId val="276220576"/>
+        <c:axId val="1834522048"/>
         <c:scaling>
           <c:orientation val="minMax"/>
           <c:max val="200"/>
@@ -880,7 +885,7 @@
               <a:lstStyle/>
               <a:p>
                 <a:pPr>
-                  <a:defRPr sz="900" b="0" i="0" u="none" strike="noStrike" kern="1200" cap="all" baseline="0">
+                  <a:defRPr sz="1800" b="0" i="0" u="none" strike="noStrike" kern="1200" cap="all" baseline="0">
                     <a:solidFill>
                       <a:schemeClr val="tx1">
                         <a:lumMod val="65000"/>
@@ -893,22 +898,22 @@
                   </a:defRPr>
                 </a:pPr>
                 <a:r>
-                  <a:rPr lang="ja-JP" altLang="en-US"/>
+                  <a:rPr lang="ja-JP" altLang="en-US" sz="1800"/>
                   <a:t>市場規模</a:t>
                 </a:r>
                 <a:r>
-                  <a:rPr lang="en-US" altLang="ja-JP"/>
+                  <a:rPr lang="en-US" altLang="ja-JP" sz="1800"/>
                   <a:t>(</a:t>
                 </a:r>
                 <a:r>
-                  <a:rPr lang="ja-JP" altLang="en-US"/>
+                  <a:rPr lang="ja-JP" altLang="en-US" sz="1800"/>
                   <a:t>１０億円</a:t>
                 </a:r>
                 <a:r>
-                  <a:rPr lang="en-US" altLang="ja-JP"/>
+                  <a:rPr lang="en-US" altLang="ja-JP" sz="1800"/>
                   <a:t>)</a:t>
                 </a:r>
-                <a:endParaRPr lang="ja-JP" altLang="en-US"/>
+                <a:endParaRPr lang="ja-JP" altLang="en-US" sz="1800"/>
               </a:p>
             </c:rich>
           </c:tx>
@@ -926,7 +931,7 @@
             <a:lstStyle/>
             <a:p>
               <a:pPr>
-                <a:defRPr sz="900" b="0" i="0" u="none" strike="noStrike" kern="1200" cap="all" baseline="0">
+                <a:defRPr sz="1800" b="0" i="0" u="none" strike="noStrike" kern="1200" cap="all" baseline="0">
                   <a:solidFill>
                     <a:schemeClr val="tx1">
                       <a:lumMod val="65000"/>
@@ -964,7 +969,7 @@
           <a:lstStyle/>
           <a:p>
             <a:pPr>
-              <a:defRPr sz="900" b="0" i="0" u="none" strike="noStrike" kern="1200" baseline="0">
+              <a:defRPr sz="1800" b="0" i="0" u="none" strike="noStrike" kern="1200" baseline="0">
                 <a:solidFill>
                   <a:schemeClr val="tx1">
                     <a:lumMod val="65000"/>
@@ -979,48 +984,11 @@
             <a:endParaRPr lang="ja-JP"/>
           </a:p>
         </c:txPr>
-        <c:crossAx val="276220016"/>
+        <c:crossAx val="1834514976"/>
         <c:crosses val="autoZero"/>
         <c:crossBetween val="between"/>
+        <c:majorUnit val="40"/>
       </c:valAx>
-      <c:dTable>
-        <c:showHorzBorder val="1"/>
-        <c:showVertBorder val="1"/>
-        <c:showOutline val="1"/>
-        <c:showKeys val="1"/>
-        <c:spPr>
-          <a:noFill/>
-          <a:ln w="9525">
-            <a:solidFill>
-              <a:schemeClr val="tx1">
-                <a:lumMod val="15000"/>
-                <a:lumOff val="85000"/>
-              </a:schemeClr>
-            </a:solidFill>
-          </a:ln>
-          <a:effectLst/>
-        </c:spPr>
-        <c:txPr>
-          <a:bodyPr rot="0" spcFirstLastPara="1" vertOverflow="ellipsis" vert="horz" wrap="square" anchor="ctr" anchorCtr="1"/>
-          <a:lstStyle/>
-          <a:p>
-            <a:pPr rtl="0">
-              <a:defRPr sz="900" b="0" i="0" u="none" strike="noStrike" kern="1200" baseline="0">
-                <a:solidFill>
-                  <a:schemeClr val="tx1">
-                    <a:lumMod val="65000"/>
-                    <a:lumOff val="35000"/>
-                  </a:schemeClr>
-                </a:solidFill>
-                <a:latin typeface="+mn-lt"/>
-                <a:ea typeface="+mn-ea"/>
-                <a:cs typeface="+mn-cs"/>
-              </a:defRPr>
-            </a:pPr>
-            <a:endParaRPr lang="ja-JP"/>
-          </a:p>
-        </c:txPr>
-      </c:dTable>
       <c:spPr>
         <a:noFill/>
         <a:ln>
@@ -1045,7 +1013,7 @@
         <a:lstStyle/>
         <a:p>
           <a:pPr>
-            <a:defRPr sz="900" b="0" i="0" u="none" strike="noStrike" kern="1200" baseline="0">
+            <a:defRPr sz="1600" b="0" i="0" u="none" strike="noStrike" kern="1200" baseline="0">
               <a:solidFill>
                 <a:schemeClr val="tx1">
                   <a:lumMod val="65000"/>
@@ -1088,7 +1056,2566 @@
 </c:chartSpace>
 </file>
 
+<file path=ppt/charts/chart2.xml><?xml version="1.0" encoding="utf-8"?>
+<c:chartSpace xmlns:c="http://schemas.openxmlformats.org/drawingml/2006/chart" xmlns:a="http://schemas.openxmlformats.org/drawingml/2006/main" xmlns:r="http://schemas.openxmlformats.org/officeDocument/2006/relationships">
+  <c:date1904 val="0"/>
+  <c:lang val="ja-JP"/>
+  <c:roundedCorners val="0"/>
+  <mc:AlternateContent xmlns:mc="http://schemas.openxmlformats.org/markup-compatibility/2006">
+    <mc:Choice xmlns:c14="http://schemas.microsoft.com/office/drawing/2007/8/2/chart" Requires="c14">
+      <c14:style val="102"/>
+    </mc:Choice>
+    <mc:Fallback>
+      <c:style val="2"/>
+    </mc:Fallback>
+  </mc:AlternateContent>
+  <c:clrMapOvr bg1="lt1" tx1="dk1" bg2="lt2" tx2="dk2" accent1="accent1" accent2="accent2" accent3="accent3" accent4="accent4" accent5="accent5" accent6="accent6" hlink="hlink" folHlink="folHlink"/>
+  <c:chart>
+    <c:title>
+      <c:tx>
+        <c:rich>
+          <a:bodyPr rot="0" spcFirstLastPara="1" vertOverflow="ellipsis" vert="horz" wrap="square" anchor="ctr" anchorCtr="1"/>
+          <a:lstStyle/>
+          <a:p>
+            <a:pPr>
+              <a:defRPr sz="1600" b="0" i="0" u="none" strike="noStrike" kern="1200" spc="0" baseline="0">
+                <a:solidFill>
+                  <a:schemeClr val="tx1">
+                    <a:lumMod val="65000"/>
+                    <a:lumOff val="35000"/>
+                  </a:schemeClr>
+                </a:solidFill>
+                <a:latin typeface="+mn-lt"/>
+                <a:ea typeface="+mn-ea"/>
+                <a:cs typeface="+mn-cs"/>
+              </a:defRPr>
+            </a:pPr>
+            <a:r>
+              <a:rPr lang="ja-JP" altLang="en-US" sz="1600"/>
+              <a:t>各方式学習時間比較</a:t>
+            </a:r>
+          </a:p>
+        </c:rich>
+      </c:tx>
+      <c:layout/>
+      <c:overlay val="0"/>
+      <c:spPr>
+        <a:noFill/>
+        <a:ln>
+          <a:noFill/>
+        </a:ln>
+        <a:effectLst/>
+      </c:spPr>
+      <c:txPr>
+        <a:bodyPr rot="0" spcFirstLastPara="1" vertOverflow="ellipsis" vert="horz" wrap="square" anchor="ctr" anchorCtr="1"/>
+        <a:lstStyle/>
+        <a:p>
+          <a:pPr>
+            <a:defRPr sz="1600" b="0" i="0" u="none" strike="noStrike" kern="1200" spc="0" baseline="0">
+              <a:solidFill>
+                <a:schemeClr val="tx1">
+                  <a:lumMod val="65000"/>
+                  <a:lumOff val="35000"/>
+                </a:schemeClr>
+              </a:solidFill>
+              <a:latin typeface="+mn-lt"/>
+              <a:ea typeface="+mn-ea"/>
+              <a:cs typeface="+mn-cs"/>
+            </a:defRPr>
+          </a:pPr>
+          <a:endParaRPr lang="ja-JP"/>
+        </a:p>
+      </c:txPr>
+    </c:title>
+    <c:autoTitleDeleted val="0"/>
+    <c:plotArea>
+      <c:layout/>
+      <c:barChart>
+        <c:barDir val="col"/>
+        <c:grouping val="clustered"/>
+        <c:varyColors val="0"/>
+        <c:ser>
+          <c:idx val="0"/>
+          <c:order val="0"/>
+          <c:tx>
+            <c:strRef>
+              <c:f>論文掲載用データ!$B$121</c:f>
+              <c:strCache>
+                <c:ptCount val="1"/>
+                <c:pt idx="0">
+                  <c:v>オーケストレーション定義エディタ</c:v>
+                </c:pt>
+              </c:strCache>
+            </c:strRef>
+          </c:tx>
+          <c:spPr>
+            <a:solidFill>
+              <a:schemeClr val="accent2"/>
+            </a:solidFill>
+            <a:ln>
+              <a:noFill/>
+            </a:ln>
+            <a:effectLst/>
+          </c:spPr>
+          <c:invertIfNegative val="0"/>
+          <c:dLbls>
+            <c:spPr>
+              <a:noFill/>
+              <a:ln>
+                <a:noFill/>
+              </a:ln>
+              <a:effectLst/>
+            </c:spPr>
+            <c:txPr>
+              <a:bodyPr rot="0" spcFirstLastPara="1" vertOverflow="ellipsis" vert="horz" wrap="square" lIns="38100" tIns="19050" rIns="38100" bIns="19050" anchor="ctr" anchorCtr="1">
+                <a:spAutoFit/>
+              </a:bodyPr>
+              <a:lstStyle/>
+              <a:p>
+                <a:pPr>
+                  <a:defRPr sz="1400" b="0" i="0" u="none" strike="noStrike" kern="1200" baseline="0">
+                    <a:solidFill>
+                      <a:schemeClr val="tx1">
+                        <a:lumMod val="75000"/>
+                        <a:lumOff val="25000"/>
+                      </a:schemeClr>
+                    </a:solidFill>
+                    <a:latin typeface="+mn-lt"/>
+                    <a:ea typeface="+mn-ea"/>
+                    <a:cs typeface="+mn-cs"/>
+                  </a:defRPr>
+                </a:pPr>
+                <a:endParaRPr lang="ja-JP"/>
+              </a:p>
+            </c:txPr>
+            <c:dLblPos val="outEnd"/>
+            <c:showLegendKey val="0"/>
+            <c:showVal val="1"/>
+            <c:showCatName val="0"/>
+            <c:showSerName val="0"/>
+            <c:showPercent val="0"/>
+            <c:showBubbleSize val="0"/>
+            <c:showLeaderLines val="0"/>
+            <c:extLst>
+              <c:ext xmlns:c15="http://schemas.microsoft.com/office/drawing/2012/chart" uri="{CE6537A1-D6FC-4f65-9D91-7224C49458BB}">
+                <c15:layout/>
+                <c15:showLeaderLines val="1"/>
+                <c15:leaderLines>
+                  <c:spPr>
+                    <a:ln w="9525" cap="flat" cmpd="sng" algn="ctr">
+                      <a:solidFill>
+                        <a:schemeClr val="tx1">
+                          <a:lumMod val="35000"/>
+                          <a:lumOff val="65000"/>
+                        </a:schemeClr>
+                      </a:solidFill>
+                      <a:round/>
+                    </a:ln>
+                    <a:effectLst/>
+                  </c:spPr>
+                </c15:leaderLines>
+              </c:ext>
+            </c:extLst>
+          </c:dLbls>
+          <c:cat>
+            <c:strRef>
+              <c:f>論文掲載用データ!$C$120:$G$120</c:f>
+              <c:strCache>
+                <c:ptCount val="5"/>
+                <c:pt idx="0">
+                  <c:v>A</c:v>
+                </c:pt>
+                <c:pt idx="1">
+                  <c:v>B</c:v>
+                </c:pt>
+                <c:pt idx="2">
+                  <c:v>C</c:v>
+                </c:pt>
+                <c:pt idx="3">
+                  <c:v>D</c:v>
+                </c:pt>
+                <c:pt idx="4">
+                  <c:v>E</c:v>
+                </c:pt>
+              </c:strCache>
+            </c:strRef>
+          </c:cat>
+          <c:val>
+            <c:numRef>
+              <c:f>論文掲載用データ!$C$121:$G$121</c:f>
+              <c:numCache>
+                <c:formatCode>General</c:formatCode>
+                <c:ptCount val="5"/>
+                <c:pt idx="0">
+                  <c:v>180</c:v>
+                </c:pt>
+                <c:pt idx="1">
+                  <c:v>72</c:v>
+                </c:pt>
+                <c:pt idx="2">
+                  <c:v>90</c:v>
+                </c:pt>
+                <c:pt idx="3">
+                  <c:v>90</c:v>
+                </c:pt>
+                <c:pt idx="4">
+                  <c:v>103</c:v>
+                </c:pt>
+              </c:numCache>
+            </c:numRef>
+          </c:val>
+        </c:ser>
+        <c:ser>
+          <c:idx val="1"/>
+          <c:order val="1"/>
+          <c:tx>
+            <c:strRef>
+              <c:f>論文掲載用データ!$B$122</c:f>
+              <c:strCache>
+                <c:ptCount val="1"/>
+                <c:pt idx="0">
+                  <c:v>従来方式</c:v>
+                </c:pt>
+              </c:strCache>
+            </c:strRef>
+          </c:tx>
+          <c:spPr>
+            <a:solidFill>
+              <a:schemeClr val="accent1"/>
+            </a:solidFill>
+            <a:ln>
+              <a:noFill/>
+            </a:ln>
+            <a:effectLst/>
+          </c:spPr>
+          <c:invertIfNegative val="0"/>
+          <c:dLbls>
+            <c:spPr>
+              <a:noFill/>
+              <a:ln>
+                <a:noFill/>
+              </a:ln>
+              <a:effectLst/>
+            </c:spPr>
+            <c:txPr>
+              <a:bodyPr rot="0" spcFirstLastPara="1" vertOverflow="ellipsis" vert="horz" wrap="square" lIns="38100" tIns="19050" rIns="38100" bIns="19050" anchor="ctr" anchorCtr="1">
+                <a:spAutoFit/>
+              </a:bodyPr>
+              <a:lstStyle/>
+              <a:p>
+                <a:pPr>
+                  <a:defRPr sz="1400" b="0" i="0" u="none" strike="noStrike" kern="1200" baseline="0">
+                    <a:solidFill>
+                      <a:schemeClr val="tx1">
+                        <a:lumMod val="75000"/>
+                        <a:lumOff val="25000"/>
+                      </a:schemeClr>
+                    </a:solidFill>
+                    <a:latin typeface="+mn-lt"/>
+                    <a:ea typeface="+mn-ea"/>
+                    <a:cs typeface="+mn-cs"/>
+                  </a:defRPr>
+                </a:pPr>
+                <a:endParaRPr lang="ja-JP"/>
+              </a:p>
+            </c:txPr>
+            <c:dLblPos val="outEnd"/>
+            <c:showLegendKey val="0"/>
+            <c:showVal val="1"/>
+            <c:showCatName val="0"/>
+            <c:showSerName val="0"/>
+            <c:showPercent val="0"/>
+            <c:showBubbleSize val="0"/>
+            <c:showLeaderLines val="0"/>
+            <c:extLst>
+              <c:ext xmlns:c15="http://schemas.microsoft.com/office/drawing/2012/chart" uri="{CE6537A1-D6FC-4f65-9D91-7224C49458BB}">
+                <c15:layout/>
+                <c15:showLeaderLines val="1"/>
+                <c15:leaderLines>
+                  <c:spPr>
+                    <a:ln w="9525" cap="flat" cmpd="sng" algn="ctr">
+                      <a:solidFill>
+                        <a:schemeClr val="tx1">
+                          <a:lumMod val="35000"/>
+                          <a:lumOff val="65000"/>
+                        </a:schemeClr>
+                      </a:solidFill>
+                      <a:round/>
+                    </a:ln>
+                    <a:effectLst/>
+                  </c:spPr>
+                </c15:leaderLines>
+              </c:ext>
+            </c:extLst>
+          </c:dLbls>
+          <c:cat>
+            <c:strRef>
+              <c:f>論文掲載用データ!$C$120:$G$120</c:f>
+              <c:strCache>
+                <c:ptCount val="5"/>
+                <c:pt idx="0">
+                  <c:v>A</c:v>
+                </c:pt>
+                <c:pt idx="1">
+                  <c:v>B</c:v>
+                </c:pt>
+                <c:pt idx="2">
+                  <c:v>C</c:v>
+                </c:pt>
+                <c:pt idx="3">
+                  <c:v>D</c:v>
+                </c:pt>
+                <c:pt idx="4">
+                  <c:v>E</c:v>
+                </c:pt>
+              </c:strCache>
+            </c:strRef>
+          </c:cat>
+          <c:val>
+            <c:numRef>
+              <c:f>論文掲載用データ!$C$122:$G$122</c:f>
+              <c:numCache>
+                <c:formatCode>General</c:formatCode>
+                <c:ptCount val="5"/>
+                <c:pt idx="0">
+                  <c:v>540</c:v>
+                </c:pt>
+                <c:pt idx="1">
+                  <c:v>421</c:v>
+                </c:pt>
+                <c:pt idx="2">
+                  <c:v>503</c:v>
+                </c:pt>
+                <c:pt idx="3">
+                  <c:v>479</c:v>
+                </c:pt>
+                <c:pt idx="4">
+                  <c:v>413</c:v>
+                </c:pt>
+              </c:numCache>
+            </c:numRef>
+          </c:val>
+        </c:ser>
+        <c:dLbls>
+          <c:dLblPos val="outEnd"/>
+          <c:showLegendKey val="0"/>
+          <c:showVal val="1"/>
+          <c:showCatName val="0"/>
+          <c:showSerName val="0"/>
+          <c:showPercent val="0"/>
+          <c:showBubbleSize val="0"/>
+        </c:dLbls>
+        <c:gapWidth val="219"/>
+        <c:overlap val="-27"/>
+        <c:axId val="1890788272"/>
+        <c:axId val="1890800240"/>
+      </c:barChart>
+      <c:catAx>
+        <c:axId val="1890788272"/>
+        <c:scaling>
+          <c:orientation val="minMax"/>
+        </c:scaling>
+        <c:delete val="0"/>
+        <c:axPos val="b"/>
+        <c:title>
+          <c:tx>
+            <c:rich>
+              <a:bodyPr rot="0" spcFirstLastPara="1" vertOverflow="ellipsis" vert="horz" wrap="square" anchor="ctr" anchorCtr="1"/>
+              <a:lstStyle/>
+              <a:p>
+                <a:pPr>
+                  <a:defRPr sz="1200" b="0" i="0" u="none" strike="noStrike" kern="1200" baseline="0">
+                    <a:solidFill>
+                      <a:schemeClr val="tx1">
+                        <a:lumMod val="65000"/>
+                        <a:lumOff val="35000"/>
+                      </a:schemeClr>
+                    </a:solidFill>
+                    <a:latin typeface="+mn-lt"/>
+                    <a:ea typeface="+mn-ea"/>
+                    <a:cs typeface="+mn-cs"/>
+                  </a:defRPr>
+                </a:pPr>
+                <a:r>
+                  <a:rPr lang="ja-JP" altLang="en-US" sz="1200"/>
+                  <a:t>被験者</a:t>
+                </a:r>
+              </a:p>
+            </c:rich>
+          </c:tx>
+          <c:layout/>
+          <c:overlay val="0"/>
+          <c:spPr>
+            <a:noFill/>
+            <a:ln>
+              <a:noFill/>
+            </a:ln>
+            <a:effectLst/>
+          </c:spPr>
+          <c:txPr>
+            <a:bodyPr rot="0" spcFirstLastPara="1" vertOverflow="ellipsis" vert="horz" wrap="square" anchor="ctr" anchorCtr="1"/>
+            <a:lstStyle/>
+            <a:p>
+              <a:pPr>
+                <a:defRPr sz="1200" b="0" i="0" u="none" strike="noStrike" kern="1200" baseline="0">
+                  <a:solidFill>
+                    <a:schemeClr val="tx1">
+                      <a:lumMod val="65000"/>
+                      <a:lumOff val="35000"/>
+                    </a:schemeClr>
+                  </a:solidFill>
+                  <a:latin typeface="+mn-lt"/>
+                  <a:ea typeface="+mn-ea"/>
+                  <a:cs typeface="+mn-cs"/>
+                </a:defRPr>
+              </a:pPr>
+              <a:endParaRPr lang="ja-JP"/>
+            </a:p>
+          </c:txPr>
+        </c:title>
+        <c:numFmt formatCode="General" sourceLinked="1"/>
+        <c:majorTickMark val="none"/>
+        <c:minorTickMark val="none"/>
+        <c:tickLblPos val="nextTo"/>
+        <c:spPr>
+          <a:noFill/>
+          <a:ln w="9525" cap="flat" cmpd="sng" algn="ctr">
+            <a:solidFill>
+              <a:schemeClr val="tx1">
+                <a:lumMod val="15000"/>
+                <a:lumOff val="85000"/>
+              </a:schemeClr>
+            </a:solidFill>
+            <a:round/>
+          </a:ln>
+          <a:effectLst/>
+        </c:spPr>
+        <c:txPr>
+          <a:bodyPr rot="-60000000" spcFirstLastPara="1" vertOverflow="ellipsis" vert="horz" wrap="square" anchor="ctr" anchorCtr="1"/>
+          <a:lstStyle/>
+          <a:p>
+            <a:pPr>
+              <a:defRPr sz="1400" b="0" i="0" u="none" strike="noStrike" kern="1200" baseline="0">
+                <a:solidFill>
+                  <a:schemeClr val="tx1">
+                    <a:lumMod val="65000"/>
+                    <a:lumOff val="35000"/>
+                  </a:schemeClr>
+                </a:solidFill>
+                <a:latin typeface="+mn-lt"/>
+                <a:ea typeface="+mn-ea"/>
+                <a:cs typeface="+mn-cs"/>
+              </a:defRPr>
+            </a:pPr>
+            <a:endParaRPr lang="ja-JP"/>
+          </a:p>
+        </c:txPr>
+        <c:crossAx val="1890800240"/>
+        <c:crosses val="autoZero"/>
+        <c:auto val="1"/>
+        <c:lblAlgn val="ctr"/>
+        <c:lblOffset val="100"/>
+        <c:noMultiLvlLbl val="0"/>
+      </c:catAx>
+      <c:valAx>
+        <c:axId val="1890800240"/>
+        <c:scaling>
+          <c:orientation val="minMax"/>
+        </c:scaling>
+        <c:delete val="0"/>
+        <c:axPos val="l"/>
+        <c:majorGridlines>
+          <c:spPr>
+            <a:ln w="9525" cap="flat" cmpd="sng" algn="ctr">
+              <a:solidFill>
+                <a:schemeClr val="tx1">
+                  <a:lumMod val="15000"/>
+                  <a:lumOff val="85000"/>
+                </a:schemeClr>
+              </a:solidFill>
+              <a:round/>
+            </a:ln>
+            <a:effectLst/>
+          </c:spPr>
+        </c:majorGridlines>
+        <c:title>
+          <c:tx>
+            <c:rich>
+              <a:bodyPr rot="-5400000" spcFirstLastPara="1" vertOverflow="ellipsis" vert="horz" wrap="square" anchor="ctr" anchorCtr="1"/>
+              <a:lstStyle/>
+              <a:p>
+                <a:pPr>
+                  <a:defRPr sz="1200" b="0" i="0" u="none" strike="noStrike" kern="1200" baseline="0">
+                    <a:solidFill>
+                      <a:schemeClr val="tx1">
+                        <a:lumMod val="65000"/>
+                        <a:lumOff val="35000"/>
+                      </a:schemeClr>
+                    </a:solidFill>
+                    <a:latin typeface="+mn-lt"/>
+                    <a:ea typeface="+mn-ea"/>
+                    <a:cs typeface="+mn-cs"/>
+                  </a:defRPr>
+                </a:pPr>
+                <a:r>
+                  <a:rPr lang="ja-JP" altLang="en-US" sz="1200"/>
+                  <a:t>学習時間</a:t>
+                </a:r>
+                <a:r>
+                  <a:rPr lang="en-US" altLang="ja-JP" sz="1200"/>
+                  <a:t>(</a:t>
+                </a:r>
+                <a:r>
+                  <a:rPr lang="ja-JP" altLang="en-US" sz="1200"/>
+                  <a:t>秒</a:t>
+                </a:r>
+                <a:r>
+                  <a:rPr lang="en-US" altLang="ja-JP" sz="1200"/>
+                  <a:t>)</a:t>
+                </a:r>
+                <a:endParaRPr lang="ja-JP" altLang="en-US" sz="1200"/>
+              </a:p>
+            </c:rich>
+          </c:tx>
+          <c:layout/>
+          <c:overlay val="0"/>
+          <c:spPr>
+            <a:noFill/>
+            <a:ln>
+              <a:noFill/>
+            </a:ln>
+            <a:effectLst/>
+          </c:spPr>
+          <c:txPr>
+            <a:bodyPr rot="-5400000" spcFirstLastPara="1" vertOverflow="ellipsis" vert="horz" wrap="square" anchor="ctr" anchorCtr="1"/>
+            <a:lstStyle/>
+            <a:p>
+              <a:pPr>
+                <a:defRPr sz="1200" b="0" i="0" u="none" strike="noStrike" kern="1200" baseline="0">
+                  <a:solidFill>
+                    <a:schemeClr val="tx1">
+                      <a:lumMod val="65000"/>
+                      <a:lumOff val="35000"/>
+                    </a:schemeClr>
+                  </a:solidFill>
+                  <a:latin typeface="+mn-lt"/>
+                  <a:ea typeface="+mn-ea"/>
+                  <a:cs typeface="+mn-cs"/>
+                </a:defRPr>
+              </a:pPr>
+              <a:endParaRPr lang="ja-JP"/>
+            </a:p>
+          </c:txPr>
+        </c:title>
+        <c:numFmt formatCode="General" sourceLinked="1"/>
+        <c:majorTickMark val="none"/>
+        <c:minorTickMark val="none"/>
+        <c:tickLblPos val="nextTo"/>
+        <c:spPr>
+          <a:noFill/>
+          <a:ln>
+            <a:noFill/>
+          </a:ln>
+          <a:effectLst/>
+        </c:spPr>
+        <c:txPr>
+          <a:bodyPr rot="-60000000" spcFirstLastPara="1" vertOverflow="ellipsis" vert="horz" wrap="square" anchor="ctr" anchorCtr="1"/>
+          <a:lstStyle/>
+          <a:p>
+            <a:pPr>
+              <a:defRPr sz="1400" b="0" i="0" u="none" strike="noStrike" kern="1200" baseline="0">
+                <a:solidFill>
+                  <a:schemeClr val="tx1">
+                    <a:lumMod val="65000"/>
+                    <a:lumOff val="35000"/>
+                  </a:schemeClr>
+                </a:solidFill>
+                <a:latin typeface="+mn-lt"/>
+                <a:ea typeface="+mn-ea"/>
+                <a:cs typeface="+mn-cs"/>
+              </a:defRPr>
+            </a:pPr>
+            <a:endParaRPr lang="ja-JP"/>
+          </a:p>
+        </c:txPr>
+        <c:crossAx val="1890788272"/>
+        <c:crosses val="autoZero"/>
+        <c:crossBetween val="between"/>
+      </c:valAx>
+      <c:spPr>
+        <a:noFill/>
+        <a:ln>
+          <a:noFill/>
+        </a:ln>
+        <a:effectLst/>
+      </c:spPr>
+    </c:plotArea>
+    <c:legend>
+      <c:legendPos val="b"/>
+      <c:layout/>
+      <c:overlay val="0"/>
+      <c:spPr>
+        <a:noFill/>
+        <a:ln>
+          <a:noFill/>
+        </a:ln>
+        <a:effectLst/>
+      </c:spPr>
+      <c:txPr>
+        <a:bodyPr rot="0" spcFirstLastPara="1" vertOverflow="ellipsis" vert="horz" wrap="square" anchor="ctr" anchorCtr="1"/>
+        <a:lstStyle/>
+        <a:p>
+          <a:pPr>
+            <a:defRPr sz="1200" b="0" i="0" u="none" strike="noStrike" kern="1200" baseline="0">
+              <a:solidFill>
+                <a:schemeClr val="tx1">
+                  <a:lumMod val="65000"/>
+                  <a:lumOff val="35000"/>
+                </a:schemeClr>
+              </a:solidFill>
+              <a:latin typeface="+mn-lt"/>
+              <a:ea typeface="+mn-ea"/>
+              <a:cs typeface="+mn-cs"/>
+            </a:defRPr>
+          </a:pPr>
+          <a:endParaRPr lang="ja-JP"/>
+        </a:p>
+      </c:txPr>
+    </c:legend>
+    <c:plotVisOnly val="1"/>
+    <c:dispBlanksAs val="gap"/>
+    <c:showDLblsOverMax val="0"/>
+  </c:chart>
+  <c:spPr>
+    <a:noFill/>
+    <a:ln>
+      <a:noFill/>
+    </a:ln>
+    <a:effectLst/>
+  </c:spPr>
+  <c:txPr>
+    <a:bodyPr/>
+    <a:lstStyle/>
+    <a:p>
+      <a:pPr>
+        <a:defRPr/>
+      </a:pPr>
+      <a:endParaRPr lang="ja-JP"/>
+    </a:p>
+  </c:txPr>
+  <c:externalData r:id="rId4">
+    <c:autoUpdate val="0"/>
+  </c:externalData>
+</c:chartSpace>
+</file>
+
+<file path=ppt/charts/chart3.xml><?xml version="1.0" encoding="utf-8"?>
+<c:chartSpace xmlns:c="http://schemas.openxmlformats.org/drawingml/2006/chart" xmlns:a="http://schemas.openxmlformats.org/drawingml/2006/main" xmlns:r="http://schemas.openxmlformats.org/officeDocument/2006/relationships">
+  <c:date1904 val="0"/>
+  <c:lang val="ja-JP"/>
+  <c:roundedCorners val="0"/>
+  <mc:AlternateContent xmlns:mc="http://schemas.openxmlformats.org/markup-compatibility/2006">
+    <mc:Choice xmlns:c14="http://schemas.microsoft.com/office/drawing/2007/8/2/chart" Requires="c14">
+      <c14:style val="102"/>
+    </mc:Choice>
+    <mc:Fallback>
+      <c:style val="2"/>
+    </mc:Fallback>
+  </mc:AlternateContent>
+  <c:clrMapOvr bg1="lt1" tx1="dk1" bg2="lt2" tx2="dk2" accent1="accent1" accent2="accent2" accent3="accent3" accent4="accent4" accent5="accent5" accent6="accent6" hlink="hlink" folHlink="folHlink"/>
+  <c:chart>
+    <c:title>
+      <c:tx>
+        <c:rich>
+          <a:bodyPr rot="0" spcFirstLastPara="1" vertOverflow="ellipsis" vert="horz" wrap="square" anchor="ctr" anchorCtr="1"/>
+          <a:lstStyle/>
+          <a:p>
+            <a:pPr>
+              <a:defRPr sz="1400" b="0" i="0" u="none" strike="noStrike" kern="1200" spc="0" baseline="0">
+                <a:solidFill>
+                  <a:schemeClr val="tx1">
+                    <a:lumMod val="65000"/>
+                    <a:lumOff val="35000"/>
+                  </a:schemeClr>
+                </a:solidFill>
+                <a:latin typeface="+mn-lt"/>
+                <a:ea typeface="+mn-ea"/>
+                <a:cs typeface="+mn-cs"/>
+              </a:defRPr>
+            </a:pPr>
+            <a:r>
+              <a:rPr lang="ja-JP" altLang="en-US" sz="1600" dirty="0"/>
+              <a:t>各方式作成所要時間比較</a:t>
+            </a:r>
+          </a:p>
+        </c:rich>
+      </c:tx>
+      <c:layout>
+        <c:manualLayout>
+          <c:xMode val="edge"/>
+          <c:yMode val="edge"/>
+          <c:x val="0.36429665593142641"/>
+          <c:y val="3.1959104734690068E-2"/>
+        </c:manualLayout>
+      </c:layout>
+      <c:overlay val="0"/>
+      <c:spPr>
+        <a:noFill/>
+        <a:ln>
+          <a:noFill/>
+        </a:ln>
+        <a:effectLst/>
+      </c:spPr>
+      <c:txPr>
+        <a:bodyPr rot="0" spcFirstLastPara="1" vertOverflow="ellipsis" vert="horz" wrap="square" anchor="ctr" anchorCtr="1"/>
+        <a:lstStyle/>
+        <a:p>
+          <a:pPr>
+            <a:defRPr sz="1400" b="0" i="0" u="none" strike="noStrike" kern="1200" spc="0" baseline="0">
+              <a:solidFill>
+                <a:schemeClr val="tx1">
+                  <a:lumMod val="65000"/>
+                  <a:lumOff val="35000"/>
+                </a:schemeClr>
+              </a:solidFill>
+              <a:latin typeface="+mn-lt"/>
+              <a:ea typeface="+mn-ea"/>
+              <a:cs typeface="+mn-cs"/>
+            </a:defRPr>
+          </a:pPr>
+          <a:endParaRPr lang="ja-JP"/>
+        </a:p>
+      </c:txPr>
+    </c:title>
+    <c:autoTitleDeleted val="0"/>
+    <c:plotArea>
+      <c:layout>
+        <c:manualLayout>
+          <c:layoutTarget val="inner"/>
+          <c:xMode val="edge"/>
+          <c:yMode val="edge"/>
+          <c:x val="9.4208208376321337E-2"/>
+          <c:y val="0.10655893357635932"/>
+          <c:w val="0.88956639873281662"/>
+          <c:h val="0.64273379459490443"/>
+        </c:manualLayout>
+      </c:layout>
+      <c:barChart>
+        <c:barDir val="col"/>
+        <c:grouping val="clustered"/>
+        <c:varyColors val="0"/>
+        <c:ser>
+          <c:idx val="0"/>
+          <c:order val="0"/>
+          <c:tx>
+            <c:strRef>
+              <c:f>論文掲載用データ!$B$168</c:f>
+              <c:strCache>
+                <c:ptCount val="1"/>
+                <c:pt idx="0">
+                  <c:v>オーケストレーション定義エディタ</c:v>
+                </c:pt>
+              </c:strCache>
+            </c:strRef>
+          </c:tx>
+          <c:spPr>
+            <a:solidFill>
+              <a:schemeClr val="accent2"/>
+            </a:solidFill>
+            <a:ln>
+              <a:solidFill>
+                <a:schemeClr val="accent2"/>
+              </a:solidFill>
+            </a:ln>
+            <a:effectLst/>
+          </c:spPr>
+          <c:invertIfNegative val="0"/>
+          <c:dLbls>
+            <c:dLbl>
+              <c:idx val="0"/>
+              <c:layout>
+                <c:manualLayout>
+                  <c:x val="-1.0325250021457705E-2"/>
+                  <c:y val="0"/>
+                </c:manualLayout>
+              </c:layout>
+              <c:dLblPos val="outEnd"/>
+              <c:showLegendKey val="0"/>
+              <c:showVal val="1"/>
+              <c:showCatName val="0"/>
+              <c:showSerName val="0"/>
+              <c:showPercent val="0"/>
+              <c:showBubbleSize val="0"/>
+              <c:extLst>
+                <c:ext xmlns:c15="http://schemas.microsoft.com/office/drawing/2012/chart" uri="{CE6537A1-D6FC-4f65-9D91-7224C49458BB}">
+                  <c15:layout/>
+                </c:ext>
+              </c:extLst>
+            </c:dLbl>
+            <c:dLbl>
+              <c:idx val="1"/>
+              <c:layout>
+                <c:manualLayout>
+                  <c:x val="-1.0325250021457705E-2"/>
+                  <c:y val="0"/>
+                </c:manualLayout>
+              </c:layout>
+              <c:dLblPos val="outEnd"/>
+              <c:showLegendKey val="0"/>
+              <c:showVal val="1"/>
+              <c:showCatName val="0"/>
+              <c:showSerName val="0"/>
+              <c:showPercent val="0"/>
+              <c:showBubbleSize val="0"/>
+              <c:extLst>
+                <c:ext xmlns:c15="http://schemas.microsoft.com/office/drawing/2012/chart" uri="{CE6537A1-D6FC-4f65-9D91-7224C49458BB}">
+                  <c15:layout/>
+                </c:ext>
+              </c:extLst>
+            </c:dLbl>
+            <c:dLbl>
+              <c:idx val="2"/>
+              <c:layout>
+                <c:manualLayout>
+                  <c:x val="-1.3275321456159932E-2"/>
+                  <c:y val="0"/>
+                </c:manualLayout>
+              </c:layout>
+              <c:dLblPos val="outEnd"/>
+              <c:showLegendKey val="0"/>
+              <c:showVal val="1"/>
+              <c:showCatName val="0"/>
+              <c:showSerName val="0"/>
+              <c:showPercent val="0"/>
+              <c:showBubbleSize val="0"/>
+              <c:extLst>
+                <c:ext xmlns:c15="http://schemas.microsoft.com/office/drawing/2012/chart" uri="{CE6537A1-D6FC-4f65-9D91-7224C49458BB}">
+                  <c15:layout/>
+                </c:ext>
+              </c:extLst>
+            </c:dLbl>
+            <c:dLbl>
+              <c:idx val="3"/>
+              <c:layout>
+                <c:manualLayout>
+                  <c:x val="-1.0325250021457705E-2"/>
+                  <c:y val="0"/>
+                </c:manualLayout>
+              </c:layout>
+              <c:dLblPos val="outEnd"/>
+              <c:showLegendKey val="0"/>
+              <c:showVal val="1"/>
+              <c:showCatName val="0"/>
+              <c:showSerName val="0"/>
+              <c:showPercent val="0"/>
+              <c:showBubbleSize val="0"/>
+              <c:extLst>
+                <c:ext xmlns:c15="http://schemas.microsoft.com/office/drawing/2012/chart" uri="{CE6537A1-D6FC-4f65-9D91-7224C49458BB}">
+                  <c15:layout/>
+                </c:ext>
+              </c:extLst>
+            </c:dLbl>
+            <c:dLbl>
+              <c:idx val="4"/>
+              <c:layout>
+                <c:manualLayout>
+                  <c:x val="-1.0325250021457759E-2"/>
+                  <c:y val="0"/>
+                </c:manualLayout>
+              </c:layout>
+              <c:dLblPos val="outEnd"/>
+              <c:showLegendKey val="0"/>
+              <c:showVal val="1"/>
+              <c:showCatName val="0"/>
+              <c:showSerName val="0"/>
+              <c:showPercent val="0"/>
+              <c:showBubbleSize val="0"/>
+              <c:extLst>
+                <c:ext xmlns:c15="http://schemas.microsoft.com/office/drawing/2012/chart" uri="{CE6537A1-D6FC-4f65-9D91-7224C49458BB}">
+                  <c15:layout/>
+                </c:ext>
+              </c:extLst>
+            </c:dLbl>
+            <c:dLbl>
+              <c:idx val="5"/>
+              <c:layout>
+                <c:manualLayout>
+                  <c:x val="-1.327532145615996E-2"/>
+                  <c:y val="-9.0140023331063859E-17"/>
+                </c:manualLayout>
+              </c:layout>
+              <c:dLblPos val="outEnd"/>
+              <c:showLegendKey val="0"/>
+              <c:showVal val="1"/>
+              <c:showCatName val="0"/>
+              <c:showSerName val="0"/>
+              <c:showPercent val="0"/>
+              <c:showBubbleSize val="0"/>
+              <c:extLst>
+                <c:ext xmlns:c15="http://schemas.microsoft.com/office/drawing/2012/chart" uri="{CE6537A1-D6FC-4f65-9D91-7224C49458BB}">
+                  <c15:layout/>
+                </c:ext>
+              </c:extLst>
+            </c:dLbl>
+            <c:dLbl>
+              <c:idx val="6"/>
+              <c:layout>
+                <c:manualLayout>
+                  <c:x val="-1.0325250021457705E-2"/>
+                  <c:y val="0"/>
+                </c:manualLayout>
+              </c:layout>
+              <c:dLblPos val="outEnd"/>
+              <c:showLegendKey val="0"/>
+              <c:showVal val="1"/>
+              <c:showCatName val="0"/>
+              <c:showSerName val="0"/>
+              <c:showPercent val="0"/>
+              <c:showBubbleSize val="0"/>
+              <c:extLst>
+                <c:ext xmlns:c15="http://schemas.microsoft.com/office/drawing/2012/chart" uri="{CE6537A1-D6FC-4f65-9D91-7224C49458BB}">
+                  <c15:layout/>
+                </c:ext>
+              </c:extLst>
+            </c:dLbl>
+            <c:dLbl>
+              <c:idx val="7"/>
+              <c:layout>
+                <c:manualLayout>
+                  <c:x val="-1.1800285738808805E-2"/>
+                  <c:y val="-9.0140023331063859E-17"/>
+                </c:manualLayout>
+              </c:layout>
+              <c:dLblPos val="outEnd"/>
+              <c:showLegendKey val="0"/>
+              <c:showVal val="1"/>
+              <c:showCatName val="0"/>
+              <c:showSerName val="0"/>
+              <c:showPercent val="0"/>
+              <c:showBubbleSize val="0"/>
+              <c:extLst>
+                <c:ext xmlns:c15="http://schemas.microsoft.com/office/drawing/2012/chart" uri="{CE6537A1-D6FC-4f65-9D91-7224C49458BB}">
+                  <c15:layout/>
+                </c:ext>
+              </c:extLst>
+            </c:dLbl>
+            <c:dLbl>
+              <c:idx val="8"/>
+              <c:layout>
+                <c:manualLayout>
+                  <c:x val="-1.3275321456159906E-2"/>
+                  <c:y val="0"/>
+                </c:manualLayout>
+              </c:layout>
+              <c:dLblPos val="outEnd"/>
+              <c:showLegendKey val="0"/>
+              <c:showVal val="1"/>
+              <c:showCatName val="0"/>
+              <c:showSerName val="0"/>
+              <c:showPercent val="0"/>
+              <c:showBubbleSize val="0"/>
+              <c:extLst>
+                <c:ext xmlns:c15="http://schemas.microsoft.com/office/drawing/2012/chart" uri="{CE6537A1-D6FC-4f65-9D91-7224C49458BB}">
+                  <c15:layout/>
+                </c:ext>
+              </c:extLst>
+            </c:dLbl>
+            <c:dLbl>
+              <c:idx val="9"/>
+              <c:layout>
+                <c:manualLayout>
+                  <c:x val="-1.3275321456159906E-2"/>
+                  <c:y val="0"/>
+                </c:manualLayout>
+              </c:layout>
+              <c:dLblPos val="outEnd"/>
+              <c:showLegendKey val="0"/>
+              <c:showVal val="1"/>
+              <c:showCatName val="0"/>
+              <c:showSerName val="0"/>
+              <c:showPercent val="0"/>
+              <c:showBubbleSize val="0"/>
+              <c:extLst>
+                <c:ext xmlns:c15="http://schemas.microsoft.com/office/drawing/2012/chart" uri="{CE6537A1-D6FC-4f65-9D91-7224C49458BB}">
+                  <c15:layout/>
+                </c:ext>
+              </c:extLst>
+            </c:dLbl>
+            <c:dLbl>
+              <c:idx val="10"/>
+              <c:layout>
+                <c:manualLayout>
+                  <c:x val="-1.3275321456159906E-2"/>
+                  <c:y val="0"/>
+                </c:manualLayout>
+              </c:layout>
+              <c:dLblPos val="outEnd"/>
+              <c:showLegendKey val="0"/>
+              <c:showVal val="1"/>
+              <c:showCatName val="0"/>
+              <c:showSerName val="0"/>
+              <c:showPercent val="0"/>
+              <c:showBubbleSize val="0"/>
+              <c:extLst>
+                <c:ext xmlns:c15="http://schemas.microsoft.com/office/drawing/2012/chart" uri="{CE6537A1-D6FC-4f65-9D91-7224C49458BB}">
+                  <c15:layout/>
+                </c:ext>
+              </c:extLst>
+            </c:dLbl>
+            <c:dLbl>
+              <c:idx val="11"/>
+              <c:layout>
+                <c:manualLayout>
+                  <c:x val="-1.3275321456159906E-2"/>
+                  <c:y val="0"/>
+                </c:manualLayout>
+              </c:layout>
+              <c:dLblPos val="outEnd"/>
+              <c:showLegendKey val="0"/>
+              <c:showVal val="1"/>
+              <c:showCatName val="0"/>
+              <c:showSerName val="0"/>
+              <c:showPercent val="0"/>
+              <c:showBubbleSize val="0"/>
+              <c:extLst>
+                <c:ext xmlns:c15="http://schemas.microsoft.com/office/drawing/2012/chart" uri="{CE6537A1-D6FC-4f65-9D91-7224C49458BB}">
+                  <c15:layout/>
+                </c:ext>
+              </c:extLst>
+            </c:dLbl>
+            <c:dLbl>
+              <c:idx val="12"/>
+              <c:layout>
+                <c:manualLayout>
+                  <c:x val="-1.1800285738808805E-2"/>
+                  <c:y val="0"/>
+                </c:manualLayout>
+              </c:layout>
+              <c:dLblPos val="outEnd"/>
+              <c:showLegendKey val="0"/>
+              <c:showVal val="1"/>
+              <c:showCatName val="0"/>
+              <c:showSerName val="0"/>
+              <c:showPercent val="0"/>
+              <c:showBubbleSize val="0"/>
+              <c:extLst>
+                <c:ext xmlns:c15="http://schemas.microsoft.com/office/drawing/2012/chart" uri="{CE6537A1-D6FC-4f65-9D91-7224C49458BB}">
+                  <c15:layout/>
+                </c:ext>
+              </c:extLst>
+            </c:dLbl>
+            <c:dLbl>
+              <c:idx val="13"/>
+              <c:layout>
+                <c:manualLayout>
+                  <c:x val="-1.1800285738809022E-2"/>
+                  <c:y val="0"/>
+                </c:manualLayout>
+              </c:layout>
+              <c:dLblPos val="outEnd"/>
+              <c:showLegendKey val="0"/>
+              <c:showVal val="1"/>
+              <c:showCatName val="0"/>
+              <c:showSerName val="0"/>
+              <c:showPercent val="0"/>
+              <c:showBubbleSize val="0"/>
+              <c:extLst>
+                <c:ext xmlns:c15="http://schemas.microsoft.com/office/drawing/2012/chart" uri="{CE6537A1-D6FC-4f65-9D91-7224C49458BB}">
+                  <c15:layout/>
+                </c:ext>
+              </c:extLst>
+            </c:dLbl>
+            <c:dLbl>
+              <c:idx val="14"/>
+              <c:layout>
+                <c:manualLayout>
+                  <c:x val="-1.4750357173511006E-2"/>
+                  <c:y val="4.9167853437984722E-3"/>
+                </c:manualLayout>
+              </c:layout>
+              <c:dLblPos val="outEnd"/>
+              <c:showLegendKey val="0"/>
+              <c:showVal val="1"/>
+              <c:showCatName val="0"/>
+              <c:showSerName val="0"/>
+              <c:showPercent val="0"/>
+              <c:showBubbleSize val="0"/>
+              <c:extLst>
+                <c:ext xmlns:c15="http://schemas.microsoft.com/office/drawing/2012/chart" uri="{CE6537A1-D6FC-4f65-9D91-7224C49458BB}">
+                  <c15:layout/>
+                </c:ext>
+              </c:extLst>
+            </c:dLbl>
+            <c:spPr>
+              <a:noFill/>
+              <a:ln>
+                <a:noFill/>
+              </a:ln>
+              <a:effectLst/>
+            </c:spPr>
+            <c:txPr>
+              <a:bodyPr rot="0" spcFirstLastPara="1" vertOverflow="ellipsis" vert="horz" wrap="square" lIns="38100" tIns="19050" rIns="38100" bIns="19050" anchor="ctr" anchorCtr="1">
+                <a:spAutoFit/>
+              </a:bodyPr>
+              <a:lstStyle/>
+              <a:p>
+                <a:pPr>
+                  <a:defRPr sz="1800" b="0" i="0" u="none" strike="noStrike" kern="1200" baseline="0">
+                    <a:solidFill>
+                      <a:schemeClr val="tx1">
+                        <a:lumMod val="75000"/>
+                        <a:lumOff val="25000"/>
+                      </a:schemeClr>
+                    </a:solidFill>
+                    <a:latin typeface="+mn-lt"/>
+                    <a:ea typeface="+mn-ea"/>
+                    <a:cs typeface="+mn-cs"/>
+                  </a:defRPr>
+                </a:pPr>
+                <a:endParaRPr lang="ja-JP"/>
+              </a:p>
+            </c:txPr>
+            <c:dLblPos val="outEnd"/>
+            <c:showLegendKey val="0"/>
+            <c:showVal val="1"/>
+            <c:showCatName val="0"/>
+            <c:showSerName val="0"/>
+            <c:showPercent val="0"/>
+            <c:showBubbleSize val="0"/>
+            <c:showLeaderLines val="0"/>
+            <c:extLst>
+              <c:ext xmlns:c15="http://schemas.microsoft.com/office/drawing/2012/chart" uri="{CE6537A1-D6FC-4f65-9D91-7224C49458BB}">
+                <c15:layout/>
+                <c15:showLeaderLines val="1"/>
+                <c15:leaderLines>
+                  <c:spPr>
+                    <a:ln w="9525" cap="flat" cmpd="sng" algn="ctr">
+                      <a:solidFill>
+                        <a:schemeClr val="tx1">
+                          <a:lumMod val="35000"/>
+                          <a:lumOff val="65000"/>
+                        </a:schemeClr>
+                      </a:solidFill>
+                      <a:round/>
+                    </a:ln>
+                    <a:effectLst/>
+                  </c:spPr>
+                </c15:leaderLines>
+              </c:ext>
+            </c:extLst>
+          </c:dLbls>
+          <c:cat>
+            <c:strRef>
+              <c:f>論文掲載用データ!$C$167:$Q$167</c:f>
+              <c:strCache>
+                <c:ptCount val="15"/>
+                <c:pt idx="0">
+                  <c:v>A</c:v>
+                </c:pt>
+                <c:pt idx="1">
+                  <c:v>B</c:v>
+                </c:pt>
+                <c:pt idx="2">
+                  <c:v>C</c:v>
+                </c:pt>
+                <c:pt idx="3">
+                  <c:v>D</c:v>
+                </c:pt>
+                <c:pt idx="4">
+                  <c:v>E</c:v>
+                </c:pt>
+                <c:pt idx="5">
+                  <c:v>A</c:v>
+                </c:pt>
+                <c:pt idx="6">
+                  <c:v>B</c:v>
+                </c:pt>
+                <c:pt idx="7">
+                  <c:v>C</c:v>
+                </c:pt>
+                <c:pt idx="8">
+                  <c:v>D</c:v>
+                </c:pt>
+                <c:pt idx="9">
+                  <c:v>E</c:v>
+                </c:pt>
+                <c:pt idx="10">
+                  <c:v>A</c:v>
+                </c:pt>
+                <c:pt idx="11">
+                  <c:v>B</c:v>
+                </c:pt>
+                <c:pt idx="12">
+                  <c:v>C</c:v>
+                </c:pt>
+                <c:pt idx="13">
+                  <c:v>D</c:v>
+                </c:pt>
+                <c:pt idx="14">
+                  <c:v>E</c:v>
+                </c:pt>
+              </c:strCache>
+            </c:strRef>
+          </c:cat>
+          <c:val>
+            <c:numRef>
+              <c:f>論文掲載用データ!$C$168:$Q$168</c:f>
+              <c:numCache>
+                <c:formatCode>General</c:formatCode>
+                <c:ptCount val="15"/>
+                <c:pt idx="0">
+                  <c:v>105</c:v>
+                </c:pt>
+                <c:pt idx="1">
+                  <c:v>190</c:v>
+                </c:pt>
+                <c:pt idx="2">
+                  <c:v>106</c:v>
+                </c:pt>
+                <c:pt idx="3">
+                  <c:v>139</c:v>
+                </c:pt>
+                <c:pt idx="4">
+                  <c:v>137</c:v>
+                </c:pt>
+                <c:pt idx="5">
+                  <c:v>113</c:v>
+                </c:pt>
+                <c:pt idx="6">
+                  <c:v>124</c:v>
+                </c:pt>
+                <c:pt idx="7">
+                  <c:v>228</c:v>
+                </c:pt>
+                <c:pt idx="8">
+                  <c:v>188</c:v>
+                </c:pt>
+                <c:pt idx="9">
+                  <c:v>189</c:v>
+                </c:pt>
+                <c:pt idx="10">
+                  <c:v>160</c:v>
+                </c:pt>
+                <c:pt idx="11">
+                  <c:v>160</c:v>
+                </c:pt>
+                <c:pt idx="12">
+                  <c:v>162</c:v>
+                </c:pt>
+                <c:pt idx="13">
+                  <c:v>145</c:v>
+                </c:pt>
+                <c:pt idx="14">
+                  <c:v>229</c:v>
+                </c:pt>
+              </c:numCache>
+            </c:numRef>
+          </c:val>
+        </c:ser>
+        <c:ser>
+          <c:idx val="1"/>
+          <c:order val="1"/>
+          <c:tx>
+            <c:strRef>
+              <c:f>論文掲載用データ!$B$169</c:f>
+              <c:strCache>
+                <c:ptCount val="1"/>
+                <c:pt idx="0">
+                  <c:v>従来方式</c:v>
+                </c:pt>
+              </c:strCache>
+            </c:strRef>
+          </c:tx>
+          <c:spPr>
+            <a:solidFill>
+              <a:schemeClr val="accent1"/>
+            </a:solidFill>
+            <a:ln>
+              <a:solidFill>
+                <a:schemeClr val="accent1"/>
+              </a:solidFill>
+            </a:ln>
+            <a:effectLst/>
+          </c:spPr>
+          <c:invertIfNegative val="0"/>
+          <c:dLbls>
+            <c:spPr>
+              <a:noFill/>
+              <a:ln>
+                <a:noFill/>
+              </a:ln>
+              <a:effectLst/>
+            </c:spPr>
+            <c:txPr>
+              <a:bodyPr rot="0" spcFirstLastPara="1" vertOverflow="ellipsis" vert="horz" wrap="square" lIns="38100" tIns="19050" rIns="38100" bIns="19050" anchor="ctr" anchorCtr="1">
+                <a:spAutoFit/>
+              </a:bodyPr>
+              <a:lstStyle/>
+              <a:p>
+                <a:pPr>
+                  <a:defRPr sz="1600" b="0" i="0" u="none" strike="noStrike" kern="1200" baseline="0">
+                    <a:solidFill>
+                      <a:schemeClr val="tx1">
+                        <a:lumMod val="75000"/>
+                        <a:lumOff val="25000"/>
+                      </a:schemeClr>
+                    </a:solidFill>
+                    <a:latin typeface="+mn-lt"/>
+                    <a:ea typeface="+mn-ea"/>
+                    <a:cs typeface="+mn-cs"/>
+                  </a:defRPr>
+                </a:pPr>
+                <a:endParaRPr lang="ja-JP"/>
+              </a:p>
+            </c:txPr>
+            <c:dLblPos val="outEnd"/>
+            <c:showLegendKey val="0"/>
+            <c:showVal val="1"/>
+            <c:showCatName val="0"/>
+            <c:showSerName val="0"/>
+            <c:showPercent val="0"/>
+            <c:showBubbleSize val="0"/>
+            <c:showLeaderLines val="0"/>
+            <c:extLst>
+              <c:ext xmlns:c15="http://schemas.microsoft.com/office/drawing/2012/chart" uri="{CE6537A1-D6FC-4f65-9D91-7224C49458BB}">
+                <c15:layout/>
+                <c15:showLeaderLines val="1"/>
+                <c15:leaderLines>
+                  <c:spPr>
+                    <a:ln w="9525" cap="flat" cmpd="sng" algn="ctr">
+                      <a:solidFill>
+                        <a:schemeClr val="tx1">
+                          <a:lumMod val="35000"/>
+                          <a:lumOff val="65000"/>
+                        </a:schemeClr>
+                      </a:solidFill>
+                      <a:round/>
+                    </a:ln>
+                    <a:effectLst/>
+                  </c:spPr>
+                </c15:leaderLines>
+              </c:ext>
+            </c:extLst>
+          </c:dLbls>
+          <c:cat>
+            <c:strRef>
+              <c:f>論文掲載用データ!$C$167:$Q$167</c:f>
+              <c:strCache>
+                <c:ptCount val="15"/>
+                <c:pt idx="0">
+                  <c:v>A</c:v>
+                </c:pt>
+                <c:pt idx="1">
+                  <c:v>B</c:v>
+                </c:pt>
+                <c:pt idx="2">
+                  <c:v>C</c:v>
+                </c:pt>
+                <c:pt idx="3">
+                  <c:v>D</c:v>
+                </c:pt>
+                <c:pt idx="4">
+                  <c:v>E</c:v>
+                </c:pt>
+                <c:pt idx="5">
+                  <c:v>A</c:v>
+                </c:pt>
+                <c:pt idx="6">
+                  <c:v>B</c:v>
+                </c:pt>
+                <c:pt idx="7">
+                  <c:v>C</c:v>
+                </c:pt>
+                <c:pt idx="8">
+                  <c:v>D</c:v>
+                </c:pt>
+                <c:pt idx="9">
+                  <c:v>E</c:v>
+                </c:pt>
+                <c:pt idx="10">
+                  <c:v>A</c:v>
+                </c:pt>
+                <c:pt idx="11">
+                  <c:v>B</c:v>
+                </c:pt>
+                <c:pt idx="12">
+                  <c:v>C</c:v>
+                </c:pt>
+                <c:pt idx="13">
+                  <c:v>D</c:v>
+                </c:pt>
+                <c:pt idx="14">
+                  <c:v>E</c:v>
+                </c:pt>
+              </c:strCache>
+            </c:strRef>
+          </c:cat>
+          <c:val>
+            <c:numRef>
+              <c:f>論文掲載用データ!$C$169:$Q$169</c:f>
+              <c:numCache>
+                <c:formatCode>General</c:formatCode>
+                <c:ptCount val="15"/>
+                <c:pt idx="0">
+                  <c:v>485</c:v>
+                </c:pt>
+                <c:pt idx="1">
+                  <c:v>745</c:v>
+                </c:pt>
+                <c:pt idx="2">
+                  <c:v>1532</c:v>
+                </c:pt>
+                <c:pt idx="3">
+                  <c:v>868</c:v>
+                </c:pt>
+                <c:pt idx="4">
+                  <c:v>731</c:v>
+                </c:pt>
+                <c:pt idx="5">
+                  <c:v>594</c:v>
+                </c:pt>
+                <c:pt idx="6">
+                  <c:v>862</c:v>
+                </c:pt>
+                <c:pt idx="7">
+                  <c:v>2070</c:v>
+                </c:pt>
+                <c:pt idx="8">
+                  <c:v>1173</c:v>
+                </c:pt>
+                <c:pt idx="9">
+                  <c:v>2296</c:v>
+                </c:pt>
+                <c:pt idx="10">
+                  <c:v>660</c:v>
+                </c:pt>
+                <c:pt idx="11">
+                  <c:v>730</c:v>
+                </c:pt>
+                <c:pt idx="12">
+                  <c:v>2990</c:v>
+                </c:pt>
+                <c:pt idx="13">
+                  <c:v>1946</c:v>
+                </c:pt>
+                <c:pt idx="14">
+                  <c:v>1191</c:v>
+                </c:pt>
+              </c:numCache>
+            </c:numRef>
+          </c:val>
+        </c:ser>
+        <c:dLbls>
+          <c:dLblPos val="outEnd"/>
+          <c:showLegendKey val="0"/>
+          <c:showVal val="1"/>
+          <c:showCatName val="0"/>
+          <c:showSerName val="0"/>
+          <c:showPercent val="0"/>
+          <c:showBubbleSize val="0"/>
+        </c:dLbls>
+        <c:gapWidth val="219"/>
+        <c:overlap val="-27"/>
+        <c:axId val="1890786096"/>
+        <c:axId val="1890786640"/>
+      </c:barChart>
+      <c:catAx>
+        <c:axId val="1890786096"/>
+        <c:scaling>
+          <c:orientation val="minMax"/>
+        </c:scaling>
+        <c:delete val="0"/>
+        <c:axPos val="b"/>
+        <c:numFmt formatCode="General" sourceLinked="1"/>
+        <c:majorTickMark val="none"/>
+        <c:minorTickMark val="none"/>
+        <c:tickLblPos val="nextTo"/>
+        <c:spPr>
+          <a:noFill/>
+          <a:ln w="9525" cap="flat" cmpd="sng" algn="ctr">
+            <a:solidFill>
+              <a:sysClr val="windowText" lastClr="000000"/>
+            </a:solidFill>
+            <a:round/>
+          </a:ln>
+          <a:effectLst/>
+        </c:spPr>
+        <c:txPr>
+          <a:bodyPr rot="-60000000" spcFirstLastPara="1" vertOverflow="ellipsis" vert="horz" wrap="square" anchor="ctr" anchorCtr="1"/>
+          <a:lstStyle/>
+          <a:p>
+            <a:pPr>
+              <a:defRPr sz="1400" b="0" i="0" u="none" strike="noStrike" kern="1200" baseline="0">
+                <a:solidFill>
+                  <a:schemeClr val="tx1">
+                    <a:lumMod val="65000"/>
+                    <a:lumOff val="35000"/>
+                  </a:schemeClr>
+                </a:solidFill>
+                <a:latin typeface="+mn-lt"/>
+                <a:ea typeface="+mn-ea"/>
+                <a:cs typeface="+mn-cs"/>
+              </a:defRPr>
+            </a:pPr>
+            <a:endParaRPr lang="ja-JP"/>
+          </a:p>
+        </c:txPr>
+        <c:crossAx val="1890786640"/>
+        <c:crosses val="autoZero"/>
+        <c:auto val="1"/>
+        <c:lblAlgn val="ctr"/>
+        <c:lblOffset val="100"/>
+        <c:noMultiLvlLbl val="0"/>
+      </c:catAx>
+      <c:valAx>
+        <c:axId val="1890786640"/>
+        <c:scaling>
+          <c:orientation val="minMax"/>
+        </c:scaling>
+        <c:delete val="0"/>
+        <c:axPos val="l"/>
+        <c:majorGridlines>
+          <c:spPr>
+            <a:ln w="9525" cap="flat" cmpd="sng" algn="ctr">
+              <a:solidFill>
+                <a:schemeClr val="tx1">
+                  <a:lumMod val="15000"/>
+                  <a:lumOff val="85000"/>
+                </a:schemeClr>
+              </a:solidFill>
+              <a:round/>
+            </a:ln>
+            <a:effectLst/>
+          </c:spPr>
+        </c:majorGridlines>
+        <c:title>
+          <c:tx>
+            <c:rich>
+              <a:bodyPr rot="-5400000" spcFirstLastPara="1" vertOverflow="ellipsis" vert="horz" wrap="square" anchor="ctr" anchorCtr="1"/>
+              <a:lstStyle/>
+              <a:p>
+                <a:pPr>
+                  <a:defRPr sz="1600" b="0" i="0" u="none" strike="noStrike" kern="1200" baseline="0">
+                    <a:solidFill>
+                      <a:schemeClr val="tx1">
+                        <a:lumMod val="65000"/>
+                        <a:lumOff val="35000"/>
+                      </a:schemeClr>
+                    </a:solidFill>
+                    <a:latin typeface="+mn-lt"/>
+                    <a:ea typeface="+mn-ea"/>
+                    <a:cs typeface="+mn-cs"/>
+                  </a:defRPr>
+                </a:pPr>
+                <a:r>
+                  <a:rPr lang="ja-JP" altLang="en-US" sz="1600" dirty="0" smtClean="0"/>
+                  <a:t>作成所要時間</a:t>
+                </a:r>
+                <a:r>
+                  <a:rPr lang="en-US" altLang="ja-JP" sz="1600" dirty="0" smtClean="0"/>
+                  <a:t>(</a:t>
+                </a:r>
+                <a:r>
+                  <a:rPr lang="ja-JP" altLang="en-US" sz="1600" dirty="0" smtClean="0"/>
+                  <a:t>秒</a:t>
+                </a:r>
+                <a:r>
+                  <a:rPr lang="en-US" altLang="ja-JP" sz="1600" dirty="0" smtClean="0"/>
+                  <a:t>)</a:t>
+                </a:r>
+                <a:endParaRPr lang="ja-JP" altLang="en-US" sz="1600" dirty="0"/>
+              </a:p>
+            </c:rich>
+          </c:tx>
+          <c:layout/>
+          <c:overlay val="0"/>
+          <c:spPr>
+            <a:noFill/>
+            <a:ln>
+              <a:noFill/>
+            </a:ln>
+            <a:effectLst/>
+          </c:spPr>
+          <c:txPr>
+            <a:bodyPr rot="-5400000" spcFirstLastPara="1" vertOverflow="ellipsis" vert="horz" wrap="square" anchor="ctr" anchorCtr="1"/>
+            <a:lstStyle/>
+            <a:p>
+              <a:pPr>
+                <a:defRPr sz="1600" b="0" i="0" u="none" strike="noStrike" kern="1200" baseline="0">
+                  <a:solidFill>
+                    <a:schemeClr val="tx1">
+                      <a:lumMod val="65000"/>
+                      <a:lumOff val="35000"/>
+                    </a:schemeClr>
+                  </a:solidFill>
+                  <a:latin typeface="+mn-lt"/>
+                  <a:ea typeface="+mn-ea"/>
+                  <a:cs typeface="+mn-cs"/>
+                </a:defRPr>
+              </a:pPr>
+              <a:endParaRPr lang="ja-JP"/>
+            </a:p>
+          </c:txPr>
+        </c:title>
+        <c:numFmt formatCode="General" sourceLinked="1"/>
+        <c:majorTickMark val="none"/>
+        <c:minorTickMark val="none"/>
+        <c:tickLblPos val="nextTo"/>
+        <c:spPr>
+          <a:noFill/>
+          <a:ln>
+            <a:noFill/>
+          </a:ln>
+          <a:effectLst/>
+        </c:spPr>
+        <c:txPr>
+          <a:bodyPr rot="-60000000" spcFirstLastPara="1" vertOverflow="ellipsis" vert="horz" wrap="square" anchor="ctr" anchorCtr="1"/>
+          <a:lstStyle/>
+          <a:p>
+            <a:pPr>
+              <a:defRPr sz="1400" b="0" i="0" u="none" strike="noStrike" kern="1200" baseline="0">
+                <a:solidFill>
+                  <a:schemeClr val="tx1">
+                    <a:lumMod val="65000"/>
+                    <a:lumOff val="35000"/>
+                  </a:schemeClr>
+                </a:solidFill>
+                <a:latin typeface="+mn-lt"/>
+                <a:ea typeface="+mn-ea"/>
+                <a:cs typeface="+mn-cs"/>
+              </a:defRPr>
+            </a:pPr>
+            <a:endParaRPr lang="ja-JP"/>
+          </a:p>
+        </c:txPr>
+        <c:crossAx val="1890786096"/>
+        <c:crosses val="autoZero"/>
+        <c:crossBetween val="between"/>
+      </c:valAx>
+      <c:spPr>
+        <a:noFill/>
+        <a:ln>
+          <a:noFill/>
+        </a:ln>
+        <a:effectLst/>
+      </c:spPr>
+    </c:plotArea>
+    <c:legend>
+      <c:legendPos val="b"/>
+      <c:layout/>
+      <c:overlay val="0"/>
+      <c:spPr>
+        <a:noFill/>
+        <a:ln>
+          <a:noFill/>
+        </a:ln>
+        <a:effectLst/>
+      </c:spPr>
+      <c:txPr>
+        <a:bodyPr rot="0" spcFirstLastPara="1" vertOverflow="ellipsis" vert="horz" wrap="square" anchor="ctr" anchorCtr="1"/>
+        <a:lstStyle/>
+        <a:p>
+          <a:pPr>
+            <a:defRPr sz="1200" b="0" i="0" u="none" strike="noStrike" kern="1200" baseline="0">
+              <a:solidFill>
+                <a:schemeClr val="tx1">
+                  <a:lumMod val="65000"/>
+                  <a:lumOff val="35000"/>
+                </a:schemeClr>
+              </a:solidFill>
+              <a:latin typeface="+mn-lt"/>
+              <a:ea typeface="+mn-ea"/>
+              <a:cs typeface="+mn-cs"/>
+            </a:defRPr>
+          </a:pPr>
+          <a:endParaRPr lang="ja-JP"/>
+        </a:p>
+      </c:txPr>
+    </c:legend>
+    <c:plotVisOnly val="1"/>
+    <c:dispBlanksAs val="gap"/>
+    <c:showDLblsOverMax val="0"/>
+  </c:chart>
+  <c:spPr>
+    <a:noFill/>
+    <a:ln>
+      <a:noFill/>
+    </a:ln>
+    <a:effectLst/>
+  </c:spPr>
+  <c:txPr>
+    <a:bodyPr/>
+    <a:lstStyle/>
+    <a:p>
+      <a:pPr>
+        <a:defRPr/>
+      </a:pPr>
+      <a:endParaRPr lang="ja-JP"/>
+    </a:p>
+  </c:txPr>
+  <c:externalData r:id="rId4">
+    <c:autoUpdate val="0"/>
+  </c:externalData>
+  <c:userShapes r:id="rId5"/>
+</c:chartSpace>
+</file>
+
+<file path=ppt/charts/chart4.xml><?xml version="1.0" encoding="utf-8"?>
+<c:chartSpace xmlns:c="http://schemas.openxmlformats.org/drawingml/2006/chart" xmlns:a="http://schemas.openxmlformats.org/drawingml/2006/main" xmlns:r="http://schemas.openxmlformats.org/officeDocument/2006/relationships">
+  <c:date1904 val="0"/>
+  <c:lang val="ja-JP"/>
+  <c:roundedCorners val="0"/>
+  <mc:AlternateContent xmlns:mc="http://schemas.openxmlformats.org/markup-compatibility/2006">
+    <mc:Choice xmlns:c14="http://schemas.microsoft.com/office/drawing/2007/8/2/chart" Requires="c14">
+      <c14:style val="102"/>
+    </mc:Choice>
+    <mc:Fallback>
+      <c:style val="2"/>
+    </mc:Fallback>
+  </mc:AlternateContent>
+  <c:clrMapOvr bg1="lt1" tx1="dk1" bg2="lt2" tx2="dk2" accent1="accent1" accent2="accent2" accent3="accent3" accent4="accent4" accent5="accent5" accent6="accent6" hlink="hlink" folHlink="folHlink"/>
+  <c:chart>
+    <c:title>
+      <c:tx>
+        <c:rich>
+          <a:bodyPr rot="0" spcFirstLastPara="1" vertOverflow="ellipsis" vert="horz" wrap="square" anchor="ctr" anchorCtr="1"/>
+          <a:lstStyle/>
+          <a:p>
+            <a:pPr>
+              <a:defRPr sz="1800" b="0" i="0" u="none" strike="noStrike" kern="1200" spc="0" baseline="0">
+                <a:solidFill>
+                  <a:schemeClr val="tx1">
+                    <a:lumMod val="65000"/>
+                    <a:lumOff val="35000"/>
+                  </a:schemeClr>
+                </a:solidFill>
+                <a:latin typeface="+mn-lt"/>
+                <a:ea typeface="+mn-ea"/>
+                <a:cs typeface="+mn-cs"/>
+              </a:defRPr>
+            </a:pPr>
+            <a:r>
+              <a:rPr lang="ja-JP" altLang="en-US" sz="1800" dirty="0"/>
+              <a:t>各方式エラー</a:t>
+            </a:r>
+            <a:r>
+              <a:rPr lang="ja-JP" altLang="en-US" sz="1800" dirty="0" smtClean="0"/>
+              <a:t>回数比較</a:t>
+            </a:r>
+            <a:endParaRPr lang="ja-JP" altLang="en-US" sz="1800" dirty="0"/>
+          </a:p>
+        </c:rich>
+      </c:tx>
+      <c:layout/>
+      <c:overlay val="0"/>
+      <c:spPr>
+        <a:noFill/>
+        <a:ln>
+          <a:noFill/>
+        </a:ln>
+        <a:effectLst/>
+      </c:spPr>
+      <c:txPr>
+        <a:bodyPr rot="0" spcFirstLastPara="1" vertOverflow="ellipsis" vert="horz" wrap="square" anchor="ctr" anchorCtr="1"/>
+        <a:lstStyle/>
+        <a:p>
+          <a:pPr>
+            <a:defRPr sz="1800" b="0" i="0" u="none" strike="noStrike" kern="1200" spc="0" baseline="0">
+              <a:solidFill>
+                <a:schemeClr val="tx1">
+                  <a:lumMod val="65000"/>
+                  <a:lumOff val="35000"/>
+                </a:schemeClr>
+              </a:solidFill>
+              <a:latin typeface="+mn-lt"/>
+              <a:ea typeface="+mn-ea"/>
+              <a:cs typeface="+mn-cs"/>
+            </a:defRPr>
+          </a:pPr>
+          <a:endParaRPr lang="ja-JP"/>
+        </a:p>
+      </c:txPr>
+    </c:title>
+    <c:autoTitleDeleted val="0"/>
+    <c:plotArea>
+      <c:layout>
+        <c:manualLayout>
+          <c:layoutTarget val="inner"/>
+          <c:xMode val="edge"/>
+          <c:yMode val="edge"/>
+          <c:x val="7.6500373887914655E-2"/>
+          <c:y val="9.1219077026059525E-2"/>
+          <c:w val="0.91792848857304665"/>
+          <c:h val="0.59991250994538792"/>
+        </c:manualLayout>
+      </c:layout>
+      <c:barChart>
+        <c:barDir val="col"/>
+        <c:grouping val="clustered"/>
+        <c:varyColors val="0"/>
+        <c:ser>
+          <c:idx val="0"/>
+          <c:order val="0"/>
+          <c:tx>
+            <c:strRef>
+              <c:f>論文掲載用データ!$F$97</c:f>
+              <c:strCache>
+                <c:ptCount val="1"/>
+                <c:pt idx="0">
+                  <c:v>オーケストレーション定義エディタ</c:v>
+                </c:pt>
+              </c:strCache>
+            </c:strRef>
+          </c:tx>
+          <c:spPr>
+            <a:solidFill>
+              <a:schemeClr val="accent2"/>
+            </a:solidFill>
+            <a:ln>
+              <a:solidFill>
+                <a:schemeClr val="accent2"/>
+              </a:solidFill>
+            </a:ln>
+            <a:effectLst/>
+          </c:spPr>
+          <c:invertIfNegative val="0"/>
+          <c:dLbls>
+            <c:spPr>
+              <a:noFill/>
+              <a:ln>
+                <a:noFill/>
+              </a:ln>
+              <a:effectLst/>
+            </c:spPr>
+            <c:txPr>
+              <a:bodyPr rot="0" spcFirstLastPara="1" vertOverflow="ellipsis" vert="horz" wrap="square" lIns="38100" tIns="19050" rIns="38100" bIns="19050" anchor="ctr" anchorCtr="1">
+                <a:spAutoFit/>
+              </a:bodyPr>
+              <a:lstStyle/>
+              <a:p>
+                <a:pPr>
+                  <a:defRPr sz="1600" b="0" i="0" u="none" strike="noStrike" kern="1200" baseline="0">
+                    <a:solidFill>
+                      <a:schemeClr val="tx1">
+                        <a:lumMod val="75000"/>
+                        <a:lumOff val="25000"/>
+                      </a:schemeClr>
+                    </a:solidFill>
+                    <a:latin typeface="+mn-lt"/>
+                    <a:ea typeface="+mn-ea"/>
+                    <a:cs typeface="+mn-cs"/>
+                  </a:defRPr>
+                </a:pPr>
+                <a:endParaRPr lang="ja-JP"/>
+              </a:p>
+            </c:txPr>
+            <c:dLblPos val="outEnd"/>
+            <c:showLegendKey val="0"/>
+            <c:showVal val="1"/>
+            <c:showCatName val="0"/>
+            <c:showSerName val="0"/>
+            <c:showPercent val="0"/>
+            <c:showBubbleSize val="0"/>
+            <c:showLeaderLines val="0"/>
+            <c:extLst>
+              <c:ext xmlns:c15="http://schemas.microsoft.com/office/drawing/2012/chart" uri="{CE6537A1-D6FC-4f65-9D91-7224C49458BB}">
+                <c15:layout/>
+                <c15:showLeaderLines val="1"/>
+                <c15:leaderLines>
+                  <c:spPr>
+                    <a:ln w="9525" cap="flat" cmpd="sng" algn="ctr">
+                      <a:solidFill>
+                        <a:schemeClr val="tx1">
+                          <a:lumMod val="35000"/>
+                          <a:lumOff val="65000"/>
+                        </a:schemeClr>
+                      </a:solidFill>
+                      <a:round/>
+                    </a:ln>
+                    <a:effectLst/>
+                  </c:spPr>
+                </c15:leaderLines>
+              </c:ext>
+            </c:extLst>
+          </c:dLbls>
+          <c:cat>
+            <c:strRef>
+              <c:f>論文掲載用データ!$G$96:$U$96</c:f>
+              <c:strCache>
+                <c:ptCount val="15"/>
+                <c:pt idx="0">
+                  <c:v>A</c:v>
+                </c:pt>
+                <c:pt idx="1">
+                  <c:v>B</c:v>
+                </c:pt>
+                <c:pt idx="2">
+                  <c:v>C</c:v>
+                </c:pt>
+                <c:pt idx="3">
+                  <c:v>D</c:v>
+                </c:pt>
+                <c:pt idx="4">
+                  <c:v>E</c:v>
+                </c:pt>
+                <c:pt idx="5">
+                  <c:v>A</c:v>
+                </c:pt>
+                <c:pt idx="6">
+                  <c:v>B</c:v>
+                </c:pt>
+                <c:pt idx="7">
+                  <c:v>C</c:v>
+                </c:pt>
+                <c:pt idx="8">
+                  <c:v>D</c:v>
+                </c:pt>
+                <c:pt idx="9">
+                  <c:v>E</c:v>
+                </c:pt>
+                <c:pt idx="10">
+                  <c:v>A</c:v>
+                </c:pt>
+                <c:pt idx="11">
+                  <c:v>B</c:v>
+                </c:pt>
+                <c:pt idx="12">
+                  <c:v>C</c:v>
+                </c:pt>
+                <c:pt idx="13">
+                  <c:v>D</c:v>
+                </c:pt>
+                <c:pt idx="14">
+                  <c:v>E</c:v>
+                </c:pt>
+              </c:strCache>
+            </c:strRef>
+          </c:cat>
+          <c:val>
+            <c:numRef>
+              <c:f>論文掲載用データ!$G$97:$U$97</c:f>
+              <c:numCache>
+                <c:formatCode>General</c:formatCode>
+                <c:ptCount val="15"/>
+                <c:pt idx="0">
+                  <c:v>0</c:v>
+                </c:pt>
+                <c:pt idx="1">
+                  <c:v>0</c:v>
+                </c:pt>
+                <c:pt idx="2">
+                  <c:v>0</c:v>
+                </c:pt>
+                <c:pt idx="3">
+                  <c:v>0</c:v>
+                </c:pt>
+                <c:pt idx="4">
+                  <c:v>0</c:v>
+                </c:pt>
+                <c:pt idx="5">
+                  <c:v>0</c:v>
+                </c:pt>
+                <c:pt idx="6">
+                  <c:v>0</c:v>
+                </c:pt>
+                <c:pt idx="7">
+                  <c:v>0</c:v>
+                </c:pt>
+                <c:pt idx="8">
+                  <c:v>0</c:v>
+                </c:pt>
+                <c:pt idx="9">
+                  <c:v>0</c:v>
+                </c:pt>
+                <c:pt idx="10">
+                  <c:v>0</c:v>
+                </c:pt>
+                <c:pt idx="11">
+                  <c:v>0</c:v>
+                </c:pt>
+                <c:pt idx="12">
+                  <c:v>0</c:v>
+                </c:pt>
+                <c:pt idx="13">
+                  <c:v>0</c:v>
+                </c:pt>
+                <c:pt idx="14">
+                  <c:v>0</c:v>
+                </c:pt>
+              </c:numCache>
+            </c:numRef>
+          </c:val>
+        </c:ser>
+        <c:ser>
+          <c:idx val="1"/>
+          <c:order val="1"/>
+          <c:tx>
+            <c:strRef>
+              <c:f>論文掲載用データ!$F$98</c:f>
+              <c:strCache>
+                <c:ptCount val="1"/>
+                <c:pt idx="0">
+                  <c:v>従来方式</c:v>
+                </c:pt>
+              </c:strCache>
+            </c:strRef>
+          </c:tx>
+          <c:spPr>
+            <a:solidFill>
+              <a:schemeClr val="accent1"/>
+            </a:solidFill>
+            <a:ln>
+              <a:noFill/>
+            </a:ln>
+            <a:effectLst/>
+          </c:spPr>
+          <c:invertIfNegative val="0"/>
+          <c:dLbls>
+            <c:spPr>
+              <a:noFill/>
+              <a:ln>
+                <a:noFill/>
+              </a:ln>
+              <a:effectLst/>
+            </c:spPr>
+            <c:txPr>
+              <a:bodyPr rot="0" spcFirstLastPara="1" vertOverflow="ellipsis" vert="horz" wrap="square" lIns="38100" tIns="19050" rIns="38100" bIns="19050" anchor="ctr" anchorCtr="1">
+                <a:spAutoFit/>
+              </a:bodyPr>
+              <a:lstStyle/>
+              <a:p>
+                <a:pPr>
+                  <a:defRPr sz="1600" b="0" i="0" u="none" strike="noStrike" kern="1200" baseline="0">
+                    <a:solidFill>
+                      <a:schemeClr val="tx1">
+                        <a:lumMod val="75000"/>
+                        <a:lumOff val="25000"/>
+                      </a:schemeClr>
+                    </a:solidFill>
+                    <a:latin typeface="+mn-lt"/>
+                    <a:ea typeface="+mn-ea"/>
+                    <a:cs typeface="+mn-cs"/>
+                  </a:defRPr>
+                </a:pPr>
+                <a:endParaRPr lang="ja-JP"/>
+              </a:p>
+            </c:txPr>
+            <c:dLblPos val="outEnd"/>
+            <c:showLegendKey val="0"/>
+            <c:showVal val="1"/>
+            <c:showCatName val="0"/>
+            <c:showSerName val="0"/>
+            <c:showPercent val="0"/>
+            <c:showBubbleSize val="0"/>
+            <c:showLeaderLines val="0"/>
+            <c:extLst>
+              <c:ext xmlns:c15="http://schemas.microsoft.com/office/drawing/2012/chart" uri="{CE6537A1-D6FC-4f65-9D91-7224C49458BB}">
+                <c15:layout/>
+                <c15:showLeaderLines val="1"/>
+                <c15:leaderLines>
+                  <c:spPr>
+                    <a:ln w="9525" cap="flat" cmpd="sng" algn="ctr">
+                      <a:solidFill>
+                        <a:schemeClr val="tx1">
+                          <a:lumMod val="35000"/>
+                          <a:lumOff val="65000"/>
+                        </a:schemeClr>
+                      </a:solidFill>
+                      <a:round/>
+                    </a:ln>
+                    <a:effectLst/>
+                  </c:spPr>
+                </c15:leaderLines>
+              </c:ext>
+            </c:extLst>
+          </c:dLbls>
+          <c:cat>
+            <c:strRef>
+              <c:f>論文掲載用データ!$G$96:$U$96</c:f>
+              <c:strCache>
+                <c:ptCount val="15"/>
+                <c:pt idx="0">
+                  <c:v>A</c:v>
+                </c:pt>
+                <c:pt idx="1">
+                  <c:v>B</c:v>
+                </c:pt>
+                <c:pt idx="2">
+                  <c:v>C</c:v>
+                </c:pt>
+                <c:pt idx="3">
+                  <c:v>D</c:v>
+                </c:pt>
+                <c:pt idx="4">
+                  <c:v>E</c:v>
+                </c:pt>
+                <c:pt idx="5">
+                  <c:v>A</c:v>
+                </c:pt>
+                <c:pt idx="6">
+                  <c:v>B</c:v>
+                </c:pt>
+                <c:pt idx="7">
+                  <c:v>C</c:v>
+                </c:pt>
+                <c:pt idx="8">
+                  <c:v>D</c:v>
+                </c:pt>
+                <c:pt idx="9">
+                  <c:v>E</c:v>
+                </c:pt>
+                <c:pt idx="10">
+                  <c:v>A</c:v>
+                </c:pt>
+                <c:pt idx="11">
+                  <c:v>B</c:v>
+                </c:pt>
+                <c:pt idx="12">
+                  <c:v>C</c:v>
+                </c:pt>
+                <c:pt idx="13">
+                  <c:v>D</c:v>
+                </c:pt>
+                <c:pt idx="14">
+                  <c:v>E</c:v>
+                </c:pt>
+              </c:strCache>
+            </c:strRef>
+          </c:cat>
+          <c:val>
+            <c:numRef>
+              <c:f>論文掲載用データ!$G$98:$U$98</c:f>
+              <c:numCache>
+                <c:formatCode>General</c:formatCode>
+                <c:ptCount val="15"/>
+                <c:pt idx="0">
+                  <c:v>0</c:v>
+                </c:pt>
+                <c:pt idx="1">
+                  <c:v>3</c:v>
+                </c:pt>
+                <c:pt idx="2">
+                  <c:v>5</c:v>
+                </c:pt>
+                <c:pt idx="3">
+                  <c:v>3</c:v>
+                </c:pt>
+                <c:pt idx="4">
+                  <c:v>0</c:v>
+                </c:pt>
+                <c:pt idx="5">
+                  <c:v>0</c:v>
+                </c:pt>
+                <c:pt idx="6">
+                  <c:v>0</c:v>
+                </c:pt>
+                <c:pt idx="7">
+                  <c:v>7</c:v>
+                </c:pt>
+                <c:pt idx="8">
+                  <c:v>2</c:v>
+                </c:pt>
+                <c:pt idx="9">
+                  <c:v>3</c:v>
+                </c:pt>
+                <c:pt idx="10">
+                  <c:v>2</c:v>
+                </c:pt>
+                <c:pt idx="11">
+                  <c:v>0</c:v>
+                </c:pt>
+                <c:pt idx="12">
+                  <c:v>4</c:v>
+                </c:pt>
+                <c:pt idx="13">
+                  <c:v>4</c:v>
+                </c:pt>
+                <c:pt idx="14">
+                  <c:v>1</c:v>
+                </c:pt>
+              </c:numCache>
+            </c:numRef>
+          </c:val>
+        </c:ser>
+        <c:dLbls>
+          <c:dLblPos val="outEnd"/>
+          <c:showLegendKey val="0"/>
+          <c:showVal val="1"/>
+          <c:showCatName val="0"/>
+          <c:showSerName val="0"/>
+          <c:showPercent val="0"/>
+          <c:showBubbleSize val="0"/>
+        </c:dLbls>
+        <c:gapWidth val="219"/>
+        <c:overlap val="-27"/>
+        <c:axId val="1966264192"/>
+        <c:axId val="1966271264"/>
+      </c:barChart>
+      <c:catAx>
+        <c:axId val="1966264192"/>
+        <c:scaling>
+          <c:orientation val="minMax"/>
+        </c:scaling>
+        <c:delete val="0"/>
+        <c:axPos val="b"/>
+        <c:numFmt formatCode="General" sourceLinked="1"/>
+        <c:majorTickMark val="none"/>
+        <c:minorTickMark val="none"/>
+        <c:tickLblPos val="nextTo"/>
+        <c:spPr>
+          <a:noFill/>
+          <a:ln w="9525" cap="flat" cmpd="sng" algn="ctr">
+            <a:solidFill>
+              <a:schemeClr val="tx1">
+                <a:lumMod val="15000"/>
+                <a:lumOff val="85000"/>
+              </a:schemeClr>
+            </a:solidFill>
+            <a:round/>
+          </a:ln>
+          <a:effectLst/>
+        </c:spPr>
+        <c:txPr>
+          <a:bodyPr rot="-60000000" spcFirstLastPara="1" vertOverflow="ellipsis" vert="horz" wrap="square" anchor="ctr" anchorCtr="1"/>
+          <a:lstStyle/>
+          <a:p>
+            <a:pPr>
+              <a:defRPr sz="1600" b="0" i="0" u="none" strike="noStrike" kern="1200" baseline="0">
+                <a:solidFill>
+                  <a:schemeClr val="tx1">
+                    <a:lumMod val="65000"/>
+                    <a:lumOff val="35000"/>
+                  </a:schemeClr>
+                </a:solidFill>
+                <a:latin typeface="+mn-lt"/>
+                <a:ea typeface="+mn-ea"/>
+                <a:cs typeface="+mn-cs"/>
+              </a:defRPr>
+            </a:pPr>
+            <a:endParaRPr lang="ja-JP"/>
+          </a:p>
+        </c:txPr>
+        <c:crossAx val="1966271264"/>
+        <c:crosses val="autoZero"/>
+        <c:auto val="1"/>
+        <c:lblAlgn val="ctr"/>
+        <c:lblOffset val="100"/>
+        <c:noMultiLvlLbl val="0"/>
+      </c:catAx>
+      <c:valAx>
+        <c:axId val="1966271264"/>
+        <c:scaling>
+          <c:orientation val="minMax"/>
+        </c:scaling>
+        <c:delete val="0"/>
+        <c:axPos val="l"/>
+        <c:majorGridlines>
+          <c:spPr>
+            <a:ln w="9525" cap="flat" cmpd="sng" algn="ctr">
+              <a:solidFill>
+                <a:schemeClr val="tx1">
+                  <a:lumMod val="15000"/>
+                  <a:lumOff val="85000"/>
+                </a:schemeClr>
+              </a:solidFill>
+              <a:round/>
+            </a:ln>
+            <a:effectLst/>
+          </c:spPr>
+        </c:majorGridlines>
+        <c:title>
+          <c:tx>
+            <c:rich>
+              <a:bodyPr rot="-5400000" spcFirstLastPara="1" vertOverflow="ellipsis" vert="horz" wrap="square" anchor="ctr" anchorCtr="1"/>
+              <a:lstStyle/>
+              <a:p>
+                <a:pPr>
+                  <a:defRPr sz="1600" b="0" i="0" u="none" strike="noStrike" kern="1200" baseline="0">
+                    <a:solidFill>
+                      <a:schemeClr val="tx1">
+                        <a:lumMod val="65000"/>
+                        <a:lumOff val="35000"/>
+                      </a:schemeClr>
+                    </a:solidFill>
+                    <a:latin typeface="+mn-lt"/>
+                    <a:ea typeface="+mn-ea"/>
+                    <a:cs typeface="+mn-cs"/>
+                  </a:defRPr>
+                </a:pPr>
+                <a:r>
+                  <a:rPr lang="ja-JP" altLang="en-US" sz="1600"/>
+                  <a:t>エラー回数</a:t>
+                </a:r>
+                <a:r>
+                  <a:rPr lang="en-US" altLang="ja-JP" sz="1600"/>
+                  <a:t>(</a:t>
+                </a:r>
+                <a:r>
+                  <a:rPr lang="ja-JP" altLang="en-US" sz="1600"/>
+                  <a:t>回</a:t>
+                </a:r>
+                <a:r>
+                  <a:rPr lang="en-US" altLang="ja-JP" sz="1600"/>
+                  <a:t>)</a:t>
+                </a:r>
+                <a:endParaRPr lang="ja-JP" altLang="en-US" sz="1600"/>
+              </a:p>
+            </c:rich>
+          </c:tx>
+          <c:layout/>
+          <c:overlay val="0"/>
+          <c:spPr>
+            <a:noFill/>
+            <a:ln>
+              <a:noFill/>
+            </a:ln>
+            <a:effectLst/>
+          </c:spPr>
+          <c:txPr>
+            <a:bodyPr rot="-5400000" spcFirstLastPara="1" vertOverflow="ellipsis" vert="horz" wrap="square" anchor="ctr" anchorCtr="1"/>
+            <a:lstStyle/>
+            <a:p>
+              <a:pPr>
+                <a:defRPr sz="1600" b="0" i="0" u="none" strike="noStrike" kern="1200" baseline="0">
+                  <a:solidFill>
+                    <a:schemeClr val="tx1">
+                      <a:lumMod val="65000"/>
+                      <a:lumOff val="35000"/>
+                    </a:schemeClr>
+                  </a:solidFill>
+                  <a:latin typeface="+mn-lt"/>
+                  <a:ea typeface="+mn-ea"/>
+                  <a:cs typeface="+mn-cs"/>
+                </a:defRPr>
+              </a:pPr>
+              <a:endParaRPr lang="ja-JP"/>
+            </a:p>
+          </c:txPr>
+        </c:title>
+        <c:numFmt formatCode="General" sourceLinked="1"/>
+        <c:majorTickMark val="none"/>
+        <c:minorTickMark val="none"/>
+        <c:tickLblPos val="nextTo"/>
+        <c:spPr>
+          <a:noFill/>
+          <a:ln>
+            <a:noFill/>
+          </a:ln>
+          <a:effectLst/>
+        </c:spPr>
+        <c:txPr>
+          <a:bodyPr rot="-60000000" spcFirstLastPara="1" vertOverflow="ellipsis" vert="horz" wrap="square" anchor="ctr" anchorCtr="1"/>
+          <a:lstStyle/>
+          <a:p>
+            <a:pPr>
+              <a:defRPr sz="1600" b="0" i="0" u="none" strike="noStrike" kern="1200" baseline="0">
+                <a:solidFill>
+                  <a:schemeClr val="tx1">
+                    <a:lumMod val="65000"/>
+                    <a:lumOff val="35000"/>
+                  </a:schemeClr>
+                </a:solidFill>
+                <a:latin typeface="+mn-lt"/>
+                <a:ea typeface="+mn-ea"/>
+                <a:cs typeface="+mn-cs"/>
+              </a:defRPr>
+            </a:pPr>
+            <a:endParaRPr lang="ja-JP"/>
+          </a:p>
+        </c:txPr>
+        <c:crossAx val="1966264192"/>
+        <c:crosses val="autoZero"/>
+        <c:crossBetween val="between"/>
+      </c:valAx>
+      <c:spPr>
+        <a:noFill/>
+        <a:ln>
+          <a:noFill/>
+        </a:ln>
+        <a:effectLst/>
+      </c:spPr>
+    </c:plotArea>
+    <c:legend>
+      <c:legendPos val="b"/>
+      <c:layout/>
+      <c:overlay val="0"/>
+      <c:spPr>
+        <a:noFill/>
+        <a:ln>
+          <a:noFill/>
+        </a:ln>
+        <a:effectLst/>
+      </c:spPr>
+      <c:txPr>
+        <a:bodyPr rot="0" spcFirstLastPara="1" vertOverflow="ellipsis" vert="horz" wrap="square" anchor="ctr" anchorCtr="1"/>
+        <a:lstStyle/>
+        <a:p>
+          <a:pPr>
+            <a:defRPr sz="1200" b="0" i="0" u="none" strike="noStrike" kern="1200" baseline="0">
+              <a:solidFill>
+                <a:schemeClr val="tx1">
+                  <a:lumMod val="65000"/>
+                  <a:lumOff val="35000"/>
+                </a:schemeClr>
+              </a:solidFill>
+              <a:latin typeface="+mn-lt"/>
+              <a:ea typeface="+mn-ea"/>
+              <a:cs typeface="+mn-cs"/>
+            </a:defRPr>
+          </a:pPr>
+          <a:endParaRPr lang="ja-JP"/>
+        </a:p>
+      </c:txPr>
+    </c:legend>
+    <c:plotVisOnly val="1"/>
+    <c:dispBlanksAs val="gap"/>
+    <c:showDLblsOverMax val="0"/>
+  </c:chart>
+  <c:spPr>
+    <a:noFill/>
+    <a:ln>
+      <a:noFill/>
+    </a:ln>
+    <a:effectLst/>
+  </c:spPr>
+  <c:txPr>
+    <a:bodyPr/>
+    <a:lstStyle/>
+    <a:p>
+      <a:pPr>
+        <a:defRPr/>
+      </a:pPr>
+      <a:endParaRPr lang="ja-JP"/>
+    </a:p>
+  </c:txPr>
+  <c:externalData r:id="rId4">
+    <c:autoUpdate val="0"/>
+  </c:externalData>
+  <c:userShapes r:id="rId5"/>
+</c:chartSpace>
+</file>
+
 <file path=ppt/charts/colors1.xml><?xml version="1.0" encoding="utf-8"?>
+<cs:colorStyle xmlns:cs="http://schemas.microsoft.com/office/drawing/2012/chartStyle" xmlns:a="http://schemas.openxmlformats.org/drawingml/2006/main" meth="cycle" id="10">
+  <a:schemeClr val="accent1"/>
+  <a:schemeClr val="accent2"/>
+  <a:schemeClr val="accent3"/>
+  <a:schemeClr val="accent4"/>
+  <a:schemeClr val="accent5"/>
+  <a:schemeClr val="accent6"/>
+  <cs:variation/>
+  <cs:variation>
+    <a:lumMod val="60000"/>
+  </cs:variation>
+  <cs:variation>
+    <a:lumMod val="80000"/>
+    <a:lumOff val="20000"/>
+  </cs:variation>
+  <cs:variation>
+    <a:lumMod val="80000"/>
+  </cs:variation>
+  <cs:variation>
+    <a:lumMod val="60000"/>
+    <a:lumOff val="40000"/>
+  </cs:variation>
+  <cs:variation>
+    <a:lumMod val="50000"/>
+  </cs:variation>
+  <cs:variation>
+    <a:lumMod val="70000"/>
+    <a:lumOff val="30000"/>
+  </cs:variation>
+  <cs:variation>
+    <a:lumMod val="70000"/>
+  </cs:variation>
+  <cs:variation>
+    <a:lumMod val="50000"/>
+    <a:lumOff val="50000"/>
+  </cs:variation>
+</cs:colorStyle>
+</file>
+
+<file path=ppt/charts/colors2.xml><?xml version="1.0" encoding="utf-8"?>
+<cs:colorStyle xmlns:cs="http://schemas.microsoft.com/office/drawing/2012/chartStyle" xmlns:a="http://schemas.openxmlformats.org/drawingml/2006/main" meth="cycle" id="10">
+  <a:schemeClr val="accent1"/>
+  <a:schemeClr val="accent2"/>
+  <a:schemeClr val="accent3"/>
+  <a:schemeClr val="accent4"/>
+  <a:schemeClr val="accent5"/>
+  <a:schemeClr val="accent6"/>
+  <cs:variation/>
+  <cs:variation>
+    <a:lumMod val="60000"/>
+  </cs:variation>
+  <cs:variation>
+    <a:lumMod val="80000"/>
+    <a:lumOff val="20000"/>
+  </cs:variation>
+  <cs:variation>
+    <a:lumMod val="80000"/>
+  </cs:variation>
+  <cs:variation>
+    <a:lumMod val="60000"/>
+    <a:lumOff val="40000"/>
+  </cs:variation>
+  <cs:variation>
+    <a:lumMod val="50000"/>
+  </cs:variation>
+  <cs:variation>
+    <a:lumMod val="70000"/>
+    <a:lumOff val="30000"/>
+  </cs:variation>
+  <cs:variation>
+    <a:lumMod val="70000"/>
+  </cs:variation>
+  <cs:variation>
+    <a:lumMod val="50000"/>
+    <a:lumOff val="50000"/>
+  </cs:variation>
+</cs:colorStyle>
+</file>
+
+<file path=ppt/charts/colors3.xml><?xml version="1.0" encoding="utf-8"?>
+<cs:colorStyle xmlns:cs="http://schemas.microsoft.com/office/drawing/2012/chartStyle" xmlns:a="http://schemas.openxmlformats.org/drawingml/2006/main" meth="cycle" id="10">
+  <a:schemeClr val="accent1"/>
+  <a:schemeClr val="accent2"/>
+  <a:schemeClr val="accent3"/>
+  <a:schemeClr val="accent4"/>
+  <a:schemeClr val="accent5"/>
+  <a:schemeClr val="accent6"/>
+  <cs:variation/>
+  <cs:variation>
+    <a:lumMod val="60000"/>
+  </cs:variation>
+  <cs:variation>
+    <a:lumMod val="80000"/>
+    <a:lumOff val="20000"/>
+  </cs:variation>
+  <cs:variation>
+    <a:lumMod val="80000"/>
+  </cs:variation>
+  <cs:variation>
+    <a:lumMod val="60000"/>
+    <a:lumOff val="40000"/>
+  </cs:variation>
+  <cs:variation>
+    <a:lumMod val="50000"/>
+  </cs:variation>
+  <cs:variation>
+    <a:lumMod val="70000"/>
+    <a:lumOff val="30000"/>
+  </cs:variation>
+  <cs:variation>
+    <a:lumMod val="70000"/>
+  </cs:variation>
+  <cs:variation>
+    <a:lumMod val="50000"/>
+    <a:lumOff val="50000"/>
+  </cs:variation>
+</cs:colorStyle>
+</file>
+
+<file path=ppt/charts/colors4.xml><?xml version="1.0" encoding="utf-8"?>
 <cs:colorStyle xmlns:cs="http://schemas.microsoft.com/office/drawing/2012/chartStyle" xmlns:a="http://schemas.openxmlformats.org/drawingml/2006/main" meth="cycle" id="10">
   <a:schemeClr val="accent1"/>
   <a:schemeClr val="accent2"/>
@@ -1646,6 +4173,2239 @@
 </cs:chartStyle>
 </file>
 
+<file path=ppt/charts/style2.xml><?xml version="1.0" encoding="utf-8"?>
+<cs:chartStyle xmlns:cs="http://schemas.microsoft.com/office/drawing/2012/chartStyle" xmlns:a="http://schemas.openxmlformats.org/drawingml/2006/main" id="201">
+  <cs:axisTitle>
+    <cs:lnRef idx="0"/>
+    <cs:fillRef idx="0"/>
+    <cs:effectRef idx="0"/>
+    <cs:fontRef idx="minor">
+      <a:schemeClr val="tx1">
+        <a:lumMod val="65000"/>
+        <a:lumOff val="35000"/>
+      </a:schemeClr>
+    </cs:fontRef>
+    <cs:defRPr sz="1000" kern="1200"/>
+  </cs:axisTitle>
+  <cs:categoryAxis>
+    <cs:lnRef idx="0"/>
+    <cs:fillRef idx="0"/>
+    <cs:effectRef idx="0"/>
+    <cs:fontRef idx="minor">
+      <a:schemeClr val="tx1">
+        <a:lumMod val="65000"/>
+        <a:lumOff val="35000"/>
+      </a:schemeClr>
+    </cs:fontRef>
+    <cs:spPr>
+      <a:ln w="9525" cap="flat" cmpd="sng" algn="ctr">
+        <a:solidFill>
+          <a:schemeClr val="tx1">
+            <a:lumMod val="15000"/>
+            <a:lumOff val="85000"/>
+          </a:schemeClr>
+        </a:solidFill>
+        <a:round/>
+      </a:ln>
+    </cs:spPr>
+    <cs:defRPr sz="900" kern="1200"/>
+  </cs:categoryAxis>
+  <cs:chartArea mods="allowNoFillOverride allowNoLineOverride">
+    <cs:lnRef idx="0"/>
+    <cs:fillRef idx="0"/>
+    <cs:effectRef idx="0"/>
+    <cs:fontRef idx="minor">
+      <a:schemeClr val="tx1"/>
+    </cs:fontRef>
+    <cs:spPr>
+      <a:solidFill>
+        <a:schemeClr val="bg1"/>
+      </a:solidFill>
+      <a:ln w="9525" cap="flat" cmpd="sng" algn="ctr">
+        <a:solidFill>
+          <a:schemeClr val="tx1">
+            <a:lumMod val="15000"/>
+            <a:lumOff val="85000"/>
+          </a:schemeClr>
+        </a:solidFill>
+        <a:round/>
+      </a:ln>
+    </cs:spPr>
+    <cs:defRPr sz="1000" kern="1200"/>
+  </cs:chartArea>
+  <cs:dataLabel>
+    <cs:lnRef idx="0"/>
+    <cs:fillRef idx="0"/>
+    <cs:effectRef idx="0"/>
+    <cs:fontRef idx="minor">
+      <a:schemeClr val="tx1">
+        <a:lumMod val="75000"/>
+        <a:lumOff val="25000"/>
+      </a:schemeClr>
+    </cs:fontRef>
+    <cs:defRPr sz="900" kern="1200"/>
+  </cs:dataLabel>
+  <cs:dataLabelCallout>
+    <cs:lnRef idx="0"/>
+    <cs:fillRef idx="0"/>
+    <cs:effectRef idx="0"/>
+    <cs:fontRef idx="minor">
+      <a:schemeClr val="dk1">
+        <a:lumMod val="65000"/>
+        <a:lumOff val="35000"/>
+      </a:schemeClr>
+    </cs:fontRef>
+    <cs:spPr>
+      <a:solidFill>
+        <a:schemeClr val="lt1"/>
+      </a:solidFill>
+      <a:ln>
+        <a:solidFill>
+          <a:schemeClr val="dk1">
+            <a:lumMod val="25000"/>
+            <a:lumOff val="75000"/>
+          </a:schemeClr>
+        </a:solidFill>
+      </a:ln>
+    </cs:spPr>
+    <cs:defRPr sz="900" kern="1200"/>
+    <cs:bodyPr rot="0" spcFirstLastPara="1" vertOverflow="clip" horzOverflow="clip" vert="horz" wrap="square" lIns="36576" tIns="18288" rIns="36576" bIns="18288" anchor="ctr" anchorCtr="1">
+      <a:spAutoFit/>
+    </cs:bodyPr>
+  </cs:dataLabelCallout>
+  <cs:dataPoint>
+    <cs:lnRef idx="0"/>
+    <cs:fillRef idx="1">
+      <cs:styleClr val="auto"/>
+    </cs:fillRef>
+    <cs:effectRef idx="0"/>
+    <cs:fontRef idx="minor">
+      <a:schemeClr val="tx1"/>
+    </cs:fontRef>
+  </cs:dataPoint>
+  <cs:dataPoint3D>
+    <cs:lnRef idx="0"/>
+    <cs:fillRef idx="1">
+      <cs:styleClr val="auto"/>
+    </cs:fillRef>
+    <cs:effectRef idx="0"/>
+    <cs:fontRef idx="minor">
+      <a:schemeClr val="tx1"/>
+    </cs:fontRef>
+  </cs:dataPoint3D>
+  <cs:dataPointLine>
+    <cs:lnRef idx="0">
+      <cs:styleClr val="auto"/>
+    </cs:lnRef>
+    <cs:fillRef idx="1"/>
+    <cs:effectRef idx="0"/>
+    <cs:fontRef idx="minor">
+      <a:schemeClr val="tx1"/>
+    </cs:fontRef>
+    <cs:spPr>
+      <a:ln w="28575" cap="rnd">
+        <a:solidFill>
+          <a:schemeClr val="phClr"/>
+        </a:solidFill>
+        <a:round/>
+      </a:ln>
+    </cs:spPr>
+  </cs:dataPointLine>
+  <cs:dataPointMarker>
+    <cs:lnRef idx="0">
+      <cs:styleClr val="auto"/>
+    </cs:lnRef>
+    <cs:fillRef idx="1">
+      <cs:styleClr val="auto"/>
+    </cs:fillRef>
+    <cs:effectRef idx="0"/>
+    <cs:fontRef idx="minor">
+      <a:schemeClr val="tx1"/>
+    </cs:fontRef>
+    <cs:spPr>
+      <a:ln w="9525">
+        <a:solidFill>
+          <a:schemeClr val="phClr"/>
+        </a:solidFill>
+      </a:ln>
+    </cs:spPr>
+  </cs:dataPointMarker>
+  <cs:dataPointMarkerLayout symbol="circle" size="5"/>
+  <cs:dataPointWireframe>
+    <cs:lnRef idx="0">
+      <cs:styleClr val="auto"/>
+    </cs:lnRef>
+    <cs:fillRef idx="1"/>
+    <cs:effectRef idx="0"/>
+    <cs:fontRef idx="minor">
+      <a:schemeClr val="tx1"/>
+    </cs:fontRef>
+    <cs:spPr>
+      <a:ln w="9525" cap="rnd">
+        <a:solidFill>
+          <a:schemeClr val="phClr"/>
+        </a:solidFill>
+        <a:round/>
+      </a:ln>
+    </cs:spPr>
+  </cs:dataPointWireframe>
+  <cs:dataTable>
+    <cs:lnRef idx="0"/>
+    <cs:fillRef idx="0"/>
+    <cs:effectRef idx="0"/>
+    <cs:fontRef idx="minor">
+      <a:schemeClr val="tx1">
+        <a:lumMod val="65000"/>
+        <a:lumOff val="35000"/>
+      </a:schemeClr>
+    </cs:fontRef>
+    <cs:spPr>
+      <a:noFill/>
+      <a:ln w="9525" cap="flat" cmpd="sng" algn="ctr">
+        <a:solidFill>
+          <a:schemeClr val="tx1">
+            <a:lumMod val="15000"/>
+            <a:lumOff val="85000"/>
+          </a:schemeClr>
+        </a:solidFill>
+        <a:round/>
+      </a:ln>
+    </cs:spPr>
+    <cs:defRPr sz="900" kern="1200"/>
+  </cs:dataTable>
+  <cs:downBar>
+    <cs:lnRef idx="0"/>
+    <cs:fillRef idx="0"/>
+    <cs:effectRef idx="0"/>
+    <cs:fontRef idx="minor">
+      <a:schemeClr val="dk1"/>
+    </cs:fontRef>
+    <cs:spPr>
+      <a:solidFill>
+        <a:schemeClr val="dk1">
+          <a:lumMod val="65000"/>
+          <a:lumOff val="35000"/>
+        </a:schemeClr>
+      </a:solidFill>
+      <a:ln w="9525">
+        <a:solidFill>
+          <a:schemeClr val="tx1">
+            <a:lumMod val="65000"/>
+            <a:lumOff val="35000"/>
+          </a:schemeClr>
+        </a:solidFill>
+      </a:ln>
+    </cs:spPr>
+  </cs:downBar>
+  <cs:dropLine>
+    <cs:lnRef idx="0"/>
+    <cs:fillRef idx="0"/>
+    <cs:effectRef idx="0"/>
+    <cs:fontRef idx="minor">
+      <a:schemeClr val="tx1"/>
+    </cs:fontRef>
+    <cs:spPr>
+      <a:ln w="9525" cap="flat" cmpd="sng" algn="ctr">
+        <a:solidFill>
+          <a:schemeClr val="tx1">
+            <a:lumMod val="35000"/>
+            <a:lumOff val="65000"/>
+          </a:schemeClr>
+        </a:solidFill>
+        <a:round/>
+      </a:ln>
+    </cs:spPr>
+  </cs:dropLine>
+  <cs:errorBar>
+    <cs:lnRef idx="0"/>
+    <cs:fillRef idx="0"/>
+    <cs:effectRef idx="0"/>
+    <cs:fontRef idx="minor">
+      <a:schemeClr val="tx1"/>
+    </cs:fontRef>
+    <cs:spPr>
+      <a:ln w="9525" cap="flat" cmpd="sng" algn="ctr">
+        <a:solidFill>
+          <a:schemeClr val="tx1">
+            <a:lumMod val="65000"/>
+            <a:lumOff val="35000"/>
+          </a:schemeClr>
+        </a:solidFill>
+        <a:round/>
+      </a:ln>
+    </cs:spPr>
+  </cs:errorBar>
+  <cs:floor>
+    <cs:lnRef idx="0"/>
+    <cs:fillRef idx="0"/>
+    <cs:effectRef idx="0"/>
+    <cs:fontRef idx="minor">
+      <a:schemeClr val="tx1"/>
+    </cs:fontRef>
+    <cs:spPr>
+      <a:noFill/>
+      <a:ln>
+        <a:noFill/>
+      </a:ln>
+    </cs:spPr>
+  </cs:floor>
+  <cs:gridlineMajor>
+    <cs:lnRef idx="0"/>
+    <cs:fillRef idx="0"/>
+    <cs:effectRef idx="0"/>
+    <cs:fontRef idx="minor">
+      <a:schemeClr val="tx1"/>
+    </cs:fontRef>
+    <cs:spPr>
+      <a:ln w="9525" cap="flat" cmpd="sng" algn="ctr">
+        <a:solidFill>
+          <a:schemeClr val="tx1">
+            <a:lumMod val="15000"/>
+            <a:lumOff val="85000"/>
+          </a:schemeClr>
+        </a:solidFill>
+        <a:round/>
+      </a:ln>
+    </cs:spPr>
+  </cs:gridlineMajor>
+  <cs:gridlineMinor>
+    <cs:lnRef idx="0"/>
+    <cs:fillRef idx="0"/>
+    <cs:effectRef idx="0"/>
+    <cs:fontRef idx="minor">
+      <a:schemeClr val="tx1"/>
+    </cs:fontRef>
+    <cs:spPr>
+      <a:ln w="9525" cap="flat" cmpd="sng" algn="ctr">
+        <a:solidFill>
+          <a:schemeClr val="tx1">
+            <a:lumMod val="5000"/>
+            <a:lumOff val="95000"/>
+          </a:schemeClr>
+        </a:solidFill>
+        <a:round/>
+      </a:ln>
+    </cs:spPr>
+  </cs:gridlineMinor>
+  <cs:hiLoLine>
+    <cs:lnRef idx="0"/>
+    <cs:fillRef idx="0"/>
+    <cs:effectRef idx="0"/>
+    <cs:fontRef idx="minor">
+      <a:schemeClr val="tx1"/>
+    </cs:fontRef>
+    <cs:spPr>
+      <a:ln w="9525" cap="flat" cmpd="sng" algn="ctr">
+        <a:solidFill>
+          <a:schemeClr val="tx1">
+            <a:lumMod val="75000"/>
+            <a:lumOff val="25000"/>
+          </a:schemeClr>
+        </a:solidFill>
+        <a:round/>
+      </a:ln>
+    </cs:spPr>
+  </cs:hiLoLine>
+  <cs:leaderLine>
+    <cs:lnRef idx="0"/>
+    <cs:fillRef idx="0"/>
+    <cs:effectRef idx="0"/>
+    <cs:fontRef idx="minor">
+      <a:schemeClr val="tx1"/>
+    </cs:fontRef>
+    <cs:spPr>
+      <a:ln w="9525" cap="flat" cmpd="sng" algn="ctr">
+        <a:solidFill>
+          <a:schemeClr val="tx1">
+            <a:lumMod val="35000"/>
+            <a:lumOff val="65000"/>
+          </a:schemeClr>
+        </a:solidFill>
+        <a:round/>
+      </a:ln>
+    </cs:spPr>
+  </cs:leaderLine>
+  <cs:legend>
+    <cs:lnRef idx="0"/>
+    <cs:fillRef idx="0"/>
+    <cs:effectRef idx="0"/>
+    <cs:fontRef idx="minor">
+      <a:schemeClr val="tx1">
+        <a:lumMod val="65000"/>
+        <a:lumOff val="35000"/>
+      </a:schemeClr>
+    </cs:fontRef>
+    <cs:defRPr sz="900" kern="1200"/>
+  </cs:legend>
+  <cs:plotArea mods="allowNoFillOverride allowNoLineOverride">
+    <cs:lnRef idx="0"/>
+    <cs:fillRef idx="0"/>
+    <cs:effectRef idx="0"/>
+    <cs:fontRef idx="minor">
+      <a:schemeClr val="tx1"/>
+    </cs:fontRef>
+  </cs:plotArea>
+  <cs:plotArea3D mods="allowNoFillOverride allowNoLineOverride">
+    <cs:lnRef idx="0"/>
+    <cs:fillRef idx="0"/>
+    <cs:effectRef idx="0"/>
+    <cs:fontRef idx="minor">
+      <a:schemeClr val="tx1"/>
+    </cs:fontRef>
+  </cs:plotArea3D>
+  <cs:seriesAxis>
+    <cs:lnRef idx="0"/>
+    <cs:fillRef idx="0"/>
+    <cs:effectRef idx="0"/>
+    <cs:fontRef idx="minor">
+      <a:schemeClr val="tx1">
+        <a:lumMod val="65000"/>
+        <a:lumOff val="35000"/>
+      </a:schemeClr>
+    </cs:fontRef>
+    <cs:defRPr sz="900" kern="1200"/>
+  </cs:seriesAxis>
+  <cs:seriesLine>
+    <cs:lnRef idx="0"/>
+    <cs:fillRef idx="0"/>
+    <cs:effectRef idx="0"/>
+    <cs:fontRef idx="minor">
+      <a:schemeClr val="tx1"/>
+    </cs:fontRef>
+    <cs:spPr>
+      <a:ln w="9525" cap="flat" cmpd="sng" algn="ctr">
+        <a:solidFill>
+          <a:schemeClr val="tx1">
+            <a:lumMod val="35000"/>
+            <a:lumOff val="65000"/>
+          </a:schemeClr>
+        </a:solidFill>
+        <a:round/>
+      </a:ln>
+    </cs:spPr>
+  </cs:seriesLine>
+  <cs:title>
+    <cs:lnRef idx="0"/>
+    <cs:fillRef idx="0"/>
+    <cs:effectRef idx="0"/>
+    <cs:fontRef idx="minor">
+      <a:schemeClr val="tx1">
+        <a:lumMod val="65000"/>
+        <a:lumOff val="35000"/>
+      </a:schemeClr>
+    </cs:fontRef>
+    <cs:defRPr sz="1400" b="0" kern="1200" spc="0" baseline="0"/>
+  </cs:title>
+  <cs:trendline>
+    <cs:lnRef idx="0">
+      <cs:styleClr val="auto"/>
+    </cs:lnRef>
+    <cs:fillRef idx="0"/>
+    <cs:effectRef idx="0"/>
+    <cs:fontRef idx="minor">
+      <a:schemeClr val="tx1"/>
+    </cs:fontRef>
+    <cs:spPr>
+      <a:ln w="19050" cap="rnd">
+        <a:solidFill>
+          <a:schemeClr val="phClr"/>
+        </a:solidFill>
+        <a:prstDash val="sysDot"/>
+      </a:ln>
+    </cs:spPr>
+  </cs:trendline>
+  <cs:trendlineLabel>
+    <cs:lnRef idx="0"/>
+    <cs:fillRef idx="0"/>
+    <cs:effectRef idx="0"/>
+    <cs:fontRef idx="minor">
+      <a:schemeClr val="tx1">
+        <a:lumMod val="65000"/>
+        <a:lumOff val="35000"/>
+      </a:schemeClr>
+    </cs:fontRef>
+    <cs:defRPr sz="900" kern="1200"/>
+  </cs:trendlineLabel>
+  <cs:upBar>
+    <cs:lnRef idx="0"/>
+    <cs:fillRef idx="0"/>
+    <cs:effectRef idx="0"/>
+    <cs:fontRef idx="minor">
+      <a:schemeClr val="dk1"/>
+    </cs:fontRef>
+    <cs:spPr>
+      <a:solidFill>
+        <a:schemeClr val="lt1"/>
+      </a:solidFill>
+      <a:ln w="9525">
+        <a:solidFill>
+          <a:schemeClr val="tx1">
+            <a:lumMod val="15000"/>
+            <a:lumOff val="85000"/>
+          </a:schemeClr>
+        </a:solidFill>
+      </a:ln>
+    </cs:spPr>
+  </cs:upBar>
+  <cs:valueAxis>
+    <cs:lnRef idx="0"/>
+    <cs:fillRef idx="0"/>
+    <cs:effectRef idx="0"/>
+    <cs:fontRef idx="minor">
+      <a:schemeClr val="tx1">
+        <a:lumMod val="65000"/>
+        <a:lumOff val="35000"/>
+      </a:schemeClr>
+    </cs:fontRef>
+    <cs:defRPr sz="900" kern="1200"/>
+  </cs:valueAxis>
+  <cs:wall>
+    <cs:lnRef idx="0"/>
+    <cs:fillRef idx="0"/>
+    <cs:effectRef idx="0"/>
+    <cs:fontRef idx="minor">
+      <a:schemeClr val="tx1"/>
+    </cs:fontRef>
+    <cs:spPr>
+      <a:noFill/>
+      <a:ln>
+        <a:noFill/>
+      </a:ln>
+    </cs:spPr>
+  </cs:wall>
+</cs:chartStyle>
+</file>
+
+<file path=ppt/charts/style3.xml><?xml version="1.0" encoding="utf-8"?>
+<cs:chartStyle xmlns:cs="http://schemas.microsoft.com/office/drawing/2012/chartStyle" xmlns:a="http://schemas.openxmlformats.org/drawingml/2006/main" id="201">
+  <cs:axisTitle>
+    <cs:lnRef idx="0"/>
+    <cs:fillRef idx="0"/>
+    <cs:effectRef idx="0"/>
+    <cs:fontRef idx="minor">
+      <a:schemeClr val="tx1">
+        <a:lumMod val="65000"/>
+        <a:lumOff val="35000"/>
+      </a:schemeClr>
+    </cs:fontRef>
+    <cs:defRPr sz="1000" kern="1200"/>
+  </cs:axisTitle>
+  <cs:categoryAxis>
+    <cs:lnRef idx="0"/>
+    <cs:fillRef idx="0"/>
+    <cs:effectRef idx="0"/>
+    <cs:fontRef idx="minor">
+      <a:schemeClr val="tx1">
+        <a:lumMod val="65000"/>
+        <a:lumOff val="35000"/>
+      </a:schemeClr>
+    </cs:fontRef>
+    <cs:spPr>
+      <a:ln w="9525" cap="flat" cmpd="sng" algn="ctr">
+        <a:solidFill>
+          <a:schemeClr val="tx1">
+            <a:lumMod val="15000"/>
+            <a:lumOff val="85000"/>
+          </a:schemeClr>
+        </a:solidFill>
+        <a:round/>
+      </a:ln>
+    </cs:spPr>
+    <cs:defRPr sz="900" kern="1200"/>
+  </cs:categoryAxis>
+  <cs:chartArea mods="allowNoFillOverride allowNoLineOverride">
+    <cs:lnRef idx="0"/>
+    <cs:fillRef idx="0"/>
+    <cs:effectRef idx="0"/>
+    <cs:fontRef idx="minor">
+      <a:schemeClr val="tx1"/>
+    </cs:fontRef>
+    <cs:spPr>
+      <a:solidFill>
+        <a:schemeClr val="bg1"/>
+      </a:solidFill>
+      <a:ln w="9525" cap="flat" cmpd="sng" algn="ctr">
+        <a:solidFill>
+          <a:schemeClr val="tx1">
+            <a:lumMod val="15000"/>
+            <a:lumOff val="85000"/>
+          </a:schemeClr>
+        </a:solidFill>
+        <a:round/>
+      </a:ln>
+    </cs:spPr>
+    <cs:defRPr sz="1000" kern="1200"/>
+  </cs:chartArea>
+  <cs:dataLabel>
+    <cs:lnRef idx="0"/>
+    <cs:fillRef idx="0"/>
+    <cs:effectRef idx="0"/>
+    <cs:fontRef idx="minor">
+      <a:schemeClr val="tx1">
+        <a:lumMod val="75000"/>
+        <a:lumOff val="25000"/>
+      </a:schemeClr>
+    </cs:fontRef>
+    <cs:defRPr sz="900" kern="1200"/>
+  </cs:dataLabel>
+  <cs:dataLabelCallout>
+    <cs:lnRef idx="0"/>
+    <cs:fillRef idx="0"/>
+    <cs:effectRef idx="0"/>
+    <cs:fontRef idx="minor">
+      <a:schemeClr val="dk1">
+        <a:lumMod val="65000"/>
+        <a:lumOff val="35000"/>
+      </a:schemeClr>
+    </cs:fontRef>
+    <cs:spPr>
+      <a:solidFill>
+        <a:schemeClr val="lt1"/>
+      </a:solidFill>
+      <a:ln>
+        <a:solidFill>
+          <a:schemeClr val="dk1">
+            <a:lumMod val="25000"/>
+            <a:lumOff val="75000"/>
+          </a:schemeClr>
+        </a:solidFill>
+      </a:ln>
+    </cs:spPr>
+    <cs:defRPr sz="900" kern="1200"/>
+    <cs:bodyPr rot="0" spcFirstLastPara="1" vertOverflow="clip" horzOverflow="clip" vert="horz" wrap="square" lIns="36576" tIns="18288" rIns="36576" bIns="18288" anchor="ctr" anchorCtr="1">
+      <a:spAutoFit/>
+    </cs:bodyPr>
+  </cs:dataLabelCallout>
+  <cs:dataPoint>
+    <cs:lnRef idx="0"/>
+    <cs:fillRef idx="1">
+      <cs:styleClr val="auto"/>
+    </cs:fillRef>
+    <cs:effectRef idx="0"/>
+    <cs:fontRef idx="minor">
+      <a:schemeClr val="tx1"/>
+    </cs:fontRef>
+  </cs:dataPoint>
+  <cs:dataPoint3D>
+    <cs:lnRef idx="0"/>
+    <cs:fillRef idx="1">
+      <cs:styleClr val="auto"/>
+    </cs:fillRef>
+    <cs:effectRef idx="0"/>
+    <cs:fontRef idx="minor">
+      <a:schemeClr val="tx1"/>
+    </cs:fontRef>
+  </cs:dataPoint3D>
+  <cs:dataPointLine>
+    <cs:lnRef idx="0">
+      <cs:styleClr val="auto"/>
+    </cs:lnRef>
+    <cs:fillRef idx="1"/>
+    <cs:effectRef idx="0"/>
+    <cs:fontRef idx="minor">
+      <a:schemeClr val="tx1"/>
+    </cs:fontRef>
+    <cs:spPr>
+      <a:ln w="28575" cap="rnd">
+        <a:solidFill>
+          <a:schemeClr val="phClr"/>
+        </a:solidFill>
+        <a:round/>
+      </a:ln>
+    </cs:spPr>
+  </cs:dataPointLine>
+  <cs:dataPointMarker>
+    <cs:lnRef idx="0">
+      <cs:styleClr val="auto"/>
+    </cs:lnRef>
+    <cs:fillRef idx="1">
+      <cs:styleClr val="auto"/>
+    </cs:fillRef>
+    <cs:effectRef idx="0"/>
+    <cs:fontRef idx="minor">
+      <a:schemeClr val="tx1"/>
+    </cs:fontRef>
+    <cs:spPr>
+      <a:ln w="9525">
+        <a:solidFill>
+          <a:schemeClr val="phClr"/>
+        </a:solidFill>
+      </a:ln>
+    </cs:spPr>
+  </cs:dataPointMarker>
+  <cs:dataPointMarkerLayout symbol="circle" size="5"/>
+  <cs:dataPointWireframe>
+    <cs:lnRef idx="0">
+      <cs:styleClr val="auto"/>
+    </cs:lnRef>
+    <cs:fillRef idx="1"/>
+    <cs:effectRef idx="0"/>
+    <cs:fontRef idx="minor">
+      <a:schemeClr val="tx1"/>
+    </cs:fontRef>
+    <cs:spPr>
+      <a:ln w="9525" cap="rnd">
+        <a:solidFill>
+          <a:schemeClr val="phClr"/>
+        </a:solidFill>
+        <a:round/>
+      </a:ln>
+    </cs:spPr>
+  </cs:dataPointWireframe>
+  <cs:dataTable>
+    <cs:lnRef idx="0"/>
+    <cs:fillRef idx="0"/>
+    <cs:effectRef idx="0"/>
+    <cs:fontRef idx="minor">
+      <a:schemeClr val="tx1">
+        <a:lumMod val="65000"/>
+        <a:lumOff val="35000"/>
+      </a:schemeClr>
+    </cs:fontRef>
+    <cs:spPr>
+      <a:noFill/>
+      <a:ln w="9525" cap="flat" cmpd="sng" algn="ctr">
+        <a:solidFill>
+          <a:schemeClr val="tx1">
+            <a:lumMod val="15000"/>
+            <a:lumOff val="85000"/>
+          </a:schemeClr>
+        </a:solidFill>
+        <a:round/>
+      </a:ln>
+    </cs:spPr>
+    <cs:defRPr sz="900" kern="1200"/>
+  </cs:dataTable>
+  <cs:downBar>
+    <cs:lnRef idx="0"/>
+    <cs:fillRef idx="0"/>
+    <cs:effectRef idx="0"/>
+    <cs:fontRef idx="minor">
+      <a:schemeClr val="dk1"/>
+    </cs:fontRef>
+    <cs:spPr>
+      <a:solidFill>
+        <a:schemeClr val="dk1">
+          <a:lumMod val="65000"/>
+          <a:lumOff val="35000"/>
+        </a:schemeClr>
+      </a:solidFill>
+      <a:ln w="9525">
+        <a:solidFill>
+          <a:schemeClr val="tx1">
+            <a:lumMod val="65000"/>
+            <a:lumOff val="35000"/>
+          </a:schemeClr>
+        </a:solidFill>
+      </a:ln>
+    </cs:spPr>
+  </cs:downBar>
+  <cs:dropLine>
+    <cs:lnRef idx="0"/>
+    <cs:fillRef idx="0"/>
+    <cs:effectRef idx="0"/>
+    <cs:fontRef idx="minor">
+      <a:schemeClr val="tx1"/>
+    </cs:fontRef>
+    <cs:spPr>
+      <a:ln w="9525" cap="flat" cmpd="sng" algn="ctr">
+        <a:solidFill>
+          <a:schemeClr val="tx1">
+            <a:lumMod val="35000"/>
+            <a:lumOff val="65000"/>
+          </a:schemeClr>
+        </a:solidFill>
+        <a:round/>
+      </a:ln>
+    </cs:spPr>
+  </cs:dropLine>
+  <cs:errorBar>
+    <cs:lnRef idx="0"/>
+    <cs:fillRef idx="0"/>
+    <cs:effectRef idx="0"/>
+    <cs:fontRef idx="minor">
+      <a:schemeClr val="tx1"/>
+    </cs:fontRef>
+    <cs:spPr>
+      <a:ln w="9525" cap="flat" cmpd="sng" algn="ctr">
+        <a:solidFill>
+          <a:schemeClr val="tx1">
+            <a:lumMod val="65000"/>
+            <a:lumOff val="35000"/>
+          </a:schemeClr>
+        </a:solidFill>
+        <a:round/>
+      </a:ln>
+    </cs:spPr>
+  </cs:errorBar>
+  <cs:floor>
+    <cs:lnRef idx="0"/>
+    <cs:fillRef idx="0"/>
+    <cs:effectRef idx="0"/>
+    <cs:fontRef idx="minor">
+      <a:schemeClr val="tx1"/>
+    </cs:fontRef>
+    <cs:spPr>
+      <a:noFill/>
+      <a:ln>
+        <a:noFill/>
+      </a:ln>
+    </cs:spPr>
+  </cs:floor>
+  <cs:gridlineMajor>
+    <cs:lnRef idx="0"/>
+    <cs:fillRef idx="0"/>
+    <cs:effectRef idx="0"/>
+    <cs:fontRef idx="minor">
+      <a:schemeClr val="tx1"/>
+    </cs:fontRef>
+    <cs:spPr>
+      <a:ln w="9525" cap="flat" cmpd="sng" algn="ctr">
+        <a:solidFill>
+          <a:schemeClr val="tx1">
+            <a:lumMod val="15000"/>
+            <a:lumOff val="85000"/>
+          </a:schemeClr>
+        </a:solidFill>
+        <a:round/>
+      </a:ln>
+    </cs:spPr>
+  </cs:gridlineMajor>
+  <cs:gridlineMinor>
+    <cs:lnRef idx="0"/>
+    <cs:fillRef idx="0"/>
+    <cs:effectRef idx="0"/>
+    <cs:fontRef idx="minor">
+      <a:schemeClr val="tx1"/>
+    </cs:fontRef>
+    <cs:spPr>
+      <a:ln w="9525" cap="flat" cmpd="sng" algn="ctr">
+        <a:solidFill>
+          <a:schemeClr val="tx1">
+            <a:lumMod val="5000"/>
+            <a:lumOff val="95000"/>
+          </a:schemeClr>
+        </a:solidFill>
+        <a:round/>
+      </a:ln>
+    </cs:spPr>
+  </cs:gridlineMinor>
+  <cs:hiLoLine>
+    <cs:lnRef idx="0"/>
+    <cs:fillRef idx="0"/>
+    <cs:effectRef idx="0"/>
+    <cs:fontRef idx="minor">
+      <a:schemeClr val="tx1"/>
+    </cs:fontRef>
+    <cs:spPr>
+      <a:ln w="9525" cap="flat" cmpd="sng" algn="ctr">
+        <a:solidFill>
+          <a:schemeClr val="tx1">
+            <a:lumMod val="75000"/>
+            <a:lumOff val="25000"/>
+          </a:schemeClr>
+        </a:solidFill>
+        <a:round/>
+      </a:ln>
+    </cs:spPr>
+  </cs:hiLoLine>
+  <cs:leaderLine>
+    <cs:lnRef idx="0"/>
+    <cs:fillRef idx="0"/>
+    <cs:effectRef idx="0"/>
+    <cs:fontRef idx="minor">
+      <a:schemeClr val="tx1"/>
+    </cs:fontRef>
+    <cs:spPr>
+      <a:ln w="9525" cap="flat" cmpd="sng" algn="ctr">
+        <a:solidFill>
+          <a:schemeClr val="tx1">
+            <a:lumMod val="35000"/>
+            <a:lumOff val="65000"/>
+          </a:schemeClr>
+        </a:solidFill>
+        <a:round/>
+      </a:ln>
+    </cs:spPr>
+  </cs:leaderLine>
+  <cs:legend>
+    <cs:lnRef idx="0"/>
+    <cs:fillRef idx="0"/>
+    <cs:effectRef idx="0"/>
+    <cs:fontRef idx="minor">
+      <a:schemeClr val="tx1">
+        <a:lumMod val="65000"/>
+        <a:lumOff val="35000"/>
+      </a:schemeClr>
+    </cs:fontRef>
+    <cs:defRPr sz="900" kern="1200"/>
+  </cs:legend>
+  <cs:plotArea mods="allowNoFillOverride allowNoLineOverride">
+    <cs:lnRef idx="0"/>
+    <cs:fillRef idx="0"/>
+    <cs:effectRef idx="0"/>
+    <cs:fontRef idx="minor">
+      <a:schemeClr val="tx1"/>
+    </cs:fontRef>
+  </cs:plotArea>
+  <cs:plotArea3D mods="allowNoFillOverride allowNoLineOverride">
+    <cs:lnRef idx="0"/>
+    <cs:fillRef idx="0"/>
+    <cs:effectRef idx="0"/>
+    <cs:fontRef idx="minor">
+      <a:schemeClr val="tx1"/>
+    </cs:fontRef>
+  </cs:plotArea3D>
+  <cs:seriesAxis>
+    <cs:lnRef idx="0"/>
+    <cs:fillRef idx="0"/>
+    <cs:effectRef idx="0"/>
+    <cs:fontRef idx="minor">
+      <a:schemeClr val="tx1">
+        <a:lumMod val="65000"/>
+        <a:lumOff val="35000"/>
+      </a:schemeClr>
+    </cs:fontRef>
+    <cs:defRPr sz="900" kern="1200"/>
+  </cs:seriesAxis>
+  <cs:seriesLine>
+    <cs:lnRef idx="0"/>
+    <cs:fillRef idx="0"/>
+    <cs:effectRef idx="0"/>
+    <cs:fontRef idx="minor">
+      <a:schemeClr val="tx1"/>
+    </cs:fontRef>
+    <cs:spPr>
+      <a:ln w="9525" cap="flat" cmpd="sng" algn="ctr">
+        <a:solidFill>
+          <a:schemeClr val="tx1">
+            <a:lumMod val="35000"/>
+            <a:lumOff val="65000"/>
+          </a:schemeClr>
+        </a:solidFill>
+        <a:round/>
+      </a:ln>
+    </cs:spPr>
+  </cs:seriesLine>
+  <cs:title>
+    <cs:lnRef idx="0"/>
+    <cs:fillRef idx="0"/>
+    <cs:effectRef idx="0"/>
+    <cs:fontRef idx="minor">
+      <a:schemeClr val="tx1">
+        <a:lumMod val="65000"/>
+        <a:lumOff val="35000"/>
+      </a:schemeClr>
+    </cs:fontRef>
+    <cs:defRPr sz="1400" b="0" kern="1200" spc="0" baseline="0"/>
+  </cs:title>
+  <cs:trendline>
+    <cs:lnRef idx="0">
+      <cs:styleClr val="auto"/>
+    </cs:lnRef>
+    <cs:fillRef idx="0"/>
+    <cs:effectRef idx="0"/>
+    <cs:fontRef idx="minor">
+      <a:schemeClr val="tx1"/>
+    </cs:fontRef>
+    <cs:spPr>
+      <a:ln w="19050" cap="rnd">
+        <a:solidFill>
+          <a:schemeClr val="phClr"/>
+        </a:solidFill>
+        <a:prstDash val="sysDot"/>
+      </a:ln>
+    </cs:spPr>
+  </cs:trendline>
+  <cs:trendlineLabel>
+    <cs:lnRef idx="0"/>
+    <cs:fillRef idx="0"/>
+    <cs:effectRef idx="0"/>
+    <cs:fontRef idx="minor">
+      <a:schemeClr val="tx1">
+        <a:lumMod val="65000"/>
+        <a:lumOff val="35000"/>
+      </a:schemeClr>
+    </cs:fontRef>
+    <cs:defRPr sz="900" kern="1200"/>
+  </cs:trendlineLabel>
+  <cs:upBar>
+    <cs:lnRef idx="0"/>
+    <cs:fillRef idx="0"/>
+    <cs:effectRef idx="0"/>
+    <cs:fontRef idx="minor">
+      <a:schemeClr val="dk1"/>
+    </cs:fontRef>
+    <cs:spPr>
+      <a:solidFill>
+        <a:schemeClr val="lt1"/>
+      </a:solidFill>
+      <a:ln w="9525">
+        <a:solidFill>
+          <a:schemeClr val="tx1">
+            <a:lumMod val="15000"/>
+            <a:lumOff val="85000"/>
+          </a:schemeClr>
+        </a:solidFill>
+      </a:ln>
+    </cs:spPr>
+  </cs:upBar>
+  <cs:valueAxis>
+    <cs:lnRef idx="0"/>
+    <cs:fillRef idx="0"/>
+    <cs:effectRef idx="0"/>
+    <cs:fontRef idx="minor">
+      <a:schemeClr val="tx1">
+        <a:lumMod val="65000"/>
+        <a:lumOff val="35000"/>
+      </a:schemeClr>
+    </cs:fontRef>
+    <cs:defRPr sz="900" kern="1200"/>
+  </cs:valueAxis>
+  <cs:wall>
+    <cs:lnRef idx="0"/>
+    <cs:fillRef idx="0"/>
+    <cs:effectRef idx="0"/>
+    <cs:fontRef idx="minor">
+      <a:schemeClr val="tx1"/>
+    </cs:fontRef>
+    <cs:spPr>
+      <a:noFill/>
+      <a:ln>
+        <a:noFill/>
+      </a:ln>
+    </cs:spPr>
+  </cs:wall>
+</cs:chartStyle>
+</file>
+
+<file path=ppt/charts/style4.xml><?xml version="1.0" encoding="utf-8"?>
+<cs:chartStyle xmlns:cs="http://schemas.microsoft.com/office/drawing/2012/chartStyle" xmlns:a="http://schemas.openxmlformats.org/drawingml/2006/main" id="201">
+  <cs:axisTitle>
+    <cs:lnRef idx="0"/>
+    <cs:fillRef idx="0"/>
+    <cs:effectRef idx="0"/>
+    <cs:fontRef idx="minor">
+      <a:schemeClr val="tx1">
+        <a:lumMod val="65000"/>
+        <a:lumOff val="35000"/>
+      </a:schemeClr>
+    </cs:fontRef>
+    <cs:defRPr sz="1000" kern="1200"/>
+  </cs:axisTitle>
+  <cs:categoryAxis>
+    <cs:lnRef idx="0"/>
+    <cs:fillRef idx="0"/>
+    <cs:effectRef idx="0"/>
+    <cs:fontRef idx="minor">
+      <a:schemeClr val="tx1">
+        <a:lumMod val="65000"/>
+        <a:lumOff val="35000"/>
+      </a:schemeClr>
+    </cs:fontRef>
+    <cs:spPr>
+      <a:ln w="9525" cap="flat" cmpd="sng" algn="ctr">
+        <a:solidFill>
+          <a:schemeClr val="tx1">
+            <a:lumMod val="15000"/>
+            <a:lumOff val="85000"/>
+          </a:schemeClr>
+        </a:solidFill>
+        <a:round/>
+      </a:ln>
+    </cs:spPr>
+    <cs:defRPr sz="900" kern="1200"/>
+  </cs:categoryAxis>
+  <cs:chartArea mods="allowNoFillOverride allowNoLineOverride">
+    <cs:lnRef idx="0"/>
+    <cs:fillRef idx="0"/>
+    <cs:effectRef idx="0"/>
+    <cs:fontRef idx="minor">
+      <a:schemeClr val="tx1"/>
+    </cs:fontRef>
+    <cs:spPr>
+      <a:solidFill>
+        <a:schemeClr val="bg1"/>
+      </a:solidFill>
+      <a:ln w="9525" cap="flat" cmpd="sng" algn="ctr">
+        <a:solidFill>
+          <a:schemeClr val="tx1">
+            <a:lumMod val="15000"/>
+            <a:lumOff val="85000"/>
+          </a:schemeClr>
+        </a:solidFill>
+        <a:round/>
+      </a:ln>
+    </cs:spPr>
+    <cs:defRPr sz="1000" kern="1200"/>
+  </cs:chartArea>
+  <cs:dataLabel>
+    <cs:lnRef idx="0"/>
+    <cs:fillRef idx="0"/>
+    <cs:effectRef idx="0"/>
+    <cs:fontRef idx="minor">
+      <a:schemeClr val="tx1">
+        <a:lumMod val="75000"/>
+        <a:lumOff val="25000"/>
+      </a:schemeClr>
+    </cs:fontRef>
+    <cs:defRPr sz="900" kern="1200"/>
+  </cs:dataLabel>
+  <cs:dataLabelCallout>
+    <cs:lnRef idx="0"/>
+    <cs:fillRef idx="0"/>
+    <cs:effectRef idx="0"/>
+    <cs:fontRef idx="minor">
+      <a:schemeClr val="dk1">
+        <a:lumMod val="65000"/>
+        <a:lumOff val="35000"/>
+      </a:schemeClr>
+    </cs:fontRef>
+    <cs:spPr>
+      <a:solidFill>
+        <a:schemeClr val="lt1"/>
+      </a:solidFill>
+      <a:ln>
+        <a:solidFill>
+          <a:schemeClr val="dk1">
+            <a:lumMod val="25000"/>
+            <a:lumOff val="75000"/>
+          </a:schemeClr>
+        </a:solidFill>
+      </a:ln>
+    </cs:spPr>
+    <cs:defRPr sz="900" kern="1200"/>
+    <cs:bodyPr rot="0" spcFirstLastPara="1" vertOverflow="clip" horzOverflow="clip" vert="horz" wrap="square" lIns="36576" tIns="18288" rIns="36576" bIns="18288" anchor="ctr" anchorCtr="1">
+      <a:spAutoFit/>
+    </cs:bodyPr>
+  </cs:dataLabelCallout>
+  <cs:dataPoint>
+    <cs:lnRef idx="0"/>
+    <cs:fillRef idx="1">
+      <cs:styleClr val="auto"/>
+    </cs:fillRef>
+    <cs:effectRef idx="0"/>
+    <cs:fontRef idx="minor">
+      <a:schemeClr val="tx1"/>
+    </cs:fontRef>
+  </cs:dataPoint>
+  <cs:dataPoint3D>
+    <cs:lnRef idx="0"/>
+    <cs:fillRef idx="1">
+      <cs:styleClr val="auto"/>
+    </cs:fillRef>
+    <cs:effectRef idx="0"/>
+    <cs:fontRef idx="minor">
+      <a:schemeClr val="tx1"/>
+    </cs:fontRef>
+  </cs:dataPoint3D>
+  <cs:dataPointLine>
+    <cs:lnRef idx="0">
+      <cs:styleClr val="auto"/>
+    </cs:lnRef>
+    <cs:fillRef idx="1"/>
+    <cs:effectRef idx="0"/>
+    <cs:fontRef idx="minor">
+      <a:schemeClr val="tx1"/>
+    </cs:fontRef>
+    <cs:spPr>
+      <a:ln w="28575" cap="rnd">
+        <a:solidFill>
+          <a:schemeClr val="phClr"/>
+        </a:solidFill>
+        <a:round/>
+      </a:ln>
+    </cs:spPr>
+  </cs:dataPointLine>
+  <cs:dataPointMarker>
+    <cs:lnRef idx="0">
+      <cs:styleClr val="auto"/>
+    </cs:lnRef>
+    <cs:fillRef idx="1">
+      <cs:styleClr val="auto"/>
+    </cs:fillRef>
+    <cs:effectRef idx="0"/>
+    <cs:fontRef idx="minor">
+      <a:schemeClr val="tx1"/>
+    </cs:fontRef>
+    <cs:spPr>
+      <a:ln w="9525">
+        <a:solidFill>
+          <a:schemeClr val="phClr"/>
+        </a:solidFill>
+      </a:ln>
+    </cs:spPr>
+  </cs:dataPointMarker>
+  <cs:dataPointMarkerLayout symbol="circle" size="5"/>
+  <cs:dataPointWireframe>
+    <cs:lnRef idx="0">
+      <cs:styleClr val="auto"/>
+    </cs:lnRef>
+    <cs:fillRef idx="1"/>
+    <cs:effectRef idx="0"/>
+    <cs:fontRef idx="minor">
+      <a:schemeClr val="tx1"/>
+    </cs:fontRef>
+    <cs:spPr>
+      <a:ln w="9525" cap="rnd">
+        <a:solidFill>
+          <a:schemeClr val="phClr"/>
+        </a:solidFill>
+        <a:round/>
+      </a:ln>
+    </cs:spPr>
+  </cs:dataPointWireframe>
+  <cs:dataTable>
+    <cs:lnRef idx="0"/>
+    <cs:fillRef idx="0"/>
+    <cs:effectRef idx="0"/>
+    <cs:fontRef idx="minor">
+      <a:schemeClr val="tx1">
+        <a:lumMod val="65000"/>
+        <a:lumOff val="35000"/>
+      </a:schemeClr>
+    </cs:fontRef>
+    <cs:spPr>
+      <a:noFill/>
+      <a:ln w="9525" cap="flat" cmpd="sng" algn="ctr">
+        <a:solidFill>
+          <a:schemeClr val="tx1">
+            <a:lumMod val="15000"/>
+            <a:lumOff val="85000"/>
+          </a:schemeClr>
+        </a:solidFill>
+        <a:round/>
+      </a:ln>
+    </cs:spPr>
+    <cs:defRPr sz="900" kern="1200"/>
+  </cs:dataTable>
+  <cs:downBar>
+    <cs:lnRef idx="0"/>
+    <cs:fillRef idx="0"/>
+    <cs:effectRef idx="0"/>
+    <cs:fontRef idx="minor">
+      <a:schemeClr val="dk1"/>
+    </cs:fontRef>
+    <cs:spPr>
+      <a:solidFill>
+        <a:schemeClr val="dk1">
+          <a:lumMod val="65000"/>
+          <a:lumOff val="35000"/>
+        </a:schemeClr>
+      </a:solidFill>
+      <a:ln w="9525">
+        <a:solidFill>
+          <a:schemeClr val="tx1">
+            <a:lumMod val="65000"/>
+            <a:lumOff val="35000"/>
+          </a:schemeClr>
+        </a:solidFill>
+      </a:ln>
+    </cs:spPr>
+  </cs:downBar>
+  <cs:dropLine>
+    <cs:lnRef idx="0"/>
+    <cs:fillRef idx="0"/>
+    <cs:effectRef idx="0"/>
+    <cs:fontRef idx="minor">
+      <a:schemeClr val="tx1"/>
+    </cs:fontRef>
+    <cs:spPr>
+      <a:ln w="9525" cap="flat" cmpd="sng" algn="ctr">
+        <a:solidFill>
+          <a:schemeClr val="tx1">
+            <a:lumMod val="35000"/>
+            <a:lumOff val="65000"/>
+          </a:schemeClr>
+        </a:solidFill>
+        <a:round/>
+      </a:ln>
+    </cs:spPr>
+  </cs:dropLine>
+  <cs:errorBar>
+    <cs:lnRef idx="0"/>
+    <cs:fillRef idx="0"/>
+    <cs:effectRef idx="0"/>
+    <cs:fontRef idx="minor">
+      <a:schemeClr val="tx1"/>
+    </cs:fontRef>
+    <cs:spPr>
+      <a:ln w="9525" cap="flat" cmpd="sng" algn="ctr">
+        <a:solidFill>
+          <a:schemeClr val="tx1">
+            <a:lumMod val="65000"/>
+            <a:lumOff val="35000"/>
+          </a:schemeClr>
+        </a:solidFill>
+        <a:round/>
+      </a:ln>
+    </cs:spPr>
+  </cs:errorBar>
+  <cs:floor>
+    <cs:lnRef idx="0"/>
+    <cs:fillRef idx="0"/>
+    <cs:effectRef idx="0"/>
+    <cs:fontRef idx="minor">
+      <a:schemeClr val="tx1"/>
+    </cs:fontRef>
+    <cs:spPr>
+      <a:noFill/>
+      <a:ln>
+        <a:noFill/>
+      </a:ln>
+    </cs:spPr>
+  </cs:floor>
+  <cs:gridlineMajor>
+    <cs:lnRef idx="0"/>
+    <cs:fillRef idx="0"/>
+    <cs:effectRef idx="0"/>
+    <cs:fontRef idx="minor">
+      <a:schemeClr val="tx1"/>
+    </cs:fontRef>
+    <cs:spPr>
+      <a:ln w="9525" cap="flat" cmpd="sng" algn="ctr">
+        <a:solidFill>
+          <a:schemeClr val="tx1">
+            <a:lumMod val="15000"/>
+            <a:lumOff val="85000"/>
+          </a:schemeClr>
+        </a:solidFill>
+        <a:round/>
+      </a:ln>
+    </cs:spPr>
+  </cs:gridlineMajor>
+  <cs:gridlineMinor>
+    <cs:lnRef idx="0"/>
+    <cs:fillRef idx="0"/>
+    <cs:effectRef idx="0"/>
+    <cs:fontRef idx="minor">
+      <a:schemeClr val="tx1"/>
+    </cs:fontRef>
+    <cs:spPr>
+      <a:ln w="9525" cap="flat" cmpd="sng" algn="ctr">
+        <a:solidFill>
+          <a:schemeClr val="tx1">
+            <a:lumMod val="5000"/>
+            <a:lumOff val="95000"/>
+          </a:schemeClr>
+        </a:solidFill>
+        <a:round/>
+      </a:ln>
+    </cs:spPr>
+  </cs:gridlineMinor>
+  <cs:hiLoLine>
+    <cs:lnRef idx="0"/>
+    <cs:fillRef idx="0"/>
+    <cs:effectRef idx="0"/>
+    <cs:fontRef idx="minor">
+      <a:schemeClr val="tx1"/>
+    </cs:fontRef>
+    <cs:spPr>
+      <a:ln w="9525" cap="flat" cmpd="sng" algn="ctr">
+        <a:solidFill>
+          <a:schemeClr val="tx1">
+            <a:lumMod val="75000"/>
+            <a:lumOff val="25000"/>
+          </a:schemeClr>
+        </a:solidFill>
+        <a:round/>
+      </a:ln>
+    </cs:spPr>
+  </cs:hiLoLine>
+  <cs:leaderLine>
+    <cs:lnRef idx="0"/>
+    <cs:fillRef idx="0"/>
+    <cs:effectRef idx="0"/>
+    <cs:fontRef idx="minor">
+      <a:schemeClr val="tx1"/>
+    </cs:fontRef>
+    <cs:spPr>
+      <a:ln w="9525" cap="flat" cmpd="sng" algn="ctr">
+        <a:solidFill>
+          <a:schemeClr val="tx1">
+            <a:lumMod val="35000"/>
+            <a:lumOff val="65000"/>
+          </a:schemeClr>
+        </a:solidFill>
+        <a:round/>
+      </a:ln>
+    </cs:spPr>
+  </cs:leaderLine>
+  <cs:legend>
+    <cs:lnRef idx="0"/>
+    <cs:fillRef idx="0"/>
+    <cs:effectRef idx="0"/>
+    <cs:fontRef idx="minor">
+      <a:schemeClr val="tx1">
+        <a:lumMod val="65000"/>
+        <a:lumOff val="35000"/>
+      </a:schemeClr>
+    </cs:fontRef>
+    <cs:defRPr sz="900" kern="1200"/>
+  </cs:legend>
+  <cs:plotArea mods="allowNoFillOverride allowNoLineOverride">
+    <cs:lnRef idx="0"/>
+    <cs:fillRef idx="0"/>
+    <cs:effectRef idx="0"/>
+    <cs:fontRef idx="minor">
+      <a:schemeClr val="tx1"/>
+    </cs:fontRef>
+  </cs:plotArea>
+  <cs:plotArea3D mods="allowNoFillOverride allowNoLineOverride">
+    <cs:lnRef idx="0"/>
+    <cs:fillRef idx="0"/>
+    <cs:effectRef idx="0"/>
+    <cs:fontRef idx="minor">
+      <a:schemeClr val="tx1"/>
+    </cs:fontRef>
+  </cs:plotArea3D>
+  <cs:seriesAxis>
+    <cs:lnRef idx="0"/>
+    <cs:fillRef idx="0"/>
+    <cs:effectRef idx="0"/>
+    <cs:fontRef idx="minor">
+      <a:schemeClr val="tx1">
+        <a:lumMod val="65000"/>
+        <a:lumOff val="35000"/>
+      </a:schemeClr>
+    </cs:fontRef>
+    <cs:defRPr sz="900" kern="1200"/>
+  </cs:seriesAxis>
+  <cs:seriesLine>
+    <cs:lnRef idx="0"/>
+    <cs:fillRef idx="0"/>
+    <cs:effectRef idx="0"/>
+    <cs:fontRef idx="minor">
+      <a:schemeClr val="tx1"/>
+    </cs:fontRef>
+    <cs:spPr>
+      <a:ln w="9525" cap="flat" cmpd="sng" algn="ctr">
+        <a:solidFill>
+          <a:schemeClr val="tx1">
+            <a:lumMod val="35000"/>
+            <a:lumOff val="65000"/>
+          </a:schemeClr>
+        </a:solidFill>
+        <a:round/>
+      </a:ln>
+    </cs:spPr>
+  </cs:seriesLine>
+  <cs:title>
+    <cs:lnRef idx="0"/>
+    <cs:fillRef idx="0"/>
+    <cs:effectRef idx="0"/>
+    <cs:fontRef idx="minor">
+      <a:schemeClr val="tx1">
+        <a:lumMod val="65000"/>
+        <a:lumOff val="35000"/>
+      </a:schemeClr>
+    </cs:fontRef>
+    <cs:defRPr sz="1400" b="0" kern="1200" spc="0" baseline="0"/>
+  </cs:title>
+  <cs:trendline>
+    <cs:lnRef idx="0">
+      <cs:styleClr val="auto"/>
+    </cs:lnRef>
+    <cs:fillRef idx="0"/>
+    <cs:effectRef idx="0"/>
+    <cs:fontRef idx="minor">
+      <a:schemeClr val="tx1"/>
+    </cs:fontRef>
+    <cs:spPr>
+      <a:ln w="19050" cap="rnd">
+        <a:solidFill>
+          <a:schemeClr val="phClr"/>
+        </a:solidFill>
+        <a:prstDash val="sysDot"/>
+      </a:ln>
+    </cs:spPr>
+  </cs:trendline>
+  <cs:trendlineLabel>
+    <cs:lnRef idx="0"/>
+    <cs:fillRef idx="0"/>
+    <cs:effectRef idx="0"/>
+    <cs:fontRef idx="minor">
+      <a:schemeClr val="tx1">
+        <a:lumMod val="65000"/>
+        <a:lumOff val="35000"/>
+      </a:schemeClr>
+    </cs:fontRef>
+    <cs:defRPr sz="900" kern="1200"/>
+  </cs:trendlineLabel>
+  <cs:upBar>
+    <cs:lnRef idx="0"/>
+    <cs:fillRef idx="0"/>
+    <cs:effectRef idx="0"/>
+    <cs:fontRef idx="minor">
+      <a:schemeClr val="dk1"/>
+    </cs:fontRef>
+    <cs:spPr>
+      <a:solidFill>
+        <a:schemeClr val="lt1"/>
+      </a:solidFill>
+      <a:ln w="9525">
+        <a:solidFill>
+          <a:schemeClr val="tx1">
+            <a:lumMod val="15000"/>
+            <a:lumOff val="85000"/>
+          </a:schemeClr>
+        </a:solidFill>
+      </a:ln>
+    </cs:spPr>
+  </cs:upBar>
+  <cs:valueAxis>
+    <cs:lnRef idx="0"/>
+    <cs:fillRef idx="0"/>
+    <cs:effectRef idx="0"/>
+    <cs:fontRef idx="minor">
+      <a:schemeClr val="tx1">
+        <a:lumMod val="65000"/>
+        <a:lumOff val="35000"/>
+      </a:schemeClr>
+    </cs:fontRef>
+    <cs:defRPr sz="900" kern="1200"/>
+  </cs:valueAxis>
+  <cs:wall>
+    <cs:lnRef idx="0"/>
+    <cs:fillRef idx="0"/>
+    <cs:effectRef idx="0"/>
+    <cs:fontRef idx="minor">
+      <a:schemeClr val="tx1"/>
+    </cs:fontRef>
+    <cs:spPr>
+      <a:noFill/>
+      <a:ln>
+        <a:noFill/>
+      </a:ln>
+    </cs:spPr>
+  </cs:wall>
+</cs:chartStyle>
+</file>
+
+<file path=ppt/drawings/drawing1.xml><?xml version="1.0" encoding="utf-8"?>
+<c:userShapes xmlns:c="http://schemas.openxmlformats.org/drawingml/2006/chart">
+  <cdr:relSizeAnchor xmlns:cdr="http://schemas.openxmlformats.org/drawingml/2006/chartDrawing">
+    <cdr:from>
+      <cdr:x>0.39045</cdr:x>
+      <cdr:y>0.74862</cdr:y>
+    </cdr:from>
+    <cdr:to>
+      <cdr:x>0.39045</cdr:x>
+      <cdr:y>0.94348</cdr:y>
+    </cdr:to>
+    <cdr:cxnSp macro="">
+      <cdr:nvCxnSpPr>
+        <cdr:cNvPr id="3" name="直線コネクタ 2"/>
+        <cdr:cNvCxnSpPr/>
+      </cdr:nvCxnSpPr>
+      <cdr:spPr>
+        <a:xfrm xmlns:a="http://schemas.openxmlformats.org/drawingml/2006/main">
+          <a:off x="3361766" y="3867376"/>
+          <a:ext cx="0" cy="1006609"/>
+        </a:xfrm>
+        <a:prstGeom xmlns:a="http://schemas.openxmlformats.org/drawingml/2006/main" prst="line">
+          <a:avLst/>
+        </a:prstGeom>
+        <a:ln xmlns:a="http://schemas.openxmlformats.org/drawingml/2006/main">
+          <a:solidFill>
+            <a:schemeClr val="tx1"/>
+          </a:solidFill>
+        </a:ln>
+      </cdr:spPr>
+      <cdr:style>
+        <a:lnRef xmlns:a="http://schemas.openxmlformats.org/drawingml/2006/main" idx="1">
+          <a:schemeClr val="accent1"/>
+        </a:lnRef>
+        <a:fillRef xmlns:a="http://schemas.openxmlformats.org/drawingml/2006/main" idx="0">
+          <a:schemeClr val="accent1"/>
+        </a:fillRef>
+        <a:effectRef xmlns:a="http://schemas.openxmlformats.org/drawingml/2006/main" idx="0">
+          <a:schemeClr val="accent1"/>
+        </a:effectRef>
+        <a:fontRef xmlns:a="http://schemas.openxmlformats.org/drawingml/2006/main" idx="minor">
+          <a:schemeClr val="tx1"/>
+        </a:fontRef>
+      </cdr:style>
+    </cdr:cxnSp>
+  </cdr:relSizeAnchor>
+  <cdr:relSizeAnchor xmlns:cdr="http://schemas.openxmlformats.org/drawingml/2006/chartDrawing">
+    <cdr:from>
+      <cdr:x>0.68462</cdr:x>
+      <cdr:y>0.7473</cdr:y>
+    </cdr:from>
+    <cdr:to>
+      <cdr:x>0.68462</cdr:x>
+      <cdr:y>0.94216</cdr:y>
+    </cdr:to>
+    <cdr:cxnSp macro="">
+      <cdr:nvCxnSpPr>
+        <cdr:cNvPr id="6" name="直線コネクタ 5"/>
+        <cdr:cNvCxnSpPr/>
+      </cdr:nvCxnSpPr>
+      <cdr:spPr>
+        <a:xfrm xmlns:a="http://schemas.openxmlformats.org/drawingml/2006/main">
+          <a:off x="5894509" y="3860544"/>
+          <a:ext cx="0" cy="1006609"/>
+        </a:xfrm>
+        <a:prstGeom xmlns:a="http://schemas.openxmlformats.org/drawingml/2006/main" prst="line">
+          <a:avLst/>
+        </a:prstGeom>
+        <a:ln xmlns:a="http://schemas.openxmlformats.org/drawingml/2006/main">
+          <a:solidFill>
+            <a:schemeClr val="tx1"/>
+          </a:solidFill>
+        </a:ln>
+      </cdr:spPr>
+      <cdr:style>
+        <a:lnRef xmlns:a="http://schemas.openxmlformats.org/drawingml/2006/main" idx="1">
+          <a:schemeClr val="accent1"/>
+        </a:lnRef>
+        <a:fillRef xmlns:a="http://schemas.openxmlformats.org/drawingml/2006/main" idx="0">
+          <a:schemeClr val="accent1"/>
+        </a:fillRef>
+        <a:effectRef xmlns:a="http://schemas.openxmlformats.org/drawingml/2006/main" idx="0">
+          <a:schemeClr val="accent1"/>
+        </a:effectRef>
+        <a:fontRef xmlns:a="http://schemas.openxmlformats.org/drawingml/2006/main" idx="minor">
+          <a:schemeClr val="tx1"/>
+        </a:fontRef>
+      </cdr:style>
+    </cdr:cxnSp>
+  </cdr:relSizeAnchor>
+  <cdr:relSizeAnchor xmlns:cdr="http://schemas.openxmlformats.org/drawingml/2006/chartDrawing">
+    <cdr:from>
+      <cdr:x>0.4369</cdr:x>
+      <cdr:y>0.83861</cdr:y>
+    </cdr:from>
+    <cdr:to>
+      <cdr:x>0.67782</cdr:x>
+      <cdr:y>0.91011</cdr:y>
+    </cdr:to>
+    <cdr:sp macro="" textlink="">
+      <cdr:nvSpPr>
+        <cdr:cNvPr id="7" name="テキスト ボックス 4"/>
+        <cdr:cNvSpPr txBox="1"/>
+      </cdr:nvSpPr>
+      <cdr:spPr>
+        <a:xfrm xmlns:a="http://schemas.openxmlformats.org/drawingml/2006/main">
+          <a:off x="3761721" y="4332260"/>
+          <a:ext cx="2074303" cy="369332"/>
+        </a:xfrm>
+        <a:prstGeom xmlns:a="http://schemas.openxmlformats.org/drawingml/2006/main" prst="rect">
+          <a:avLst/>
+        </a:prstGeom>
+        <a:noFill xmlns:a="http://schemas.openxmlformats.org/drawingml/2006/main"/>
+      </cdr:spPr>
+      <cdr:txBody>
+        <a:bodyPr xmlns:a="http://schemas.openxmlformats.org/drawingml/2006/main" wrap="square" rtlCol="0">
+          <a:spAutoFit/>
+        </a:bodyPr>
+        <a:lstStyle xmlns:a="http://schemas.openxmlformats.org/drawingml/2006/main">
+          <a:defPPr>
+            <a:defRPr lang="ja-JP"/>
+          </a:defPPr>
+          <a:lvl1pPr marL="0" algn="l" defTabSz="914400" rtl="0" eaLnBrk="1" latinLnBrk="0" hangingPunct="1">
+            <a:defRPr kumimoji="1" sz="1800" kern="1200">
+              <a:solidFill>
+                <a:schemeClr val="tx1"/>
+              </a:solidFill>
+              <a:latin typeface="+mn-lt"/>
+              <a:ea typeface="+mn-ea"/>
+              <a:cs typeface="+mn-cs"/>
+            </a:defRPr>
+          </a:lvl1pPr>
+          <a:lvl2pPr marL="457200" algn="l" defTabSz="914400" rtl="0" eaLnBrk="1" latinLnBrk="0" hangingPunct="1">
+            <a:defRPr kumimoji="1" sz="1800" kern="1200">
+              <a:solidFill>
+                <a:schemeClr val="tx1"/>
+              </a:solidFill>
+              <a:latin typeface="+mn-lt"/>
+              <a:ea typeface="+mn-ea"/>
+              <a:cs typeface="+mn-cs"/>
+            </a:defRPr>
+          </a:lvl2pPr>
+          <a:lvl3pPr marL="914400" algn="l" defTabSz="914400" rtl="0" eaLnBrk="1" latinLnBrk="0" hangingPunct="1">
+            <a:defRPr kumimoji="1" sz="1800" kern="1200">
+              <a:solidFill>
+                <a:schemeClr val="tx1"/>
+              </a:solidFill>
+              <a:latin typeface="+mn-lt"/>
+              <a:ea typeface="+mn-ea"/>
+              <a:cs typeface="+mn-cs"/>
+            </a:defRPr>
+          </a:lvl3pPr>
+          <a:lvl4pPr marL="1371600" algn="l" defTabSz="914400" rtl="0" eaLnBrk="1" latinLnBrk="0" hangingPunct="1">
+            <a:defRPr kumimoji="1" sz="1800" kern="1200">
+              <a:solidFill>
+                <a:schemeClr val="tx1"/>
+              </a:solidFill>
+              <a:latin typeface="+mn-lt"/>
+              <a:ea typeface="+mn-ea"/>
+              <a:cs typeface="+mn-cs"/>
+            </a:defRPr>
+          </a:lvl4pPr>
+          <a:lvl5pPr marL="1828800" algn="l" defTabSz="914400" rtl="0" eaLnBrk="1" latinLnBrk="0" hangingPunct="1">
+            <a:defRPr kumimoji="1" sz="1800" kern="1200">
+              <a:solidFill>
+                <a:schemeClr val="tx1"/>
+              </a:solidFill>
+              <a:latin typeface="+mn-lt"/>
+              <a:ea typeface="+mn-ea"/>
+              <a:cs typeface="+mn-cs"/>
+            </a:defRPr>
+          </a:lvl5pPr>
+          <a:lvl6pPr marL="2286000" algn="l" defTabSz="914400" rtl="0" eaLnBrk="1" latinLnBrk="0" hangingPunct="1">
+            <a:defRPr kumimoji="1" sz="1800" kern="1200">
+              <a:solidFill>
+                <a:schemeClr val="tx1"/>
+              </a:solidFill>
+              <a:latin typeface="+mn-lt"/>
+              <a:ea typeface="+mn-ea"/>
+              <a:cs typeface="+mn-cs"/>
+            </a:defRPr>
+          </a:lvl6pPr>
+          <a:lvl7pPr marL="2743200" algn="l" defTabSz="914400" rtl="0" eaLnBrk="1" latinLnBrk="0" hangingPunct="1">
+            <a:defRPr kumimoji="1" sz="1800" kern="1200">
+              <a:solidFill>
+                <a:schemeClr val="tx1"/>
+              </a:solidFill>
+              <a:latin typeface="+mn-lt"/>
+              <a:ea typeface="+mn-ea"/>
+              <a:cs typeface="+mn-cs"/>
+            </a:defRPr>
+          </a:lvl7pPr>
+          <a:lvl8pPr marL="3200400" algn="l" defTabSz="914400" rtl="0" eaLnBrk="1" latinLnBrk="0" hangingPunct="1">
+            <a:defRPr kumimoji="1" sz="1800" kern="1200">
+              <a:solidFill>
+                <a:schemeClr val="tx1"/>
+              </a:solidFill>
+              <a:latin typeface="+mn-lt"/>
+              <a:ea typeface="+mn-ea"/>
+              <a:cs typeface="+mn-cs"/>
+            </a:defRPr>
+          </a:lvl8pPr>
+          <a:lvl9pPr marL="3657600" algn="l" defTabSz="914400" rtl="0" eaLnBrk="1" latinLnBrk="0" hangingPunct="1">
+            <a:defRPr kumimoji="1" sz="1800" kern="1200">
+              <a:solidFill>
+                <a:schemeClr val="tx1"/>
+              </a:solidFill>
+              <a:latin typeface="+mn-lt"/>
+              <a:ea typeface="+mn-ea"/>
+              <a:cs typeface="+mn-cs"/>
+            </a:defRPr>
+          </a:lvl9pPr>
+        </a:lstStyle>
+        <a:p xmlns:a="http://schemas.openxmlformats.org/drawingml/2006/main">
+          <a:r>
+            <a:rPr kumimoji="1" lang="en-US" altLang="ja-JP" dirty="0" smtClean="0"/>
+            <a:t>2</a:t>
+          </a:r>
+          <a:r>
+            <a:rPr kumimoji="1" lang="ja-JP" altLang="en-US" dirty="0" smtClean="0"/>
+            <a:t>セグメント</a:t>
+          </a:r>
+          <a:r>
+            <a:rPr kumimoji="1" lang="ja-JP" altLang="en-US" dirty="0" smtClean="0"/>
+            <a:t>構成</a:t>
+          </a:r>
+          <a:endParaRPr kumimoji="1" lang="ja-JP" altLang="en-US" dirty="0"/>
+        </a:p>
+      </cdr:txBody>
+    </cdr:sp>
+  </cdr:relSizeAnchor>
+  <cdr:relSizeAnchor xmlns:cdr="http://schemas.openxmlformats.org/drawingml/2006/chartDrawing">
+    <cdr:from>
+      <cdr:x>0.73598</cdr:x>
+      <cdr:y>0.83861</cdr:y>
+    </cdr:from>
+    <cdr:to>
+      <cdr:x>0.9769</cdr:x>
+      <cdr:y>0.91011</cdr:y>
+    </cdr:to>
+    <cdr:sp macro="" textlink="">
+      <cdr:nvSpPr>
+        <cdr:cNvPr id="8" name="テキスト ボックス 4"/>
+        <cdr:cNvSpPr txBox="1"/>
+      </cdr:nvSpPr>
+      <cdr:spPr>
+        <a:xfrm xmlns:a="http://schemas.openxmlformats.org/drawingml/2006/main">
+          <a:off x="6336725" y="4332260"/>
+          <a:ext cx="2074303" cy="369332"/>
+        </a:xfrm>
+        <a:prstGeom xmlns:a="http://schemas.openxmlformats.org/drawingml/2006/main" prst="rect">
+          <a:avLst/>
+        </a:prstGeom>
+        <a:noFill xmlns:a="http://schemas.openxmlformats.org/drawingml/2006/main"/>
+      </cdr:spPr>
+      <cdr:txBody>
+        <a:bodyPr xmlns:a="http://schemas.openxmlformats.org/drawingml/2006/main" wrap="square" rtlCol="0">
+          <a:spAutoFit/>
+        </a:bodyPr>
+        <a:lstStyle xmlns:a="http://schemas.openxmlformats.org/drawingml/2006/main">
+          <a:defPPr>
+            <a:defRPr lang="ja-JP"/>
+          </a:defPPr>
+          <a:lvl1pPr marL="0" algn="l" defTabSz="914400" rtl="0" eaLnBrk="1" latinLnBrk="0" hangingPunct="1">
+            <a:defRPr kumimoji="1" sz="1800" kern="1200">
+              <a:solidFill>
+                <a:schemeClr val="tx1"/>
+              </a:solidFill>
+              <a:latin typeface="+mn-lt"/>
+              <a:ea typeface="+mn-ea"/>
+              <a:cs typeface="+mn-cs"/>
+            </a:defRPr>
+          </a:lvl1pPr>
+          <a:lvl2pPr marL="457200" algn="l" defTabSz="914400" rtl="0" eaLnBrk="1" latinLnBrk="0" hangingPunct="1">
+            <a:defRPr kumimoji="1" sz="1800" kern="1200">
+              <a:solidFill>
+                <a:schemeClr val="tx1"/>
+              </a:solidFill>
+              <a:latin typeface="+mn-lt"/>
+              <a:ea typeface="+mn-ea"/>
+              <a:cs typeface="+mn-cs"/>
+            </a:defRPr>
+          </a:lvl2pPr>
+          <a:lvl3pPr marL="914400" algn="l" defTabSz="914400" rtl="0" eaLnBrk="1" latinLnBrk="0" hangingPunct="1">
+            <a:defRPr kumimoji="1" sz="1800" kern="1200">
+              <a:solidFill>
+                <a:schemeClr val="tx1"/>
+              </a:solidFill>
+              <a:latin typeface="+mn-lt"/>
+              <a:ea typeface="+mn-ea"/>
+              <a:cs typeface="+mn-cs"/>
+            </a:defRPr>
+          </a:lvl3pPr>
+          <a:lvl4pPr marL="1371600" algn="l" defTabSz="914400" rtl="0" eaLnBrk="1" latinLnBrk="0" hangingPunct="1">
+            <a:defRPr kumimoji="1" sz="1800" kern="1200">
+              <a:solidFill>
+                <a:schemeClr val="tx1"/>
+              </a:solidFill>
+              <a:latin typeface="+mn-lt"/>
+              <a:ea typeface="+mn-ea"/>
+              <a:cs typeface="+mn-cs"/>
+            </a:defRPr>
+          </a:lvl4pPr>
+          <a:lvl5pPr marL="1828800" algn="l" defTabSz="914400" rtl="0" eaLnBrk="1" latinLnBrk="0" hangingPunct="1">
+            <a:defRPr kumimoji="1" sz="1800" kern="1200">
+              <a:solidFill>
+                <a:schemeClr val="tx1"/>
+              </a:solidFill>
+              <a:latin typeface="+mn-lt"/>
+              <a:ea typeface="+mn-ea"/>
+              <a:cs typeface="+mn-cs"/>
+            </a:defRPr>
+          </a:lvl5pPr>
+          <a:lvl6pPr marL="2286000" algn="l" defTabSz="914400" rtl="0" eaLnBrk="1" latinLnBrk="0" hangingPunct="1">
+            <a:defRPr kumimoji="1" sz="1800" kern="1200">
+              <a:solidFill>
+                <a:schemeClr val="tx1"/>
+              </a:solidFill>
+              <a:latin typeface="+mn-lt"/>
+              <a:ea typeface="+mn-ea"/>
+              <a:cs typeface="+mn-cs"/>
+            </a:defRPr>
+          </a:lvl6pPr>
+          <a:lvl7pPr marL="2743200" algn="l" defTabSz="914400" rtl="0" eaLnBrk="1" latinLnBrk="0" hangingPunct="1">
+            <a:defRPr kumimoji="1" sz="1800" kern="1200">
+              <a:solidFill>
+                <a:schemeClr val="tx1"/>
+              </a:solidFill>
+              <a:latin typeface="+mn-lt"/>
+              <a:ea typeface="+mn-ea"/>
+              <a:cs typeface="+mn-cs"/>
+            </a:defRPr>
+          </a:lvl7pPr>
+          <a:lvl8pPr marL="3200400" algn="l" defTabSz="914400" rtl="0" eaLnBrk="1" latinLnBrk="0" hangingPunct="1">
+            <a:defRPr kumimoji="1" sz="1800" kern="1200">
+              <a:solidFill>
+                <a:schemeClr val="tx1"/>
+              </a:solidFill>
+              <a:latin typeface="+mn-lt"/>
+              <a:ea typeface="+mn-ea"/>
+              <a:cs typeface="+mn-cs"/>
+            </a:defRPr>
+          </a:lvl8pPr>
+          <a:lvl9pPr marL="3657600" algn="l" defTabSz="914400" rtl="0" eaLnBrk="1" latinLnBrk="0" hangingPunct="1">
+            <a:defRPr kumimoji="1" sz="1800" kern="1200">
+              <a:solidFill>
+                <a:schemeClr val="tx1"/>
+              </a:solidFill>
+              <a:latin typeface="+mn-lt"/>
+              <a:ea typeface="+mn-ea"/>
+              <a:cs typeface="+mn-cs"/>
+            </a:defRPr>
+          </a:lvl9pPr>
+        </a:lstStyle>
+        <a:p xmlns:a="http://schemas.openxmlformats.org/drawingml/2006/main">
+          <a:r>
+            <a:rPr lang="en-US" altLang="ja-JP" dirty="0"/>
+            <a:t>3</a:t>
+          </a:r>
+          <a:r>
+            <a:rPr kumimoji="1" lang="ja-JP" altLang="en-US" dirty="0" smtClean="0"/>
+            <a:t>セグメント</a:t>
+          </a:r>
+          <a:r>
+            <a:rPr kumimoji="1" lang="ja-JP" altLang="en-US" dirty="0" smtClean="0"/>
+            <a:t>構成</a:t>
+          </a:r>
+          <a:endParaRPr kumimoji="1" lang="ja-JP" altLang="en-US" dirty="0"/>
+        </a:p>
+      </cdr:txBody>
+    </cdr:sp>
+  </cdr:relSizeAnchor>
+</c:userShapes>
+</file>
+
+<file path=ppt/drawings/drawing2.xml><?xml version="1.0" encoding="utf-8"?>
+<c:userShapes xmlns:c="http://schemas.openxmlformats.org/drawingml/2006/chart">
+  <cdr:relSizeAnchor xmlns:cdr="http://schemas.openxmlformats.org/drawingml/2006/chartDrawing">
+    <cdr:from>
+      <cdr:x>0.38819</cdr:x>
+      <cdr:y>0.6917</cdr:y>
+    </cdr:from>
+    <cdr:to>
+      <cdr:x>0.38819</cdr:x>
+      <cdr:y>0.92222</cdr:y>
+    </cdr:to>
+    <cdr:cxnSp macro="">
+      <cdr:nvCxnSpPr>
+        <cdr:cNvPr id="3" name="直線コネクタ 2"/>
+        <cdr:cNvCxnSpPr/>
+      </cdr:nvCxnSpPr>
+      <cdr:spPr>
+        <a:xfrm xmlns:a="http://schemas.openxmlformats.org/drawingml/2006/main">
+          <a:off x="2954512" y="3158737"/>
+          <a:ext cx="0" cy="1052713"/>
+        </a:xfrm>
+        <a:prstGeom xmlns:a="http://schemas.openxmlformats.org/drawingml/2006/main" prst="line">
+          <a:avLst/>
+        </a:prstGeom>
+        <a:ln xmlns:a="http://schemas.openxmlformats.org/drawingml/2006/main">
+          <a:solidFill>
+            <a:schemeClr val="tx1"/>
+          </a:solidFill>
+        </a:ln>
+      </cdr:spPr>
+      <cdr:style>
+        <a:lnRef xmlns:a="http://schemas.openxmlformats.org/drawingml/2006/main" idx="1">
+          <a:schemeClr val="accent1"/>
+        </a:lnRef>
+        <a:fillRef xmlns:a="http://schemas.openxmlformats.org/drawingml/2006/main" idx="0">
+          <a:schemeClr val="accent1"/>
+        </a:fillRef>
+        <a:effectRef xmlns:a="http://schemas.openxmlformats.org/drawingml/2006/main" idx="0">
+          <a:schemeClr val="accent1"/>
+        </a:effectRef>
+        <a:fontRef xmlns:a="http://schemas.openxmlformats.org/drawingml/2006/main" idx="minor">
+          <a:schemeClr val="tx1"/>
+        </a:fontRef>
+      </cdr:style>
+    </cdr:cxnSp>
+  </cdr:relSizeAnchor>
+  <cdr:relSizeAnchor xmlns:cdr="http://schemas.openxmlformats.org/drawingml/2006/chartDrawing">
+    <cdr:from>
+      <cdr:x>0.68966</cdr:x>
+      <cdr:y>0.69105</cdr:y>
+    </cdr:from>
+    <cdr:to>
+      <cdr:x>0.68966</cdr:x>
+      <cdr:y>0.93064</cdr:y>
+    </cdr:to>
+    <cdr:cxnSp macro="">
+      <cdr:nvCxnSpPr>
+        <cdr:cNvPr id="4" name="直線コネクタ 3"/>
+        <cdr:cNvCxnSpPr/>
+      </cdr:nvCxnSpPr>
+      <cdr:spPr>
+        <a:xfrm xmlns:a="http://schemas.openxmlformats.org/drawingml/2006/main">
+          <a:off x="5249049" y="3155749"/>
+          <a:ext cx="0" cy="1094121"/>
+        </a:xfrm>
+        <a:prstGeom xmlns:a="http://schemas.openxmlformats.org/drawingml/2006/main" prst="line">
+          <a:avLst/>
+        </a:prstGeom>
+        <a:ln xmlns:a="http://schemas.openxmlformats.org/drawingml/2006/main">
+          <a:solidFill>
+            <a:schemeClr val="tx1"/>
+          </a:solidFill>
+        </a:ln>
+      </cdr:spPr>
+      <cdr:style>
+        <a:lnRef xmlns:a="http://schemas.openxmlformats.org/drawingml/2006/main" idx="1">
+          <a:schemeClr val="accent1"/>
+        </a:lnRef>
+        <a:fillRef xmlns:a="http://schemas.openxmlformats.org/drawingml/2006/main" idx="0">
+          <a:schemeClr val="accent1"/>
+        </a:fillRef>
+        <a:effectRef xmlns:a="http://schemas.openxmlformats.org/drawingml/2006/main" idx="0">
+          <a:schemeClr val="accent1"/>
+        </a:effectRef>
+        <a:fontRef xmlns:a="http://schemas.openxmlformats.org/drawingml/2006/main" idx="minor">
+          <a:schemeClr val="tx1"/>
+        </a:fontRef>
+      </cdr:style>
+    </cdr:cxnSp>
+  </cdr:relSizeAnchor>
+  <cdr:relSizeAnchor xmlns:cdr="http://schemas.openxmlformats.org/drawingml/2006/chartDrawing">
+    <cdr:from>
+      <cdr:x>0.13175</cdr:x>
+      <cdr:y>0.81117</cdr:y>
+    </cdr:from>
+    <cdr:to>
+      <cdr:x>0.35891</cdr:x>
+      <cdr:y>0.89867</cdr:y>
+    </cdr:to>
+    <cdr:sp macro="" textlink="">
+      <cdr:nvSpPr>
+        <cdr:cNvPr id="6" name="テキスト ボックス 5"/>
+        <cdr:cNvSpPr txBox="1"/>
+      </cdr:nvSpPr>
+      <cdr:spPr>
+        <a:xfrm xmlns:a="http://schemas.openxmlformats.org/drawingml/2006/main">
+          <a:off x="1002768" y="3704303"/>
+          <a:ext cx="1728907" cy="399570"/>
+        </a:xfrm>
+        <a:prstGeom xmlns:a="http://schemas.openxmlformats.org/drawingml/2006/main" prst="rect">
+          <a:avLst/>
+        </a:prstGeom>
+      </cdr:spPr>
+      <cdr:txBody>
+        <a:bodyPr xmlns:a="http://schemas.openxmlformats.org/drawingml/2006/main" vertOverflow="clip" wrap="square" rtlCol="0"/>
+        <a:lstStyle xmlns:a="http://schemas.openxmlformats.org/drawingml/2006/main"/>
+        <a:p xmlns:a="http://schemas.openxmlformats.org/drawingml/2006/main">
+          <a:r>
+            <a:rPr lang="en-US" altLang="ja-JP" sz="1800" dirty="0" smtClean="0"/>
+            <a:t>1</a:t>
+          </a:r>
+          <a:r>
+            <a:rPr lang="ja-JP" altLang="en-US" sz="1800" dirty="0" smtClean="0"/>
+            <a:t>セグメント構成</a:t>
+          </a:r>
+          <a:endParaRPr lang="ja-JP" altLang="en-US" sz="1800" dirty="0"/>
+        </a:p>
+      </cdr:txBody>
+    </cdr:sp>
+  </cdr:relSizeAnchor>
+  <cdr:relSizeAnchor xmlns:cdr="http://schemas.openxmlformats.org/drawingml/2006/chartDrawing">
+    <cdr:from>
+      <cdr:x>0.43525</cdr:x>
+      <cdr:y>0.80715</cdr:y>
+    </cdr:from>
+    <cdr:to>
+      <cdr:x>0.6624</cdr:x>
+      <cdr:y>0.89465</cdr:y>
+    </cdr:to>
+    <cdr:sp macro="" textlink="">
+      <cdr:nvSpPr>
+        <cdr:cNvPr id="7" name="テキスト ボックス 1"/>
+        <cdr:cNvSpPr txBox="1"/>
+      </cdr:nvSpPr>
+      <cdr:spPr>
+        <a:xfrm xmlns:a="http://schemas.openxmlformats.org/drawingml/2006/main">
+          <a:off x="3312675" y="3685946"/>
+          <a:ext cx="1728907" cy="399570"/>
+        </a:xfrm>
+        <a:prstGeom xmlns:a="http://schemas.openxmlformats.org/drawingml/2006/main" prst="rect">
+          <a:avLst/>
+        </a:prstGeom>
+      </cdr:spPr>
+      <cdr:txBody>
+        <a:bodyPr xmlns:a="http://schemas.openxmlformats.org/drawingml/2006/main" wrap="square" rtlCol="0"/>
+        <a:lstStyle xmlns:a="http://schemas.openxmlformats.org/drawingml/2006/main">
+          <a:lvl1pPr marL="0" indent="0">
+            <a:defRPr sz="1100">
+              <a:latin typeface="+mn-lt"/>
+              <a:ea typeface="+mn-ea"/>
+              <a:cs typeface="+mn-cs"/>
+            </a:defRPr>
+          </a:lvl1pPr>
+          <a:lvl2pPr marL="457200" indent="0">
+            <a:defRPr sz="1100">
+              <a:latin typeface="+mn-lt"/>
+              <a:ea typeface="+mn-ea"/>
+              <a:cs typeface="+mn-cs"/>
+            </a:defRPr>
+          </a:lvl2pPr>
+          <a:lvl3pPr marL="914400" indent="0">
+            <a:defRPr sz="1100">
+              <a:latin typeface="+mn-lt"/>
+              <a:ea typeface="+mn-ea"/>
+              <a:cs typeface="+mn-cs"/>
+            </a:defRPr>
+          </a:lvl3pPr>
+          <a:lvl4pPr marL="1371600" indent="0">
+            <a:defRPr sz="1100">
+              <a:latin typeface="+mn-lt"/>
+              <a:ea typeface="+mn-ea"/>
+              <a:cs typeface="+mn-cs"/>
+            </a:defRPr>
+          </a:lvl4pPr>
+          <a:lvl5pPr marL="1828800" indent="0">
+            <a:defRPr sz="1100">
+              <a:latin typeface="+mn-lt"/>
+              <a:ea typeface="+mn-ea"/>
+              <a:cs typeface="+mn-cs"/>
+            </a:defRPr>
+          </a:lvl5pPr>
+          <a:lvl6pPr marL="2286000" indent="0">
+            <a:defRPr sz="1100">
+              <a:latin typeface="+mn-lt"/>
+              <a:ea typeface="+mn-ea"/>
+              <a:cs typeface="+mn-cs"/>
+            </a:defRPr>
+          </a:lvl6pPr>
+          <a:lvl7pPr marL="2743200" indent="0">
+            <a:defRPr sz="1100">
+              <a:latin typeface="+mn-lt"/>
+              <a:ea typeface="+mn-ea"/>
+              <a:cs typeface="+mn-cs"/>
+            </a:defRPr>
+          </a:lvl7pPr>
+          <a:lvl8pPr marL="3200400" indent="0">
+            <a:defRPr sz="1100">
+              <a:latin typeface="+mn-lt"/>
+              <a:ea typeface="+mn-ea"/>
+              <a:cs typeface="+mn-cs"/>
+            </a:defRPr>
+          </a:lvl8pPr>
+          <a:lvl9pPr marL="3657600" indent="0">
+            <a:defRPr sz="1100">
+              <a:latin typeface="+mn-lt"/>
+              <a:ea typeface="+mn-ea"/>
+              <a:cs typeface="+mn-cs"/>
+            </a:defRPr>
+          </a:lvl9pPr>
+        </a:lstStyle>
+        <a:p xmlns:a="http://schemas.openxmlformats.org/drawingml/2006/main">
+          <a:r>
+            <a:rPr lang="en-US" altLang="ja-JP" sz="1800" dirty="0"/>
+            <a:t>2</a:t>
+          </a:r>
+          <a:r>
+            <a:rPr lang="ja-JP" altLang="en-US" sz="1800" dirty="0" smtClean="0"/>
+            <a:t>セグメント</a:t>
+          </a:r>
+          <a:r>
+            <a:rPr lang="ja-JP" altLang="en-US" sz="1800" dirty="0" smtClean="0"/>
+            <a:t>構成</a:t>
+          </a:r>
+          <a:endParaRPr lang="ja-JP" altLang="en-US" sz="1800" dirty="0"/>
+        </a:p>
+      </cdr:txBody>
+    </cdr:sp>
+  </cdr:relSizeAnchor>
+  <cdr:relSizeAnchor xmlns:cdr="http://schemas.openxmlformats.org/drawingml/2006/chartDrawing">
+    <cdr:from>
+      <cdr:x>0.73711</cdr:x>
+      <cdr:y>0.80378</cdr:y>
+    </cdr:from>
+    <cdr:to>
+      <cdr:x>0.96427</cdr:x>
+      <cdr:y>0.89128</cdr:y>
+    </cdr:to>
+    <cdr:sp macro="" textlink="">
+      <cdr:nvSpPr>
+        <cdr:cNvPr id="8" name="テキスト ボックス 1"/>
+        <cdr:cNvSpPr txBox="1"/>
+      </cdr:nvSpPr>
+      <cdr:spPr>
+        <a:xfrm xmlns:a="http://schemas.openxmlformats.org/drawingml/2006/main">
+          <a:off x="5610200" y="3670578"/>
+          <a:ext cx="1728907" cy="399570"/>
+        </a:xfrm>
+        <a:prstGeom xmlns:a="http://schemas.openxmlformats.org/drawingml/2006/main" prst="rect">
+          <a:avLst/>
+        </a:prstGeom>
+      </cdr:spPr>
+      <cdr:txBody>
+        <a:bodyPr xmlns:a="http://schemas.openxmlformats.org/drawingml/2006/main" wrap="square" rtlCol="0"/>
+        <a:lstStyle xmlns:a="http://schemas.openxmlformats.org/drawingml/2006/main">
+          <a:lvl1pPr marL="0" indent="0">
+            <a:defRPr sz="1100">
+              <a:latin typeface="+mn-lt"/>
+              <a:ea typeface="+mn-ea"/>
+              <a:cs typeface="+mn-cs"/>
+            </a:defRPr>
+          </a:lvl1pPr>
+          <a:lvl2pPr marL="457200" indent="0">
+            <a:defRPr sz="1100">
+              <a:latin typeface="+mn-lt"/>
+              <a:ea typeface="+mn-ea"/>
+              <a:cs typeface="+mn-cs"/>
+            </a:defRPr>
+          </a:lvl2pPr>
+          <a:lvl3pPr marL="914400" indent="0">
+            <a:defRPr sz="1100">
+              <a:latin typeface="+mn-lt"/>
+              <a:ea typeface="+mn-ea"/>
+              <a:cs typeface="+mn-cs"/>
+            </a:defRPr>
+          </a:lvl3pPr>
+          <a:lvl4pPr marL="1371600" indent="0">
+            <a:defRPr sz="1100">
+              <a:latin typeface="+mn-lt"/>
+              <a:ea typeface="+mn-ea"/>
+              <a:cs typeface="+mn-cs"/>
+            </a:defRPr>
+          </a:lvl4pPr>
+          <a:lvl5pPr marL="1828800" indent="0">
+            <a:defRPr sz="1100">
+              <a:latin typeface="+mn-lt"/>
+              <a:ea typeface="+mn-ea"/>
+              <a:cs typeface="+mn-cs"/>
+            </a:defRPr>
+          </a:lvl5pPr>
+          <a:lvl6pPr marL="2286000" indent="0">
+            <a:defRPr sz="1100">
+              <a:latin typeface="+mn-lt"/>
+              <a:ea typeface="+mn-ea"/>
+              <a:cs typeface="+mn-cs"/>
+            </a:defRPr>
+          </a:lvl6pPr>
+          <a:lvl7pPr marL="2743200" indent="0">
+            <a:defRPr sz="1100">
+              <a:latin typeface="+mn-lt"/>
+              <a:ea typeface="+mn-ea"/>
+              <a:cs typeface="+mn-cs"/>
+            </a:defRPr>
+          </a:lvl7pPr>
+          <a:lvl8pPr marL="3200400" indent="0">
+            <a:defRPr sz="1100">
+              <a:latin typeface="+mn-lt"/>
+              <a:ea typeface="+mn-ea"/>
+              <a:cs typeface="+mn-cs"/>
+            </a:defRPr>
+          </a:lvl8pPr>
+          <a:lvl9pPr marL="3657600" indent="0">
+            <a:defRPr sz="1100">
+              <a:latin typeface="+mn-lt"/>
+              <a:ea typeface="+mn-ea"/>
+              <a:cs typeface="+mn-cs"/>
+            </a:defRPr>
+          </a:lvl9pPr>
+        </a:lstStyle>
+        <a:p xmlns:a="http://schemas.openxmlformats.org/drawingml/2006/main">
+          <a:r>
+            <a:rPr lang="en-US" altLang="ja-JP" sz="1800" dirty="0"/>
+            <a:t>3</a:t>
+          </a:r>
+          <a:r>
+            <a:rPr lang="ja-JP" altLang="en-US" sz="1800" dirty="0" smtClean="0"/>
+            <a:t>セグメント</a:t>
+          </a:r>
+          <a:r>
+            <a:rPr lang="ja-JP" altLang="en-US" sz="1800" dirty="0" smtClean="0"/>
+            <a:t>構成</a:t>
+          </a:r>
+          <a:endParaRPr lang="ja-JP" altLang="en-US" sz="1800" dirty="0"/>
+        </a:p>
+      </cdr:txBody>
+    </cdr:sp>
+  </cdr:relSizeAnchor>
+</c:userShapes>
+</file>
+
 <file path=ppt/notesMasters/notesMaster1.xml><?xml version="1.0" encoding="utf-8"?>
 <p:notesMaster xmlns:a="http://schemas.openxmlformats.org/drawingml/2006/main" xmlns:r="http://schemas.openxmlformats.org/officeDocument/2006/relationships" xmlns:p="http://schemas.openxmlformats.org/presentationml/2006/main">
   <p:cSld>
@@ -1728,7 +6488,7 @@
           <a:p>
             <a:fld id="{1D2B6E0B-CE0C-4226-9022-18809A19516C}" type="datetimeFigureOut">
               <a:rPr kumimoji="1" lang="ja-JP" altLang="en-US" smtClean="0"/>
-              <a:t>2016/2/7</a:t>
+              <a:t>2016/2/8</a:t>
             </a:fld>
             <a:endParaRPr kumimoji="1" lang="ja-JP" altLang="en-US"/>
           </a:p>
@@ -2159,7 +6919,7 @@
           <a:p>
             <a:fld id="{A6C6E614-4836-42B6-A98A-93C794B969EB}" type="datetimeFigureOut">
               <a:rPr kumimoji="1" lang="ja-JP" altLang="en-US" smtClean="0"/>
-              <a:t>2016/2/7</a:t>
+              <a:t>2016/2/8</a:t>
             </a:fld>
             <a:endParaRPr kumimoji="1" lang="ja-JP" altLang="en-US"/>
           </a:p>
@@ -2361,7 +7121,7 @@
           <a:p>
             <a:fld id="{A6C6E614-4836-42B6-A98A-93C794B969EB}" type="datetimeFigureOut">
               <a:rPr kumimoji="1" lang="ja-JP" altLang="en-US" smtClean="0"/>
-              <a:t>2016/2/7</a:t>
+              <a:t>2016/2/8</a:t>
             </a:fld>
             <a:endParaRPr kumimoji="1" lang="ja-JP" altLang="en-US"/>
           </a:p>
@@ -2580,7 +7340,7 @@
           <a:p>
             <a:fld id="{A6C6E614-4836-42B6-A98A-93C794B969EB}" type="datetimeFigureOut">
               <a:rPr kumimoji="1" lang="ja-JP" altLang="en-US" smtClean="0"/>
-              <a:t>2016/2/7</a:t>
+              <a:t>2016/2/8</a:t>
             </a:fld>
             <a:endParaRPr kumimoji="1" lang="ja-JP" altLang="en-US"/>
           </a:p>
@@ -3126,7 +7886,7 @@
           <a:p>
             <a:fld id="{F5A27BD4-75F9-4C2C-8D66-695067FA1892}" type="datetimeFigureOut">
               <a:rPr kumimoji="1" lang="ja-JP" altLang="en-US" smtClean="0"/>
-              <a:t>2016/2/7</a:t>
+              <a:t>2016/2/8</a:t>
             </a:fld>
             <a:endParaRPr kumimoji="1" lang="ja-JP" altLang="en-US"/>
           </a:p>
@@ -3476,7 +8236,7 @@
           <a:p>
             <a:fld id="{F5A27BD4-75F9-4C2C-8D66-695067FA1892}" type="datetimeFigureOut">
               <a:rPr kumimoji="1" lang="ja-JP" altLang="en-US" smtClean="0"/>
-              <a:t>2016/2/7</a:t>
+              <a:t>2016/2/8</a:t>
             </a:fld>
             <a:endParaRPr kumimoji="1" lang="ja-JP" altLang="en-US"/>
           </a:p>
@@ -3822,7 +8582,7 @@
           <a:p>
             <a:fld id="{F5A27BD4-75F9-4C2C-8D66-695067FA1892}" type="datetimeFigureOut">
               <a:rPr kumimoji="1" lang="ja-JP" altLang="en-US" smtClean="0"/>
-              <a:t>2016/2/7</a:t>
+              <a:t>2016/2/8</a:t>
             </a:fld>
             <a:endParaRPr kumimoji="1" lang="ja-JP" altLang="en-US"/>
           </a:p>
@@ -4272,7 +9032,7 @@
           <a:p>
             <a:fld id="{F5A27BD4-75F9-4C2C-8D66-695067FA1892}" type="datetimeFigureOut">
               <a:rPr kumimoji="1" lang="ja-JP" altLang="en-US" smtClean="0"/>
-              <a:t>2016/2/7</a:t>
+              <a:t>2016/2/8</a:t>
             </a:fld>
             <a:endParaRPr kumimoji="1" lang="ja-JP" altLang="en-US"/>
           </a:p>
@@ -4397,7 +9157,7 @@
           <a:p>
             <a:fld id="{F5A27BD4-75F9-4C2C-8D66-695067FA1892}" type="datetimeFigureOut">
               <a:rPr kumimoji="1" lang="ja-JP" altLang="en-US" smtClean="0"/>
-              <a:t>2016/2/7</a:t>
+              <a:t>2016/2/8</a:t>
             </a:fld>
             <a:endParaRPr kumimoji="1" lang="ja-JP" altLang="en-US"/>
           </a:p>
@@ -4575,7 +9335,7 @@
           <a:p>
             <a:fld id="{F5A27BD4-75F9-4C2C-8D66-695067FA1892}" type="datetimeFigureOut">
               <a:rPr kumimoji="1" lang="ja-JP" altLang="en-US" smtClean="0"/>
-              <a:t>2016/2/7</a:t>
+              <a:t>2016/2/8</a:t>
             </a:fld>
             <a:endParaRPr kumimoji="1" lang="ja-JP" altLang="en-US"/>
           </a:p>
@@ -4968,7 +9728,7 @@
           <a:p>
             <a:fld id="{F5A27BD4-75F9-4C2C-8D66-695067FA1892}" type="datetimeFigureOut">
               <a:rPr kumimoji="1" lang="ja-JP" altLang="en-US" smtClean="0"/>
-              <a:t>2016/2/7</a:t>
+              <a:t>2016/2/8</a:t>
             </a:fld>
             <a:endParaRPr kumimoji="1" lang="ja-JP" altLang="en-US"/>
           </a:p>
@@ -5198,7 +9958,7 @@
           <a:p>
             <a:fld id="{A6C6E614-4836-42B6-A98A-93C794B969EB}" type="datetimeFigureOut">
               <a:rPr kumimoji="1" lang="ja-JP" altLang="en-US" smtClean="0"/>
-              <a:t>2016/2/7</a:t>
+              <a:t>2016/2/8</a:t>
             </a:fld>
             <a:endParaRPr kumimoji="1" lang="ja-JP" altLang="en-US"/>
           </a:p>
@@ -5559,7 +10319,7 @@
           <a:p>
             <a:fld id="{F5A27BD4-75F9-4C2C-8D66-695067FA1892}" type="datetimeFigureOut">
               <a:rPr kumimoji="1" lang="ja-JP" altLang="en-US" smtClean="0"/>
-              <a:t>2016/2/7</a:t>
+              <a:t>2016/2/8</a:t>
             </a:fld>
             <a:endParaRPr kumimoji="1" lang="ja-JP" altLang="en-US"/>
           </a:p>
@@ -5761,7 +10521,7 @@
           <a:p>
             <a:fld id="{F5A27BD4-75F9-4C2C-8D66-695067FA1892}" type="datetimeFigureOut">
               <a:rPr kumimoji="1" lang="ja-JP" altLang="en-US" smtClean="0"/>
-              <a:t>2016/2/7</a:t>
+              <a:t>2016/2/8</a:t>
             </a:fld>
             <a:endParaRPr kumimoji="1" lang="ja-JP" altLang="en-US"/>
           </a:p>
@@ -6049,7 +10809,7 @@
           <a:p>
             <a:fld id="{F5A27BD4-75F9-4C2C-8D66-695067FA1892}" type="datetimeFigureOut">
               <a:rPr kumimoji="1" lang="ja-JP" altLang="en-US" smtClean="0"/>
-              <a:t>2016/2/7</a:t>
+              <a:t>2016/2/8</a:t>
             </a:fld>
             <a:endParaRPr kumimoji="1" lang="ja-JP" altLang="en-US"/>
           </a:p>
@@ -6167,7 +10927,7 @@
           <a:p>
             <a:fld id="{F5A27BD4-75F9-4C2C-8D66-695067FA1892}" type="datetimeFigureOut">
               <a:rPr kumimoji="1" lang="ja-JP" altLang="en-US" smtClean="0"/>
-              <a:t>2016/2/7</a:t>
+              <a:t>2016/2/8</a:t>
             </a:fld>
             <a:endParaRPr kumimoji="1" lang="ja-JP" altLang="en-US"/>
           </a:p>
@@ -6420,7 +11180,7 @@
           <a:p>
             <a:fld id="{A6C6E614-4836-42B6-A98A-93C794B969EB}" type="datetimeFigureOut">
               <a:rPr kumimoji="1" lang="ja-JP" altLang="en-US" smtClean="0"/>
-              <a:t>2016/2/7</a:t>
+              <a:t>2016/2/8</a:t>
             </a:fld>
             <a:endParaRPr kumimoji="1" lang="ja-JP" altLang="en-US"/>
           </a:p>
@@ -6716,7 +11476,7 @@
           <a:p>
             <a:fld id="{A6C6E614-4836-42B6-A98A-93C794B969EB}" type="datetimeFigureOut">
               <a:rPr kumimoji="1" lang="ja-JP" altLang="en-US" smtClean="0"/>
-              <a:t>2016/2/7</a:t>
+              <a:t>2016/2/8</a:t>
             </a:fld>
             <a:endParaRPr kumimoji="1" lang="ja-JP" altLang="en-US"/>
           </a:p>
@@ -7147,7 +11907,7 @@
           <a:p>
             <a:fld id="{A6C6E614-4836-42B6-A98A-93C794B969EB}" type="datetimeFigureOut">
               <a:rPr kumimoji="1" lang="ja-JP" altLang="en-US" smtClean="0"/>
-              <a:t>2016/2/7</a:t>
+              <a:t>2016/2/8</a:t>
             </a:fld>
             <a:endParaRPr kumimoji="1" lang="ja-JP" altLang="en-US"/>
           </a:p>
@@ -7265,7 +12025,7 @@
           <a:p>
             <a:fld id="{A6C6E614-4836-42B6-A98A-93C794B969EB}" type="datetimeFigureOut">
               <a:rPr kumimoji="1" lang="ja-JP" altLang="en-US" smtClean="0"/>
-              <a:t>2016/2/7</a:t>
+              <a:t>2016/2/8</a:t>
             </a:fld>
             <a:endParaRPr kumimoji="1" lang="ja-JP" altLang="en-US"/>
           </a:p>
@@ -7360,7 +12120,7 @@
           <a:p>
             <a:fld id="{A6C6E614-4836-42B6-A98A-93C794B969EB}" type="datetimeFigureOut">
               <a:rPr kumimoji="1" lang="ja-JP" altLang="en-US" smtClean="0"/>
-              <a:t>2016/2/7</a:t>
+              <a:t>2016/2/8</a:t>
             </a:fld>
             <a:endParaRPr kumimoji="1" lang="ja-JP" altLang="en-US"/>
           </a:p>
@@ -7669,7 +12429,7 @@
           <a:p>
             <a:fld id="{A6C6E614-4836-42B6-A98A-93C794B969EB}" type="datetimeFigureOut">
               <a:rPr kumimoji="1" lang="ja-JP" altLang="en-US" smtClean="0"/>
-              <a:t>2016/2/7</a:t>
+              <a:t>2016/2/8</a:t>
             </a:fld>
             <a:endParaRPr kumimoji="1" lang="ja-JP" altLang="en-US"/>
           </a:p>
@@ -7929,7 +12689,7 @@
           <a:p>
             <a:fld id="{A6C6E614-4836-42B6-A98A-93C794B969EB}" type="datetimeFigureOut">
               <a:rPr kumimoji="1" lang="ja-JP" altLang="en-US" smtClean="0"/>
-              <a:t>2016/2/7</a:t>
+              <a:t>2016/2/8</a:t>
             </a:fld>
             <a:endParaRPr kumimoji="1" lang="ja-JP" altLang="en-US"/>
           </a:p>
@@ -8181,7 +12941,7 @@
           <a:p>
             <a:fld id="{A6C6E614-4836-42B6-A98A-93C794B969EB}" type="datetimeFigureOut">
               <a:rPr kumimoji="1" lang="ja-JP" altLang="en-US" smtClean="0"/>
-              <a:t>2016/2/7</a:t>
+              <a:t>2016/2/8</a:t>
             </a:fld>
             <a:endParaRPr kumimoji="1" lang="ja-JP" altLang="en-US"/>
           </a:p>
@@ -8773,7 +13533,7 @@
           <a:p>
             <a:fld id="{A6C6E614-4836-42B6-A98A-93C794B969EB}" type="datetimeFigureOut">
               <a:rPr kumimoji="1" lang="ja-JP" altLang="en-US" smtClean="0"/>
-              <a:t>2016/2/7</a:t>
+              <a:t>2016/2/8</a:t>
             </a:fld>
             <a:endParaRPr kumimoji="1" lang="ja-JP" altLang="en-US"/>
           </a:p>
@@ -9461,6 +14221,643 @@
 </p:sld>
 </file>
 
+<file path=ppt/slides/slide10.xml><?xml version="1.0" encoding="utf-8"?>
+<p:sld xmlns:a="http://schemas.openxmlformats.org/drawingml/2006/main" xmlns:r="http://schemas.openxmlformats.org/officeDocument/2006/relationships" xmlns:p="http://schemas.openxmlformats.org/presentationml/2006/main">
+  <p:cSld>
+    <p:spTree>
+      <p:nvGrpSpPr>
+        <p:cNvPr id="1" name=""/>
+        <p:cNvGrpSpPr/>
+        <p:nvPr/>
+      </p:nvGrpSpPr>
+      <p:grpSpPr>
+        <a:xfrm>
+          <a:off x="0" y="0"/>
+          <a:ext cx="0" cy="0"/>
+          <a:chOff x="0" y="0"/>
+          <a:chExt cx="0" cy="0"/>
+        </a:xfrm>
+      </p:grpSpPr>
+      <p:sp>
+        <p:nvSpPr>
+          <p:cNvPr id="2" name="タイトル 1"/>
+          <p:cNvSpPr>
+            <a:spLocks noGrp="1"/>
+          </p:cNvSpPr>
+          <p:nvPr>
+            <p:ph type="title"/>
+          </p:nvPr>
+        </p:nvSpPr>
+        <p:spPr/>
+        <p:txBody>
+          <a:bodyPr/>
+          <a:lstStyle/>
+          <a:p>
+            <a:r>
+              <a:rPr kumimoji="1" lang="ja-JP" altLang="en-US" b="1" dirty="0" smtClean="0"/>
+              <a:t>評価</a:t>
+            </a:r>
+            <a:endParaRPr kumimoji="1" lang="ja-JP" altLang="en-US" b="1" dirty="0"/>
+          </a:p>
+        </p:txBody>
+      </p:sp>
+      <p:sp>
+        <p:nvSpPr>
+          <p:cNvPr id="3" name="コンテンツ プレースホルダー 2"/>
+          <p:cNvSpPr>
+            <a:spLocks noGrp="1"/>
+          </p:cNvSpPr>
+          <p:nvPr>
+            <p:ph idx="1"/>
+          </p:nvPr>
+        </p:nvSpPr>
+        <p:spPr>
+          <a:xfrm>
+            <a:off x="13290" y="1255216"/>
+            <a:ext cx="9130710" cy="1015794"/>
+          </a:xfrm>
+        </p:spPr>
+        <p:txBody>
+          <a:bodyPr>
+            <a:normAutofit lnSpcReduction="10000"/>
+          </a:bodyPr>
+          <a:lstStyle/>
+          <a:p>
+            <a:pPr algn="ctr"/>
+            <a:r>
+              <a:rPr lang="ja-JP" altLang="en-US" sz="2800" dirty="0">
+                <a:solidFill>
+                  <a:srgbClr val="00B0F0"/>
+                </a:solidFill>
+              </a:rPr>
+              <a:t>従来</a:t>
+            </a:r>
+            <a:r>
+              <a:rPr lang="ja-JP" altLang="en-US" sz="2800" dirty="0" smtClean="0">
+                <a:solidFill>
+                  <a:srgbClr val="00B0F0"/>
+                </a:solidFill>
+              </a:rPr>
+              <a:t>方式とオーケストレーション定義エディタ</a:t>
+            </a:r>
+            <a:endParaRPr lang="en-US" altLang="ja-JP" sz="2800" dirty="0" smtClean="0">
+              <a:solidFill>
+                <a:srgbClr val="00B0F0"/>
+              </a:solidFill>
+            </a:endParaRPr>
+          </a:p>
+          <a:p>
+            <a:pPr marL="0" indent="0" algn="ctr">
+              <a:buNone/>
+            </a:pPr>
+            <a:r>
+              <a:rPr lang="ja-JP" altLang="en-US" sz="2800" dirty="0" smtClean="0">
+                <a:solidFill>
+                  <a:srgbClr val="00B0F0"/>
+                </a:solidFill>
+              </a:rPr>
+              <a:t>それぞれの学習時間比較</a:t>
+            </a:r>
+            <a:endParaRPr kumimoji="1" lang="ja-JP" altLang="en-US" sz="2800" dirty="0">
+              <a:solidFill>
+                <a:srgbClr val="00B0F0"/>
+              </a:solidFill>
+            </a:endParaRPr>
+          </a:p>
+        </p:txBody>
+      </p:sp>
+      <p:graphicFrame>
+        <p:nvGraphicFramePr>
+          <p:cNvPr id="4" name="グラフ 3"/>
+          <p:cNvGraphicFramePr>
+            <a:graphicFrameLocks/>
+          </p:cNvGraphicFramePr>
+          <p:nvPr>
+            <p:extLst>
+              <p:ext uri="{D42A27DB-BD31-4B8C-83A1-F6EECF244321}">
+                <p14:modId xmlns:p14="http://schemas.microsoft.com/office/powerpoint/2010/main" val="2349113100"/>
+              </p:ext>
+            </p:extLst>
+          </p:nvPr>
+        </p:nvGraphicFramePr>
+        <p:xfrm>
+          <a:off x="875437" y="2373910"/>
+          <a:ext cx="7406416" cy="4484090"/>
+        </p:xfrm>
+        <a:graphic>
+          <a:graphicData uri="http://schemas.openxmlformats.org/drawingml/2006/chart">
+            <c:chart xmlns:c="http://schemas.openxmlformats.org/drawingml/2006/chart" xmlns:r="http://schemas.openxmlformats.org/officeDocument/2006/relationships" r:id="rId2"/>
+          </a:graphicData>
+        </a:graphic>
+      </p:graphicFrame>
+    </p:spTree>
+    <p:extLst>
+      <p:ext uri="{BB962C8B-B14F-4D97-AF65-F5344CB8AC3E}">
+        <p14:creationId xmlns:p14="http://schemas.microsoft.com/office/powerpoint/2010/main" val="1183621855"/>
+      </p:ext>
+    </p:extLst>
+  </p:cSld>
+  <p:clrMapOvr>
+    <a:masterClrMapping/>
+  </p:clrMapOvr>
+</p:sld>
+</file>
+
+<file path=ppt/slides/slide11.xml><?xml version="1.0" encoding="utf-8"?>
+<p:sld xmlns:a="http://schemas.openxmlformats.org/drawingml/2006/main" xmlns:r="http://schemas.openxmlformats.org/officeDocument/2006/relationships" xmlns:p="http://schemas.openxmlformats.org/presentationml/2006/main">
+  <p:cSld>
+    <p:spTree>
+      <p:nvGrpSpPr>
+        <p:cNvPr id="1" name=""/>
+        <p:cNvGrpSpPr/>
+        <p:nvPr/>
+      </p:nvGrpSpPr>
+      <p:grpSpPr>
+        <a:xfrm>
+          <a:off x="0" y="0"/>
+          <a:ext cx="0" cy="0"/>
+          <a:chOff x="0" y="0"/>
+          <a:chExt cx="0" cy="0"/>
+        </a:xfrm>
+      </p:grpSpPr>
+      <p:sp>
+        <p:nvSpPr>
+          <p:cNvPr id="2" name="タイトル 1"/>
+          <p:cNvSpPr>
+            <a:spLocks noGrp="1"/>
+          </p:cNvSpPr>
+          <p:nvPr>
+            <p:ph type="title"/>
+          </p:nvPr>
+        </p:nvSpPr>
+        <p:spPr/>
+        <p:txBody>
+          <a:bodyPr/>
+          <a:lstStyle/>
+          <a:p>
+            <a:r>
+              <a:rPr kumimoji="1" lang="ja-JP" altLang="en-US" b="1" dirty="0" smtClean="0"/>
+              <a:t>評価</a:t>
+            </a:r>
+            <a:endParaRPr kumimoji="1" lang="ja-JP" altLang="en-US" b="1" dirty="0"/>
+          </a:p>
+        </p:txBody>
+      </p:sp>
+      <p:graphicFrame>
+        <p:nvGraphicFramePr>
+          <p:cNvPr id="4" name="グラフ 3"/>
+          <p:cNvGraphicFramePr>
+            <a:graphicFrameLocks/>
+          </p:cNvGraphicFramePr>
+          <p:nvPr>
+            <p:extLst>
+              <p:ext uri="{D42A27DB-BD31-4B8C-83A1-F6EECF244321}">
+                <p14:modId xmlns:p14="http://schemas.microsoft.com/office/powerpoint/2010/main" val="3529431356"/>
+              </p:ext>
+            </p:extLst>
+          </p:nvPr>
+        </p:nvGraphicFramePr>
+        <p:xfrm>
+          <a:off x="295834" y="1761179"/>
+          <a:ext cx="8609961" cy="5165977"/>
+        </p:xfrm>
+        <a:graphic>
+          <a:graphicData uri="http://schemas.openxmlformats.org/drawingml/2006/chart">
+            <c:chart xmlns:c="http://schemas.openxmlformats.org/drawingml/2006/chart" xmlns:r="http://schemas.openxmlformats.org/officeDocument/2006/relationships" r:id="rId2"/>
+          </a:graphicData>
+        </a:graphic>
+      </p:graphicFrame>
+      <p:sp>
+        <p:nvSpPr>
+          <p:cNvPr id="5" name="テキスト ボックス 4"/>
+          <p:cNvSpPr txBox="1"/>
+          <p:nvPr/>
+        </p:nvSpPr>
+        <p:spPr>
+          <a:xfrm>
+            <a:off x="1398880" y="6093439"/>
+            <a:ext cx="2074303" cy="369332"/>
+          </a:xfrm>
+          <a:prstGeom prst="rect">
+            <a:avLst/>
+          </a:prstGeom>
+          <a:noFill/>
+        </p:spPr>
+        <p:txBody>
+          <a:bodyPr wrap="square" rtlCol="0">
+            <a:spAutoFit/>
+          </a:bodyPr>
+          <a:lstStyle/>
+          <a:p>
+            <a:r>
+              <a:rPr kumimoji="1" lang="en-US" altLang="ja-JP" dirty="0" smtClean="0"/>
+              <a:t>1</a:t>
+            </a:r>
+            <a:r>
+              <a:rPr kumimoji="1" lang="ja-JP" altLang="en-US" dirty="0" smtClean="0"/>
+              <a:t>セグメント構成</a:t>
+            </a:r>
+            <a:endParaRPr kumimoji="1" lang="ja-JP" altLang="en-US" dirty="0"/>
+          </a:p>
+        </p:txBody>
+      </p:sp>
+      <p:sp>
+        <p:nvSpPr>
+          <p:cNvPr id="7" name="コンテンツ プレースホルダー 2"/>
+          <p:cNvSpPr>
+            <a:spLocks noGrp="1"/>
+          </p:cNvSpPr>
+          <p:nvPr>
+            <p:ph idx="1"/>
+          </p:nvPr>
+        </p:nvSpPr>
+        <p:spPr>
+          <a:xfrm>
+            <a:off x="13290" y="1147640"/>
+            <a:ext cx="9130710" cy="688845"/>
+          </a:xfrm>
+        </p:spPr>
+        <p:txBody>
+          <a:bodyPr>
+            <a:noAutofit/>
+          </a:bodyPr>
+          <a:lstStyle/>
+          <a:p>
+            <a:pPr algn="ctr"/>
+            <a:r>
+              <a:rPr lang="ja-JP" altLang="en-US" b="1" dirty="0">
+                <a:solidFill>
+                  <a:srgbClr val="00B0F0"/>
+                </a:solidFill>
+              </a:rPr>
+              <a:t>従来</a:t>
+            </a:r>
+            <a:r>
+              <a:rPr lang="ja-JP" altLang="en-US" b="1" dirty="0" smtClean="0">
+                <a:solidFill>
+                  <a:srgbClr val="00B0F0"/>
+                </a:solidFill>
+              </a:rPr>
+              <a:t>方式とオーケストレーション定義エディタ</a:t>
+            </a:r>
+            <a:endParaRPr lang="en-US" altLang="ja-JP" b="1" dirty="0" smtClean="0">
+              <a:solidFill>
+                <a:srgbClr val="00B0F0"/>
+              </a:solidFill>
+            </a:endParaRPr>
+          </a:p>
+          <a:p>
+            <a:pPr marL="0" indent="0" algn="ctr">
+              <a:buNone/>
+            </a:pPr>
+            <a:r>
+              <a:rPr lang="ja-JP" altLang="en-US" b="1" dirty="0" smtClean="0">
+                <a:solidFill>
+                  <a:srgbClr val="00B0F0"/>
+                </a:solidFill>
+              </a:rPr>
+              <a:t>それぞれのテンプレートファイル作成所要時間比較</a:t>
+            </a:r>
+            <a:endParaRPr kumimoji="1" lang="ja-JP" altLang="en-US" b="1" dirty="0">
+              <a:solidFill>
+                <a:srgbClr val="00B0F0"/>
+              </a:solidFill>
+            </a:endParaRPr>
+          </a:p>
+        </p:txBody>
+      </p:sp>
+    </p:spTree>
+    <p:extLst>
+      <p:ext uri="{BB962C8B-B14F-4D97-AF65-F5344CB8AC3E}">
+        <p14:creationId xmlns:p14="http://schemas.microsoft.com/office/powerpoint/2010/main" val="500563479"/>
+      </p:ext>
+    </p:extLst>
+  </p:cSld>
+  <p:clrMapOvr>
+    <a:masterClrMapping/>
+  </p:clrMapOvr>
+</p:sld>
+</file>
+
+<file path=ppt/slides/slide12.xml><?xml version="1.0" encoding="utf-8"?>
+<p:sld xmlns:a="http://schemas.openxmlformats.org/drawingml/2006/main" xmlns:r="http://schemas.openxmlformats.org/officeDocument/2006/relationships" xmlns:p="http://schemas.openxmlformats.org/presentationml/2006/main">
+  <p:cSld>
+    <p:spTree>
+      <p:nvGrpSpPr>
+        <p:cNvPr id="1" name=""/>
+        <p:cNvGrpSpPr/>
+        <p:nvPr/>
+      </p:nvGrpSpPr>
+      <p:grpSpPr>
+        <a:xfrm>
+          <a:off x="0" y="0"/>
+          <a:ext cx="0" cy="0"/>
+          <a:chOff x="0" y="0"/>
+          <a:chExt cx="0" cy="0"/>
+        </a:xfrm>
+      </p:grpSpPr>
+      <p:sp>
+        <p:nvSpPr>
+          <p:cNvPr id="2" name="タイトル 1"/>
+          <p:cNvSpPr>
+            <a:spLocks noGrp="1"/>
+          </p:cNvSpPr>
+          <p:nvPr>
+            <p:ph type="title"/>
+          </p:nvPr>
+        </p:nvSpPr>
+        <p:spPr/>
+        <p:txBody>
+          <a:bodyPr/>
+          <a:lstStyle/>
+          <a:p>
+            <a:r>
+              <a:rPr kumimoji="1" lang="ja-JP" altLang="en-US" b="1" dirty="0" smtClean="0"/>
+              <a:t>評価</a:t>
+            </a:r>
+            <a:endParaRPr kumimoji="1" lang="ja-JP" altLang="en-US" b="1" dirty="0"/>
+          </a:p>
+        </p:txBody>
+      </p:sp>
+      <p:graphicFrame>
+        <p:nvGraphicFramePr>
+          <p:cNvPr id="4" name="グラフ 3"/>
+          <p:cNvGraphicFramePr>
+            <a:graphicFrameLocks/>
+          </p:cNvGraphicFramePr>
+          <p:nvPr>
+            <p:extLst>
+              <p:ext uri="{D42A27DB-BD31-4B8C-83A1-F6EECF244321}">
+                <p14:modId xmlns:p14="http://schemas.microsoft.com/office/powerpoint/2010/main" val="1586921864"/>
+              </p:ext>
+            </p:extLst>
+          </p:nvPr>
+        </p:nvGraphicFramePr>
+        <p:xfrm>
+          <a:off x="411095" y="1862608"/>
+          <a:ext cx="8325652" cy="4995392"/>
+        </p:xfrm>
+        <a:graphic>
+          <a:graphicData uri="http://schemas.openxmlformats.org/drawingml/2006/chart">
+            <c:chart xmlns:c="http://schemas.openxmlformats.org/drawingml/2006/chart" xmlns:r="http://schemas.openxmlformats.org/officeDocument/2006/relationships" r:id="rId2"/>
+          </a:graphicData>
+        </a:graphic>
+      </p:graphicFrame>
+      <p:sp>
+        <p:nvSpPr>
+          <p:cNvPr id="5" name="コンテンツ プレースホルダー 2"/>
+          <p:cNvSpPr>
+            <a:spLocks noGrp="1"/>
+          </p:cNvSpPr>
+          <p:nvPr>
+            <p:ph idx="1"/>
+          </p:nvPr>
+        </p:nvSpPr>
+        <p:spPr>
+          <a:xfrm>
+            <a:off x="13290" y="1147640"/>
+            <a:ext cx="9130710" cy="688845"/>
+          </a:xfrm>
+        </p:spPr>
+        <p:txBody>
+          <a:bodyPr>
+            <a:noAutofit/>
+          </a:bodyPr>
+          <a:lstStyle/>
+          <a:p>
+            <a:pPr algn="ctr"/>
+            <a:r>
+              <a:rPr lang="ja-JP" altLang="en-US" b="1" dirty="0">
+                <a:solidFill>
+                  <a:srgbClr val="00B0F0"/>
+                </a:solidFill>
+              </a:rPr>
+              <a:t>従来</a:t>
+            </a:r>
+            <a:r>
+              <a:rPr lang="ja-JP" altLang="en-US" b="1" dirty="0" smtClean="0">
+                <a:solidFill>
+                  <a:srgbClr val="00B0F0"/>
+                </a:solidFill>
+              </a:rPr>
+              <a:t>方式とオーケストレーション定義エディタ</a:t>
+            </a:r>
+            <a:endParaRPr lang="en-US" altLang="ja-JP" b="1" dirty="0" smtClean="0">
+              <a:solidFill>
+                <a:srgbClr val="00B0F0"/>
+              </a:solidFill>
+            </a:endParaRPr>
+          </a:p>
+          <a:p>
+            <a:pPr marL="0" indent="0" algn="ctr">
+              <a:buNone/>
+            </a:pPr>
+            <a:r>
+              <a:rPr lang="ja-JP" altLang="en-US" b="1" dirty="0" smtClean="0">
+                <a:solidFill>
+                  <a:srgbClr val="00B0F0"/>
+                </a:solidFill>
+              </a:rPr>
+              <a:t>それぞれのエラー発生回数比較</a:t>
+            </a:r>
+            <a:endParaRPr kumimoji="1" lang="ja-JP" altLang="en-US" b="1" dirty="0">
+              <a:solidFill>
+                <a:srgbClr val="00B0F0"/>
+              </a:solidFill>
+            </a:endParaRPr>
+          </a:p>
+        </p:txBody>
+      </p:sp>
+    </p:spTree>
+    <p:extLst>
+      <p:ext uri="{BB962C8B-B14F-4D97-AF65-F5344CB8AC3E}">
+        <p14:creationId xmlns:p14="http://schemas.microsoft.com/office/powerpoint/2010/main" val="3032026900"/>
+      </p:ext>
+    </p:extLst>
+  </p:cSld>
+  <p:clrMapOvr>
+    <a:masterClrMapping/>
+  </p:clrMapOvr>
+</p:sld>
+</file>
+
+<file path=ppt/slides/slide13.xml><?xml version="1.0" encoding="utf-8"?>
+<p:sld xmlns:a="http://schemas.openxmlformats.org/drawingml/2006/main" xmlns:r="http://schemas.openxmlformats.org/officeDocument/2006/relationships" xmlns:p="http://schemas.openxmlformats.org/presentationml/2006/main">
+  <p:cSld>
+    <p:spTree>
+      <p:nvGrpSpPr>
+        <p:cNvPr id="1" name=""/>
+        <p:cNvGrpSpPr/>
+        <p:nvPr/>
+      </p:nvGrpSpPr>
+      <p:grpSpPr>
+        <a:xfrm>
+          <a:off x="0" y="0"/>
+          <a:ext cx="0" cy="0"/>
+          <a:chOff x="0" y="0"/>
+          <a:chExt cx="0" cy="0"/>
+        </a:xfrm>
+      </p:grpSpPr>
+      <p:sp>
+        <p:nvSpPr>
+          <p:cNvPr id="2" name="タイトル 1"/>
+          <p:cNvSpPr>
+            <a:spLocks noGrp="1"/>
+          </p:cNvSpPr>
+          <p:nvPr>
+            <p:ph type="title"/>
+          </p:nvPr>
+        </p:nvSpPr>
+        <p:spPr/>
+        <p:txBody>
+          <a:bodyPr/>
+          <a:lstStyle/>
+          <a:p>
+            <a:r>
+              <a:rPr kumimoji="1" lang="ja-JP" altLang="en-US" dirty="0" smtClean="0"/>
+              <a:t>まとめ</a:t>
+            </a:r>
+            <a:endParaRPr kumimoji="1" lang="ja-JP" altLang="en-US" dirty="0"/>
+          </a:p>
+        </p:txBody>
+      </p:sp>
+      <p:sp>
+        <p:nvSpPr>
+          <p:cNvPr id="4" name="テキスト ボックス 3"/>
+          <p:cNvSpPr txBox="1"/>
+          <p:nvPr/>
+        </p:nvSpPr>
+        <p:spPr>
+          <a:xfrm>
+            <a:off x="107576" y="1229445"/>
+            <a:ext cx="8905795" cy="461665"/>
+          </a:xfrm>
+          <a:prstGeom prst="rect">
+            <a:avLst/>
+          </a:prstGeom>
+          <a:noFill/>
+        </p:spPr>
+        <p:txBody>
+          <a:bodyPr wrap="square" rtlCol="0">
+            <a:spAutoFit/>
+          </a:bodyPr>
+          <a:lstStyle/>
+          <a:p>
+            <a:r>
+              <a:rPr kumimoji="1" lang="ja-JP" altLang="en-US" sz="2400" dirty="0" smtClean="0">
+                <a:solidFill>
+                  <a:schemeClr val="accent1">
+                    <a:lumMod val="60000"/>
+                    <a:lumOff val="40000"/>
+                  </a:schemeClr>
+                </a:solidFill>
+              </a:rPr>
+              <a:t>オーケストレーション定義エディタ</a:t>
+            </a:r>
+            <a:endParaRPr kumimoji="1" lang="ja-JP" altLang="en-US" sz="2400" dirty="0">
+              <a:solidFill>
+                <a:schemeClr val="accent1">
+                  <a:lumMod val="60000"/>
+                  <a:lumOff val="40000"/>
+                </a:schemeClr>
+              </a:solidFill>
+            </a:endParaRPr>
+          </a:p>
+        </p:txBody>
+      </p:sp>
+      <p:sp>
+        <p:nvSpPr>
+          <p:cNvPr id="5" name="テキスト ボックス 4"/>
+          <p:cNvSpPr txBox="1"/>
+          <p:nvPr/>
+        </p:nvSpPr>
+        <p:spPr>
+          <a:xfrm>
+            <a:off x="238205" y="1691110"/>
+            <a:ext cx="8775166" cy="1754326"/>
+          </a:xfrm>
+          <a:prstGeom prst="rect">
+            <a:avLst/>
+          </a:prstGeom>
+          <a:noFill/>
+        </p:spPr>
+        <p:txBody>
+          <a:bodyPr wrap="square" rtlCol="0">
+            <a:spAutoFit/>
+          </a:bodyPr>
+          <a:lstStyle/>
+          <a:p>
+            <a:pPr marL="285750" indent="-285750">
+              <a:buFont typeface="Wingdings" panose="05000000000000000000" pitchFamily="2" charset="2"/>
+              <a:buChar char="u"/>
+            </a:pPr>
+            <a:r>
+              <a:rPr lang="ja-JP" altLang="en-US" sz="2000" dirty="0"/>
+              <a:t>構成確認</a:t>
+            </a:r>
+            <a:r>
+              <a:rPr lang="ja-JP" altLang="en-US" sz="2000" dirty="0" smtClean="0"/>
+              <a:t>画面ではシステム構成を確認，ネットワークに関する項目の追加が可能</a:t>
+            </a:r>
+            <a:endParaRPr lang="en-US" altLang="ja-JP" sz="2000" dirty="0" smtClean="0"/>
+          </a:p>
+          <a:p>
+            <a:pPr marL="285750" indent="-285750">
+              <a:buFont typeface="Wingdings" panose="05000000000000000000" pitchFamily="2" charset="2"/>
+              <a:buChar char="u"/>
+            </a:pPr>
+            <a:r>
+              <a:rPr kumimoji="1" lang="ja-JP" altLang="en-US" sz="2000" dirty="0"/>
+              <a:t>詳細設定</a:t>
+            </a:r>
+            <a:r>
+              <a:rPr kumimoji="1" lang="ja-JP" altLang="en-US" sz="2000" dirty="0" smtClean="0"/>
+              <a:t>画面</a:t>
+            </a:r>
+            <a:r>
+              <a:rPr kumimoji="1" lang="ja-JP" altLang="en-US" sz="2000" dirty="0"/>
+              <a:t>で</a:t>
+            </a:r>
+            <a:r>
+              <a:rPr kumimoji="1" lang="ja-JP" altLang="en-US" sz="2000" dirty="0" smtClean="0"/>
+              <a:t>はインスタンスの詳細項目を入力可能</a:t>
+            </a:r>
+            <a:endParaRPr kumimoji="1" lang="en-US" altLang="ja-JP" sz="2000" dirty="0" smtClean="0"/>
+          </a:p>
+          <a:p>
+            <a:pPr marL="742950" lvl="1" indent="-285750">
+              <a:buFont typeface="Wingdings" panose="05000000000000000000" pitchFamily="2" charset="2"/>
+              <a:buChar char="Ø"/>
+            </a:pPr>
+            <a:r>
+              <a:rPr kumimoji="1" lang="ja-JP" altLang="en-US" sz="2400" u="sng" dirty="0" smtClean="0"/>
+              <a:t>従来の方式よりも学習時間が少なく，短時間かつ正確に</a:t>
+            </a:r>
+            <a:r>
+              <a:rPr kumimoji="1" lang="en-US" altLang="ja-JP" sz="2400" u="sng" dirty="0" smtClean="0"/>
+              <a:t>Heat</a:t>
+            </a:r>
+            <a:r>
+              <a:rPr kumimoji="1" lang="ja-JP" altLang="en-US" sz="2400" u="sng" dirty="0" smtClean="0"/>
+              <a:t>テンプレートファイルを作成可能</a:t>
+            </a:r>
+            <a:endParaRPr kumimoji="1" lang="ja-JP" altLang="en-US" sz="2400" u="sng" dirty="0"/>
+          </a:p>
+        </p:txBody>
+      </p:sp>
+    </p:spTree>
+    <p:extLst>
+      <p:ext uri="{BB962C8B-B14F-4D97-AF65-F5344CB8AC3E}">
+        <p14:creationId xmlns:p14="http://schemas.microsoft.com/office/powerpoint/2010/main" val="4075490517"/>
+      </p:ext>
+    </p:extLst>
+  </p:cSld>
+  <p:clrMapOvr>
+    <a:masterClrMapping/>
+  </p:clrMapOvr>
+</p:sld>
+</file>
+
 <file path=ppt/slides/slide2.xml><?xml version="1.0" encoding="utf-8"?>
 <p:sld xmlns:a="http://schemas.openxmlformats.org/drawingml/2006/main" xmlns:r="http://schemas.openxmlformats.org/officeDocument/2006/relationships" xmlns:p="http://schemas.openxmlformats.org/presentationml/2006/main">
   <p:cSld>
@@ -9494,16 +14891,16 @@
           <a:lstStyle/>
           <a:p>
             <a:r>
-              <a:rPr kumimoji="1" lang="ja-JP" altLang="en-US" dirty="0" smtClean="0"/>
-              <a:t>研究</a:t>
-            </a:r>
-            <a:r>
-              <a:rPr kumimoji="1" lang="ja-JP" altLang="en-US" dirty="0" smtClean="0"/>
-              <a:t>背景</a:t>
+              <a:rPr kumimoji="1" lang="ja-JP" altLang="en-US" b="1" dirty="0" smtClean="0"/>
+              <a:t>研究背景</a:t>
+            </a:r>
+            <a:r>
+              <a:rPr kumimoji="1" lang="en-US" altLang="ja-JP" b="1" dirty="0" smtClean="0"/>
+              <a:t>(1/4</a:t>
             </a:r>
             <a:r>
               <a:rPr kumimoji="1" lang="en-US" altLang="ja-JP" dirty="0" smtClean="0"/>
-              <a:t>(1/4)</a:t>
+              <a:t>)</a:t>
             </a:r>
             <a:endParaRPr kumimoji="1" lang="ja-JP" altLang="en-US" dirty="0"/>
           </a:p>
@@ -9552,14 +14949,14 @@
           <p:nvPr>
             <p:extLst>
               <p:ext uri="{D42A27DB-BD31-4B8C-83A1-F6EECF244321}">
-                <p14:modId xmlns:p14="http://schemas.microsoft.com/office/powerpoint/2010/main" val="4010838300"/>
+                <p14:modId xmlns:p14="http://schemas.microsoft.com/office/powerpoint/2010/main" val="2341226726"/>
               </p:ext>
             </p:extLst>
           </p:nvPr>
         </p:nvGraphicFramePr>
         <p:xfrm>
-          <a:off x="2106385" y="1861457"/>
-          <a:ext cx="5119007" cy="3412671"/>
+          <a:off x="475781" y="1741036"/>
+          <a:ext cx="8077306" cy="4723484"/>
         </p:xfrm>
         <a:graphic>
           <a:graphicData uri="http://schemas.openxmlformats.org/drawingml/2006/chart">
@@ -9575,7 +14972,7 @@
         </p:nvSpPr>
         <p:spPr>
           <a:xfrm>
-            <a:off x="3796393" y="6286500"/>
+            <a:off x="3884227" y="6464520"/>
             <a:ext cx="5259773" cy="369332"/>
           </a:xfrm>
           <a:prstGeom prst="rect">
@@ -9682,18 +15079,14 @@
           <a:lstStyle/>
           <a:p>
             <a:r>
-              <a:rPr kumimoji="1" lang="ja-JP" altLang="en-US" dirty="0" smtClean="0"/>
-              <a:t>研究</a:t>
-            </a:r>
-            <a:r>
-              <a:rPr kumimoji="1" lang="ja-JP" altLang="en-US" dirty="0" smtClean="0"/>
-              <a:t>背景</a:t>
-            </a:r>
-            <a:r>
-              <a:rPr kumimoji="1" lang="en-US" altLang="ja-JP" dirty="0" smtClean="0"/>
+              <a:rPr kumimoji="1" lang="ja-JP" altLang="en-US" b="1" dirty="0" smtClean="0"/>
+              <a:t>研究背景</a:t>
+            </a:r>
+            <a:r>
+              <a:rPr kumimoji="1" lang="en-US" altLang="ja-JP" b="1" dirty="0" smtClean="0"/>
               <a:t>(2/4)</a:t>
             </a:r>
-            <a:endParaRPr kumimoji="1" lang="ja-JP" altLang="en-US" dirty="0"/>
+            <a:endParaRPr kumimoji="1" lang="ja-JP" altLang="en-US" b="1" dirty="0"/>
           </a:p>
         </p:txBody>
       </p:sp>
@@ -9715,12 +15108,12 @@
         </p:spPr>
         <p:txBody>
           <a:bodyPr>
-            <a:normAutofit fontScale="62500" lnSpcReduction="20000"/>
+            <a:normAutofit fontScale="55000" lnSpcReduction="20000"/>
           </a:bodyPr>
           <a:lstStyle/>
           <a:p>
             <a:r>
-              <a:rPr kumimoji="1" lang="en-US" altLang="ja-JP" sz="4000" dirty="0" smtClean="0">
+              <a:rPr kumimoji="1" lang="en-US" altLang="ja-JP" sz="4500" dirty="0" smtClean="0">
                 <a:solidFill>
                   <a:schemeClr val="accent1">
                     <a:lumMod val="60000"/>
@@ -9776,7 +15169,7 @@
         <p:spPr>
           <a:xfrm>
             <a:off x="895149" y="1771651"/>
-            <a:ext cx="7331528" cy="923330"/>
+            <a:ext cx="7331528" cy="1015663"/>
           </a:xfrm>
           <a:prstGeom prst="rect">
             <a:avLst/>
@@ -9794,14 +15187,14 @@
               <a:buChar char="u"/>
             </a:pPr>
             <a:r>
-              <a:rPr kumimoji="1" lang="en-US" altLang="ja-JP" dirty="0" smtClean="0"/>
+              <a:rPr kumimoji="1" lang="en-US" altLang="ja-JP" sz="2000" dirty="0" smtClean="0"/>
               <a:t>IaaS</a:t>
             </a:r>
             <a:r>
-              <a:rPr kumimoji="1" lang="ja-JP" altLang="en-US" dirty="0" smtClean="0"/>
+              <a:rPr kumimoji="1" lang="ja-JP" altLang="en-US" sz="2000" dirty="0" smtClean="0"/>
               <a:t>基盤構築ソフトウェア</a:t>
             </a:r>
-            <a:endParaRPr kumimoji="1" lang="en-US" altLang="ja-JP" dirty="0" smtClean="0"/>
+            <a:endParaRPr kumimoji="1" lang="en-US" altLang="ja-JP" sz="2000" dirty="0" smtClean="0"/>
           </a:p>
           <a:p>
             <a:pPr marL="285750" indent="-285750">
@@ -9809,10 +15202,10 @@
               <a:buChar char="u"/>
             </a:pPr>
             <a:r>
-              <a:rPr kumimoji="1" lang="ja-JP" altLang="en-US" dirty="0" smtClean="0"/>
+              <a:rPr kumimoji="1" lang="ja-JP" altLang="en-US" sz="2000" dirty="0" smtClean="0"/>
               <a:t>様々なコンポーネントから構成されている</a:t>
             </a:r>
-            <a:endParaRPr kumimoji="1" lang="en-US" altLang="ja-JP" dirty="0" smtClean="0"/>
+            <a:endParaRPr kumimoji="1" lang="en-US" altLang="ja-JP" sz="2000" dirty="0" smtClean="0"/>
           </a:p>
           <a:p>
             <a:pPr marL="742950" lvl="1" indent="-285750">
@@ -9820,14 +15213,14 @@
               <a:buChar char="p"/>
             </a:pPr>
             <a:r>
-              <a:rPr kumimoji="1" lang="en-US" altLang="ja-JP" dirty="0" smtClean="0"/>
+              <a:rPr kumimoji="1" lang="en-US" altLang="ja-JP" sz="2000" dirty="0" smtClean="0"/>
               <a:t>Heat</a:t>
             </a:r>
             <a:r>
-              <a:rPr kumimoji="1" lang="ja-JP" altLang="en-US" dirty="0" smtClean="0"/>
+              <a:rPr kumimoji="1" lang="ja-JP" altLang="en-US" sz="2000" dirty="0" smtClean="0"/>
               <a:t>は仮想環境構築を自動化する</a:t>
             </a:r>
-            <a:endParaRPr kumimoji="1" lang="ja-JP" altLang="en-US" dirty="0"/>
+            <a:endParaRPr kumimoji="1" lang="ja-JP" altLang="en-US" sz="2000" dirty="0"/>
           </a:p>
         </p:txBody>
       </p:sp>
@@ -9853,8 +15246,8 @@
         </p:blipFill>
         <p:spPr>
           <a:xfrm>
-            <a:off x="1613089" y="2637797"/>
-            <a:ext cx="5895647" cy="4220203"/>
+            <a:off x="1613090" y="2733412"/>
+            <a:ext cx="5762072" cy="4124588"/>
           </a:xfrm>
           <a:prstGeom prst="rect">
             <a:avLst/>
@@ -9914,14 +15307,14 @@
           <a:lstStyle/>
           <a:p>
             <a:r>
-              <a:rPr kumimoji="1" lang="ja-JP" altLang="en-US" dirty="0" smtClean="0"/>
+              <a:rPr kumimoji="1" lang="ja-JP" altLang="en-US" b="1" dirty="0" smtClean="0"/>
               <a:t>研究背景</a:t>
             </a:r>
             <a:r>
-              <a:rPr kumimoji="1" lang="en-US" altLang="ja-JP" dirty="0" smtClean="0"/>
+              <a:rPr kumimoji="1" lang="en-US" altLang="ja-JP" b="1" dirty="0" smtClean="0"/>
               <a:t>(3/4)</a:t>
             </a:r>
-            <a:endParaRPr kumimoji="1" lang="ja-JP" altLang="en-US" dirty="0"/>
+            <a:endParaRPr kumimoji="1" lang="ja-JP" altLang="en-US" b="1" dirty="0"/>
           </a:p>
         </p:txBody>
       </p:sp>
@@ -9973,7 +15366,7 @@
         <p:spPr>
           <a:xfrm>
             <a:off x="895149" y="1737845"/>
-            <a:ext cx="7547410" cy="646331"/>
+            <a:ext cx="7547410" cy="707886"/>
           </a:xfrm>
           <a:prstGeom prst="rect">
             <a:avLst/>
@@ -9991,10 +15384,10 @@
               <a:buChar char="u"/>
             </a:pPr>
             <a:r>
-              <a:rPr kumimoji="1" lang="ja-JP" altLang="en-US" dirty="0" smtClean="0"/>
+              <a:rPr kumimoji="1" lang="ja-JP" altLang="en-US" sz="2000" dirty="0" smtClean="0"/>
               <a:t>仮想環境構築をオーケストレーション（自動化）</a:t>
             </a:r>
-            <a:endParaRPr kumimoji="1" lang="en-US" altLang="ja-JP" dirty="0" smtClean="0"/>
+            <a:endParaRPr kumimoji="1" lang="en-US" altLang="ja-JP" sz="2000" dirty="0" smtClean="0"/>
           </a:p>
           <a:p>
             <a:pPr marL="285750" indent="-285750">
@@ -10002,10 +15395,10 @@
               <a:buChar char="u"/>
             </a:pPr>
             <a:r>
-              <a:rPr kumimoji="1" lang="ja-JP" altLang="en-US" dirty="0" smtClean="0"/>
+              <a:rPr kumimoji="1" lang="ja-JP" altLang="en-US" sz="2000" dirty="0" smtClean="0"/>
               <a:t>テンプレートファイルに構築内容を記述</a:t>
             </a:r>
-            <a:endParaRPr kumimoji="1" lang="ja-JP" altLang="en-US" dirty="0"/>
+            <a:endParaRPr kumimoji="1" lang="ja-JP" altLang="en-US" sz="2000" dirty="0"/>
           </a:p>
         </p:txBody>
       </p:sp>
@@ -10018,7 +15411,7 @@
         <p:spPr>
           <a:xfrm>
             <a:off x="895149" y="2370144"/>
-            <a:ext cx="7347857" cy="400110"/>
+            <a:ext cx="7347857" cy="461665"/>
           </a:xfrm>
           <a:prstGeom prst="rect">
             <a:avLst/>
@@ -10032,7 +15425,7 @@
           <a:lstStyle/>
           <a:p>
             <a:r>
-              <a:rPr kumimoji="1" lang="ja-JP" altLang="en-US" sz="2000" dirty="0" smtClean="0"/>
+              <a:rPr kumimoji="1" lang="ja-JP" altLang="en-US" sz="2400" dirty="0" smtClean="0"/>
               <a:t>問題点</a:t>
             </a:r>
             <a:endParaRPr kumimoji="1" lang="ja-JP" altLang="en-US" sz="2000" dirty="0"/>
@@ -10048,7 +15441,7 @@
         <p:spPr>
           <a:xfrm>
             <a:off x="895149" y="2749575"/>
-            <a:ext cx="7413171" cy="923330"/>
+            <a:ext cx="7413171" cy="1015663"/>
           </a:xfrm>
           <a:prstGeom prst="rect">
             <a:avLst/>
@@ -10066,10 +15459,10 @@
               <a:buChar char="u"/>
             </a:pPr>
             <a:r>
-              <a:rPr kumimoji="1" lang="ja-JP" altLang="en-US" dirty="0" smtClean="0"/>
+              <a:rPr kumimoji="1" lang="ja-JP" altLang="en-US" sz="2000" dirty="0" smtClean="0"/>
               <a:t>テキスト記述量が膨大</a:t>
             </a:r>
-            <a:endParaRPr kumimoji="1" lang="en-US" altLang="ja-JP" dirty="0" smtClean="0"/>
+            <a:endParaRPr kumimoji="1" lang="en-US" altLang="ja-JP" sz="2000" dirty="0" smtClean="0"/>
           </a:p>
           <a:p>
             <a:pPr marL="285750" indent="-285750">
@@ -10077,14 +15470,14 @@
               <a:buChar char="u"/>
             </a:pPr>
             <a:r>
-              <a:rPr lang="ja-JP" altLang="en-US" dirty="0"/>
+              <a:rPr lang="ja-JP" altLang="en-US" sz="2000" dirty="0"/>
               <a:t>構成</a:t>
             </a:r>
             <a:r>
-              <a:rPr lang="ja-JP" altLang="en-US" dirty="0" smtClean="0"/>
+              <a:rPr lang="ja-JP" altLang="en-US" sz="2000" dirty="0" smtClean="0"/>
               <a:t>情報を把握しづらい</a:t>
             </a:r>
-            <a:endParaRPr lang="en-US" altLang="ja-JP" dirty="0" smtClean="0"/>
+            <a:endParaRPr lang="en-US" altLang="ja-JP" sz="2000" dirty="0" smtClean="0"/>
           </a:p>
           <a:p>
             <a:pPr marL="285750" indent="-285750">
@@ -10092,15 +15485,15 @@
               <a:buChar char="u"/>
             </a:pPr>
             <a:r>
-              <a:rPr kumimoji="1" lang="ja-JP" altLang="en-US" dirty="0"/>
+              <a:rPr kumimoji="1" lang="ja-JP" altLang="en-US" sz="2000" dirty="0"/>
               <a:t>書式</a:t>
             </a:r>
             <a:r>
-              <a:rPr kumimoji="1" lang="ja-JP" altLang="en-US" dirty="0" smtClean="0"/>
+              <a:rPr kumimoji="1" lang="ja-JP" altLang="en-US" sz="2000" dirty="0" smtClean="0"/>
               <a:t>が</a:t>
             </a:r>
             <a:r>
-              <a:rPr kumimoji="1" lang="ja-JP" altLang="en-US" dirty="0"/>
+              <a:rPr kumimoji="1" lang="ja-JP" altLang="en-US" sz="2000" dirty="0"/>
               <a:t>複雑</a:t>
             </a:r>
           </a:p>
@@ -10128,14 +15521,60 @@
         </p:blipFill>
         <p:spPr>
           <a:xfrm>
-            <a:off x="2996547" y="3524139"/>
-            <a:ext cx="3210373" cy="3210373"/>
+            <a:off x="3024313" y="3765238"/>
+            <a:ext cx="2988227" cy="2988227"/>
           </a:xfrm>
           <a:prstGeom prst="rect">
             <a:avLst/>
           </a:prstGeom>
         </p:spPr>
       </p:pic>
+      <p:sp>
+        <p:nvSpPr>
+          <p:cNvPr id="4" name="角丸四角形 3"/>
+          <p:cNvSpPr/>
+          <p:nvPr/>
+        </p:nvSpPr>
+        <p:spPr>
+          <a:xfrm>
+            <a:off x="2758568" y="3696020"/>
+            <a:ext cx="3196558" cy="3161980"/>
+          </a:xfrm>
+          <a:prstGeom prst="roundRect">
+            <a:avLst/>
+          </a:prstGeom>
+          <a:noFill/>
+          <a:ln>
+            <a:solidFill>
+              <a:srgbClr val="FF0000"/>
+            </a:solidFill>
+          </a:ln>
+        </p:spPr>
+        <p:style>
+          <a:lnRef idx="2">
+            <a:schemeClr val="accent1">
+              <a:shade val="50000"/>
+            </a:schemeClr>
+          </a:lnRef>
+          <a:fillRef idx="1">
+            <a:schemeClr val="accent1"/>
+          </a:fillRef>
+          <a:effectRef idx="0">
+            <a:schemeClr val="accent1"/>
+          </a:effectRef>
+          <a:fontRef idx="minor">
+            <a:schemeClr val="lt1"/>
+          </a:fontRef>
+        </p:style>
+        <p:txBody>
+          <a:bodyPr rtlCol="0" anchor="ctr"/>
+          <a:lstStyle/>
+          <a:p>
+            <a:pPr algn="ctr"/>
+            <a:endParaRPr kumimoji="1" lang="ja-JP" altLang="en-US"/>
+          </a:p>
+        </p:txBody>
+      </p:sp>
     </p:spTree>
     <p:extLst>
       <p:ext uri="{BB962C8B-B14F-4D97-AF65-F5344CB8AC3E}">
@@ -10182,14 +15621,14 @@
           <a:lstStyle/>
           <a:p>
             <a:r>
-              <a:rPr kumimoji="1" lang="ja-JP" altLang="en-US" dirty="0" smtClean="0"/>
+              <a:rPr kumimoji="1" lang="ja-JP" altLang="en-US" b="1" dirty="0" smtClean="0"/>
               <a:t>研究背景</a:t>
             </a:r>
             <a:r>
-              <a:rPr kumimoji="1" lang="en-US" altLang="ja-JP" dirty="0" smtClean="0"/>
+              <a:rPr kumimoji="1" lang="en-US" altLang="ja-JP" b="1" dirty="0" smtClean="0"/>
               <a:t>(4/4)</a:t>
             </a:r>
-            <a:endParaRPr kumimoji="1" lang="ja-JP" altLang="en-US" dirty="0"/>
+            <a:endParaRPr kumimoji="1" lang="ja-JP" altLang="en-US" b="1" dirty="0"/>
           </a:p>
         </p:txBody>
       </p:sp>
@@ -10699,24 +16138,24 @@
         <p:spPr>
           <a:xfrm>
             <a:off x="13290" y="140513"/>
-            <a:ext cx="6501810" cy="754154"/>
+            <a:ext cx="8898362" cy="754154"/>
           </a:xfrm>
         </p:spPr>
         <p:txBody>
           <a:bodyPr>
-            <a:normAutofit fontScale="90000"/>
+            <a:normAutofit/>
           </a:bodyPr>
           <a:lstStyle/>
           <a:p>
             <a:r>
-              <a:rPr lang="ja-JP" altLang="en-US" dirty="0"/>
+              <a:rPr lang="ja-JP" altLang="en-US" b="1" dirty="0"/>
               <a:t>オーケストレーション</a:t>
             </a:r>
             <a:r>
-              <a:rPr lang="ja-JP" altLang="en-US" dirty="0" smtClean="0"/>
+              <a:rPr lang="ja-JP" altLang="en-US" b="1" dirty="0" smtClean="0"/>
               <a:t>定義エディタの提案</a:t>
             </a:r>
-            <a:endParaRPr kumimoji="1" lang="ja-JP" altLang="en-US" dirty="0"/>
+            <a:endParaRPr kumimoji="1" lang="ja-JP" altLang="en-US" b="1" dirty="0"/>
           </a:p>
         </p:txBody>
       </p:sp>
@@ -10730,7 +16169,12 @@
             <p:ph idx="1"/>
           </p:nvPr>
         </p:nvSpPr>
-        <p:spPr/>
+        <p:spPr>
+          <a:xfrm>
+            <a:off x="744722" y="1255216"/>
+            <a:ext cx="7547410" cy="581747"/>
+          </a:xfrm>
+        </p:spPr>
         <p:txBody>
           <a:bodyPr>
             <a:noAutofit/>
@@ -10768,7 +16212,7 @@
         <p:spPr>
           <a:xfrm>
             <a:off x="898071" y="1836964"/>
-            <a:ext cx="7723415" cy="923330"/>
+            <a:ext cx="7723415" cy="1015663"/>
           </a:xfrm>
           <a:prstGeom prst="rect">
             <a:avLst/>
@@ -10781,15 +16225,26 @@
           </a:bodyPr>
           <a:lstStyle/>
           <a:p>
+            <a:pPr marL="342900" indent="-342900">
+              <a:buFont typeface="Wingdings" panose="05000000000000000000" pitchFamily="2" charset="2"/>
+              <a:buChar char="u"/>
+            </a:pPr>
+            <a:r>
+              <a:rPr kumimoji="1" lang="ja-JP" altLang="en-US" sz="2000" dirty="0" smtClean="0"/>
+              <a:t>構成確認画面でシステム構築を可視化</a:t>
+            </a:r>
+            <a:endParaRPr kumimoji="1" lang="en-US" altLang="ja-JP" sz="2000" dirty="0" smtClean="0"/>
+          </a:p>
+          <a:p>
             <a:pPr marL="285750" indent="-285750">
               <a:buFont typeface="Wingdings" panose="05000000000000000000" pitchFamily="2" charset="2"/>
               <a:buChar char="u"/>
             </a:pPr>
             <a:r>
-              <a:rPr kumimoji="1" lang="ja-JP" altLang="en-US" dirty="0" smtClean="0"/>
-              <a:t>構成確認画面でシステム構築を可視化</a:t>
-            </a:r>
-            <a:endParaRPr kumimoji="1" lang="en-US" altLang="ja-JP" dirty="0" smtClean="0"/>
+              <a:rPr kumimoji="1" lang="ja-JP" altLang="en-US" sz="2000" dirty="0" smtClean="0"/>
+              <a:t>詳細設定画面で入力項目をプルダウンメニューから選択する</a:t>
+            </a:r>
+            <a:endParaRPr kumimoji="1" lang="en-US" altLang="ja-JP" sz="2000" dirty="0" smtClean="0"/>
           </a:p>
           <a:p>
             <a:pPr marL="285750" indent="-285750">
@@ -10797,21 +16252,10 @@
               <a:buChar char="u"/>
             </a:pPr>
             <a:r>
-              <a:rPr kumimoji="1" lang="ja-JP" altLang="en-US" dirty="0" smtClean="0"/>
-              <a:t>詳細設定画面で入力項目をプルダウンメニューから選択する</a:t>
-            </a:r>
-            <a:endParaRPr kumimoji="1" lang="en-US" altLang="ja-JP" dirty="0" smtClean="0"/>
-          </a:p>
-          <a:p>
-            <a:pPr marL="285750" indent="-285750">
-              <a:buFont typeface="Wingdings" panose="05000000000000000000" pitchFamily="2" charset="2"/>
-              <a:buChar char="u"/>
-            </a:pPr>
-            <a:r>
-              <a:rPr kumimoji="1" lang="ja-JP" altLang="en-US" dirty="0" smtClean="0"/>
+              <a:rPr kumimoji="1" lang="ja-JP" altLang="en-US" sz="2000" dirty="0" smtClean="0"/>
               <a:t>テンプレートファイル作成所要時間を短縮</a:t>
             </a:r>
-            <a:endParaRPr kumimoji="1" lang="ja-JP" altLang="en-US" dirty="0"/>
+            <a:endParaRPr kumimoji="1" lang="ja-JP" altLang="en-US" sz="2000" dirty="0"/>
           </a:p>
         </p:txBody>
       </p:sp>
@@ -11063,6 +16507,927 @@
       </p:grpSpPr>
       <p:sp>
         <p:nvSpPr>
+          <p:cNvPr id="2" name="タイトル 1"/>
+          <p:cNvSpPr>
+            <a:spLocks noGrp="1"/>
+          </p:cNvSpPr>
+          <p:nvPr>
+            <p:ph type="title"/>
+          </p:nvPr>
+        </p:nvSpPr>
+        <p:spPr>
+          <a:xfrm>
+            <a:off x="13289" y="140513"/>
+            <a:ext cx="8869453" cy="754154"/>
+          </a:xfrm>
+        </p:spPr>
+        <p:txBody>
+          <a:bodyPr>
+            <a:normAutofit/>
+          </a:bodyPr>
+          <a:lstStyle/>
+          <a:p>
+            <a:r>
+              <a:rPr kumimoji="1" lang="ja-JP" altLang="en-US" b="1" dirty="0" smtClean="0"/>
+              <a:t>オーケストレーション定義エディタの提案</a:t>
+            </a:r>
+            <a:endParaRPr kumimoji="1" lang="ja-JP" altLang="en-US" b="1" dirty="0"/>
+          </a:p>
+        </p:txBody>
+      </p:sp>
+      <p:pic>
+        <p:nvPicPr>
+          <p:cNvPr id="6" name="コンテンツ プレースホルダー 5"/>
+          <p:cNvPicPr>
+            <a:picLocks noGrp="1" noChangeAspect="1"/>
+          </p:cNvPicPr>
+          <p:nvPr>
+            <p:ph idx="1"/>
+          </p:nvPr>
+        </p:nvPicPr>
+        <p:blipFill>
+          <a:blip r:embed="rId2" cstate="print">
+            <a:extLst>
+              <a:ext uri="{28A0092B-C50C-407E-A947-70E740481C1C}">
+                <a14:useLocalDpi xmlns:a14="http://schemas.microsoft.com/office/drawing/2010/main" val="0"/>
+              </a:ext>
+            </a:extLst>
+          </a:blip>
+          <a:stretch>
+            <a:fillRect/>
+          </a:stretch>
+        </p:blipFill>
+        <p:spPr>
+          <a:xfrm>
+            <a:off x="6103242" y="0"/>
+            <a:ext cx="42666" cy="46038"/>
+          </a:xfrm>
+        </p:spPr>
+      </p:pic>
+      <p:sp>
+        <p:nvSpPr>
+          <p:cNvPr id="5" name="テキスト ボックス 4"/>
+          <p:cNvSpPr txBox="1"/>
+          <p:nvPr/>
+        </p:nvSpPr>
+        <p:spPr>
+          <a:xfrm>
+            <a:off x="466147" y="1156321"/>
+            <a:ext cx="5177083" cy="1015663"/>
+          </a:xfrm>
+          <a:prstGeom prst="rect">
+            <a:avLst/>
+          </a:prstGeom>
+          <a:noFill/>
+        </p:spPr>
+        <p:txBody>
+          <a:bodyPr wrap="square" rtlCol="0">
+            <a:spAutoFit/>
+          </a:bodyPr>
+          <a:lstStyle/>
+          <a:p>
+            <a:pPr marL="342900" indent="-342900">
+              <a:buFont typeface="Wingdings" panose="05000000000000000000" pitchFamily="2" charset="2"/>
+              <a:buChar char="u"/>
+            </a:pPr>
+            <a:r>
+              <a:rPr kumimoji="1" lang="ja-JP" altLang="en-US" sz="2000" dirty="0" smtClean="0"/>
+              <a:t>システム構成の可視化</a:t>
+            </a:r>
+            <a:endParaRPr kumimoji="1" lang="en-US" altLang="ja-JP" sz="2000" dirty="0" smtClean="0"/>
+          </a:p>
+          <a:p>
+            <a:pPr marL="800100" lvl="1" indent="-342900">
+              <a:buFont typeface="Wingdings" panose="05000000000000000000" pitchFamily="2" charset="2"/>
+              <a:buChar char="Ø"/>
+            </a:pPr>
+            <a:r>
+              <a:rPr lang="en-US" altLang="ja-JP" sz="2000" dirty="0" smtClean="0"/>
+              <a:t>GUI</a:t>
+            </a:r>
+            <a:r>
+              <a:rPr lang="ja-JP" altLang="en-US" sz="2000" dirty="0" smtClean="0"/>
+              <a:t>ベースにすることでテキストではわかりづらかった構成を可視化</a:t>
+            </a:r>
+            <a:endParaRPr kumimoji="1" lang="ja-JP" altLang="en-US" sz="2000" dirty="0"/>
+          </a:p>
+        </p:txBody>
+      </p:sp>
+      <p:pic>
+        <p:nvPicPr>
+          <p:cNvPr id="9" name="図 8"/>
+          <p:cNvPicPr>
+            <a:picLocks noChangeAspect="1"/>
+          </p:cNvPicPr>
+          <p:nvPr/>
+        </p:nvPicPr>
+        <p:blipFill>
+          <a:blip r:embed="rId3">
+            <a:extLst>
+              <a:ext uri="{28A0092B-C50C-407E-A947-70E740481C1C}">
+                <a14:useLocalDpi xmlns:a14="http://schemas.microsoft.com/office/drawing/2010/main" val="0"/>
+              </a:ext>
+            </a:extLst>
+          </a:blip>
+          <a:stretch>
+            <a:fillRect/>
+          </a:stretch>
+        </p:blipFill>
+        <p:spPr>
+          <a:xfrm>
+            <a:off x="144956" y="2536866"/>
+            <a:ext cx="1631085" cy="3810146"/>
+          </a:xfrm>
+          <a:prstGeom prst="rect">
+            <a:avLst/>
+          </a:prstGeom>
+        </p:spPr>
+      </p:pic>
+      <p:pic>
+        <p:nvPicPr>
+          <p:cNvPr id="10" name="図 9"/>
+          <p:cNvPicPr>
+            <a:picLocks noChangeAspect="1"/>
+          </p:cNvPicPr>
+          <p:nvPr/>
+        </p:nvPicPr>
+        <p:blipFill>
+          <a:blip r:embed="rId4">
+            <a:extLst>
+              <a:ext uri="{28A0092B-C50C-407E-A947-70E740481C1C}">
+                <a14:useLocalDpi xmlns:a14="http://schemas.microsoft.com/office/drawing/2010/main" val="0"/>
+              </a:ext>
+            </a:extLst>
+          </a:blip>
+          <a:stretch>
+            <a:fillRect/>
+          </a:stretch>
+        </p:blipFill>
+        <p:spPr>
+          <a:xfrm>
+            <a:off x="1877259" y="2536866"/>
+            <a:ext cx="1677130" cy="3863934"/>
+          </a:xfrm>
+          <a:prstGeom prst="rect">
+            <a:avLst/>
+          </a:prstGeom>
+        </p:spPr>
+      </p:pic>
+      <p:pic>
+        <p:nvPicPr>
+          <p:cNvPr id="11" name="図 10"/>
+          <p:cNvPicPr>
+            <a:picLocks noChangeAspect="1"/>
+          </p:cNvPicPr>
+          <p:nvPr/>
+        </p:nvPicPr>
+        <p:blipFill>
+          <a:blip r:embed="rId5">
+            <a:extLst>
+              <a:ext uri="{28A0092B-C50C-407E-A947-70E740481C1C}">
+                <a14:useLocalDpi xmlns:a14="http://schemas.microsoft.com/office/drawing/2010/main" val="0"/>
+              </a:ext>
+            </a:extLst>
+          </a:blip>
+          <a:stretch>
+            <a:fillRect/>
+          </a:stretch>
+        </p:blipFill>
+        <p:spPr>
+          <a:xfrm>
+            <a:off x="3655607" y="2536866"/>
+            <a:ext cx="1523533" cy="1527988"/>
+          </a:xfrm>
+          <a:prstGeom prst="rect">
+            <a:avLst/>
+          </a:prstGeom>
+        </p:spPr>
+      </p:pic>
+      <p:cxnSp>
+        <p:nvCxnSpPr>
+          <p:cNvPr id="13" name="直線コネクタ 12"/>
+          <p:cNvCxnSpPr/>
+          <p:nvPr/>
+        </p:nvCxnSpPr>
+        <p:spPr>
+          <a:xfrm>
+            <a:off x="1776041" y="2289842"/>
+            <a:ext cx="0" cy="4180114"/>
+          </a:xfrm>
+          <a:prstGeom prst="line">
+            <a:avLst/>
+          </a:prstGeom>
+          <a:ln>
+            <a:solidFill>
+              <a:schemeClr val="tx1"/>
+            </a:solidFill>
+          </a:ln>
+        </p:spPr>
+        <p:style>
+          <a:lnRef idx="1">
+            <a:schemeClr val="accent1"/>
+          </a:lnRef>
+          <a:fillRef idx="0">
+            <a:schemeClr val="accent1"/>
+          </a:fillRef>
+          <a:effectRef idx="0">
+            <a:schemeClr val="accent1"/>
+          </a:effectRef>
+          <a:fontRef idx="minor">
+            <a:schemeClr val="tx1"/>
+          </a:fontRef>
+        </p:style>
+      </p:cxnSp>
+      <p:cxnSp>
+        <p:nvCxnSpPr>
+          <p:cNvPr id="15" name="直線コネクタ 14"/>
+          <p:cNvCxnSpPr/>
+          <p:nvPr/>
+        </p:nvCxnSpPr>
+        <p:spPr>
+          <a:xfrm>
+            <a:off x="3554389" y="2289842"/>
+            <a:ext cx="0" cy="4180114"/>
+          </a:xfrm>
+          <a:prstGeom prst="line">
+            <a:avLst/>
+          </a:prstGeom>
+          <a:ln>
+            <a:solidFill>
+              <a:schemeClr val="tx1"/>
+            </a:solidFill>
+          </a:ln>
+        </p:spPr>
+        <p:style>
+          <a:lnRef idx="1">
+            <a:schemeClr val="accent1"/>
+          </a:lnRef>
+          <a:fillRef idx="0">
+            <a:schemeClr val="accent1"/>
+          </a:fillRef>
+          <a:effectRef idx="0">
+            <a:schemeClr val="accent1"/>
+          </a:effectRef>
+          <a:fontRef idx="minor">
+            <a:schemeClr val="tx1"/>
+          </a:fontRef>
+        </p:style>
+      </p:cxnSp>
+      <p:sp>
+        <p:nvSpPr>
+          <p:cNvPr id="21" name="正方形/長方形 20"/>
+          <p:cNvSpPr/>
+          <p:nvPr/>
+        </p:nvSpPr>
+        <p:spPr>
+          <a:xfrm>
+            <a:off x="76840" y="2289842"/>
+            <a:ext cx="5102300" cy="4180114"/>
+          </a:xfrm>
+          <a:prstGeom prst="rect">
+            <a:avLst/>
+          </a:prstGeom>
+          <a:noFill/>
+          <a:ln>
+            <a:solidFill>
+              <a:schemeClr val="tx1"/>
+            </a:solidFill>
+          </a:ln>
+        </p:spPr>
+        <p:style>
+          <a:lnRef idx="2">
+            <a:schemeClr val="accent1">
+              <a:shade val="50000"/>
+            </a:schemeClr>
+          </a:lnRef>
+          <a:fillRef idx="1">
+            <a:schemeClr val="accent1"/>
+          </a:fillRef>
+          <a:effectRef idx="0">
+            <a:schemeClr val="accent1"/>
+          </a:effectRef>
+          <a:fontRef idx="minor">
+            <a:schemeClr val="lt1"/>
+          </a:fontRef>
+        </p:style>
+        <p:txBody>
+          <a:bodyPr rtlCol="0" anchor="ctr"/>
+          <a:lstStyle/>
+          <a:p>
+            <a:pPr algn="ctr"/>
+            <a:endParaRPr kumimoji="1" lang="ja-JP" altLang="en-US"/>
+          </a:p>
+        </p:txBody>
+      </p:sp>
+      <p:sp>
+        <p:nvSpPr>
+          <p:cNvPr id="26" name="右矢印 25"/>
+          <p:cNvSpPr/>
+          <p:nvPr/>
+        </p:nvSpPr>
+        <p:spPr>
+          <a:xfrm>
+            <a:off x="4833358" y="4064854"/>
+            <a:ext cx="691563" cy="322730"/>
+          </a:xfrm>
+          <a:prstGeom prst="rightArrow">
+            <a:avLst/>
+          </a:prstGeom>
+        </p:spPr>
+        <p:style>
+          <a:lnRef idx="2">
+            <a:schemeClr val="accent1">
+              <a:shade val="50000"/>
+            </a:schemeClr>
+          </a:lnRef>
+          <a:fillRef idx="1">
+            <a:schemeClr val="accent1"/>
+          </a:fillRef>
+          <a:effectRef idx="0">
+            <a:schemeClr val="accent1"/>
+          </a:effectRef>
+          <a:fontRef idx="minor">
+            <a:schemeClr val="lt1"/>
+          </a:fontRef>
+        </p:style>
+        <p:txBody>
+          <a:bodyPr rtlCol="0" anchor="ctr"/>
+          <a:lstStyle/>
+          <a:p>
+            <a:pPr algn="ctr"/>
+            <a:endParaRPr kumimoji="1" lang="ja-JP" altLang="en-US"/>
+          </a:p>
+        </p:txBody>
+      </p:sp>
+      <p:pic>
+        <p:nvPicPr>
+          <p:cNvPr id="27" name="図 26"/>
+          <p:cNvPicPr>
+            <a:picLocks noChangeAspect="1"/>
+          </p:cNvPicPr>
+          <p:nvPr/>
+        </p:nvPicPr>
+        <p:blipFill>
+          <a:blip r:embed="rId6">
+            <a:extLst>
+              <a:ext uri="{28A0092B-C50C-407E-A947-70E740481C1C}">
+                <a14:useLocalDpi xmlns:a14="http://schemas.microsoft.com/office/drawing/2010/main" val="0"/>
+              </a:ext>
+            </a:extLst>
+          </a:blip>
+          <a:stretch>
+            <a:fillRect/>
+          </a:stretch>
+        </p:blipFill>
+        <p:spPr>
+          <a:xfrm>
+            <a:off x="5643231" y="1352390"/>
+            <a:ext cx="3343873" cy="5207786"/>
+          </a:xfrm>
+          <a:prstGeom prst="rect">
+            <a:avLst/>
+          </a:prstGeom>
+        </p:spPr>
+      </p:pic>
+      <p:sp>
+        <p:nvSpPr>
+          <p:cNvPr id="28" name="テキスト ボックス 27"/>
+          <p:cNvSpPr txBox="1"/>
+          <p:nvPr/>
+        </p:nvSpPr>
+        <p:spPr>
+          <a:xfrm>
+            <a:off x="1334462" y="6488668"/>
+            <a:ext cx="2587055" cy="369332"/>
+          </a:xfrm>
+          <a:prstGeom prst="rect">
+            <a:avLst/>
+          </a:prstGeom>
+          <a:noFill/>
+        </p:spPr>
+        <p:txBody>
+          <a:bodyPr wrap="none" rtlCol="0">
+            <a:spAutoFit/>
+          </a:bodyPr>
+          <a:lstStyle/>
+          <a:p>
+            <a:r>
+              <a:rPr lang="en-US" altLang="ja-JP" dirty="0" smtClean="0"/>
+              <a:t>Heat</a:t>
+            </a:r>
+            <a:r>
+              <a:rPr lang="ja-JP" altLang="en-US" dirty="0"/>
+              <a:t>テンプレートファイル</a:t>
+            </a:r>
+            <a:endParaRPr kumimoji="1" lang="ja-JP" altLang="en-US" dirty="0"/>
+          </a:p>
+        </p:txBody>
+      </p:sp>
+      <p:sp>
+        <p:nvSpPr>
+          <p:cNvPr id="29" name="テキスト ボックス 28"/>
+          <p:cNvSpPr txBox="1"/>
+          <p:nvPr/>
+        </p:nvSpPr>
+        <p:spPr>
+          <a:xfrm>
+            <a:off x="5643230" y="6488668"/>
+            <a:ext cx="3379451" cy="369332"/>
+          </a:xfrm>
+          <a:prstGeom prst="rect">
+            <a:avLst/>
+          </a:prstGeom>
+          <a:noFill/>
+        </p:spPr>
+        <p:txBody>
+          <a:bodyPr wrap="none" rtlCol="0">
+            <a:spAutoFit/>
+          </a:bodyPr>
+          <a:lstStyle/>
+          <a:p>
+            <a:r>
+              <a:rPr kumimoji="1" lang="ja-JP" altLang="en-US" dirty="0" smtClean="0"/>
+              <a:t>オーケストレーション定義エディタ</a:t>
+            </a:r>
+            <a:endParaRPr kumimoji="1" lang="ja-JP" altLang="en-US" dirty="0"/>
+          </a:p>
+        </p:txBody>
+      </p:sp>
+    </p:spTree>
+    <p:extLst>
+      <p:ext uri="{BB962C8B-B14F-4D97-AF65-F5344CB8AC3E}">
+        <p14:creationId xmlns:p14="http://schemas.microsoft.com/office/powerpoint/2010/main" val="751966222"/>
+      </p:ext>
+    </p:extLst>
+  </p:cSld>
+  <p:clrMapOvr>
+    <a:masterClrMapping/>
+  </p:clrMapOvr>
+</p:sld>
+</file>
+
+<file path=ppt/slides/slide8.xml><?xml version="1.0" encoding="utf-8"?>
+<p:sld xmlns:a="http://schemas.openxmlformats.org/drawingml/2006/main" xmlns:r="http://schemas.openxmlformats.org/officeDocument/2006/relationships" xmlns:p="http://schemas.openxmlformats.org/presentationml/2006/main">
+  <p:cSld>
+    <p:spTree>
+      <p:nvGrpSpPr>
+        <p:cNvPr id="1" name=""/>
+        <p:cNvGrpSpPr/>
+        <p:nvPr/>
+      </p:nvGrpSpPr>
+      <p:grpSpPr>
+        <a:xfrm>
+          <a:off x="0" y="0"/>
+          <a:ext cx="0" cy="0"/>
+          <a:chOff x="0" y="0"/>
+          <a:chExt cx="0" cy="0"/>
+        </a:xfrm>
+      </p:grpSpPr>
+      <p:sp>
+        <p:nvSpPr>
+          <p:cNvPr id="2" name="タイトル 1"/>
+          <p:cNvSpPr>
+            <a:spLocks noGrp="1"/>
+          </p:cNvSpPr>
+          <p:nvPr>
+            <p:ph type="title"/>
+          </p:nvPr>
+        </p:nvSpPr>
+        <p:spPr>
+          <a:xfrm>
+            <a:off x="13290" y="140513"/>
+            <a:ext cx="9033274" cy="754154"/>
+          </a:xfrm>
+        </p:spPr>
+        <p:txBody>
+          <a:bodyPr>
+            <a:normAutofit/>
+          </a:bodyPr>
+          <a:lstStyle/>
+          <a:p>
+            <a:r>
+              <a:rPr lang="ja-JP" altLang="en-US" b="1" dirty="0"/>
+              <a:t>オーケストレーション定義</a:t>
+            </a:r>
+            <a:r>
+              <a:rPr lang="ja-JP" altLang="en-US" b="1" dirty="0" smtClean="0"/>
+              <a:t>エディタの提案</a:t>
+            </a:r>
+            <a:endParaRPr kumimoji="1" lang="ja-JP" altLang="en-US" b="1" dirty="0"/>
+          </a:p>
+        </p:txBody>
+      </p:sp>
+      <p:sp>
+        <p:nvSpPr>
+          <p:cNvPr id="3" name="コンテンツ プレースホルダー 2"/>
+          <p:cNvSpPr>
+            <a:spLocks noGrp="1"/>
+          </p:cNvSpPr>
+          <p:nvPr>
+            <p:ph idx="1"/>
+          </p:nvPr>
+        </p:nvSpPr>
+        <p:spPr>
+          <a:xfrm flipV="1">
+            <a:off x="744722" y="1209497"/>
+            <a:ext cx="7547410" cy="45719"/>
+          </a:xfrm>
+          <a:noFill/>
+          <a:ln>
+            <a:noFill/>
+          </a:ln>
+        </p:spPr>
+        <p:txBody>
+          <a:bodyPr>
+            <a:normAutofit fontScale="25000" lnSpcReduction="20000"/>
+          </a:bodyPr>
+          <a:lstStyle/>
+          <a:p>
+            <a:pPr marL="0" indent="0">
+              <a:buNone/>
+            </a:pPr>
+            <a:endParaRPr kumimoji="1" lang="en-US" altLang="ja-JP" dirty="0" smtClean="0"/>
+          </a:p>
+          <a:p>
+            <a:pPr marL="0" indent="0">
+              <a:buClrTx/>
+              <a:buNone/>
+            </a:pPr>
+            <a:endParaRPr lang="ja-JP" altLang="en-US" b="1" dirty="0"/>
+          </a:p>
+        </p:txBody>
+      </p:sp>
+      <p:sp>
+        <p:nvSpPr>
+          <p:cNvPr id="4" name="テキスト ボックス 3"/>
+          <p:cNvSpPr txBox="1"/>
+          <p:nvPr/>
+        </p:nvSpPr>
+        <p:spPr>
+          <a:xfrm>
+            <a:off x="738649" y="1186251"/>
+            <a:ext cx="7522669" cy="1323439"/>
+          </a:xfrm>
+          <a:prstGeom prst="rect">
+            <a:avLst/>
+          </a:prstGeom>
+          <a:noFill/>
+        </p:spPr>
+        <p:txBody>
+          <a:bodyPr wrap="square" rtlCol="0">
+            <a:spAutoFit/>
+          </a:bodyPr>
+          <a:lstStyle/>
+          <a:p>
+            <a:pPr marL="285750" indent="-285750">
+              <a:buFont typeface="Wingdings" panose="05000000000000000000" pitchFamily="2" charset="2"/>
+              <a:buChar char="u"/>
+            </a:pPr>
+            <a:r>
+              <a:rPr lang="ja-JP" altLang="en-US" sz="2000" dirty="0" smtClean="0"/>
+              <a:t>テキスト手動入力を極力撤廃</a:t>
+            </a:r>
+            <a:endParaRPr lang="en-US" altLang="ja-JP" sz="2000" dirty="0" smtClean="0"/>
+          </a:p>
+          <a:p>
+            <a:pPr marL="800100" lvl="1" indent="-342900">
+              <a:buFont typeface="Wingdings" panose="05000000000000000000" pitchFamily="2" charset="2"/>
+              <a:buChar char="Ø"/>
+            </a:pPr>
+            <a:r>
+              <a:rPr kumimoji="1" lang="ja-JP" altLang="en-US" sz="2000" dirty="0" smtClean="0"/>
+              <a:t>プルダウンメニュー</a:t>
+            </a:r>
+            <a:r>
+              <a:rPr kumimoji="1" lang="ja-JP" altLang="en-US" sz="2000" dirty="0"/>
+              <a:t>に</a:t>
+            </a:r>
+            <a:r>
+              <a:rPr kumimoji="1" lang="ja-JP" altLang="en-US" sz="2000" dirty="0" smtClean="0"/>
+              <a:t>よりクリックだけで入力可能</a:t>
+            </a:r>
+            <a:endParaRPr kumimoji="1" lang="en-US" altLang="ja-JP" sz="2000" dirty="0" smtClean="0"/>
+          </a:p>
+          <a:p>
+            <a:pPr marL="800100" lvl="1" indent="-342900">
+              <a:buFont typeface="Wingdings" panose="05000000000000000000" pitchFamily="2" charset="2"/>
+              <a:buChar char="Ø"/>
+            </a:pPr>
+            <a:r>
+              <a:rPr kumimoji="1" lang="ja-JP" altLang="en-US" sz="2000" dirty="0" smtClean="0"/>
+              <a:t>記述量の削減，入力ミスの</a:t>
+            </a:r>
+            <a:r>
+              <a:rPr lang="ja-JP" altLang="en-US" sz="2000" dirty="0" smtClean="0"/>
+              <a:t>抑止</a:t>
+            </a:r>
+            <a:endParaRPr lang="en-US" altLang="ja-JP" sz="2000" dirty="0" smtClean="0"/>
+          </a:p>
+          <a:p>
+            <a:pPr marL="800100" lvl="1" indent="-342900">
+              <a:buFont typeface="Wingdings" panose="05000000000000000000" pitchFamily="2" charset="2"/>
+              <a:buChar char="Ø"/>
+            </a:pPr>
+            <a:r>
+              <a:rPr kumimoji="1" lang="ja-JP" altLang="en-US" sz="2000" dirty="0"/>
+              <a:t>入力</a:t>
+            </a:r>
+            <a:r>
+              <a:rPr kumimoji="1" lang="ja-JP" altLang="en-US" sz="2000" dirty="0" smtClean="0"/>
+              <a:t>内容が決まっているものは自動入力</a:t>
+            </a:r>
+            <a:endParaRPr kumimoji="1" lang="ja-JP" altLang="en-US" sz="2000" dirty="0"/>
+          </a:p>
+        </p:txBody>
+      </p:sp>
+      <p:pic>
+        <p:nvPicPr>
+          <p:cNvPr id="5" name="図 4"/>
+          <p:cNvPicPr>
+            <a:picLocks noChangeAspect="1"/>
+          </p:cNvPicPr>
+          <p:nvPr/>
+        </p:nvPicPr>
+        <p:blipFill>
+          <a:blip r:embed="rId2">
+            <a:extLst>
+              <a:ext uri="{28A0092B-C50C-407E-A947-70E740481C1C}">
+                <a14:useLocalDpi xmlns:a14="http://schemas.microsoft.com/office/drawing/2010/main" val="0"/>
+              </a:ext>
+            </a:extLst>
+          </a:blip>
+          <a:stretch>
+            <a:fillRect/>
+          </a:stretch>
+        </p:blipFill>
+        <p:spPr>
+          <a:xfrm>
+            <a:off x="3999782" y="2885521"/>
+            <a:ext cx="5144218" cy="3972479"/>
+          </a:xfrm>
+          <a:prstGeom prst="rect">
+            <a:avLst/>
+          </a:prstGeom>
+        </p:spPr>
+      </p:pic>
+      <p:pic>
+        <p:nvPicPr>
+          <p:cNvPr id="6" name="図 5"/>
+          <p:cNvPicPr>
+            <a:picLocks noChangeAspect="1"/>
+          </p:cNvPicPr>
+          <p:nvPr/>
+        </p:nvPicPr>
+        <p:blipFill>
+          <a:blip r:embed="rId3">
+            <a:extLst>
+              <a:ext uri="{28A0092B-C50C-407E-A947-70E740481C1C}">
+                <a14:useLocalDpi xmlns:a14="http://schemas.microsoft.com/office/drawing/2010/main" val="0"/>
+              </a:ext>
+            </a:extLst>
+          </a:blip>
+          <a:stretch>
+            <a:fillRect/>
+          </a:stretch>
+        </p:blipFill>
+        <p:spPr>
+          <a:xfrm>
+            <a:off x="414308" y="3514294"/>
+            <a:ext cx="3134162" cy="1581371"/>
+          </a:xfrm>
+          <a:prstGeom prst="rect">
+            <a:avLst/>
+          </a:prstGeom>
+        </p:spPr>
+      </p:pic>
+      <p:sp>
+        <p:nvSpPr>
+          <p:cNvPr id="7" name="角丸四角形 6"/>
+          <p:cNvSpPr/>
+          <p:nvPr/>
+        </p:nvSpPr>
+        <p:spPr>
+          <a:xfrm>
+            <a:off x="4103274" y="2566467"/>
+            <a:ext cx="4943290" cy="4291533"/>
+          </a:xfrm>
+          <a:prstGeom prst="roundRect">
+            <a:avLst/>
+          </a:prstGeom>
+          <a:noFill/>
+          <a:ln>
+            <a:solidFill>
+              <a:srgbClr val="FF0000"/>
+            </a:solidFill>
+          </a:ln>
+        </p:spPr>
+        <p:style>
+          <a:lnRef idx="2">
+            <a:schemeClr val="accent1">
+              <a:shade val="50000"/>
+            </a:schemeClr>
+          </a:lnRef>
+          <a:fillRef idx="1">
+            <a:schemeClr val="accent1"/>
+          </a:fillRef>
+          <a:effectRef idx="0">
+            <a:schemeClr val="accent1"/>
+          </a:effectRef>
+          <a:fontRef idx="minor">
+            <a:schemeClr val="lt1"/>
+          </a:fontRef>
+        </p:style>
+        <p:txBody>
+          <a:bodyPr rtlCol="0" anchor="ctr"/>
+          <a:lstStyle/>
+          <a:p>
+            <a:pPr algn="ctr"/>
+            <a:endParaRPr kumimoji="1" lang="ja-JP" altLang="en-US"/>
+          </a:p>
+        </p:txBody>
+      </p:sp>
+      <p:sp>
+        <p:nvSpPr>
+          <p:cNvPr id="8" name="角丸四角形 7"/>
+          <p:cNvSpPr/>
+          <p:nvPr/>
+        </p:nvSpPr>
+        <p:spPr>
+          <a:xfrm>
+            <a:off x="153681" y="2885521"/>
+            <a:ext cx="3619180" cy="3738116"/>
+          </a:xfrm>
+          <a:prstGeom prst="roundRect">
+            <a:avLst/>
+          </a:prstGeom>
+          <a:noFill/>
+          <a:ln>
+            <a:solidFill>
+              <a:srgbClr val="FF0000"/>
+            </a:solidFill>
+          </a:ln>
+        </p:spPr>
+        <p:style>
+          <a:lnRef idx="2">
+            <a:schemeClr val="accent1">
+              <a:shade val="50000"/>
+            </a:schemeClr>
+          </a:lnRef>
+          <a:fillRef idx="1">
+            <a:schemeClr val="accent1"/>
+          </a:fillRef>
+          <a:effectRef idx="0">
+            <a:schemeClr val="accent1"/>
+          </a:effectRef>
+          <a:fontRef idx="minor">
+            <a:schemeClr val="lt1"/>
+          </a:fontRef>
+        </p:style>
+        <p:txBody>
+          <a:bodyPr rtlCol="0" anchor="ctr"/>
+          <a:lstStyle/>
+          <a:p>
+            <a:pPr algn="ctr"/>
+            <a:endParaRPr kumimoji="1" lang="ja-JP" altLang="en-US"/>
+          </a:p>
+        </p:txBody>
+      </p:sp>
+      <p:sp>
+        <p:nvSpPr>
+          <p:cNvPr id="9" name="右矢印 8"/>
+          <p:cNvSpPr/>
+          <p:nvPr/>
+        </p:nvSpPr>
+        <p:spPr>
+          <a:xfrm>
+            <a:off x="3644032" y="4368592"/>
+            <a:ext cx="691563" cy="322730"/>
+          </a:xfrm>
+          <a:prstGeom prst="rightArrow">
+            <a:avLst/>
+          </a:prstGeom>
+        </p:spPr>
+        <p:style>
+          <a:lnRef idx="2">
+            <a:schemeClr val="accent1">
+              <a:shade val="50000"/>
+            </a:schemeClr>
+          </a:lnRef>
+          <a:fillRef idx="1">
+            <a:schemeClr val="accent1"/>
+          </a:fillRef>
+          <a:effectRef idx="0">
+            <a:schemeClr val="accent1"/>
+          </a:effectRef>
+          <a:fontRef idx="minor">
+            <a:schemeClr val="lt1"/>
+          </a:fontRef>
+        </p:style>
+        <p:txBody>
+          <a:bodyPr rtlCol="0" anchor="ctr"/>
+          <a:lstStyle/>
+          <a:p>
+            <a:pPr algn="ctr"/>
+            <a:endParaRPr kumimoji="1" lang="ja-JP" altLang="en-US"/>
+          </a:p>
+        </p:txBody>
+      </p:sp>
+      <p:sp>
+        <p:nvSpPr>
+          <p:cNvPr id="10" name="テキスト ボックス 9"/>
+          <p:cNvSpPr txBox="1"/>
+          <p:nvPr/>
+        </p:nvSpPr>
+        <p:spPr>
+          <a:xfrm>
+            <a:off x="687861" y="2971001"/>
+            <a:ext cx="2587055" cy="369332"/>
+          </a:xfrm>
+          <a:prstGeom prst="rect">
+            <a:avLst/>
+          </a:prstGeom>
+          <a:noFill/>
+        </p:spPr>
+        <p:txBody>
+          <a:bodyPr wrap="none" rtlCol="0">
+            <a:spAutoFit/>
+          </a:bodyPr>
+          <a:lstStyle/>
+          <a:p>
+            <a:r>
+              <a:rPr kumimoji="1" lang="en-US" altLang="ja-JP" dirty="0" smtClean="0"/>
+              <a:t>Heat</a:t>
+            </a:r>
+            <a:r>
+              <a:rPr kumimoji="1" lang="ja-JP" altLang="en-US" dirty="0" smtClean="0"/>
+              <a:t>テンプレートファイル</a:t>
+            </a:r>
+            <a:endParaRPr kumimoji="1" lang="ja-JP" altLang="en-US" dirty="0"/>
+          </a:p>
+        </p:txBody>
+      </p:sp>
+      <p:sp>
+        <p:nvSpPr>
+          <p:cNvPr id="11" name="テキスト ボックス 10"/>
+          <p:cNvSpPr txBox="1"/>
+          <p:nvPr/>
+        </p:nvSpPr>
+        <p:spPr>
+          <a:xfrm>
+            <a:off x="4899709" y="2680130"/>
+            <a:ext cx="3379451" cy="369332"/>
+          </a:xfrm>
+          <a:prstGeom prst="rect">
+            <a:avLst/>
+          </a:prstGeom>
+          <a:noFill/>
+        </p:spPr>
+        <p:txBody>
+          <a:bodyPr wrap="none" rtlCol="0">
+            <a:spAutoFit/>
+          </a:bodyPr>
+          <a:lstStyle/>
+          <a:p>
+            <a:r>
+              <a:rPr kumimoji="1" lang="ja-JP" altLang="en-US" dirty="0" smtClean="0"/>
+              <a:t>オーケストレーション定義エディタ</a:t>
+            </a:r>
+            <a:endParaRPr kumimoji="1" lang="ja-JP" altLang="en-US" dirty="0"/>
+          </a:p>
+        </p:txBody>
+      </p:sp>
+    </p:spTree>
+    <p:extLst>
+      <p:ext uri="{BB962C8B-B14F-4D97-AF65-F5344CB8AC3E}">
+        <p14:creationId xmlns:p14="http://schemas.microsoft.com/office/powerpoint/2010/main" val="573159715"/>
+      </p:ext>
+    </p:extLst>
+  </p:cSld>
+  <p:clrMapOvr>
+    <a:masterClrMapping/>
+  </p:clrMapOvr>
+</p:sld>
+</file>
+
+<file path=ppt/slides/slide9.xml><?xml version="1.0" encoding="utf-8"?>
+<p:sld xmlns:a="http://schemas.openxmlformats.org/drawingml/2006/main" xmlns:r="http://schemas.openxmlformats.org/officeDocument/2006/relationships" xmlns:p="http://schemas.openxmlformats.org/presentationml/2006/main">
+  <p:cSld>
+    <p:spTree>
+      <p:nvGrpSpPr>
+        <p:cNvPr id="1" name=""/>
+        <p:cNvGrpSpPr/>
+        <p:nvPr/>
+      </p:nvGrpSpPr>
+      <p:grpSpPr>
+        <a:xfrm>
+          <a:off x="0" y="0"/>
+          <a:ext cx="0" cy="0"/>
+          <a:chOff x="0" y="0"/>
+          <a:chExt cx="0" cy="0"/>
+        </a:xfrm>
+      </p:grpSpPr>
+      <p:sp>
+        <p:nvSpPr>
           <p:cNvPr id="20" name="正方形/長方形 19"/>
           <p:cNvSpPr/>
           <p:nvPr/>
@@ -11130,10 +17495,10 @@
           <a:lstStyle/>
           <a:p>
             <a:r>
-              <a:rPr lang="ja-JP" altLang="en-US" dirty="0"/>
+              <a:rPr lang="ja-JP" altLang="en-US" b="1" dirty="0"/>
               <a:t>評価</a:t>
             </a:r>
-            <a:endParaRPr kumimoji="1" lang="ja-JP" altLang="en-US" dirty="0"/>
+            <a:endParaRPr kumimoji="1" lang="ja-JP" altLang="en-US" b="1" dirty="0"/>
           </a:p>
         </p:txBody>
       </p:sp>
@@ -11577,7 +17942,7 @@
         <p:spPr>
           <a:xfrm>
             <a:off x="2740947" y="4316396"/>
-            <a:ext cx="5508561" cy="1477328"/>
+            <a:ext cx="5508561" cy="923330"/>
           </a:xfrm>
           <a:prstGeom prst="rect">
             <a:avLst/>
@@ -11592,7 +17957,7 @@
           <a:p>
             <a:r>
               <a:rPr kumimoji="1" lang="en-US" altLang="ja-JP" b="1" dirty="0" smtClean="0"/>
-              <a:t>1</a:t>
+              <a:t>(Ⅰ)1</a:t>
             </a:r>
             <a:r>
               <a:rPr kumimoji="1" lang="ja-JP" altLang="en-US" b="1" dirty="0" smtClean="0"/>
@@ -11604,11 +17969,11 @@
             </a:r>
             <a:r>
               <a:rPr kumimoji="1" lang="ja-JP" altLang="en-US" b="1" dirty="0" smtClean="0"/>
-              <a:t>インスタンス数 </a:t>
+              <a:t>インスタンス数</a:t>
             </a:r>
             <a:r>
               <a:rPr kumimoji="1" lang="en-US" altLang="ja-JP" b="1" dirty="0" smtClean="0"/>
-              <a:t>1</a:t>
+              <a:t>5</a:t>
             </a:r>
             <a:r>
               <a:rPr kumimoji="1" lang="ja-JP" altLang="en-US" b="1" dirty="0" smtClean="0"/>
@@ -11622,7 +17987,7 @@
           <a:p>
             <a:r>
               <a:rPr lang="en-US" altLang="ja-JP" b="1" dirty="0" smtClean="0"/>
-              <a:t>1</a:t>
+              <a:t>(Ⅱ)2</a:t>
             </a:r>
             <a:r>
               <a:rPr lang="ja-JP" altLang="en-US" b="1" dirty="0" smtClean="0"/>
@@ -11638,7 +18003,7 @@
             </a:r>
             <a:r>
               <a:rPr lang="en-US" altLang="ja-JP" b="1" dirty="0" smtClean="0"/>
-              <a:t>3</a:t>
+              <a:t>5</a:t>
             </a:r>
             <a:r>
               <a:rPr lang="ja-JP" altLang="en-US" b="1" dirty="0" smtClean="0"/>
@@ -11652,67 +18017,7 @@
           <a:p>
             <a:r>
               <a:rPr kumimoji="1" lang="en-US" altLang="ja-JP" b="1" dirty="0" smtClean="0"/>
-              <a:t>1</a:t>
-            </a:r>
-            <a:r>
-              <a:rPr kumimoji="1" lang="ja-JP" altLang="en-US" b="1" dirty="0" smtClean="0"/>
-              <a:t>セグメント構成</a:t>
-            </a:r>
-            <a:r>
-              <a:rPr kumimoji="1" lang="en-US" altLang="ja-JP" b="1" dirty="0" smtClean="0"/>
-              <a:t>(</a:t>
-            </a:r>
-            <a:r>
-              <a:rPr kumimoji="1" lang="ja-JP" altLang="en-US" b="1" dirty="0" smtClean="0"/>
-              <a:t>インスタンス数</a:t>
-            </a:r>
-            <a:r>
-              <a:rPr kumimoji="1" lang="en-US" altLang="ja-JP" b="1" dirty="0" smtClean="0"/>
-              <a:t>5</a:t>
-            </a:r>
-            <a:r>
-              <a:rPr kumimoji="1" lang="ja-JP" altLang="en-US" b="1" dirty="0" smtClean="0"/>
-              <a:t>台</a:t>
-            </a:r>
-            <a:r>
-              <a:rPr kumimoji="1" lang="en-US" altLang="ja-JP" b="1" dirty="0" smtClean="0"/>
-              <a:t>)</a:t>
-            </a:r>
-          </a:p>
-          <a:p>
-            <a:r>
-              <a:rPr lang="en-US" altLang="ja-JP" b="1" dirty="0" smtClean="0"/>
-              <a:t>2</a:t>
-            </a:r>
-            <a:r>
-              <a:rPr lang="ja-JP" altLang="en-US" b="1" dirty="0" smtClean="0"/>
-              <a:t>セグメント構成</a:t>
-            </a:r>
-            <a:r>
-              <a:rPr lang="en-US" altLang="ja-JP" b="1" dirty="0" smtClean="0"/>
-              <a:t>(</a:t>
-            </a:r>
-            <a:r>
-              <a:rPr lang="ja-JP" altLang="en-US" b="1" dirty="0" smtClean="0"/>
-              <a:t>インスタンス数</a:t>
-            </a:r>
-            <a:r>
-              <a:rPr lang="en-US" altLang="ja-JP" b="1" dirty="0" smtClean="0"/>
-              <a:t>5</a:t>
-            </a:r>
-            <a:r>
-              <a:rPr lang="ja-JP" altLang="en-US" b="1" dirty="0" smtClean="0"/>
-              <a:t>台</a:t>
-            </a:r>
-            <a:r>
-              <a:rPr lang="en-US" altLang="ja-JP" b="1" dirty="0" smtClean="0"/>
-              <a:t>)</a:t>
-            </a:r>
-          </a:p>
-          <a:p>
-            <a:r>
-              <a:rPr kumimoji="1" lang="en-US" altLang="ja-JP" b="1" dirty="0" smtClean="0"/>
-              <a:t>3</a:t>
+              <a:t>(Ⅲ)3</a:t>
             </a:r>
             <a:r>
               <a:rPr kumimoji="1" lang="ja-JP" altLang="en-US" b="1" dirty="0" smtClean="0"/>
@@ -11746,76 +18051,6 @@
     <p:extLst>
       <p:ext uri="{BB962C8B-B14F-4D97-AF65-F5344CB8AC3E}">
         <p14:creationId xmlns:p14="http://schemas.microsoft.com/office/powerpoint/2010/main" val="3352068285"/>
-      </p:ext>
-    </p:extLst>
-  </p:cSld>
-  <p:clrMapOvr>
-    <a:masterClrMapping/>
-  </p:clrMapOvr>
-</p:sld>
-</file>
-
-<file path=ppt/slides/slide8.xml><?xml version="1.0" encoding="utf-8"?>
-<p:sld xmlns:a="http://schemas.openxmlformats.org/drawingml/2006/main" xmlns:r="http://schemas.openxmlformats.org/officeDocument/2006/relationships" xmlns:p="http://schemas.openxmlformats.org/presentationml/2006/main">
-  <p:cSld>
-    <p:spTree>
-      <p:nvGrpSpPr>
-        <p:cNvPr id="1" name=""/>
-        <p:cNvGrpSpPr/>
-        <p:nvPr/>
-      </p:nvGrpSpPr>
-      <p:grpSpPr>
-        <a:xfrm>
-          <a:off x="0" y="0"/>
-          <a:ext cx="0" cy="0"/>
-          <a:chOff x="0" y="0"/>
-          <a:chExt cx="0" cy="0"/>
-        </a:xfrm>
-      </p:grpSpPr>
-      <p:sp>
-        <p:nvSpPr>
-          <p:cNvPr id="2" name="タイトル 1"/>
-          <p:cNvSpPr>
-            <a:spLocks noGrp="1"/>
-          </p:cNvSpPr>
-          <p:nvPr>
-            <p:ph type="title"/>
-          </p:nvPr>
-        </p:nvSpPr>
-        <p:spPr/>
-        <p:txBody>
-          <a:bodyPr/>
-          <a:lstStyle/>
-          <a:p>
-            <a:endParaRPr kumimoji="1" lang="ja-JP" altLang="en-US"/>
-          </a:p>
-        </p:txBody>
-      </p:sp>
-      <p:sp>
-        <p:nvSpPr>
-          <p:cNvPr id="3" name="コンテンツ プレースホルダー 2"/>
-          <p:cNvSpPr>
-            <a:spLocks noGrp="1"/>
-          </p:cNvSpPr>
-          <p:nvPr>
-            <p:ph idx="1"/>
-          </p:nvPr>
-        </p:nvSpPr>
-        <p:spPr/>
-        <p:txBody>
-          <a:bodyPr>
-            <a:normAutofit lnSpcReduction="10000"/>
-          </a:bodyPr>
-          <a:lstStyle/>
-          <a:p>
-            <a:endParaRPr kumimoji="1" lang="ja-JP" altLang="en-US"/>
-          </a:p>
-        </p:txBody>
-      </p:sp>
-    </p:spTree>
-    <p:extLst>
-      <p:ext uri="{BB962C8B-B14F-4D97-AF65-F5344CB8AC3E}">
-        <p14:creationId xmlns:p14="http://schemas.microsoft.com/office/powerpoint/2010/main" val="573159715"/>
       </p:ext>
     </p:extLst>
   </p:cSld>
@@ -12880,4 +19115,760 @@
     </a:bgFillStyleLst>
   </a:fmtScheme>
 </a:themeOverride>
+</file>
+
+<file path=ppt/theme/themeOverride2.xml><?xml version="1.0" encoding="utf-8"?>
+<a:themeOverride xmlns:a="http://schemas.openxmlformats.org/drawingml/2006/main">
+  <a:clrScheme name="Office">
+    <a:dk1>
+      <a:sysClr val="windowText" lastClr="000000"/>
+    </a:dk1>
+    <a:lt1>
+      <a:sysClr val="window" lastClr="FFFFFF"/>
+    </a:lt1>
+    <a:dk2>
+      <a:srgbClr val="44546A"/>
+    </a:dk2>
+    <a:lt2>
+      <a:srgbClr val="E7E6E6"/>
+    </a:lt2>
+    <a:accent1>
+      <a:srgbClr val="5B9BD5"/>
+    </a:accent1>
+    <a:accent2>
+      <a:srgbClr val="ED7D31"/>
+    </a:accent2>
+    <a:accent3>
+      <a:srgbClr val="A5A5A5"/>
+    </a:accent3>
+    <a:accent4>
+      <a:srgbClr val="FFC000"/>
+    </a:accent4>
+    <a:accent5>
+      <a:srgbClr val="4472C4"/>
+    </a:accent5>
+    <a:accent6>
+      <a:srgbClr val="70AD47"/>
+    </a:accent6>
+    <a:hlink>
+      <a:srgbClr val="0563C1"/>
+    </a:hlink>
+    <a:folHlink>
+      <a:srgbClr val="954F72"/>
+    </a:folHlink>
+  </a:clrScheme>
+  <a:fontScheme name="Office">
+    <a:majorFont>
+      <a:latin typeface="Calibri Light" panose="020F0302020204030204"/>
+      <a:ea typeface=""/>
+      <a:cs typeface=""/>
+      <a:font script="Jpan" typeface="ＭＳ Ｐゴシック"/>
+      <a:font script="Hang" typeface="맑은 고딕"/>
+      <a:font script="Hans" typeface="宋体"/>
+      <a:font script="Hant" typeface="新細明體"/>
+      <a:font script="Arab" typeface="Times New Roman"/>
+      <a:font script="Hebr" typeface="Times New Roman"/>
+      <a:font script="Thai" typeface="Tahoma"/>
+      <a:font script="Ethi" typeface="Nyala"/>
+      <a:font script="Beng" typeface="Vrinda"/>
+      <a:font script="Gujr" typeface="Shruti"/>
+      <a:font script="Khmr" typeface="MoolBoran"/>
+      <a:font script="Knda" typeface="Tunga"/>
+      <a:font script="Guru" typeface="Raavi"/>
+      <a:font script="Cans" typeface="Euphemia"/>
+      <a:font script="Cher" typeface="Plantagenet Cherokee"/>
+      <a:font script="Yiii" typeface="Microsoft Yi Baiti"/>
+      <a:font script="Tibt" typeface="Microsoft Himalaya"/>
+      <a:font script="Thaa" typeface="MV Boli"/>
+      <a:font script="Deva" typeface="Mangal"/>
+      <a:font script="Telu" typeface="Gautami"/>
+      <a:font script="Taml" typeface="Latha"/>
+      <a:font script="Syrc" typeface="Estrangelo Edessa"/>
+      <a:font script="Orya" typeface="Kalinga"/>
+      <a:font script="Mlym" typeface="Kartika"/>
+      <a:font script="Laoo" typeface="DokChampa"/>
+      <a:font script="Sinh" typeface="Iskoola Pota"/>
+      <a:font script="Mong" typeface="Mongolian Baiti"/>
+      <a:font script="Viet" typeface="Times New Roman"/>
+      <a:font script="Uigh" typeface="Microsoft Uighur"/>
+      <a:font script="Geor" typeface="Sylfaen"/>
+    </a:majorFont>
+    <a:minorFont>
+      <a:latin typeface="Calibri" panose="020F0502020204030204"/>
+      <a:ea typeface=""/>
+      <a:cs typeface=""/>
+      <a:font script="Jpan" typeface="ＭＳ Ｐゴシック"/>
+      <a:font script="Hang" typeface="맑은 고딕"/>
+      <a:font script="Hans" typeface="宋体"/>
+      <a:font script="Hant" typeface="新細明體"/>
+      <a:font script="Arab" typeface="Arial"/>
+      <a:font script="Hebr" typeface="Arial"/>
+      <a:font script="Thai" typeface="Tahoma"/>
+      <a:font script="Ethi" typeface="Nyala"/>
+      <a:font script="Beng" typeface="Vrinda"/>
+      <a:font script="Gujr" typeface="Shruti"/>
+      <a:font script="Khmr" typeface="DaunPenh"/>
+      <a:font script="Knda" typeface="Tunga"/>
+      <a:font script="Guru" typeface="Raavi"/>
+      <a:font script="Cans" typeface="Euphemia"/>
+      <a:font script="Cher" typeface="Plantagenet Cherokee"/>
+      <a:font script="Yiii" typeface="Microsoft Yi Baiti"/>
+      <a:font script="Tibt" typeface="Microsoft Himalaya"/>
+      <a:font script="Thaa" typeface="MV Boli"/>
+      <a:font script="Deva" typeface="Mangal"/>
+      <a:font script="Telu" typeface="Gautami"/>
+      <a:font script="Taml" typeface="Latha"/>
+      <a:font script="Syrc" typeface="Estrangelo Edessa"/>
+      <a:font script="Orya" typeface="Kalinga"/>
+      <a:font script="Mlym" typeface="Kartika"/>
+      <a:font script="Laoo" typeface="DokChampa"/>
+      <a:font script="Sinh" typeface="Iskoola Pota"/>
+      <a:font script="Mong" typeface="Mongolian Baiti"/>
+      <a:font script="Viet" typeface="Arial"/>
+      <a:font script="Uigh" typeface="Microsoft Uighur"/>
+      <a:font script="Geor" typeface="Sylfaen"/>
+    </a:minorFont>
+  </a:fontScheme>
+  <a:fmtScheme name="Office">
+    <a:fillStyleLst>
+      <a:solidFill>
+        <a:schemeClr val="phClr"/>
+      </a:solidFill>
+      <a:gradFill rotWithShape="1">
+        <a:gsLst>
+          <a:gs pos="0">
+            <a:schemeClr val="phClr">
+              <a:lumMod val="110000"/>
+              <a:satMod val="105000"/>
+              <a:tint val="67000"/>
+            </a:schemeClr>
+          </a:gs>
+          <a:gs pos="50000">
+            <a:schemeClr val="phClr">
+              <a:lumMod val="105000"/>
+              <a:satMod val="103000"/>
+              <a:tint val="73000"/>
+            </a:schemeClr>
+          </a:gs>
+          <a:gs pos="100000">
+            <a:schemeClr val="phClr">
+              <a:lumMod val="105000"/>
+              <a:satMod val="109000"/>
+              <a:tint val="81000"/>
+            </a:schemeClr>
+          </a:gs>
+        </a:gsLst>
+        <a:lin ang="5400000" scaled="0"/>
+      </a:gradFill>
+      <a:gradFill rotWithShape="1">
+        <a:gsLst>
+          <a:gs pos="0">
+            <a:schemeClr val="phClr">
+              <a:satMod val="103000"/>
+              <a:lumMod val="102000"/>
+              <a:tint val="94000"/>
+            </a:schemeClr>
+          </a:gs>
+          <a:gs pos="50000">
+            <a:schemeClr val="phClr">
+              <a:satMod val="110000"/>
+              <a:lumMod val="100000"/>
+              <a:shade val="100000"/>
+            </a:schemeClr>
+          </a:gs>
+          <a:gs pos="100000">
+            <a:schemeClr val="phClr">
+              <a:lumMod val="99000"/>
+              <a:satMod val="120000"/>
+              <a:shade val="78000"/>
+            </a:schemeClr>
+          </a:gs>
+        </a:gsLst>
+        <a:lin ang="5400000" scaled="0"/>
+      </a:gradFill>
+    </a:fillStyleLst>
+    <a:lnStyleLst>
+      <a:ln w="6350" cap="flat" cmpd="sng" algn="ctr">
+        <a:solidFill>
+          <a:schemeClr val="phClr"/>
+        </a:solidFill>
+        <a:prstDash val="solid"/>
+        <a:miter lim="800000"/>
+      </a:ln>
+      <a:ln w="12700" cap="flat" cmpd="sng" algn="ctr">
+        <a:solidFill>
+          <a:schemeClr val="phClr"/>
+        </a:solidFill>
+        <a:prstDash val="solid"/>
+        <a:miter lim="800000"/>
+      </a:ln>
+      <a:ln w="19050" cap="flat" cmpd="sng" algn="ctr">
+        <a:solidFill>
+          <a:schemeClr val="phClr"/>
+        </a:solidFill>
+        <a:prstDash val="solid"/>
+        <a:miter lim="800000"/>
+      </a:ln>
+    </a:lnStyleLst>
+    <a:effectStyleLst>
+      <a:effectStyle>
+        <a:effectLst/>
+      </a:effectStyle>
+      <a:effectStyle>
+        <a:effectLst/>
+      </a:effectStyle>
+      <a:effectStyle>
+        <a:effectLst>
+          <a:outerShdw blurRad="57150" dist="19050" dir="5400000" algn="ctr" rotWithShape="0">
+            <a:srgbClr val="000000">
+              <a:alpha val="63000"/>
+            </a:srgbClr>
+          </a:outerShdw>
+        </a:effectLst>
+      </a:effectStyle>
+    </a:effectStyleLst>
+    <a:bgFillStyleLst>
+      <a:solidFill>
+        <a:schemeClr val="phClr"/>
+      </a:solidFill>
+      <a:solidFill>
+        <a:schemeClr val="phClr">
+          <a:tint val="95000"/>
+          <a:satMod val="170000"/>
+        </a:schemeClr>
+      </a:solidFill>
+      <a:gradFill rotWithShape="1">
+        <a:gsLst>
+          <a:gs pos="0">
+            <a:schemeClr val="phClr">
+              <a:tint val="93000"/>
+              <a:satMod val="150000"/>
+              <a:shade val="98000"/>
+              <a:lumMod val="102000"/>
+            </a:schemeClr>
+          </a:gs>
+          <a:gs pos="50000">
+            <a:schemeClr val="phClr">
+              <a:tint val="98000"/>
+              <a:satMod val="130000"/>
+              <a:shade val="90000"/>
+              <a:lumMod val="103000"/>
+            </a:schemeClr>
+          </a:gs>
+          <a:gs pos="100000">
+            <a:schemeClr val="phClr">
+              <a:shade val="63000"/>
+              <a:satMod val="120000"/>
+            </a:schemeClr>
+          </a:gs>
+        </a:gsLst>
+        <a:lin ang="5400000" scaled="0"/>
+      </a:gradFill>
+    </a:bgFillStyleLst>
+  </a:fmtScheme>
+</a:themeOverride>
+</file>
+
+<file path=ppt/theme/themeOverride3.xml><?xml version="1.0" encoding="utf-8"?>
+<a:themeOverride xmlns:a="http://schemas.openxmlformats.org/drawingml/2006/main">
+  <a:clrScheme name="Office">
+    <a:dk1>
+      <a:sysClr val="windowText" lastClr="000000"/>
+    </a:dk1>
+    <a:lt1>
+      <a:sysClr val="window" lastClr="FFFFFF"/>
+    </a:lt1>
+    <a:dk2>
+      <a:srgbClr val="44546A"/>
+    </a:dk2>
+    <a:lt2>
+      <a:srgbClr val="E7E6E6"/>
+    </a:lt2>
+    <a:accent1>
+      <a:srgbClr val="5B9BD5"/>
+    </a:accent1>
+    <a:accent2>
+      <a:srgbClr val="ED7D31"/>
+    </a:accent2>
+    <a:accent3>
+      <a:srgbClr val="A5A5A5"/>
+    </a:accent3>
+    <a:accent4>
+      <a:srgbClr val="FFC000"/>
+    </a:accent4>
+    <a:accent5>
+      <a:srgbClr val="4472C4"/>
+    </a:accent5>
+    <a:accent6>
+      <a:srgbClr val="70AD47"/>
+    </a:accent6>
+    <a:hlink>
+      <a:srgbClr val="0563C1"/>
+    </a:hlink>
+    <a:folHlink>
+      <a:srgbClr val="954F72"/>
+    </a:folHlink>
+  </a:clrScheme>
+  <a:fontScheme name="Office">
+    <a:majorFont>
+      <a:latin typeface="Calibri Light" panose="020F0302020204030204"/>
+      <a:ea typeface=""/>
+      <a:cs typeface=""/>
+      <a:font script="Jpan" typeface="ＭＳ Ｐゴシック"/>
+      <a:font script="Hang" typeface="맑은 고딕"/>
+      <a:font script="Hans" typeface="宋体"/>
+      <a:font script="Hant" typeface="新細明體"/>
+      <a:font script="Arab" typeface="Times New Roman"/>
+      <a:font script="Hebr" typeface="Times New Roman"/>
+      <a:font script="Thai" typeface="Tahoma"/>
+      <a:font script="Ethi" typeface="Nyala"/>
+      <a:font script="Beng" typeface="Vrinda"/>
+      <a:font script="Gujr" typeface="Shruti"/>
+      <a:font script="Khmr" typeface="MoolBoran"/>
+      <a:font script="Knda" typeface="Tunga"/>
+      <a:font script="Guru" typeface="Raavi"/>
+      <a:font script="Cans" typeface="Euphemia"/>
+      <a:font script="Cher" typeface="Plantagenet Cherokee"/>
+      <a:font script="Yiii" typeface="Microsoft Yi Baiti"/>
+      <a:font script="Tibt" typeface="Microsoft Himalaya"/>
+      <a:font script="Thaa" typeface="MV Boli"/>
+      <a:font script="Deva" typeface="Mangal"/>
+      <a:font script="Telu" typeface="Gautami"/>
+      <a:font script="Taml" typeface="Latha"/>
+      <a:font script="Syrc" typeface="Estrangelo Edessa"/>
+      <a:font script="Orya" typeface="Kalinga"/>
+      <a:font script="Mlym" typeface="Kartika"/>
+      <a:font script="Laoo" typeface="DokChampa"/>
+      <a:font script="Sinh" typeface="Iskoola Pota"/>
+      <a:font script="Mong" typeface="Mongolian Baiti"/>
+      <a:font script="Viet" typeface="Times New Roman"/>
+      <a:font script="Uigh" typeface="Microsoft Uighur"/>
+      <a:font script="Geor" typeface="Sylfaen"/>
+    </a:majorFont>
+    <a:minorFont>
+      <a:latin typeface="Calibri" panose="020F0502020204030204"/>
+      <a:ea typeface=""/>
+      <a:cs typeface=""/>
+      <a:font script="Jpan" typeface="ＭＳ Ｐゴシック"/>
+      <a:font script="Hang" typeface="맑은 고딕"/>
+      <a:font script="Hans" typeface="宋体"/>
+      <a:font script="Hant" typeface="新細明體"/>
+      <a:font script="Arab" typeface="Arial"/>
+      <a:font script="Hebr" typeface="Arial"/>
+      <a:font script="Thai" typeface="Tahoma"/>
+      <a:font script="Ethi" typeface="Nyala"/>
+      <a:font script="Beng" typeface="Vrinda"/>
+      <a:font script="Gujr" typeface="Shruti"/>
+      <a:font script="Khmr" typeface="DaunPenh"/>
+      <a:font script="Knda" typeface="Tunga"/>
+      <a:font script="Guru" typeface="Raavi"/>
+      <a:font script="Cans" typeface="Euphemia"/>
+      <a:font script="Cher" typeface="Plantagenet Cherokee"/>
+      <a:font script="Yiii" typeface="Microsoft Yi Baiti"/>
+      <a:font script="Tibt" typeface="Microsoft Himalaya"/>
+      <a:font script="Thaa" typeface="MV Boli"/>
+      <a:font script="Deva" typeface="Mangal"/>
+      <a:font script="Telu" typeface="Gautami"/>
+      <a:font script="Taml" typeface="Latha"/>
+      <a:font script="Syrc" typeface="Estrangelo Edessa"/>
+      <a:font script="Orya" typeface="Kalinga"/>
+      <a:font script="Mlym" typeface="Kartika"/>
+      <a:font script="Laoo" typeface="DokChampa"/>
+      <a:font script="Sinh" typeface="Iskoola Pota"/>
+      <a:font script="Mong" typeface="Mongolian Baiti"/>
+      <a:font script="Viet" typeface="Arial"/>
+      <a:font script="Uigh" typeface="Microsoft Uighur"/>
+      <a:font script="Geor" typeface="Sylfaen"/>
+    </a:minorFont>
+  </a:fontScheme>
+  <a:fmtScheme name="Office">
+    <a:fillStyleLst>
+      <a:solidFill>
+        <a:schemeClr val="phClr"/>
+      </a:solidFill>
+      <a:gradFill rotWithShape="1">
+        <a:gsLst>
+          <a:gs pos="0">
+            <a:schemeClr val="phClr">
+              <a:lumMod val="110000"/>
+              <a:satMod val="105000"/>
+              <a:tint val="67000"/>
+            </a:schemeClr>
+          </a:gs>
+          <a:gs pos="50000">
+            <a:schemeClr val="phClr">
+              <a:lumMod val="105000"/>
+              <a:satMod val="103000"/>
+              <a:tint val="73000"/>
+            </a:schemeClr>
+          </a:gs>
+          <a:gs pos="100000">
+            <a:schemeClr val="phClr">
+              <a:lumMod val="105000"/>
+              <a:satMod val="109000"/>
+              <a:tint val="81000"/>
+            </a:schemeClr>
+          </a:gs>
+        </a:gsLst>
+        <a:lin ang="5400000" scaled="0"/>
+      </a:gradFill>
+      <a:gradFill rotWithShape="1">
+        <a:gsLst>
+          <a:gs pos="0">
+            <a:schemeClr val="phClr">
+              <a:satMod val="103000"/>
+              <a:lumMod val="102000"/>
+              <a:tint val="94000"/>
+            </a:schemeClr>
+          </a:gs>
+          <a:gs pos="50000">
+            <a:schemeClr val="phClr">
+              <a:satMod val="110000"/>
+              <a:lumMod val="100000"/>
+              <a:shade val="100000"/>
+            </a:schemeClr>
+          </a:gs>
+          <a:gs pos="100000">
+            <a:schemeClr val="phClr">
+              <a:lumMod val="99000"/>
+              <a:satMod val="120000"/>
+              <a:shade val="78000"/>
+            </a:schemeClr>
+          </a:gs>
+        </a:gsLst>
+        <a:lin ang="5400000" scaled="0"/>
+      </a:gradFill>
+    </a:fillStyleLst>
+    <a:lnStyleLst>
+      <a:ln w="6350" cap="flat" cmpd="sng" algn="ctr">
+        <a:solidFill>
+          <a:schemeClr val="phClr"/>
+        </a:solidFill>
+        <a:prstDash val="solid"/>
+        <a:miter lim="800000"/>
+      </a:ln>
+      <a:ln w="12700" cap="flat" cmpd="sng" algn="ctr">
+        <a:solidFill>
+          <a:schemeClr val="phClr"/>
+        </a:solidFill>
+        <a:prstDash val="solid"/>
+        <a:miter lim="800000"/>
+      </a:ln>
+      <a:ln w="19050" cap="flat" cmpd="sng" algn="ctr">
+        <a:solidFill>
+          <a:schemeClr val="phClr"/>
+        </a:solidFill>
+        <a:prstDash val="solid"/>
+        <a:miter lim="800000"/>
+      </a:ln>
+    </a:lnStyleLst>
+    <a:effectStyleLst>
+      <a:effectStyle>
+        <a:effectLst/>
+      </a:effectStyle>
+      <a:effectStyle>
+        <a:effectLst/>
+      </a:effectStyle>
+      <a:effectStyle>
+        <a:effectLst>
+          <a:outerShdw blurRad="57150" dist="19050" dir="5400000" algn="ctr" rotWithShape="0">
+            <a:srgbClr val="000000">
+              <a:alpha val="63000"/>
+            </a:srgbClr>
+          </a:outerShdw>
+        </a:effectLst>
+      </a:effectStyle>
+    </a:effectStyleLst>
+    <a:bgFillStyleLst>
+      <a:solidFill>
+        <a:schemeClr val="phClr"/>
+      </a:solidFill>
+      <a:solidFill>
+        <a:schemeClr val="phClr">
+          <a:tint val="95000"/>
+          <a:satMod val="170000"/>
+        </a:schemeClr>
+      </a:solidFill>
+      <a:gradFill rotWithShape="1">
+        <a:gsLst>
+          <a:gs pos="0">
+            <a:schemeClr val="phClr">
+              <a:tint val="93000"/>
+              <a:satMod val="150000"/>
+              <a:shade val="98000"/>
+              <a:lumMod val="102000"/>
+            </a:schemeClr>
+          </a:gs>
+          <a:gs pos="50000">
+            <a:schemeClr val="phClr">
+              <a:tint val="98000"/>
+              <a:satMod val="130000"/>
+              <a:shade val="90000"/>
+              <a:lumMod val="103000"/>
+            </a:schemeClr>
+          </a:gs>
+          <a:gs pos="100000">
+            <a:schemeClr val="phClr">
+              <a:shade val="63000"/>
+              <a:satMod val="120000"/>
+            </a:schemeClr>
+          </a:gs>
+        </a:gsLst>
+        <a:lin ang="5400000" scaled="0"/>
+      </a:gradFill>
+    </a:bgFillStyleLst>
+  </a:fmtScheme>
+</a:themeOverride>
+</file>
+
+<file path=ppt/theme/themeOverride4.xml><?xml version="1.0" encoding="utf-8"?>
+<a:themeOverride xmlns:a="http://schemas.openxmlformats.org/drawingml/2006/main">
+  <a:clrScheme name="Office">
+    <a:dk1>
+      <a:sysClr val="windowText" lastClr="000000"/>
+    </a:dk1>
+    <a:lt1>
+      <a:sysClr val="window" lastClr="FFFFFF"/>
+    </a:lt1>
+    <a:dk2>
+      <a:srgbClr val="44546A"/>
+    </a:dk2>
+    <a:lt2>
+      <a:srgbClr val="E7E6E6"/>
+    </a:lt2>
+    <a:accent1>
+      <a:srgbClr val="5B9BD5"/>
+    </a:accent1>
+    <a:accent2>
+      <a:srgbClr val="ED7D31"/>
+    </a:accent2>
+    <a:accent3>
+      <a:srgbClr val="A5A5A5"/>
+    </a:accent3>
+    <a:accent4>
+      <a:srgbClr val="FFC000"/>
+    </a:accent4>
+    <a:accent5>
+      <a:srgbClr val="4472C4"/>
+    </a:accent5>
+    <a:accent6>
+      <a:srgbClr val="70AD47"/>
+    </a:accent6>
+    <a:hlink>
+      <a:srgbClr val="0563C1"/>
+    </a:hlink>
+    <a:folHlink>
+      <a:srgbClr val="954F72"/>
+    </a:folHlink>
+  </a:clrScheme>
+  <a:fontScheme name="Office">
+    <a:majorFont>
+      <a:latin typeface="Calibri Light" panose="020F0302020204030204"/>
+      <a:ea typeface=""/>
+      <a:cs typeface=""/>
+      <a:font script="Jpan" typeface="ＭＳ Ｐゴシック"/>
+      <a:font script="Hang" typeface="맑은 고딕"/>
+      <a:font script="Hans" typeface="宋体"/>
+      <a:font script="Hant" typeface="新細明體"/>
+      <a:font script="Arab" typeface="Times New Roman"/>
+      <a:font script="Hebr" typeface="Times New Roman"/>
+      <a:font script="Thai" typeface="Tahoma"/>
+      <a:font script="Ethi" typeface="Nyala"/>
+      <a:font script="Beng" typeface="Vrinda"/>
+      <a:font script="Gujr" typeface="Shruti"/>
+      <a:font script="Khmr" typeface="MoolBoran"/>
+      <a:font script="Knda" typeface="Tunga"/>
+      <a:font script="Guru" typeface="Raavi"/>
+      <a:font script="Cans" typeface="Euphemia"/>
+      <a:font script="Cher" typeface="Plantagenet Cherokee"/>
+      <a:font script="Yiii" typeface="Microsoft Yi Baiti"/>
+      <a:font script="Tibt" typeface="Microsoft Himalaya"/>
+      <a:font script="Thaa" typeface="MV Boli"/>
+      <a:font script="Deva" typeface="Mangal"/>
+      <a:font script="Telu" typeface="Gautami"/>
+      <a:font script="Taml" typeface="Latha"/>
+      <a:font script="Syrc" typeface="Estrangelo Edessa"/>
+      <a:font script="Orya" typeface="Kalinga"/>
+      <a:font script="Mlym" typeface="Kartika"/>
+      <a:font script="Laoo" typeface="DokChampa"/>
+      <a:font script="Sinh" typeface="Iskoola Pota"/>
+      <a:font script="Mong" typeface="Mongolian Baiti"/>
+      <a:font script="Viet" typeface="Times New Roman"/>
+      <a:font script="Uigh" typeface="Microsoft Uighur"/>
+      <a:font script="Geor" typeface="Sylfaen"/>
+    </a:majorFont>
+    <a:minorFont>
+      <a:latin typeface="Calibri" panose="020F0502020204030204"/>
+      <a:ea typeface=""/>
+      <a:cs typeface=""/>
+      <a:font script="Jpan" typeface="ＭＳ Ｐゴシック"/>
+      <a:font script="Hang" typeface="맑은 고딕"/>
+      <a:font script="Hans" typeface="宋体"/>
+      <a:font script="Hant" typeface="新細明體"/>
+      <a:font script="Arab" typeface="Arial"/>
+      <a:font script="Hebr" typeface="Arial"/>
+      <a:font script="Thai" typeface="Tahoma"/>
+      <a:font script="Ethi" typeface="Nyala"/>
+      <a:font script="Beng" typeface="Vrinda"/>
+      <a:font script="Gujr" typeface="Shruti"/>
+      <a:font script="Khmr" typeface="DaunPenh"/>
+      <a:font script="Knda" typeface="Tunga"/>
+      <a:font script="Guru" typeface="Raavi"/>
+      <a:font script="Cans" typeface="Euphemia"/>
+      <a:font script="Cher" typeface="Plantagenet Cherokee"/>
+      <a:font script="Yiii" typeface="Microsoft Yi Baiti"/>
+      <a:font script="Tibt" typeface="Microsoft Himalaya"/>
+      <a:font script="Thaa" typeface="MV Boli"/>
+      <a:font script="Deva" typeface="Mangal"/>
+      <a:font script="Telu" typeface="Gautami"/>
+      <a:font script="Taml" typeface="Latha"/>
+      <a:font script="Syrc" typeface="Estrangelo Edessa"/>
+      <a:font script="Orya" typeface="Kalinga"/>
+      <a:font script="Mlym" typeface="Kartika"/>
+      <a:font script="Laoo" typeface="DokChampa"/>
+      <a:font script="Sinh" typeface="Iskoola Pota"/>
+      <a:font script="Mong" typeface="Mongolian Baiti"/>
+      <a:font script="Viet" typeface="Arial"/>
+      <a:font script="Uigh" typeface="Microsoft Uighur"/>
+      <a:font script="Geor" typeface="Sylfaen"/>
+    </a:minorFont>
+  </a:fontScheme>
+  <a:fmtScheme name="Office">
+    <a:fillStyleLst>
+      <a:solidFill>
+        <a:schemeClr val="phClr"/>
+      </a:solidFill>
+      <a:gradFill rotWithShape="1">
+        <a:gsLst>
+          <a:gs pos="0">
+            <a:schemeClr val="phClr">
+              <a:lumMod val="110000"/>
+              <a:satMod val="105000"/>
+              <a:tint val="67000"/>
+            </a:schemeClr>
+          </a:gs>
+          <a:gs pos="50000">
+            <a:schemeClr val="phClr">
+              <a:lumMod val="105000"/>
+              <a:satMod val="103000"/>
+              <a:tint val="73000"/>
+            </a:schemeClr>
+          </a:gs>
+          <a:gs pos="100000">
+            <a:schemeClr val="phClr">
+              <a:lumMod val="105000"/>
+              <a:satMod val="109000"/>
+              <a:tint val="81000"/>
+            </a:schemeClr>
+          </a:gs>
+        </a:gsLst>
+        <a:lin ang="5400000" scaled="0"/>
+      </a:gradFill>
+      <a:gradFill rotWithShape="1">
+        <a:gsLst>
+          <a:gs pos="0">
+            <a:schemeClr val="phClr">
+              <a:satMod val="103000"/>
+              <a:lumMod val="102000"/>
+              <a:tint val="94000"/>
+            </a:schemeClr>
+          </a:gs>
+          <a:gs pos="50000">
+            <a:schemeClr val="phClr">
+              <a:satMod val="110000"/>
+              <a:lumMod val="100000"/>
+              <a:shade val="100000"/>
+            </a:schemeClr>
+          </a:gs>
+          <a:gs pos="100000">
+            <a:schemeClr val="phClr">
+              <a:lumMod val="99000"/>
+              <a:satMod val="120000"/>
+              <a:shade val="78000"/>
+            </a:schemeClr>
+          </a:gs>
+        </a:gsLst>
+        <a:lin ang="5400000" scaled="0"/>
+      </a:gradFill>
+    </a:fillStyleLst>
+    <a:lnStyleLst>
+      <a:ln w="6350" cap="flat" cmpd="sng" algn="ctr">
+        <a:solidFill>
+          <a:schemeClr val="phClr"/>
+        </a:solidFill>
+        <a:prstDash val="solid"/>
+        <a:miter lim="800000"/>
+      </a:ln>
+      <a:ln w="12700" cap="flat" cmpd="sng" algn="ctr">
+        <a:solidFill>
+          <a:schemeClr val="phClr"/>
+        </a:solidFill>
+        <a:prstDash val="solid"/>
+        <a:miter lim="800000"/>
+      </a:ln>
+      <a:ln w="19050" cap="flat" cmpd="sng" algn="ctr">
+        <a:solidFill>
+          <a:schemeClr val="phClr"/>
+        </a:solidFill>
+        <a:prstDash val="solid"/>
+        <a:miter lim="800000"/>
+      </a:ln>
+    </a:lnStyleLst>
+    <a:effectStyleLst>
+      <a:effectStyle>
+        <a:effectLst/>
+      </a:effectStyle>
+      <a:effectStyle>
+        <a:effectLst/>
+      </a:effectStyle>
+      <a:effectStyle>
+        <a:effectLst>
+          <a:outerShdw blurRad="57150" dist="19050" dir="5400000" algn="ctr" rotWithShape="0">
+            <a:srgbClr val="000000">
+              <a:alpha val="63000"/>
+            </a:srgbClr>
+          </a:outerShdw>
+        </a:effectLst>
+      </a:effectStyle>
+    </a:effectStyleLst>
+    <a:bgFillStyleLst>
+      <a:solidFill>
+        <a:schemeClr val="phClr"/>
+      </a:solidFill>
+      <a:solidFill>
+        <a:schemeClr val="phClr">
+          <a:tint val="95000"/>
+          <a:satMod val="170000"/>
+        </a:schemeClr>
+      </a:solidFill>
+      <a:gradFill rotWithShape="1">
+        <a:gsLst>
+          <a:gs pos="0">
+            <a:schemeClr val="phClr">
+              <a:tint val="93000"/>
+              <a:satMod val="150000"/>
+              <a:shade val="98000"/>
+              <a:lumMod val="102000"/>
+            </a:schemeClr>
+          </a:gs>
+          <a:gs pos="50000">
+            <a:schemeClr val="phClr">
+              <a:tint val="98000"/>
+              <a:satMod val="130000"/>
+              <a:shade val="90000"/>
+              <a:lumMod val="103000"/>
+            </a:schemeClr>
+          </a:gs>
+          <a:gs pos="100000">
+            <a:schemeClr val="phClr">
+              <a:shade val="63000"/>
+              <a:satMod val="120000"/>
+            </a:schemeClr>
+          </a:gs>
+        </a:gsLst>
+        <a:lin ang="5400000" scaled="0"/>
+      </a:gradFill>
+    </a:bgFillStyleLst>
+  </a:fmtScheme>
+</a:themeOverride>
 </file>
--- a/卒業論文本体/発表用スライド.pptx
+++ b/卒業論文本体/発表用スライド.pptx
@@ -6,7 +6,7 @@
     <p:sldMasterId id="2147483813" r:id="rId2"/>
   </p:sldMasterIdLst>
   <p:notesMasterIdLst>
-    <p:notesMasterId r:id="rId16"/>
+    <p:notesMasterId r:id="rId17"/>
   </p:notesMasterIdLst>
   <p:sldIdLst>
     <p:sldId id="256" r:id="rId3"/>
@@ -22,6 +22,7 @@
     <p:sldId id="266" r:id="rId13"/>
     <p:sldId id="267" r:id="rId14"/>
     <p:sldId id="268" r:id="rId15"/>
+    <p:sldId id="269" r:id="rId16"/>
   </p:sldIdLst>
   <p:sldSz cx="9144000" cy="6858000" type="screen4x3"/>
   <p:notesSz cx="6858000" cy="9144000"/>
@@ -789,11 +790,11 @@
         </c:dLbls>
         <c:gapWidth val="79"/>
         <c:overlap val="100"/>
-        <c:axId val="1834514976"/>
-        <c:axId val="1834522048"/>
+        <c:axId val="-1636446496"/>
+        <c:axId val="-1636445952"/>
       </c:barChart>
       <c:catAx>
-        <c:axId val="1834514976"/>
+        <c:axId val="-1636446496"/>
         <c:scaling>
           <c:orientation val="minMax"/>
         </c:scaling>
@@ -850,7 +851,7 @@
             <a:endParaRPr lang="ja-JP"/>
           </a:p>
         </c:txPr>
-        <c:crossAx val="1834522048"/>
+        <c:crossAx val="-1636445952"/>
         <c:crosses val="autoZero"/>
         <c:auto val="1"/>
         <c:lblAlgn val="ctr"/>
@@ -858,7 +859,7 @@
         <c:noMultiLvlLbl val="0"/>
       </c:catAx>
       <c:valAx>
-        <c:axId val="1834522048"/>
+        <c:axId val="-1636445952"/>
         <c:scaling>
           <c:orientation val="minMax"/>
           <c:max val="200"/>
@@ -984,7 +985,7 @@
             <a:endParaRPr lang="ja-JP"/>
           </a:p>
         </c:txPr>
-        <c:crossAx val="1834514976"/>
+        <c:crossAx val="-1636446496"/>
         <c:crosses val="autoZero"/>
         <c:crossBetween val="between"/>
         <c:majorUnit val="40"/>
@@ -1173,7 +1174,7 @@
               <a:lstStyle/>
               <a:p>
                 <a:pPr>
-                  <a:defRPr sz="1400" b="0" i="0" u="none" strike="noStrike" kern="1200" baseline="0">
+                  <a:defRPr sz="1800" b="0" i="0" u="none" strike="noStrike" kern="1200" baseline="0">
                     <a:solidFill>
                       <a:schemeClr val="tx1">
                         <a:lumMod val="75000"/>
@@ -1304,7 +1305,7 @@
               <a:lstStyle/>
               <a:p>
                 <a:pPr>
-                  <a:defRPr sz="1400" b="0" i="0" u="none" strike="noStrike" kern="1200" baseline="0">
+                  <a:defRPr sz="1800" b="0" i="0" u="none" strike="noStrike" kern="1200" baseline="0">
                     <a:solidFill>
                       <a:schemeClr val="tx1">
                         <a:lumMod val="75000"/>
@@ -1407,11 +1408,11 @@
         </c:dLbls>
         <c:gapWidth val="219"/>
         <c:overlap val="-27"/>
-        <c:axId val="1890788272"/>
-        <c:axId val="1890800240"/>
+        <c:axId val="-1633208208"/>
+        <c:axId val="-1633214192"/>
       </c:barChart>
       <c:catAx>
-        <c:axId val="1890788272"/>
+        <c:axId val="-1633208208"/>
         <c:scaling>
           <c:orientation val="minMax"/>
         </c:scaling>
@@ -1510,7 +1511,7 @@
             <a:endParaRPr lang="ja-JP"/>
           </a:p>
         </c:txPr>
-        <c:crossAx val="1890800240"/>
+        <c:crossAx val="-1633214192"/>
         <c:crosses val="autoZero"/>
         <c:auto val="1"/>
         <c:lblAlgn val="ctr"/>
@@ -1518,7 +1519,7 @@
         <c:noMultiLvlLbl val="0"/>
       </c:catAx>
       <c:valAx>
-        <c:axId val="1890800240"/>
+        <c:axId val="-1633214192"/>
         <c:scaling>
           <c:orientation val="minMax"/>
         </c:scaling>
@@ -1638,7 +1639,7 @@
             <a:endParaRPr lang="ja-JP"/>
           </a:p>
         </c:txPr>
-        <c:crossAx val="1890788272"/>
+        <c:crossAx val="-1633208208"/>
         <c:crosses val="autoZero"/>
         <c:crossBetween val="between"/>
       </c:valAx>
@@ -2185,7 +2186,6 @@
             <c:showLeaderLines val="0"/>
             <c:extLst>
               <c:ext xmlns:c15="http://schemas.microsoft.com/office/drawing/2012/chart" uri="{CE6537A1-D6FC-4f65-9D91-7224C49458BB}">
-                <c15:layout/>
                 <c15:showLeaderLines val="1"/>
                 <c15:leaderLines>
                   <c:spPr>
@@ -2353,7 +2353,7 @@
               <a:lstStyle/>
               <a:p>
                 <a:pPr>
-                  <a:defRPr sz="1600" b="0" i="0" u="none" strike="noStrike" kern="1200" baseline="0">
+                  <a:defRPr sz="1800" b="0" i="0" u="none" strike="noStrike" kern="1200" baseline="0">
                     <a:solidFill>
                       <a:schemeClr val="tx1">
                         <a:lumMod val="75000"/>
@@ -2516,11 +2516,11 @@
         </c:dLbls>
         <c:gapWidth val="219"/>
         <c:overlap val="-27"/>
-        <c:axId val="1890786096"/>
-        <c:axId val="1890786640"/>
+        <c:axId val="-1633217456"/>
+        <c:axId val="-1633206576"/>
       </c:barChart>
       <c:catAx>
-        <c:axId val="1890786096"/>
+        <c:axId val="-1633217456"/>
         <c:scaling>
           <c:orientation val="minMax"/>
         </c:scaling>
@@ -2560,7 +2560,7 @@
             <a:endParaRPr lang="ja-JP"/>
           </a:p>
         </c:txPr>
-        <c:crossAx val="1890786640"/>
+        <c:crossAx val="-1633206576"/>
         <c:crosses val="autoZero"/>
         <c:auto val="1"/>
         <c:lblAlgn val="ctr"/>
@@ -2568,7 +2568,7 @@
         <c:noMultiLvlLbl val="0"/>
       </c:catAx>
       <c:valAx>
-        <c:axId val="1890786640"/>
+        <c:axId val="-1633206576"/>
         <c:scaling>
           <c:orientation val="minMax"/>
         </c:scaling>
@@ -2688,7 +2688,7 @@
             <a:endParaRPr lang="ja-JP"/>
           </a:p>
         </c:txPr>
-        <c:crossAx val="1890786096"/>
+        <c:crossAx val="-1633217456"/>
         <c:crosses val="autoZero"/>
         <c:crossBetween val="between"/>
       </c:valAx>
@@ -2894,7 +2894,7 @@
               <a:lstStyle/>
               <a:p>
                 <a:pPr>
-                  <a:defRPr sz="1600" b="0" i="0" u="none" strike="noStrike" kern="1200" baseline="0">
+                  <a:defRPr sz="1800" b="0" i="0" u="none" strike="noStrike" kern="1200" baseline="0">
                     <a:solidFill>
                       <a:schemeClr val="tx1">
                         <a:lumMod val="75000"/>
@@ -3085,7 +3085,7 @@
               <a:lstStyle/>
               <a:p>
                 <a:pPr>
-                  <a:defRPr sz="1600" b="0" i="0" u="none" strike="noStrike" kern="1200" baseline="0">
+                  <a:defRPr sz="1800" b="0" i="0" u="none" strike="noStrike" kern="1200" baseline="0">
                     <a:solidFill>
                       <a:schemeClr val="tx1">
                         <a:lumMod val="75000"/>
@@ -3248,11 +3248,11 @@
         </c:dLbls>
         <c:gapWidth val="219"/>
         <c:overlap val="-27"/>
-        <c:axId val="1966264192"/>
-        <c:axId val="1966271264"/>
+        <c:axId val="-1636451392"/>
+        <c:axId val="-1636450848"/>
       </c:barChart>
       <c:catAx>
-        <c:axId val="1966264192"/>
+        <c:axId val="-1636451392"/>
         <c:scaling>
           <c:orientation val="minMax"/>
         </c:scaling>
@@ -3295,7 +3295,7 @@
             <a:endParaRPr lang="ja-JP"/>
           </a:p>
         </c:txPr>
-        <c:crossAx val="1966271264"/>
+        <c:crossAx val="-1636450848"/>
         <c:crosses val="autoZero"/>
         <c:auto val="1"/>
         <c:lblAlgn val="ctr"/>
@@ -3303,7 +3303,7 @@
         <c:noMultiLvlLbl val="0"/>
       </c:catAx>
       <c:valAx>
-        <c:axId val="1966271264"/>
+        <c:axId val="-1636450848"/>
         <c:scaling>
           <c:orientation val="minMax"/>
         </c:scaling>
@@ -3423,7 +3423,7 @@
             <a:endParaRPr lang="ja-JP"/>
           </a:p>
         </c:txPr>
-        <c:crossAx val="1966264192"/>
+        <c:crossAx val="-1636451392"/>
         <c:crosses val="autoZero"/>
         <c:crossBetween val="between"/>
       </c:valAx>
@@ -5898,15 +5898,11 @@
         <a:p xmlns:a="http://schemas.openxmlformats.org/drawingml/2006/main">
           <a:r>
             <a:rPr kumimoji="1" lang="en-US" altLang="ja-JP" dirty="0" smtClean="0"/>
-            <a:t>2</a:t>
+            <a:t>(Ⅱ)2</a:t>
           </a:r>
           <a:r>
             <a:rPr kumimoji="1" lang="ja-JP" altLang="en-US" dirty="0" smtClean="0"/>
-            <a:t>セグメント</a:t>
-          </a:r>
-          <a:r>
-            <a:rPr kumimoji="1" lang="ja-JP" altLang="en-US" dirty="0" smtClean="0"/>
-            <a:t>構成</a:t>
+            <a:t>セグメント構成</a:t>
           </a:r>
           <a:endParaRPr kumimoji="1" lang="ja-JP" altLang="en-US" dirty="0"/>
         </a:p>
@@ -6038,16 +6034,12 @@
         </a:lstStyle>
         <a:p xmlns:a="http://schemas.openxmlformats.org/drawingml/2006/main">
           <a:r>
-            <a:rPr lang="en-US" altLang="ja-JP" dirty="0"/>
-            <a:t>3</a:t>
+            <a:rPr lang="en-US" altLang="ja-JP" dirty="0" smtClean="0"/>
+            <a:t>(Ⅲ)3</a:t>
           </a:r>
           <a:r>
             <a:rPr kumimoji="1" lang="ja-JP" altLang="en-US" dirty="0" smtClean="0"/>
-            <a:t>セグメント</a:t>
-          </a:r>
-          <a:r>
-            <a:rPr kumimoji="1" lang="ja-JP" altLang="en-US" dirty="0" smtClean="0"/>
-            <a:t>構成</a:t>
+            <a:t>セグメント構成</a:t>
           </a:r>
           <a:endParaRPr kumimoji="1" lang="ja-JP" altLang="en-US" dirty="0"/>
         </a:p>
@@ -6149,7 +6141,7 @@
   </cdr:relSizeAnchor>
   <cdr:relSizeAnchor xmlns:cdr="http://schemas.openxmlformats.org/drawingml/2006/chartDrawing">
     <cdr:from>
-      <cdr:x>0.13175</cdr:x>
+      <cdr:x>0.10538</cdr:x>
       <cdr:y>0.81117</cdr:y>
     </cdr:from>
     <cdr:to>
@@ -6163,8 +6155,8 @@
       </cdr:nvSpPr>
       <cdr:spPr>
         <a:xfrm xmlns:a="http://schemas.openxmlformats.org/drawingml/2006/main">
-          <a:off x="1002768" y="3704303"/>
-          <a:ext cx="1728907" cy="399570"/>
+          <a:off x="877379" y="4052112"/>
+          <a:ext cx="2110782" cy="437097"/>
         </a:xfrm>
         <a:prstGeom xmlns:a="http://schemas.openxmlformats.org/drawingml/2006/main" prst="rect">
           <a:avLst/>
@@ -6176,7 +6168,7 @@
         <a:p xmlns:a="http://schemas.openxmlformats.org/drawingml/2006/main">
           <a:r>
             <a:rPr lang="en-US" altLang="ja-JP" sz="1800" dirty="0" smtClean="0"/>
-            <a:t>1</a:t>
+            <a:t>(Ⅰ)1</a:t>
           </a:r>
           <a:r>
             <a:rPr lang="ja-JP" altLang="en-US" sz="1800" dirty="0" smtClean="0"/>
@@ -6189,7 +6181,7 @@
   </cdr:relSizeAnchor>
   <cdr:relSizeAnchor xmlns:cdr="http://schemas.openxmlformats.org/drawingml/2006/chartDrawing">
     <cdr:from>
-      <cdr:x>0.43525</cdr:x>
+      <cdr:x>0.4149</cdr:x>
       <cdr:y>0.80715</cdr:y>
     </cdr:from>
     <cdr:to>
@@ -6203,8 +6195,8 @@
       </cdr:nvSpPr>
       <cdr:spPr>
         <a:xfrm xmlns:a="http://schemas.openxmlformats.org/drawingml/2006/main">
-          <a:off x="3312675" y="3685946"/>
-          <a:ext cx="1728907" cy="399570"/>
+          <a:off x="3454323" y="4032031"/>
+          <a:ext cx="2060589" cy="437096"/>
         </a:xfrm>
         <a:prstGeom xmlns:a="http://schemas.openxmlformats.org/drawingml/2006/main" prst="rect">
           <a:avLst/>
@@ -6279,16 +6271,12 @@
         </a:lstStyle>
         <a:p xmlns:a="http://schemas.openxmlformats.org/drawingml/2006/main">
           <a:r>
-            <a:rPr lang="en-US" altLang="ja-JP" sz="1800" dirty="0"/>
-            <a:t>2</a:t>
+            <a:rPr lang="en-US" altLang="ja-JP" sz="1800" dirty="0" smtClean="0"/>
+            <a:t>(Ⅱ)2</a:t>
           </a:r>
           <a:r>
             <a:rPr lang="ja-JP" altLang="en-US" sz="1800" dirty="0" smtClean="0"/>
-            <a:t>セグメント</a:t>
-          </a:r>
-          <a:r>
-            <a:rPr lang="ja-JP" altLang="en-US" sz="1800" dirty="0" smtClean="0"/>
-            <a:t>構成</a:t>
+            <a:t>セグメント構成</a:t>
           </a:r>
           <a:endParaRPr lang="ja-JP" altLang="en-US" sz="1800" dirty="0"/>
         </a:p>
@@ -6297,7 +6285,7 @@
   </cdr:relSizeAnchor>
   <cdr:relSizeAnchor xmlns:cdr="http://schemas.openxmlformats.org/drawingml/2006/chartDrawing">
     <cdr:from>
-      <cdr:x>0.73711</cdr:x>
+      <cdr:x>0.69946</cdr:x>
       <cdr:y>0.80378</cdr:y>
     </cdr:from>
     <cdr:to>
@@ -6311,8 +6299,8 @@
       </cdr:nvSpPr>
       <cdr:spPr>
         <a:xfrm xmlns:a="http://schemas.openxmlformats.org/drawingml/2006/main">
-          <a:off x="5610200" y="3670578"/>
-          <a:ext cx="1728907" cy="399570"/>
+          <a:off x="5823451" y="4015196"/>
+          <a:ext cx="2204726" cy="437097"/>
         </a:xfrm>
         <a:prstGeom xmlns:a="http://schemas.openxmlformats.org/drawingml/2006/main" prst="rect">
           <a:avLst/>
@@ -6387,16 +6375,12 @@
         </a:lstStyle>
         <a:p xmlns:a="http://schemas.openxmlformats.org/drawingml/2006/main">
           <a:r>
-            <a:rPr lang="en-US" altLang="ja-JP" sz="1800" dirty="0"/>
-            <a:t>3</a:t>
+            <a:rPr lang="en-US" altLang="ja-JP" sz="1800" dirty="0" smtClean="0"/>
+            <a:t>(Ⅲ)3</a:t>
           </a:r>
           <a:r>
             <a:rPr lang="ja-JP" altLang="en-US" sz="1800" dirty="0" smtClean="0"/>
-            <a:t>セグメント</a:t>
-          </a:r>
-          <a:r>
-            <a:rPr lang="ja-JP" altLang="en-US" sz="1800" dirty="0" smtClean="0"/>
-            <a:t>構成</a:t>
+            <a:t>セグメント構成</a:t>
           </a:r>
           <a:endParaRPr lang="ja-JP" altLang="en-US" sz="1800" dirty="0"/>
         </a:p>
@@ -6488,7 +6472,7 @@
           <a:p>
             <a:fld id="{1D2B6E0B-CE0C-4226-9022-18809A19516C}" type="datetimeFigureOut">
               <a:rPr kumimoji="1" lang="ja-JP" altLang="en-US" smtClean="0"/>
-              <a:t>2016/2/8</a:t>
+              <a:t>2016/2/9</a:t>
             </a:fld>
             <a:endParaRPr kumimoji="1" lang="ja-JP" altLang="en-US"/>
           </a:p>
@@ -6919,7 +6903,7 @@
           <a:p>
             <a:fld id="{A6C6E614-4836-42B6-A98A-93C794B969EB}" type="datetimeFigureOut">
               <a:rPr kumimoji="1" lang="ja-JP" altLang="en-US" smtClean="0"/>
-              <a:t>2016/2/8</a:t>
+              <a:t>2016/2/9</a:t>
             </a:fld>
             <a:endParaRPr kumimoji="1" lang="ja-JP" altLang="en-US"/>
           </a:p>
@@ -7121,7 +7105,7 @@
           <a:p>
             <a:fld id="{A6C6E614-4836-42B6-A98A-93C794B969EB}" type="datetimeFigureOut">
               <a:rPr kumimoji="1" lang="ja-JP" altLang="en-US" smtClean="0"/>
-              <a:t>2016/2/8</a:t>
+              <a:t>2016/2/9</a:t>
             </a:fld>
             <a:endParaRPr kumimoji="1" lang="ja-JP" altLang="en-US"/>
           </a:p>
@@ -7340,7 +7324,7 @@
           <a:p>
             <a:fld id="{A6C6E614-4836-42B6-A98A-93C794B969EB}" type="datetimeFigureOut">
               <a:rPr kumimoji="1" lang="ja-JP" altLang="en-US" smtClean="0"/>
-              <a:t>2016/2/8</a:t>
+              <a:t>2016/2/9</a:t>
             </a:fld>
             <a:endParaRPr kumimoji="1" lang="ja-JP" altLang="en-US"/>
           </a:p>
@@ -7886,7 +7870,7 @@
           <a:p>
             <a:fld id="{F5A27BD4-75F9-4C2C-8D66-695067FA1892}" type="datetimeFigureOut">
               <a:rPr kumimoji="1" lang="ja-JP" altLang="en-US" smtClean="0"/>
-              <a:t>2016/2/8</a:t>
+              <a:t>2016/2/9</a:t>
             </a:fld>
             <a:endParaRPr kumimoji="1" lang="ja-JP" altLang="en-US"/>
           </a:p>
@@ -8236,7 +8220,7 @@
           <a:p>
             <a:fld id="{F5A27BD4-75F9-4C2C-8D66-695067FA1892}" type="datetimeFigureOut">
               <a:rPr kumimoji="1" lang="ja-JP" altLang="en-US" smtClean="0"/>
-              <a:t>2016/2/8</a:t>
+              <a:t>2016/2/9</a:t>
             </a:fld>
             <a:endParaRPr kumimoji="1" lang="ja-JP" altLang="en-US"/>
           </a:p>
@@ -8582,7 +8566,7 @@
           <a:p>
             <a:fld id="{F5A27BD4-75F9-4C2C-8D66-695067FA1892}" type="datetimeFigureOut">
               <a:rPr kumimoji="1" lang="ja-JP" altLang="en-US" smtClean="0"/>
-              <a:t>2016/2/8</a:t>
+              <a:t>2016/2/9</a:t>
             </a:fld>
             <a:endParaRPr kumimoji="1" lang="ja-JP" altLang="en-US"/>
           </a:p>
@@ -9032,7 +9016,7 @@
           <a:p>
             <a:fld id="{F5A27BD4-75F9-4C2C-8D66-695067FA1892}" type="datetimeFigureOut">
               <a:rPr kumimoji="1" lang="ja-JP" altLang="en-US" smtClean="0"/>
-              <a:t>2016/2/8</a:t>
+              <a:t>2016/2/9</a:t>
             </a:fld>
             <a:endParaRPr kumimoji="1" lang="ja-JP" altLang="en-US"/>
           </a:p>
@@ -9157,7 +9141,7 @@
           <a:p>
             <a:fld id="{F5A27BD4-75F9-4C2C-8D66-695067FA1892}" type="datetimeFigureOut">
               <a:rPr kumimoji="1" lang="ja-JP" altLang="en-US" smtClean="0"/>
-              <a:t>2016/2/8</a:t>
+              <a:t>2016/2/9</a:t>
             </a:fld>
             <a:endParaRPr kumimoji="1" lang="ja-JP" altLang="en-US"/>
           </a:p>
@@ -9335,7 +9319,7 @@
           <a:p>
             <a:fld id="{F5A27BD4-75F9-4C2C-8D66-695067FA1892}" type="datetimeFigureOut">
               <a:rPr kumimoji="1" lang="ja-JP" altLang="en-US" smtClean="0"/>
-              <a:t>2016/2/8</a:t>
+              <a:t>2016/2/9</a:t>
             </a:fld>
             <a:endParaRPr kumimoji="1" lang="ja-JP" altLang="en-US"/>
           </a:p>
@@ -9728,7 +9712,7 @@
           <a:p>
             <a:fld id="{F5A27BD4-75F9-4C2C-8D66-695067FA1892}" type="datetimeFigureOut">
               <a:rPr kumimoji="1" lang="ja-JP" altLang="en-US" smtClean="0"/>
-              <a:t>2016/2/8</a:t>
+              <a:t>2016/2/9</a:t>
             </a:fld>
             <a:endParaRPr kumimoji="1" lang="ja-JP" altLang="en-US"/>
           </a:p>
@@ -9958,7 +9942,7 @@
           <a:p>
             <a:fld id="{A6C6E614-4836-42B6-A98A-93C794B969EB}" type="datetimeFigureOut">
               <a:rPr kumimoji="1" lang="ja-JP" altLang="en-US" smtClean="0"/>
-              <a:t>2016/2/8</a:t>
+              <a:t>2016/2/9</a:t>
             </a:fld>
             <a:endParaRPr kumimoji="1" lang="ja-JP" altLang="en-US"/>
           </a:p>
@@ -10319,7 +10303,7 @@
           <a:p>
             <a:fld id="{F5A27BD4-75F9-4C2C-8D66-695067FA1892}" type="datetimeFigureOut">
               <a:rPr kumimoji="1" lang="ja-JP" altLang="en-US" smtClean="0"/>
-              <a:t>2016/2/8</a:t>
+              <a:t>2016/2/9</a:t>
             </a:fld>
             <a:endParaRPr kumimoji="1" lang="ja-JP" altLang="en-US"/>
           </a:p>
@@ -10521,7 +10505,7 @@
           <a:p>
             <a:fld id="{F5A27BD4-75F9-4C2C-8D66-695067FA1892}" type="datetimeFigureOut">
               <a:rPr kumimoji="1" lang="ja-JP" altLang="en-US" smtClean="0"/>
-              <a:t>2016/2/8</a:t>
+              <a:t>2016/2/9</a:t>
             </a:fld>
             <a:endParaRPr kumimoji="1" lang="ja-JP" altLang="en-US"/>
           </a:p>
@@ -10809,7 +10793,7 @@
           <a:p>
             <a:fld id="{F5A27BD4-75F9-4C2C-8D66-695067FA1892}" type="datetimeFigureOut">
               <a:rPr kumimoji="1" lang="ja-JP" altLang="en-US" smtClean="0"/>
-              <a:t>2016/2/8</a:t>
+              <a:t>2016/2/9</a:t>
             </a:fld>
             <a:endParaRPr kumimoji="1" lang="ja-JP" altLang="en-US"/>
           </a:p>
@@ -10927,7 +10911,7 @@
           <a:p>
             <a:fld id="{F5A27BD4-75F9-4C2C-8D66-695067FA1892}" type="datetimeFigureOut">
               <a:rPr kumimoji="1" lang="ja-JP" altLang="en-US" smtClean="0"/>
-              <a:t>2016/2/8</a:t>
+              <a:t>2016/2/9</a:t>
             </a:fld>
             <a:endParaRPr kumimoji="1" lang="ja-JP" altLang="en-US"/>
           </a:p>
@@ -11180,7 +11164,7 @@
           <a:p>
             <a:fld id="{A6C6E614-4836-42B6-A98A-93C794B969EB}" type="datetimeFigureOut">
               <a:rPr kumimoji="1" lang="ja-JP" altLang="en-US" smtClean="0"/>
-              <a:t>2016/2/8</a:t>
+              <a:t>2016/2/9</a:t>
             </a:fld>
             <a:endParaRPr kumimoji="1" lang="ja-JP" altLang="en-US"/>
           </a:p>
@@ -11476,7 +11460,7 @@
           <a:p>
             <a:fld id="{A6C6E614-4836-42B6-A98A-93C794B969EB}" type="datetimeFigureOut">
               <a:rPr kumimoji="1" lang="ja-JP" altLang="en-US" smtClean="0"/>
-              <a:t>2016/2/8</a:t>
+              <a:t>2016/2/9</a:t>
             </a:fld>
             <a:endParaRPr kumimoji="1" lang="ja-JP" altLang="en-US"/>
           </a:p>
@@ -11907,7 +11891,7 @@
           <a:p>
             <a:fld id="{A6C6E614-4836-42B6-A98A-93C794B969EB}" type="datetimeFigureOut">
               <a:rPr kumimoji="1" lang="ja-JP" altLang="en-US" smtClean="0"/>
-              <a:t>2016/2/8</a:t>
+              <a:t>2016/2/9</a:t>
             </a:fld>
             <a:endParaRPr kumimoji="1" lang="ja-JP" altLang="en-US"/>
           </a:p>
@@ -12025,7 +12009,7 @@
           <a:p>
             <a:fld id="{A6C6E614-4836-42B6-A98A-93C794B969EB}" type="datetimeFigureOut">
               <a:rPr kumimoji="1" lang="ja-JP" altLang="en-US" smtClean="0"/>
-              <a:t>2016/2/8</a:t>
+              <a:t>2016/2/9</a:t>
             </a:fld>
             <a:endParaRPr kumimoji="1" lang="ja-JP" altLang="en-US"/>
           </a:p>
@@ -12120,7 +12104,7 @@
           <a:p>
             <a:fld id="{A6C6E614-4836-42B6-A98A-93C794B969EB}" type="datetimeFigureOut">
               <a:rPr kumimoji="1" lang="ja-JP" altLang="en-US" smtClean="0"/>
-              <a:t>2016/2/8</a:t>
+              <a:t>2016/2/9</a:t>
             </a:fld>
             <a:endParaRPr kumimoji="1" lang="ja-JP" altLang="en-US"/>
           </a:p>
@@ -12429,7 +12413,7 @@
           <a:p>
             <a:fld id="{A6C6E614-4836-42B6-A98A-93C794B969EB}" type="datetimeFigureOut">
               <a:rPr kumimoji="1" lang="ja-JP" altLang="en-US" smtClean="0"/>
-              <a:t>2016/2/8</a:t>
+              <a:t>2016/2/9</a:t>
             </a:fld>
             <a:endParaRPr kumimoji="1" lang="ja-JP" altLang="en-US"/>
           </a:p>
@@ -12689,7 +12673,7 @@
           <a:p>
             <a:fld id="{A6C6E614-4836-42B6-A98A-93C794B969EB}" type="datetimeFigureOut">
               <a:rPr kumimoji="1" lang="ja-JP" altLang="en-US" smtClean="0"/>
-              <a:t>2016/2/8</a:t>
+              <a:t>2016/2/9</a:t>
             </a:fld>
             <a:endParaRPr kumimoji="1" lang="ja-JP" altLang="en-US"/>
           </a:p>
@@ -12941,7 +12925,7 @@
           <a:p>
             <a:fld id="{A6C6E614-4836-42B6-A98A-93C794B969EB}" type="datetimeFigureOut">
               <a:rPr kumimoji="1" lang="ja-JP" altLang="en-US" smtClean="0"/>
-              <a:t>2016/2/8</a:t>
+              <a:t>2016/2/9</a:t>
             </a:fld>
             <a:endParaRPr kumimoji="1" lang="ja-JP" altLang="en-US"/>
           </a:p>
@@ -13533,7 +13517,7 @@
           <a:p>
             <a:fld id="{A6C6E614-4836-42B6-A98A-93C794B969EB}" type="datetimeFigureOut">
               <a:rPr kumimoji="1" lang="ja-JP" altLang="en-US" smtClean="0"/>
-              <a:t>2016/2/8</a:t>
+              <a:t>2016/2/9</a:t>
             </a:fld>
             <a:endParaRPr kumimoji="1" lang="ja-JP" altLang="en-US"/>
           </a:p>
@@ -14257,6 +14241,10 @@
               <a:rPr kumimoji="1" lang="ja-JP" altLang="en-US" b="1" dirty="0" smtClean="0"/>
               <a:t>評価</a:t>
             </a:r>
+            <a:r>
+              <a:rPr kumimoji="1" lang="en-US" altLang="ja-JP" b="1" dirty="0" smtClean="0"/>
+              <a:t>(2/4)</a:t>
+            </a:r>
             <a:endParaRPr kumimoji="1" lang="ja-JP" altLang="en-US" b="1" dirty="0"/>
           </a:p>
         </p:txBody>
@@ -14335,7 +14323,7 @@
           <p:nvPr>
             <p:extLst>
               <p:ext uri="{D42A27DB-BD31-4B8C-83A1-F6EECF244321}">
-                <p14:modId xmlns:p14="http://schemas.microsoft.com/office/powerpoint/2010/main" val="2349113100"/>
+                <p14:modId xmlns:p14="http://schemas.microsoft.com/office/powerpoint/2010/main" val="1383408947"/>
               </p:ext>
             </p:extLst>
           </p:nvPr>
@@ -14360,6 +14348,13 @@
   <p:clrMapOvr>
     <a:masterClrMapping/>
   </p:clrMapOvr>
+  <p:timing>
+    <p:tnLst>
+      <p:par>
+        <p:cTn id="1" dur="indefinite" restart="never" nodeType="tmRoot"/>
+      </p:par>
+    </p:tnLst>
+  </p:timing>
 </p:sld>
 </file>
 
@@ -14399,6 +14394,10 @@
               <a:rPr kumimoji="1" lang="ja-JP" altLang="en-US" b="1" dirty="0" smtClean="0"/>
               <a:t>評価</a:t>
             </a:r>
+            <a:r>
+              <a:rPr kumimoji="1" lang="en-US" altLang="ja-JP" b="1" dirty="0" smtClean="0"/>
+              <a:t>(3/4)</a:t>
+            </a:r>
             <a:endParaRPr kumimoji="1" lang="ja-JP" altLang="en-US" b="1" dirty="0"/>
           </a:p>
         </p:txBody>
@@ -14412,7 +14411,7 @@
           <p:nvPr>
             <p:extLst>
               <p:ext uri="{D42A27DB-BD31-4B8C-83A1-F6EECF244321}">
-                <p14:modId xmlns:p14="http://schemas.microsoft.com/office/powerpoint/2010/main" val="3529431356"/>
+                <p14:modId xmlns:p14="http://schemas.microsoft.com/office/powerpoint/2010/main" val="171154326"/>
               </p:ext>
             </p:extLst>
           </p:nvPr>
@@ -14451,7 +14450,7 @@
           <a:p>
             <a:r>
               <a:rPr kumimoji="1" lang="en-US" altLang="ja-JP" dirty="0" smtClean="0"/>
-              <a:t>1</a:t>
+              <a:t>(Ⅰ)1</a:t>
             </a:r>
             <a:r>
               <a:rPr kumimoji="1" lang="ja-JP" altLang="en-US" dirty="0" smtClean="0"/>
@@ -14536,6 +14535,13 @@
   <p:clrMapOvr>
     <a:masterClrMapping/>
   </p:clrMapOvr>
+  <p:timing>
+    <p:tnLst>
+      <p:par>
+        <p:cTn id="1" dur="indefinite" restart="never" nodeType="tmRoot"/>
+      </p:par>
+    </p:tnLst>
+  </p:timing>
 </p:sld>
 </file>
 
@@ -14575,6 +14581,10 @@
               <a:rPr kumimoji="1" lang="ja-JP" altLang="en-US" b="1" dirty="0" smtClean="0"/>
               <a:t>評価</a:t>
             </a:r>
+            <a:r>
+              <a:rPr kumimoji="1" lang="en-US" altLang="ja-JP" b="1" dirty="0" smtClean="0"/>
+              <a:t>(4/4)</a:t>
+            </a:r>
             <a:endParaRPr kumimoji="1" lang="ja-JP" altLang="en-US" b="1" dirty="0"/>
           </a:p>
         </p:txBody>
@@ -14588,7 +14598,7 @@
           <p:nvPr>
             <p:extLst>
               <p:ext uri="{D42A27DB-BD31-4B8C-83A1-F6EECF244321}">
-                <p14:modId xmlns:p14="http://schemas.microsoft.com/office/powerpoint/2010/main" val="1586921864"/>
+                <p14:modId xmlns:p14="http://schemas.microsoft.com/office/powerpoint/2010/main" val="2695571114"/>
               </p:ext>
             </p:extLst>
           </p:nvPr>
@@ -14678,6 +14688,13 @@
   <p:clrMapOvr>
     <a:masterClrMapping/>
   </p:clrMapOvr>
+  <p:timing>
+    <p:tnLst>
+      <p:par>
+        <p:cTn id="1" dur="indefinite" restart="never" nodeType="tmRoot"/>
+      </p:par>
+    </p:tnLst>
+  </p:timing>
 </p:sld>
 </file>
 
@@ -14831,7 +14848,15 @@
             </a:pPr>
             <a:r>
               <a:rPr kumimoji="1" lang="ja-JP" altLang="en-US" sz="2400" u="sng" dirty="0" smtClean="0"/>
-              <a:t>従来の方式よりも学習時間が少なく，短時間かつ正確に</a:t>
+              <a:t>従来の方式よりも学習時間が少なく</a:t>
+            </a:r>
+            <a:r>
+              <a:rPr kumimoji="1" lang="ja-JP" altLang="en-US" sz="2400" u="sng" dirty="0" smtClean="0"/>
+              <a:t>，容易で短時間</a:t>
+            </a:r>
+            <a:r>
+              <a:rPr kumimoji="1" lang="ja-JP" altLang="en-US" sz="2400" u="sng" dirty="0" smtClean="0"/>
+              <a:t>かつ正確に</a:t>
             </a:r>
             <a:r>
               <a:rPr kumimoji="1" lang="en-US" altLang="ja-JP" sz="2400" u="sng" dirty="0" smtClean="0"/>
@@ -14842,6 +14867,104 @@
               <a:t>テンプレートファイルを作成可能</a:t>
             </a:r>
             <a:endParaRPr kumimoji="1" lang="ja-JP" altLang="en-US" sz="2400" u="sng" dirty="0"/>
+          </a:p>
+        </p:txBody>
+      </p:sp>
+      <p:sp>
+        <p:nvSpPr>
+          <p:cNvPr id="3" name="テキスト ボックス 2"/>
+          <p:cNvSpPr txBox="1"/>
+          <p:nvPr/>
+        </p:nvSpPr>
+        <p:spPr>
+          <a:xfrm>
+            <a:off x="187062" y="3676268"/>
+            <a:ext cx="4438726" cy="461665"/>
+          </a:xfrm>
+          <a:prstGeom prst="rect">
+            <a:avLst/>
+          </a:prstGeom>
+          <a:noFill/>
+        </p:spPr>
+        <p:txBody>
+          <a:bodyPr wrap="square" rtlCol="0">
+            <a:spAutoFit/>
+          </a:bodyPr>
+          <a:lstStyle/>
+          <a:p>
+            <a:r>
+              <a:rPr kumimoji="1" lang="ja-JP" altLang="en-US" sz="2400" dirty="0" smtClean="0">
+                <a:solidFill>
+                  <a:srgbClr val="00B0F0"/>
+                </a:solidFill>
+              </a:rPr>
+              <a:t>今後の課題</a:t>
+            </a:r>
+            <a:endParaRPr kumimoji="1" lang="ja-JP" altLang="en-US" sz="2400" dirty="0">
+              <a:solidFill>
+                <a:srgbClr val="00B0F0"/>
+              </a:solidFill>
+            </a:endParaRPr>
+          </a:p>
+        </p:txBody>
+      </p:sp>
+      <p:sp>
+        <p:nvSpPr>
+          <p:cNvPr id="6" name="テキスト ボックス 5"/>
+          <p:cNvSpPr txBox="1"/>
+          <p:nvPr/>
+        </p:nvSpPr>
+        <p:spPr>
+          <a:xfrm>
+            <a:off x="322289" y="4242216"/>
+            <a:ext cx="8619344" cy="1015663"/>
+          </a:xfrm>
+          <a:prstGeom prst="rect">
+            <a:avLst/>
+          </a:prstGeom>
+          <a:noFill/>
+        </p:spPr>
+        <p:txBody>
+          <a:bodyPr wrap="square" rtlCol="0">
+            <a:spAutoFit/>
+          </a:bodyPr>
+          <a:lstStyle/>
+          <a:p>
+            <a:pPr marL="285750" indent="-285750">
+              <a:buFont typeface="Wingdings" panose="05000000000000000000" pitchFamily="2" charset="2"/>
+              <a:buChar char="u"/>
+            </a:pPr>
+            <a:r>
+              <a:rPr lang="ja-JP" altLang="en-US" sz="2000" dirty="0" smtClean="0"/>
+              <a:t>項目の削除機能追加</a:t>
+            </a:r>
+            <a:endParaRPr lang="en-US" altLang="ja-JP" sz="2000" dirty="0" smtClean="0"/>
+          </a:p>
+          <a:p>
+            <a:pPr marL="285750" indent="-285750">
+              <a:buFont typeface="Wingdings" panose="05000000000000000000" pitchFamily="2" charset="2"/>
+              <a:buChar char="u"/>
+            </a:pPr>
+            <a:r>
+              <a:rPr kumimoji="1" lang="ja-JP" altLang="en-US" sz="2000" dirty="0" smtClean="0"/>
+              <a:t>インスタンス，ネットワークを複数個同時に追加可能に</a:t>
+            </a:r>
+            <a:endParaRPr kumimoji="1" lang="en-US" altLang="ja-JP" sz="2000" dirty="0" smtClean="0"/>
+          </a:p>
+          <a:p>
+            <a:pPr marL="285750" indent="-285750">
+              <a:buFont typeface="Wingdings" panose="05000000000000000000" pitchFamily="2" charset="2"/>
+              <a:buChar char="u"/>
+            </a:pPr>
+            <a:r>
+              <a:rPr lang="ja-JP" altLang="en-US" sz="2000" dirty="0"/>
+              <a:t>構築可能</a:t>
+            </a:r>
+            <a:r>
+              <a:rPr lang="ja-JP" altLang="en-US" sz="2000" dirty="0" smtClean="0"/>
+              <a:t>なシステム構成規模の増大</a:t>
+            </a:r>
+            <a:endParaRPr kumimoji="1" lang="ja-JP" altLang="en-US" sz="2000" dirty="0"/>
           </a:p>
         </p:txBody>
       </p:sp>
@@ -14855,6 +14978,81 @@
   <p:clrMapOvr>
     <a:masterClrMapping/>
   </p:clrMapOvr>
+  <p:timing>
+    <p:tnLst>
+      <p:par>
+        <p:cTn id="1" dur="indefinite" restart="never" nodeType="tmRoot"/>
+      </p:par>
+    </p:tnLst>
+  </p:timing>
+</p:sld>
+</file>
+
+<file path=ppt/slides/slide14.xml><?xml version="1.0" encoding="utf-8"?>
+<p:sld xmlns:a="http://schemas.openxmlformats.org/drawingml/2006/main" xmlns:r="http://schemas.openxmlformats.org/officeDocument/2006/relationships" xmlns:p="http://schemas.openxmlformats.org/presentationml/2006/main">
+  <p:cSld>
+    <p:spTree>
+      <p:nvGrpSpPr>
+        <p:cNvPr id="1" name=""/>
+        <p:cNvGrpSpPr/>
+        <p:nvPr/>
+      </p:nvGrpSpPr>
+      <p:grpSpPr>
+        <a:xfrm>
+          <a:off x="0" y="0"/>
+          <a:ext cx="0" cy="0"/>
+          <a:chOff x="0" y="0"/>
+          <a:chExt cx="0" cy="0"/>
+        </a:xfrm>
+      </p:grpSpPr>
+      <p:sp>
+        <p:nvSpPr>
+          <p:cNvPr id="4" name="テキスト ボックス 3"/>
+          <p:cNvSpPr txBox="1"/>
+          <p:nvPr/>
+        </p:nvSpPr>
+        <p:spPr>
+          <a:xfrm>
+            <a:off x="0" y="3552669"/>
+            <a:ext cx="9143999" cy="523220"/>
+          </a:xfrm>
+          <a:prstGeom prst="rect">
+            <a:avLst/>
+          </a:prstGeom>
+          <a:noFill/>
+        </p:spPr>
+        <p:txBody>
+          <a:bodyPr wrap="square" rtlCol="0">
+            <a:spAutoFit/>
+          </a:bodyPr>
+          <a:lstStyle/>
+          <a:p>
+            <a:pPr algn="ctr"/>
+            <a:r>
+              <a:rPr kumimoji="1" lang="ja-JP" altLang="en-US" sz="2800" dirty="0" smtClean="0"/>
+              <a:t>ご静聴ありがとうございました。</a:t>
+            </a:r>
+            <a:endParaRPr kumimoji="1" lang="ja-JP" altLang="en-US" sz="2800" dirty="0"/>
+          </a:p>
+        </p:txBody>
+      </p:sp>
+    </p:spTree>
+    <p:extLst>
+      <p:ext uri="{BB962C8B-B14F-4D97-AF65-F5344CB8AC3E}">
+        <p14:creationId xmlns:p14="http://schemas.microsoft.com/office/powerpoint/2010/main" val="490506969"/>
+      </p:ext>
+    </p:extLst>
+  </p:cSld>
+  <p:clrMapOvr>
+    <a:masterClrMapping/>
+  </p:clrMapOvr>
+  <p:timing>
+    <p:tnLst>
+      <p:par>
+        <p:cTn id="1" dur="indefinite" restart="never" nodeType="tmRoot"/>
+      </p:par>
+    </p:tnLst>
+  </p:timing>
 </p:sld>
 </file>
 
@@ -15410,7 +15608,7 @@
         </p:nvSpPr>
         <p:spPr>
           <a:xfrm>
-            <a:off x="895149" y="2370144"/>
+            <a:off x="744722" y="2366821"/>
             <a:ext cx="7347857" cy="461665"/>
           </a:xfrm>
           <a:prstGeom prst="rect">
@@ -15501,7 +15699,7 @@
       </p:sp>
       <p:pic>
         <p:nvPicPr>
-          <p:cNvPr id="9" name="図 8"/>
+          <p:cNvPr id="10" name="図 9"/>
           <p:cNvPicPr>
             <a:picLocks noChangeAspect="1"/>
           </p:cNvPicPr>
@@ -15521,32 +15719,162 @@
         </p:blipFill>
         <p:spPr>
           <a:xfrm>
-            <a:off x="3024313" y="3765238"/>
-            <a:ext cx="2988227" cy="2988227"/>
+            <a:off x="4024415" y="2791036"/>
+            <a:ext cx="1631085" cy="3810146"/>
           </a:xfrm>
           <a:prstGeom prst="rect">
             <a:avLst/>
           </a:prstGeom>
         </p:spPr>
       </p:pic>
-      <p:sp>
-        <p:nvSpPr>
-          <p:cNvPr id="4" name="角丸四角形 3"/>
+      <p:pic>
+        <p:nvPicPr>
+          <p:cNvPr id="11" name="図 10"/>
+          <p:cNvPicPr>
+            <a:picLocks noChangeAspect="1"/>
+          </p:cNvPicPr>
+          <p:nvPr/>
+        </p:nvPicPr>
+        <p:blipFill>
+          <a:blip r:embed="rId3">
+            <a:extLst>
+              <a:ext uri="{28A0092B-C50C-407E-A947-70E740481C1C}">
+                <a14:useLocalDpi xmlns:a14="http://schemas.microsoft.com/office/drawing/2010/main" val="0"/>
+              </a:ext>
+            </a:extLst>
+          </a:blip>
+          <a:stretch>
+            <a:fillRect/>
+          </a:stretch>
+        </p:blipFill>
+        <p:spPr>
+          <a:xfrm>
+            <a:off x="5756718" y="2791036"/>
+            <a:ext cx="1677130" cy="3863934"/>
+          </a:xfrm>
+          <a:prstGeom prst="rect">
+            <a:avLst/>
+          </a:prstGeom>
+        </p:spPr>
+      </p:pic>
+      <p:pic>
+        <p:nvPicPr>
+          <p:cNvPr id="12" name="図 11"/>
+          <p:cNvPicPr>
+            <a:picLocks noChangeAspect="1"/>
+          </p:cNvPicPr>
+          <p:nvPr/>
+        </p:nvPicPr>
+        <p:blipFill>
+          <a:blip r:embed="rId4">
+            <a:extLst>
+              <a:ext uri="{28A0092B-C50C-407E-A947-70E740481C1C}">
+                <a14:useLocalDpi xmlns:a14="http://schemas.microsoft.com/office/drawing/2010/main" val="0"/>
+              </a:ext>
+            </a:extLst>
+          </a:blip>
+          <a:stretch>
+            <a:fillRect/>
+          </a:stretch>
+        </p:blipFill>
+        <p:spPr>
+          <a:xfrm>
+            <a:off x="7535066" y="2791036"/>
+            <a:ext cx="1523533" cy="1527988"/>
+          </a:xfrm>
+          <a:prstGeom prst="rect">
+            <a:avLst/>
+          </a:prstGeom>
+        </p:spPr>
+      </p:pic>
+      <p:cxnSp>
+        <p:nvCxnSpPr>
+          <p:cNvPr id="13" name="直線コネクタ 12"/>
+          <p:cNvCxnSpPr/>
+          <p:nvPr/>
+        </p:nvCxnSpPr>
+        <p:spPr>
+          <a:xfrm>
+            <a:off x="5655500" y="2752899"/>
+            <a:ext cx="0" cy="3848283"/>
+          </a:xfrm>
+          <a:prstGeom prst="line">
+            <a:avLst/>
+          </a:prstGeom>
+          <a:ln>
+            <a:solidFill>
+              <a:schemeClr val="tx1"/>
+            </a:solidFill>
+          </a:ln>
+        </p:spPr>
+        <p:style>
+          <a:lnRef idx="1">
+            <a:schemeClr val="accent1"/>
+          </a:lnRef>
+          <a:fillRef idx="0">
+            <a:schemeClr val="accent1"/>
+          </a:fillRef>
+          <a:effectRef idx="0">
+            <a:schemeClr val="accent1"/>
+          </a:effectRef>
+          <a:fontRef idx="minor">
+            <a:schemeClr val="tx1"/>
+          </a:fontRef>
+        </p:style>
+      </p:cxnSp>
+      <p:cxnSp>
+        <p:nvCxnSpPr>
+          <p:cNvPr id="14" name="直線コネクタ 13"/>
+          <p:cNvCxnSpPr/>
+          <p:nvPr/>
+        </p:nvCxnSpPr>
+        <p:spPr>
+          <a:xfrm>
+            <a:off x="7433848" y="2752899"/>
+            <a:ext cx="0" cy="3848283"/>
+          </a:xfrm>
+          <a:prstGeom prst="line">
+            <a:avLst/>
+          </a:prstGeom>
+          <a:ln>
+            <a:solidFill>
+              <a:schemeClr val="tx1"/>
+            </a:solidFill>
+          </a:ln>
+        </p:spPr>
+        <p:style>
+          <a:lnRef idx="1">
+            <a:schemeClr val="accent1"/>
+          </a:lnRef>
+          <a:fillRef idx="0">
+            <a:schemeClr val="accent1"/>
+          </a:fillRef>
+          <a:effectRef idx="0">
+            <a:schemeClr val="accent1"/>
+          </a:effectRef>
+          <a:fontRef idx="minor">
+            <a:schemeClr val="tx1"/>
+          </a:fontRef>
+        </p:style>
+      </p:cxnSp>
+      <p:sp>
+        <p:nvSpPr>
+          <p:cNvPr id="15" name="正方形/長方形 14"/>
           <p:cNvSpPr/>
           <p:nvPr/>
         </p:nvSpPr>
         <p:spPr>
           <a:xfrm>
-            <a:off x="2758568" y="3696020"/>
-            <a:ext cx="3196558" cy="3161980"/>
+            <a:off x="3956299" y="2752899"/>
+            <a:ext cx="5102300" cy="3848284"/>
           </a:xfrm>
-          <a:prstGeom prst="roundRect">
+          <a:prstGeom prst="rect">
             <a:avLst/>
           </a:prstGeom>
           <a:noFill/>
           <a:ln>
             <a:solidFill>
-              <a:srgbClr val="FF0000"/>
+              <a:schemeClr val="tx1"/>
             </a:solidFill>
           </a:ln>
         </p:spPr>
@@ -15575,6 +15903,36 @@
           </a:p>
         </p:txBody>
       </p:sp>
+      <p:sp>
+        <p:nvSpPr>
+          <p:cNvPr id="19" name="テキスト ボックス 18"/>
+          <p:cNvSpPr txBox="1"/>
+          <p:nvPr/>
+        </p:nvSpPr>
+        <p:spPr>
+          <a:xfrm>
+            <a:off x="5341038" y="2366821"/>
+            <a:ext cx="3117955" cy="338554"/>
+          </a:xfrm>
+          <a:prstGeom prst="rect">
+            <a:avLst/>
+          </a:prstGeom>
+          <a:noFill/>
+        </p:spPr>
+        <p:txBody>
+          <a:bodyPr wrap="square" rtlCol="0">
+            <a:spAutoFit/>
+          </a:bodyPr>
+          <a:lstStyle/>
+          <a:p>
+            <a:r>
+              <a:rPr kumimoji="1" lang="ja-JP" altLang="en-US" sz="1600" dirty="0" smtClean="0"/>
+              <a:t>テンプレートファイル例</a:t>
+            </a:r>
+            <a:endParaRPr kumimoji="1" lang="ja-JP" altLang="en-US" sz="1600" dirty="0"/>
+          </a:p>
+        </p:txBody>
+      </p:sp>
     </p:spTree>
     <p:extLst>
       <p:ext uri="{BB962C8B-B14F-4D97-AF65-F5344CB8AC3E}">
@@ -15585,6 +15943,13 @@
   <p:clrMapOvr>
     <a:masterClrMapping/>
   </p:clrMapOvr>
+  <p:timing>
+    <p:tnLst>
+      <p:par>
+        <p:cTn id="1" dur="indefinite" restart="never" nodeType="tmRoot"/>
+      </p:par>
+    </p:tnLst>
+  </p:timing>
 </p:sld>
 </file>
 
@@ -15644,8 +16009,8 @@
         </p:nvSpPr>
         <p:spPr>
           <a:xfrm>
-            <a:off x="976792" y="1315296"/>
-            <a:ext cx="7547410" cy="365399"/>
+            <a:off x="13290" y="1315296"/>
+            <a:ext cx="9130710" cy="365399"/>
           </a:xfrm>
         </p:spPr>
         <p:txBody>
@@ -15673,8 +16038,8 @@
         </p:nvSpPr>
         <p:spPr>
           <a:xfrm>
-            <a:off x="947745" y="1853293"/>
-            <a:ext cx="7576457" cy="954107"/>
+            <a:off x="13291" y="1853293"/>
+            <a:ext cx="9130710" cy="954107"/>
           </a:xfrm>
           <a:prstGeom prst="rect">
             <a:avLst/>
@@ -15689,20 +16054,36 @@
           <a:p>
             <a:pPr algn="ctr"/>
             <a:r>
-              <a:rPr lang="ja-JP" altLang="en-US" sz="2800" dirty="0">
-                <a:solidFill>
-                  <a:srgbClr val="FF0000"/>
-                </a:solidFill>
-              </a:rPr>
-              <a:t>テンプレートファイル</a:t>
-            </a:r>
-            <a:r>
               <a:rPr lang="ja-JP" altLang="en-US" sz="2800" dirty="0" smtClean="0">
                 <a:solidFill>
                   <a:srgbClr val="FF0000"/>
                 </a:solidFill>
               </a:rPr>
-              <a:t>記述に時間がかかり，</a:t>
+              <a:t>手動でのテンプレートファイル</a:t>
+            </a:r>
+            <a:r>
+              <a:rPr lang="ja-JP" altLang="en-US" sz="2800" dirty="0" smtClean="0">
+                <a:solidFill>
+                  <a:srgbClr val="FF0000"/>
+                </a:solidFill>
+              </a:rPr>
+              <a:t>記述</a:t>
+            </a:r>
+            <a:r>
+              <a:rPr lang="ja-JP" altLang="en-US" sz="2800" dirty="0" smtClean="0">
+                <a:solidFill>
+                  <a:srgbClr val="FF0000"/>
+                </a:solidFill>
+              </a:rPr>
+              <a:t>には時間</a:t>
+            </a:r>
+            <a:r>
+              <a:rPr lang="ja-JP" altLang="en-US" sz="2800" dirty="0" smtClean="0">
+                <a:solidFill>
+                  <a:srgbClr val="FF0000"/>
+                </a:solidFill>
+              </a:rPr>
+              <a:t>がかかり，</a:t>
             </a:r>
             <a:endParaRPr lang="en-US" altLang="ja-JP" sz="2800" dirty="0" smtClean="0">
               <a:solidFill>
@@ -15738,8 +16119,8 @@
         </p:nvSpPr>
         <p:spPr>
           <a:xfrm>
-            <a:off x="962268" y="3766026"/>
-            <a:ext cx="7547410" cy="365399"/>
+            <a:off x="13290" y="3766026"/>
+            <a:ext cx="9130710" cy="365399"/>
           </a:xfrm>
           <a:prstGeom prst="rect">
             <a:avLst/>
@@ -16016,8 +16397,8 @@
         </p:nvSpPr>
         <p:spPr>
           <a:xfrm>
-            <a:off x="976792" y="4316186"/>
-            <a:ext cx="7576457" cy="1384995"/>
+            <a:off x="13290" y="4316186"/>
+            <a:ext cx="9130710" cy="1384995"/>
           </a:xfrm>
           <a:prstGeom prst="rect">
             <a:avLst/>
@@ -16105,6 +16486,13 @@
   <p:clrMapOvr>
     <a:masterClrMapping/>
   </p:clrMapOvr>
+  <p:timing>
+    <p:tnLst>
+      <p:par>
+        <p:cTn id="1" dur="indefinite" restart="never" nodeType="tmRoot"/>
+      </p:par>
+    </p:tnLst>
+  </p:timing>
 </p:sld>
 </file>
 
@@ -16153,7 +16541,15 @@
             </a:r>
             <a:r>
               <a:rPr lang="ja-JP" altLang="en-US" b="1" dirty="0" smtClean="0"/>
-              <a:t>定義エディタの提案</a:t>
+              <a:t>定義エディタの</a:t>
+            </a:r>
+            <a:r>
+              <a:rPr lang="ja-JP" altLang="en-US" b="1" dirty="0" smtClean="0"/>
+              <a:t>提案</a:t>
+            </a:r>
+            <a:r>
+              <a:rPr lang="en-US" altLang="ja-JP" b="1" dirty="0" smtClean="0"/>
+              <a:t>(1/3)</a:t>
             </a:r>
             <a:endParaRPr kumimoji="1" lang="ja-JP" altLang="en-US" b="1" dirty="0"/>
           </a:p>
@@ -16230,8 +16626,27 @@
               <a:buChar char="u"/>
             </a:pPr>
             <a:r>
+              <a:rPr lang="ja-JP" altLang="en-US" sz="2000" dirty="0"/>
+              <a:t>詳細設定画面で入力項目をプルダウンメニューから選択</a:t>
+            </a:r>
+            <a:r>
+              <a:rPr lang="ja-JP" altLang="en-US" sz="2000" dirty="0" smtClean="0"/>
+              <a:t>する</a:t>
+            </a:r>
+            <a:endParaRPr kumimoji="1" lang="en-US" altLang="ja-JP" sz="2000" dirty="0" smtClean="0"/>
+          </a:p>
+          <a:p>
+            <a:pPr marL="342900" indent="-342900">
+              <a:buFont typeface="Wingdings" panose="05000000000000000000" pitchFamily="2" charset="2"/>
+              <a:buChar char="u"/>
+            </a:pPr>
+            <a:r>
               <a:rPr kumimoji="1" lang="ja-JP" altLang="en-US" sz="2000" dirty="0" smtClean="0"/>
-              <a:t>構成確認画面でシステム構築を可視化</a:t>
+              <a:t>構成</a:t>
+            </a:r>
+            <a:r>
+              <a:rPr kumimoji="1" lang="ja-JP" altLang="en-US" sz="2000" dirty="0" smtClean="0"/>
+              <a:t>確認画面でシステム構築を可視化</a:t>
             </a:r>
             <a:endParaRPr kumimoji="1" lang="en-US" altLang="ja-JP" sz="2000" dirty="0" smtClean="0"/>
           </a:p>
@@ -16242,18 +16657,11 @@
             </a:pPr>
             <a:r>
               <a:rPr kumimoji="1" lang="ja-JP" altLang="en-US" sz="2000" dirty="0" smtClean="0"/>
-              <a:t>詳細設定画面で入力項目をプルダウンメニューから選択する</a:t>
-            </a:r>
-            <a:endParaRPr kumimoji="1" lang="en-US" altLang="ja-JP" sz="2000" dirty="0" smtClean="0"/>
-          </a:p>
-          <a:p>
-            <a:pPr marL="285750" indent="-285750">
-              <a:buFont typeface="Wingdings" panose="05000000000000000000" pitchFamily="2" charset="2"/>
-              <a:buChar char="u"/>
-            </a:pPr>
+              <a:t>テンプレートファイル</a:t>
+            </a:r>
             <a:r>
               <a:rPr kumimoji="1" lang="ja-JP" altLang="en-US" sz="2000" dirty="0" smtClean="0"/>
-              <a:t>テンプレートファイル作成所要時間を短縮</a:t>
+              <a:t>作成所要時間を短縮</a:t>
             </a:r>
             <a:endParaRPr kumimoji="1" lang="ja-JP" altLang="en-US" sz="2000" dirty="0"/>
           </a:p>
@@ -16485,6 +16893,13 @@
   <p:clrMapOvr>
     <a:masterClrMapping/>
   </p:clrMapOvr>
+  <p:timing>
+    <p:tnLst>
+      <p:par>
+        <p:cTn id="1" dur="indefinite" restart="never" nodeType="tmRoot"/>
+      </p:par>
+    </p:tnLst>
+  </p:timing>
 </p:sld>
 </file>
 
@@ -16529,7 +16944,15 @@
           <a:p>
             <a:r>
               <a:rPr kumimoji="1" lang="ja-JP" altLang="en-US" b="1" dirty="0" smtClean="0"/>
-              <a:t>オーケストレーション定義エディタの提案</a:t>
+              <a:t>オーケストレーション定義エディタの</a:t>
+            </a:r>
+            <a:r>
+              <a:rPr kumimoji="1" lang="ja-JP" altLang="en-US" b="1" dirty="0" smtClean="0"/>
+              <a:t>提案</a:t>
+            </a:r>
+            <a:r>
+              <a:rPr kumimoji="1" lang="en-US" altLang="ja-JP" b="1" dirty="0" smtClean="0"/>
+              <a:t>(2/3)</a:t>
             </a:r>
             <a:endParaRPr kumimoji="1" lang="ja-JP" altLang="en-US" b="1" dirty="0"/>
           </a:p>
@@ -16963,6 +17386,13 @@
   <p:clrMapOvr>
     <a:masterClrMapping/>
   </p:clrMapOvr>
+  <p:timing>
+    <p:tnLst>
+      <p:par>
+        <p:cTn id="1" dur="indefinite" restart="never" nodeType="tmRoot"/>
+      </p:par>
+    </p:tnLst>
+  </p:timing>
 </p:sld>
 </file>
 
@@ -17011,7 +17441,15 @@
             </a:r>
             <a:r>
               <a:rPr lang="ja-JP" altLang="en-US" b="1" dirty="0" smtClean="0"/>
-              <a:t>エディタの提案</a:t>
+              <a:t>エディタの</a:t>
+            </a:r>
+            <a:r>
+              <a:rPr lang="ja-JP" altLang="en-US" b="1" dirty="0" smtClean="0"/>
+              <a:t>提案</a:t>
+            </a:r>
+            <a:r>
+              <a:rPr lang="en-US" altLang="ja-JP" b="1" dirty="0" smtClean="0"/>
+              <a:t>(3/3)</a:t>
             </a:r>
             <a:endParaRPr kumimoji="1" lang="ja-JP" altLang="en-US" b="1" dirty="0"/>
           </a:p>
@@ -17208,7 +17646,7 @@
         </p:nvSpPr>
         <p:spPr>
           <a:xfrm>
-            <a:off x="4103274" y="2566467"/>
+            <a:off x="4100246" y="2545555"/>
             <a:ext cx="4943290" cy="4291533"/>
           </a:xfrm>
           <a:prstGeom prst="roundRect">
@@ -17406,6 +17844,13 @@
   <p:clrMapOvr>
     <a:masterClrMapping/>
   </p:clrMapOvr>
+  <p:timing>
+    <p:tnLst>
+      <p:par>
+        <p:cTn id="1" dur="indefinite" restart="never" nodeType="tmRoot"/>
+      </p:par>
+    </p:tnLst>
+  </p:timing>
 </p:sld>
 </file>
 
@@ -17495,8 +17940,12 @@
           <a:lstStyle/>
           <a:p>
             <a:r>
-              <a:rPr lang="ja-JP" altLang="en-US" b="1" dirty="0"/>
+              <a:rPr lang="ja-JP" altLang="en-US" b="1" dirty="0" smtClean="0"/>
               <a:t>評価</a:t>
+            </a:r>
+            <a:r>
+              <a:rPr lang="en-US" altLang="ja-JP" b="1" dirty="0" smtClean="0"/>
+              <a:t>(1/4)</a:t>
             </a:r>
             <a:endParaRPr kumimoji="1" lang="ja-JP" altLang="en-US" b="1" dirty="0"/>
           </a:p>
@@ -18057,6 +18506,13 @@
   <p:clrMapOvr>
     <a:masterClrMapping/>
   </p:clrMapOvr>
+  <p:timing>
+    <p:tnLst>
+      <p:par>
+        <p:cTn id="1" dur="indefinite" restart="never" nodeType="tmRoot"/>
+      </p:par>
+    </p:tnLst>
+  </p:timing>
 </p:sld>
 </file>
 
